--- a/2023-01-17 Dotnet Foundation Summit 2023/ABP Multi-Tenancy.pptx
+++ b/2023-01-17 Dotnet Foundation Summit 2023/ABP Multi-Tenancy.pptx
@@ -9,8 +9,8 @@
     <p:sldId id="257" r:id="rId3"/>
     <p:sldId id="258" r:id="rId4"/>
     <p:sldId id="259" r:id="rId5"/>
-    <p:sldId id="260" r:id="rId6"/>
-    <p:sldId id="261" r:id="rId7"/>
+    <p:sldId id="261" r:id="rId6"/>
+    <p:sldId id="260" r:id="rId7"/>
     <p:sldId id="262" r:id="rId8"/>
     <p:sldId id="263" r:id="rId9"/>
     <p:sldId id="264" r:id="rId10"/>
@@ -291,7 +291,7 @@
           <a:p>
             <a:fld id="{2A14C9FE-EBC3-45D3-899C-58AAF4F8AF71}" type="datetimeFigureOut">
               <a:rPr lang="en-US" smtClean="0"/>
-              <a:t>28-Dec-22</a:t>
+              <a:t>12/30/2022</a:t>
             </a:fld>
             <a:endParaRPr lang="en-US"/>
           </a:p>
@@ -489,7 +489,7 @@
           <a:p>
             <a:fld id="{2A14C9FE-EBC3-45D3-899C-58AAF4F8AF71}" type="datetimeFigureOut">
               <a:rPr lang="en-US" smtClean="0"/>
-              <a:t>28-Dec-22</a:t>
+              <a:t>12/30/2022</a:t>
             </a:fld>
             <a:endParaRPr lang="en-US"/>
           </a:p>
@@ -697,7 +697,7 @@
           <a:p>
             <a:fld id="{2A14C9FE-EBC3-45D3-899C-58AAF4F8AF71}" type="datetimeFigureOut">
               <a:rPr lang="en-US" smtClean="0"/>
-              <a:t>28-Dec-22</a:t>
+              <a:t>12/30/2022</a:t>
             </a:fld>
             <a:endParaRPr lang="en-US"/>
           </a:p>
@@ -895,7 +895,7 @@
           <a:p>
             <a:fld id="{2A14C9FE-EBC3-45D3-899C-58AAF4F8AF71}" type="datetimeFigureOut">
               <a:rPr lang="en-US" smtClean="0"/>
-              <a:t>28-Dec-22</a:t>
+              <a:t>12/30/2022</a:t>
             </a:fld>
             <a:endParaRPr lang="en-US"/>
           </a:p>
@@ -1170,7 +1170,7 @@
           <a:p>
             <a:fld id="{2A14C9FE-EBC3-45D3-899C-58AAF4F8AF71}" type="datetimeFigureOut">
               <a:rPr lang="en-US" smtClean="0"/>
-              <a:t>28-Dec-22</a:t>
+              <a:t>12/30/2022</a:t>
             </a:fld>
             <a:endParaRPr lang="en-US"/>
           </a:p>
@@ -1435,7 +1435,7 @@
           <a:p>
             <a:fld id="{2A14C9FE-EBC3-45D3-899C-58AAF4F8AF71}" type="datetimeFigureOut">
               <a:rPr lang="en-US" smtClean="0"/>
-              <a:t>28-Dec-22</a:t>
+              <a:t>12/30/2022</a:t>
             </a:fld>
             <a:endParaRPr lang="en-US"/>
           </a:p>
@@ -1847,7 +1847,7 @@
           <a:p>
             <a:fld id="{2A14C9FE-EBC3-45D3-899C-58AAF4F8AF71}" type="datetimeFigureOut">
               <a:rPr lang="en-US" smtClean="0"/>
-              <a:t>28-Dec-22</a:t>
+              <a:t>12/30/2022</a:t>
             </a:fld>
             <a:endParaRPr lang="en-US"/>
           </a:p>
@@ -1988,7 +1988,7 @@
           <a:p>
             <a:fld id="{2A14C9FE-EBC3-45D3-899C-58AAF4F8AF71}" type="datetimeFigureOut">
               <a:rPr lang="en-US" smtClean="0"/>
-              <a:t>28-Dec-22</a:t>
+              <a:t>12/30/2022</a:t>
             </a:fld>
             <a:endParaRPr lang="en-US"/>
           </a:p>
@@ -2101,7 +2101,7 @@
           <a:p>
             <a:fld id="{2A14C9FE-EBC3-45D3-899C-58AAF4F8AF71}" type="datetimeFigureOut">
               <a:rPr lang="en-US" smtClean="0"/>
-              <a:t>28-Dec-22</a:t>
+              <a:t>12/30/2022</a:t>
             </a:fld>
             <a:endParaRPr lang="en-US"/>
           </a:p>
@@ -2412,7 +2412,7 @@
           <a:p>
             <a:fld id="{2A14C9FE-EBC3-45D3-899C-58AAF4F8AF71}" type="datetimeFigureOut">
               <a:rPr lang="en-US" smtClean="0"/>
-              <a:t>28-Dec-22</a:t>
+              <a:t>12/30/2022</a:t>
             </a:fld>
             <a:endParaRPr lang="en-US"/>
           </a:p>
@@ -2700,7 +2700,7 @@
           <a:p>
             <a:fld id="{2A14C9FE-EBC3-45D3-899C-58AAF4F8AF71}" type="datetimeFigureOut">
               <a:rPr lang="en-US" smtClean="0"/>
-              <a:t>28-Dec-22</a:t>
+              <a:t>12/30/2022</a:t>
             </a:fld>
             <a:endParaRPr lang="en-US"/>
           </a:p>
@@ -2941,7 +2941,7 @@
           <a:p>
             <a:fld id="{2A14C9FE-EBC3-45D3-899C-58AAF4F8AF71}" type="datetimeFigureOut">
               <a:rPr lang="en-US" smtClean="0"/>
-              <a:t>28-Dec-22</a:t>
+              <a:t>12/30/2022</a:t>
             </a:fld>
             <a:endParaRPr lang="en-US"/>
           </a:p>
@@ -4691,11 +4691,51 @@
           <a:lstStyle/>
           <a:p>
             <a:r>
-              <a:rPr lang="en-US" dirty="0">
-                <a:latin typeface="Euclid Circular B" panose="020B0504000000000000" pitchFamily="34" charset="0"/>
-                <a:ea typeface="Euclid Circular B" panose="020B0504000000000000" pitchFamily="34" charset="0"/>
-              </a:rPr>
-              <a:t>Content</a:t>
+              <a:rPr lang="tr-TR" dirty="0">
+                <a:latin typeface="Euclid Circular B" panose="020B0504000000000000" pitchFamily="34" charset="0"/>
+                <a:ea typeface="Euclid Circular B" panose="020B0504000000000000" pitchFamily="34" charset="0"/>
+              </a:rPr>
+              <a:t>Multi-Tenancy &amp; SaaS</a:t>
+            </a:r>
+            <a:endParaRPr lang="en-US" dirty="0">
+              <a:latin typeface="Euclid Circular B" panose="020B0504000000000000" pitchFamily="34" charset="0"/>
+              <a:ea typeface="Euclid Circular B" panose="020B0504000000000000" pitchFamily="34" charset="0"/>
+            </a:endParaRPr>
+          </a:p>
+          <a:p>
+            <a:r>
+              <a:rPr lang="tr-TR" dirty="0">
+                <a:latin typeface="Euclid Circular B" panose="020B0504000000000000" pitchFamily="34" charset="0"/>
+                <a:ea typeface="Euclid Circular B" panose="020B0504000000000000" pitchFamily="34" charset="0"/>
+              </a:rPr>
+              <a:t>About the ABP Framework</a:t>
+            </a:r>
+          </a:p>
+          <a:p>
+            <a:r>
+              <a:rPr lang="tr-TR" dirty="0">
+                <a:latin typeface="Euclid Circular B" panose="020B0504000000000000" pitchFamily="34" charset="0"/>
+                <a:ea typeface="Euclid Circular B" panose="020B0504000000000000" pitchFamily="34" charset="0"/>
+              </a:rPr>
+              <a:t>Demo: Multi-Tenancy in Action</a:t>
+            </a:r>
+          </a:p>
+          <a:p>
+            <a:r>
+              <a:rPr lang="tr-TR" dirty="0">
+                <a:latin typeface="Euclid Circular B" panose="020B0504000000000000" pitchFamily="34" charset="0"/>
+                <a:ea typeface="Euclid Circular B" panose="020B0504000000000000" pitchFamily="34" charset="0"/>
+              </a:rPr>
+              <a:t>Multi-Tenant Development with the ABP Framework</a:t>
+            </a:r>
+          </a:p>
+          <a:p>
+            <a:r>
+              <a:rPr lang="tr-TR" dirty="0">
+                <a:latin typeface="Euclid Circular B" panose="020B0504000000000000" pitchFamily="34" charset="0"/>
+                <a:ea typeface="Euclid Circular B" panose="020B0504000000000000" pitchFamily="34" charset="0"/>
+              </a:rPr>
+              <a:t>QA</a:t>
             </a:r>
           </a:p>
         </p:txBody>
@@ -5856,49 +5896,132 @@
           <a:lstStyle/>
           <a:p>
             <a:r>
-              <a:rPr lang="en-US" b="1" dirty="0">
+              <a:rPr lang="tr-TR" b="1" dirty="0">
                 <a:solidFill>
                   <a:srgbClr val="292D33"/>
                 </a:solidFill>
                 <a:latin typeface="Euclid Circular B" panose="020B0504000000000000" pitchFamily="34" charset="0"/>
                 <a:ea typeface="Euclid Circular B" panose="020B0504000000000000" pitchFamily="34" charset="0"/>
               </a:rPr>
-              <a:t>Topic title</a:t>
-            </a:r>
-          </a:p>
-        </p:txBody>
-      </p:sp>
-      <p:sp>
-        <p:nvSpPr>
-          <p:cNvPr id="3" name="Content Placeholder 2">
-            <a:extLst>
-              <a:ext uri="{FF2B5EF4-FFF2-40B4-BE49-F238E27FC236}">
-                <a16:creationId xmlns:a16="http://schemas.microsoft.com/office/drawing/2014/main" id="{891C7693-D3DF-4635-96F4-97F3B4136FDF}"/>
-              </a:ext>
-            </a:extLst>
-          </p:cNvPr>
-          <p:cNvSpPr>
-            <a:spLocks noGrp="1"/>
-          </p:cNvSpPr>
-          <p:nvPr>
-            <p:ph idx="1"/>
-          </p:nvPr>
-        </p:nvSpPr>
-        <p:spPr/>
-        <p:txBody>
-          <a:bodyPr/>
-          <a:lstStyle/>
-          <a:p>
-            <a:r>
-              <a:rPr lang="en-US" dirty="0">
-                <a:latin typeface="Euclid Circular B" panose="020B0504000000000000" pitchFamily="34" charset="0"/>
-                <a:ea typeface="Euclid Circular B" panose="020B0504000000000000" pitchFamily="34" charset="0"/>
-              </a:rPr>
-              <a:t>Content</a:t>
-            </a:r>
-          </a:p>
-        </p:txBody>
-      </p:sp>
+              <a:t>What is Software-as-a-Service (SaaS)?</a:t>
+            </a:r>
+            <a:endParaRPr lang="en-US" b="1" dirty="0">
+              <a:solidFill>
+                <a:srgbClr val="292D33"/>
+              </a:solidFill>
+              <a:latin typeface="Euclid Circular B" panose="020B0504000000000000" pitchFamily="34" charset="0"/>
+              <a:ea typeface="Euclid Circular B" panose="020B0504000000000000" pitchFamily="34" charset="0"/>
+            </a:endParaRPr>
+          </a:p>
+        </p:txBody>
+      </p:sp>
+      <p:pic>
+        <p:nvPicPr>
+          <p:cNvPr id="4" name="Picture 2" descr="Image result for saas">
+            <a:extLst>
+              <a:ext uri="{FF2B5EF4-FFF2-40B4-BE49-F238E27FC236}">
+                <a16:creationId xmlns:a16="http://schemas.microsoft.com/office/drawing/2014/main" id="{652ED9C8-8AD9-7524-D8E1-19883AC2618C}"/>
+              </a:ext>
+            </a:extLst>
+          </p:cNvPr>
+          <p:cNvPicPr>
+            <a:picLocks noChangeAspect="1" noChangeArrowheads="1"/>
+          </p:cNvPicPr>
+          <p:nvPr/>
+        </p:nvPicPr>
+        <p:blipFill>
+          <a:blip r:embed="rId3">
+            <a:extLst>
+              <a:ext uri="{28A0092B-C50C-407E-A947-70E740481C1C}">
+                <a14:useLocalDpi xmlns:a14="http://schemas.microsoft.com/office/drawing/2010/main" val="0"/>
+              </a:ext>
+            </a:extLst>
+          </a:blip>
+          <a:srcRect/>
+          <a:stretch>
+            <a:fillRect/>
+          </a:stretch>
+        </p:blipFill>
+        <p:spPr bwMode="auto">
+          <a:xfrm>
+            <a:off x="3160861" y="1566829"/>
+            <a:ext cx="5870277" cy="4351338"/>
+          </a:xfrm>
+          <a:prstGeom prst="rect">
+            <a:avLst/>
+          </a:prstGeom>
+          <a:noFill/>
+          <a:extLst>
+            <a:ext uri="{909E8E84-426E-40DD-AFC4-6F175D3DCCD1}">
+              <a14:hiddenFill xmlns:a14="http://schemas.microsoft.com/office/drawing/2010/main">
+                <a:solidFill>
+                  <a:srgbClr val="FFFFFF"/>
+                </a:solidFill>
+              </a14:hiddenFill>
+            </a:ext>
+          </a:extLst>
+        </p:spPr>
+      </p:pic>
+      <p:pic>
+        <p:nvPicPr>
+          <p:cNvPr id="5" name="Picture 4">
+            <a:extLst>
+              <a:ext uri="{FF2B5EF4-FFF2-40B4-BE49-F238E27FC236}">
+                <a16:creationId xmlns:a16="http://schemas.microsoft.com/office/drawing/2014/main" id="{35AE4DFC-EBBD-F5A2-41C8-A31AD70CB2D7}"/>
+              </a:ext>
+            </a:extLst>
+          </p:cNvPr>
+          <p:cNvPicPr>
+            <a:picLocks noChangeAspect="1"/>
+          </p:cNvPicPr>
+          <p:nvPr/>
+        </p:nvPicPr>
+        <p:blipFill>
+          <a:blip r:embed="rId4"/>
+          <a:stretch>
+            <a:fillRect/>
+          </a:stretch>
+        </p:blipFill>
+        <p:spPr>
+          <a:xfrm>
+            <a:off x="757495" y="2349562"/>
+            <a:ext cx="2317834" cy="2954005"/>
+          </a:xfrm>
+          <a:prstGeom prst="rect">
+            <a:avLst/>
+          </a:prstGeom>
+        </p:spPr>
+      </p:pic>
+      <p:pic>
+        <p:nvPicPr>
+          <p:cNvPr id="6" name="Picture 5">
+            <a:extLst>
+              <a:ext uri="{FF2B5EF4-FFF2-40B4-BE49-F238E27FC236}">
+                <a16:creationId xmlns:a16="http://schemas.microsoft.com/office/drawing/2014/main" id="{C6812660-BC73-8DFE-E5BB-35D5D2229A63}"/>
+              </a:ext>
+            </a:extLst>
+          </p:cNvPr>
+          <p:cNvPicPr>
+            <a:picLocks noChangeAspect="1"/>
+          </p:cNvPicPr>
+          <p:nvPr/>
+        </p:nvPicPr>
+        <p:blipFill>
+          <a:blip r:embed="rId5"/>
+          <a:stretch>
+            <a:fillRect/>
+          </a:stretch>
+        </p:blipFill>
+        <p:spPr>
+          <a:xfrm>
+            <a:off x="9116670" y="1566829"/>
+            <a:ext cx="2526374" cy="4351338"/>
+          </a:xfrm>
+          <a:prstGeom prst="rect">
+            <a:avLst/>
+          </a:prstGeom>
+        </p:spPr>
+      </p:pic>
     </p:spTree>
     <p:extLst>
       <p:ext uri="{BB962C8B-B14F-4D97-AF65-F5344CB8AC3E}">
@@ -6401,15 +6524,22 @@
           <a:lstStyle/>
           <a:p>
             <a:r>
-              <a:rPr lang="en-US" b="1" dirty="0">
+              <a:rPr lang="tr-TR" b="1" dirty="0">
                 <a:solidFill>
                   <a:srgbClr val="292D33"/>
                 </a:solidFill>
                 <a:latin typeface="Euclid Circular B" panose="020B0504000000000000" pitchFamily="34" charset="0"/>
                 <a:ea typeface="Euclid Circular B" panose="020B0504000000000000" pitchFamily="34" charset="0"/>
               </a:rPr>
-              <a:t>Topic title</a:t>
-            </a:r>
+              <a:t>What is Multi-Tenancy?</a:t>
+            </a:r>
+            <a:endParaRPr lang="en-US" b="1" dirty="0">
+              <a:solidFill>
+                <a:srgbClr val="292D33"/>
+              </a:solidFill>
+              <a:latin typeface="Euclid Circular B" panose="020B0504000000000000" pitchFamily="34" charset="0"/>
+              <a:ea typeface="Euclid Circular B" panose="020B0504000000000000" pitchFamily="34" charset="0"/>
+            </a:endParaRPr>
           </a:p>
         </p:txBody>
       </p:sp>
@@ -6431,16 +6561,168 @@
         </p:nvSpPr>
         <p:spPr/>
         <p:txBody>
-          <a:bodyPr/>
-          <a:lstStyle/>
-          <a:p>
-            <a:r>
-              <a:rPr lang="en-US" dirty="0">
-                <a:latin typeface="Euclid Circular B" panose="020B0504000000000000" pitchFamily="34" charset="0"/>
-                <a:ea typeface="Euclid Circular B" panose="020B0504000000000000" pitchFamily="34" charset="0"/>
-              </a:rPr>
-              <a:t>Content</a:t>
-            </a:r>
+          <a:bodyPr>
+            <a:normAutofit lnSpcReduction="10000"/>
+          </a:bodyPr>
+          <a:lstStyle/>
+          <a:p>
+            <a:r>
+              <a:rPr lang="tr-TR" dirty="0">
+                <a:latin typeface="Euclid Circular B" panose="020B0504000000000000" pitchFamily="34" charset="0"/>
+                <a:ea typeface="Euclid Circular B" panose="020B0504000000000000" pitchFamily="34" charset="0"/>
+              </a:rPr>
+              <a:t>A common approach to build SaaS solutions</a:t>
+            </a:r>
+          </a:p>
+          <a:p>
+            <a:r>
+              <a:rPr lang="tr-TR" dirty="0">
+                <a:latin typeface="Euclid Circular B" panose="020B0504000000000000" pitchFamily="34" charset="0"/>
+                <a:ea typeface="Euclid Circular B" panose="020B0504000000000000" pitchFamily="34" charset="0"/>
+              </a:rPr>
+              <a:t>Hardware &amp; software </a:t>
+            </a:r>
+            <a:r>
+              <a:rPr lang="tr-TR" b="1" dirty="0">
+                <a:latin typeface="Euclid Circular B" panose="020B0504000000000000" pitchFamily="34" charset="0"/>
+                <a:ea typeface="Euclid Circular B" panose="020B0504000000000000" pitchFamily="34" charset="0"/>
+              </a:rPr>
+              <a:t>resources are shared </a:t>
+            </a:r>
+            <a:r>
+              <a:rPr lang="tr-TR" dirty="0">
+                <a:latin typeface="Euclid Circular B" panose="020B0504000000000000" pitchFamily="34" charset="0"/>
+                <a:ea typeface="Euclid Circular B" panose="020B0504000000000000" pitchFamily="34" charset="0"/>
+              </a:rPr>
+              <a:t>among tenants</a:t>
+            </a:r>
+          </a:p>
+          <a:p>
+            <a:r>
+              <a:rPr lang="tr-TR" dirty="0">
+                <a:latin typeface="Euclid Circular B" panose="020B0504000000000000" pitchFamily="34" charset="0"/>
+                <a:ea typeface="Euclid Circular B" panose="020B0504000000000000" pitchFamily="34" charset="0"/>
+              </a:rPr>
+              <a:t>Users and application data are </a:t>
+            </a:r>
+            <a:r>
+              <a:rPr lang="tr-TR" b="1" dirty="0">
+                <a:latin typeface="Euclid Circular B" panose="020B0504000000000000" pitchFamily="34" charset="0"/>
+                <a:ea typeface="Euclid Circular B" panose="020B0504000000000000" pitchFamily="34" charset="0"/>
+              </a:rPr>
+              <a:t>isolated </a:t>
+            </a:r>
+            <a:r>
+              <a:rPr lang="tr-TR" dirty="0">
+                <a:latin typeface="Euclid Circular B" panose="020B0504000000000000" pitchFamily="34" charset="0"/>
+                <a:ea typeface="Euclid Circular B" panose="020B0504000000000000" pitchFamily="34" charset="0"/>
+              </a:rPr>
+              <a:t>between tenants</a:t>
+            </a:r>
+          </a:p>
+          <a:p>
+            <a:r>
+              <a:rPr lang="tr-TR" dirty="0">
+                <a:latin typeface="Euclid Circular B" panose="020B0504000000000000" pitchFamily="34" charset="0"/>
+                <a:ea typeface="Euclid Circular B" panose="020B0504000000000000" pitchFamily="34" charset="0"/>
+              </a:rPr>
+              <a:t>Concepts:</a:t>
+            </a:r>
+          </a:p>
+          <a:p>
+            <a:pPr lvl="1"/>
+            <a:r>
+              <a:rPr lang="tr-TR" b="1" dirty="0">
+                <a:latin typeface="Euclid Circular B" panose="020B0504000000000000" pitchFamily="34" charset="0"/>
+                <a:ea typeface="Euclid Circular B" panose="020B0504000000000000" pitchFamily="34" charset="0"/>
+              </a:rPr>
+              <a:t>Tenant</a:t>
+            </a:r>
+            <a:r>
+              <a:rPr lang="tr-TR" dirty="0">
+                <a:latin typeface="Euclid Circular B" panose="020B0504000000000000" pitchFamily="34" charset="0"/>
+                <a:ea typeface="Euclid Circular B" panose="020B0504000000000000" pitchFamily="34" charset="0"/>
+              </a:rPr>
+              <a:t>: An organization that uses the application or service (and pays for it)</a:t>
+            </a:r>
+          </a:p>
+          <a:p>
+            <a:pPr lvl="1"/>
+            <a:r>
+              <a:rPr lang="tr-TR" b="1" dirty="0">
+                <a:latin typeface="Euclid Circular B" panose="020B0504000000000000" pitchFamily="34" charset="0"/>
+                <a:ea typeface="Euclid Circular B" panose="020B0504000000000000" pitchFamily="34" charset="0"/>
+              </a:rPr>
+              <a:t>Host</a:t>
+            </a:r>
+            <a:r>
+              <a:rPr lang="tr-TR" dirty="0">
+                <a:latin typeface="Euclid Circular B" panose="020B0504000000000000" pitchFamily="34" charset="0"/>
+                <a:ea typeface="Euclid Circular B" panose="020B0504000000000000" pitchFamily="34" charset="0"/>
+              </a:rPr>
+              <a:t>: The organization that is responsible to provide the service and manage all the tenants</a:t>
+            </a:r>
+          </a:p>
+          <a:p>
+            <a:r>
+              <a:rPr lang="tr-TR" dirty="0">
+                <a:latin typeface="Euclid Circular B" panose="020B0504000000000000" pitchFamily="34" charset="0"/>
+                <a:ea typeface="Euclid Circular B" panose="020B0504000000000000" pitchFamily="34" charset="0"/>
+              </a:rPr>
+              <a:t>An ideal multi-tenant application codebase;</a:t>
+            </a:r>
+          </a:p>
+          <a:p>
+            <a:pPr lvl="1"/>
+            <a:r>
+              <a:rPr lang="tr-TR" dirty="0">
+                <a:latin typeface="Euclid Circular B" panose="020B0504000000000000" pitchFamily="34" charset="0"/>
+                <a:ea typeface="Euclid Circular B" panose="020B0504000000000000" pitchFamily="34" charset="0"/>
+              </a:rPr>
+              <a:t>Should be </a:t>
+            </a:r>
+            <a:r>
+              <a:rPr lang="tr-TR" b="1" dirty="0">
+                <a:latin typeface="Euclid Circular B" panose="020B0504000000000000" pitchFamily="34" charset="0"/>
+                <a:ea typeface="Euclid Circular B" panose="020B0504000000000000" pitchFamily="34" charset="0"/>
+              </a:rPr>
+              <a:t>unaware of multi-tenancy </a:t>
+            </a:r>
+            <a:r>
+              <a:rPr lang="tr-TR" dirty="0">
+                <a:latin typeface="Euclid Circular B" panose="020B0504000000000000" pitchFamily="34" charset="0"/>
+                <a:ea typeface="Euclid Circular B" panose="020B0504000000000000" pitchFamily="34" charset="0"/>
+              </a:rPr>
+              <a:t>as much as possible!</a:t>
+            </a:r>
+          </a:p>
+          <a:p>
+            <a:pPr lvl="1"/>
+            <a:r>
+              <a:rPr lang="tr-TR" dirty="0">
+                <a:latin typeface="Euclid Circular B" panose="020B0504000000000000" pitchFamily="34" charset="0"/>
+                <a:ea typeface="Euclid Circular B" panose="020B0504000000000000" pitchFamily="34" charset="0"/>
+              </a:rPr>
+              <a:t>Should be </a:t>
+            </a:r>
+            <a:r>
+              <a:rPr lang="tr-TR" b="1" dirty="0">
+                <a:latin typeface="Euclid Circular B" panose="020B0504000000000000" pitchFamily="34" charset="0"/>
+                <a:ea typeface="Euclid Circular B" panose="020B0504000000000000" pitchFamily="34" charset="0"/>
+              </a:rPr>
+              <a:t>deployable as on-premise </a:t>
+            </a:r>
+            <a:r>
+              <a:rPr lang="tr-TR" dirty="0">
+                <a:latin typeface="Euclid Circular B" panose="020B0504000000000000" pitchFamily="34" charset="0"/>
+                <a:ea typeface="Euclid Circular B" panose="020B0504000000000000" pitchFamily="34" charset="0"/>
+              </a:rPr>
+              <a:t>too</a:t>
+            </a:r>
+            <a:endParaRPr lang="en-US" dirty="0">
+              <a:latin typeface="Euclid Circular B" panose="020B0504000000000000" pitchFamily="34" charset="0"/>
+              <a:ea typeface="Euclid Circular B" panose="020B0504000000000000" pitchFamily="34" charset="0"/>
+            </a:endParaRPr>
           </a:p>
         </p:txBody>
       </p:sp>
@@ -6510,15 +6792,22 @@
           <a:lstStyle/>
           <a:p>
             <a:r>
-              <a:rPr lang="en-US" b="1" dirty="0">
+              <a:rPr lang="tr-TR" b="1" dirty="0">
                 <a:solidFill>
                   <a:srgbClr val="292D33"/>
                 </a:solidFill>
                 <a:latin typeface="Euclid Circular B" panose="020B0504000000000000" pitchFamily="34" charset="0"/>
                 <a:ea typeface="Euclid Circular B" panose="020B0504000000000000" pitchFamily="34" charset="0"/>
               </a:rPr>
-              <a:t>Topic title</a:t>
-            </a:r>
+              <a:t>Multi-Tenancy: Advantages</a:t>
+            </a:r>
+            <a:endParaRPr lang="en-US" b="1" dirty="0">
+              <a:solidFill>
+                <a:srgbClr val="292D33"/>
+              </a:solidFill>
+              <a:latin typeface="Euclid Circular B" panose="020B0504000000000000" pitchFamily="34" charset="0"/>
+              <a:ea typeface="Euclid Circular B" panose="020B0504000000000000" pitchFamily="34" charset="0"/>
+            </a:endParaRPr>
           </a:p>
         </p:txBody>
       </p:sp>
@@ -6544,19 +6833,100 @@
           <a:lstStyle/>
           <a:p>
             <a:r>
-              <a:rPr lang="en-US" dirty="0">
-                <a:latin typeface="Euclid Circular B" panose="020B0504000000000000" pitchFamily="34" charset="0"/>
-                <a:ea typeface="Euclid Circular B" panose="020B0504000000000000" pitchFamily="34" charset="0"/>
-              </a:rPr>
-              <a:t>Content</a:t>
-            </a:r>
+              <a:rPr lang="tr-TR" dirty="0">
+                <a:latin typeface="Euclid Circular B" panose="020B0504000000000000" pitchFamily="34" charset="0"/>
+                <a:ea typeface="Euclid Circular B" panose="020B0504000000000000" pitchFamily="34" charset="0"/>
+              </a:rPr>
+              <a:t>Maximum </a:t>
+            </a:r>
+            <a:r>
+              <a:rPr lang="tr-TR" b="1" dirty="0">
+                <a:latin typeface="Euclid Circular B" panose="020B0504000000000000" pitchFamily="34" charset="0"/>
+                <a:ea typeface="Euclid Circular B" panose="020B0504000000000000" pitchFamily="34" charset="0"/>
+              </a:rPr>
+              <a:t>utilization</a:t>
+            </a:r>
+            <a:r>
+              <a:rPr lang="tr-TR" dirty="0">
+                <a:latin typeface="Euclid Circular B" panose="020B0504000000000000" pitchFamily="34" charset="0"/>
+                <a:ea typeface="Euclid Circular B" panose="020B0504000000000000" pitchFamily="34" charset="0"/>
+              </a:rPr>
+              <a:t> / low costs</a:t>
+            </a:r>
+          </a:p>
+          <a:p>
+            <a:r>
+              <a:rPr lang="tr-TR" dirty="0">
+                <a:latin typeface="Euclid Circular B" panose="020B0504000000000000" pitchFamily="34" charset="0"/>
+                <a:ea typeface="Euclid Circular B" panose="020B0504000000000000" pitchFamily="34" charset="0"/>
+              </a:rPr>
+              <a:t>Easy to add a </a:t>
+            </a:r>
+            <a:r>
+              <a:rPr lang="tr-TR" b="1" dirty="0">
+                <a:latin typeface="Euclid Circular B" panose="020B0504000000000000" pitchFamily="34" charset="0"/>
+                <a:ea typeface="Euclid Circular B" panose="020B0504000000000000" pitchFamily="34" charset="0"/>
+              </a:rPr>
+              <a:t>new customer </a:t>
+            </a:r>
+            <a:r>
+              <a:rPr lang="tr-TR" dirty="0">
+                <a:latin typeface="Euclid Circular B" panose="020B0504000000000000" pitchFamily="34" charset="0"/>
+                <a:ea typeface="Euclid Circular B" panose="020B0504000000000000" pitchFamily="34" charset="0"/>
+              </a:rPr>
+              <a:t>(tenant)</a:t>
+            </a:r>
+          </a:p>
+          <a:p>
+            <a:r>
+              <a:rPr lang="tr-TR" dirty="0">
+                <a:latin typeface="Euclid Circular B" panose="020B0504000000000000" pitchFamily="34" charset="0"/>
+                <a:ea typeface="Euclid Circular B" panose="020B0504000000000000" pitchFamily="34" charset="0"/>
+              </a:rPr>
+              <a:t>All customers use the same </a:t>
+            </a:r>
+            <a:r>
+              <a:rPr lang="tr-TR" b="1" dirty="0">
+                <a:latin typeface="Euclid Circular B" panose="020B0504000000000000" pitchFamily="34" charset="0"/>
+                <a:ea typeface="Euclid Circular B" panose="020B0504000000000000" pitchFamily="34" charset="0"/>
+              </a:rPr>
+              <a:t>application version</a:t>
+            </a:r>
+          </a:p>
+          <a:p>
+            <a:pPr lvl="1"/>
+            <a:r>
+              <a:rPr lang="tr-TR" dirty="0">
+                <a:latin typeface="Euclid Circular B" panose="020B0504000000000000" pitchFamily="34" charset="0"/>
+                <a:ea typeface="Euclid Circular B" panose="020B0504000000000000" pitchFamily="34" charset="0"/>
+              </a:rPr>
+              <a:t>Easier </a:t>
+            </a:r>
+            <a:r>
+              <a:rPr lang="tr-TR" b="1" dirty="0">
+                <a:latin typeface="Euclid Circular B" panose="020B0504000000000000" pitchFamily="34" charset="0"/>
+                <a:ea typeface="Euclid Circular B" panose="020B0504000000000000" pitchFamily="34" charset="0"/>
+              </a:rPr>
+              <a:t>maintanance</a:t>
+            </a:r>
+            <a:r>
+              <a:rPr lang="tr-TR" dirty="0">
+                <a:latin typeface="Euclid Circular B" panose="020B0504000000000000" pitchFamily="34" charset="0"/>
+                <a:ea typeface="Euclid Circular B" panose="020B0504000000000000" pitchFamily="34" charset="0"/>
+              </a:rPr>
+              <a:t> and upgrade</a:t>
+            </a:r>
+            <a:endParaRPr lang="en-US" dirty="0">
+              <a:latin typeface="Euclid Circular B" panose="020B0504000000000000" pitchFamily="34" charset="0"/>
+              <a:ea typeface="Euclid Circular B" panose="020B0504000000000000" pitchFamily="34" charset="0"/>
+            </a:endParaRPr>
           </a:p>
         </p:txBody>
       </p:sp>
     </p:spTree>
     <p:extLst>
       <p:ext uri="{BB962C8B-B14F-4D97-AF65-F5344CB8AC3E}">
-        <p14:creationId xmlns:p14="http://schemas.microsoft.com/office/powerpoint/2010/main" val="455887618"/>
+        <p14:creationId xmlns:p14="http://schemas.microsoft.com/office/powerpoint/2010/main" val="749514177"/>
       </p:ext>
     </p:extLst>
   </p:cSld>
@@ -6619,15 +6989,22 @@
           <a:lstStyle/>
           <a:p>
             <a:r>
-              <a:rPr lang="en-US" b="1" dirty="0">
+              <a:rPr lang="tr-TR" b="1" dirty="0">
                 <a:solidFill>
                   <a:srgbClr val="292D33"/>
                 </a:solidFill>
                 <a:latin typeface="Euclid Circular B" panose="020B0504000000000000" pitchFamily="34" charset="0"/>
                 <a:ea typeface="Euclid Circular B" panose="020B0504000000000000" pitchFamily="34" charset="0"/>
               </a:rPr>
-              <a:t>Topic title</a:t>
-            </a:r>
+              <a:t>Multi-Tenancy: Challenges</a:t>
+            </a:r>
+            <a:endParaRPr lang="en-US" b="1" dirty="0">
+              <a:solidFill>
+                <a:srgbClr val="292D33"/>
+              </a:solidFill>
+              <a:latin typeface="Euclid Circular B" panose="020B0504000000000000" pitchFamily="34" charset="0"/>
+              <a:ea typeface="Euclid Circular B" panose="020B0504000000000000" pitchFamily="34" charset="0"/>
+            </a:endParaRPr>
           </a:p>
         </p:txBody>
       </p:sp>
@@ -6653,11 +7030,94 @@
           <a:lstStyle/>
           <a:p>
             <a:r>
-              <a:rPr lang="en-US" dirty="0">
-                <a:latin typeface="Euclid Circular B" panose="020B0504000000000000" pitchFamily="34" charset="0"/>
-                <a:ea typeface="Euclid Circular B" panose="020B0504000000000000" pitchFamily="34" charset="0"/>
-              </a:rPr>
-              <a:t>Content</a:t>
+              <a:rPr lang="tr-TR" b="1" dirty="0">
+                <a:latin typeface="Euclid Circular B" panose="020B0504000000000000" pitchFamily="34" charset="0"/>
+                <a:ea typeface="Euclid Circular B" panose="020B0504000000000000" pitchFamily="34" charset="0"/>
+              </a:rPr>
+              <a:t>Data</a:t>
+            </a:r>
+            <a:r>
+              <a:rPr lang="tr-TR" dirty="0">
+                <a:latin typeface="Euclid Circular B" panose="020B0504000000000000" pitchFamily="34" charset="0"/>
+                <a:ea typeface="Euclid Circular B" panose="020B0504000000000000" pitchFamily="34" charset="0"/>
+              </a:rPr>
+              <a:t> </a:t>
+            </a:r>
+            <a:r>
+              <a:rPr lang="tr-TR" b="1" dirty="0">
+                <a:latin typeface="Euclid Circular B" panose="020B0504000000000000" pitchFamily="34" charset="0"/>
+                <a:ea typeface="Euclid Circular B" panose="020B0504000000000000" pitchFamily="34" charset="0"/>
+              </a:rPr>
+              <a:t>isolation</a:t>
+            </a:r>
+          </a:p>
+          <a:p>
+            <a:r>
+              <a:rPr lang="tr-TR" b="1" dirty="0">
+                <a:latin typeface="Euclid Circular B" panose="020B0504000000000000" pitchFamily="34" charset="0"/>
+                <a:ea typeface="Euclid Circular B" panose="020B0504000000000000" pitchFamily="34" charset="0"/>
+              </a:rPr>
+              <a:t>Configuration</a:t>
+            </a:r>
+            <a:r>
+              <a:rPr lang="tr-TR" dirty="0">
+                <a:latin typeface="Euclid Circular B" panose="020B0504000000000000" pitchFamily="34" charset="0"/>
+                <a:ea typeface="Euclid Circular B" panose="020B0504000000000000" pitchFamily="34" charset="0"/>
+              </a:rPr>
+              <a:t> &amp; </a:t>
+            </a:r>
+            <a:r>
+              <a:rPr lang="tr-TR" b="1" dirty="0">
+                <a:latin typeface="Euclid Circular B" panose="020B0504000000000000" pitchFamily="34" charset="0"/>
+                <a:ea typeface="Euclid Circular B" panose="020B0504000000000000" pitchFamily="34" charset="0"/>
+              </a:rPr>
+              <a:t>customization</a:t>
+            </a:r>
+            <a:r>
+              <a:rPr lang="tr-TR" dirty="0">
+                <a:latin typeface="Euclid Circular B" panose="020B0504000000000000" pitchFamily="34" charset="0"/>
+                <a:ea typeface="Euclid Circular B" panose="020B0504000000000000" pitchFamily="34" charset="0"/>
+              </a:rPr>
+              <a:t> per tenant</a:t>
+            </a:r>
+          </a:p>
+          <a:p>
+            <a:r>
+              <a:rPr lang="tr-TR" dirty="0">
+                <a:latin typeface="Euclid Circular B" panose="020B0504000000000000" pitchFamily="34" charset="0"/>
+                <a:ea typeface="Euclid Circular B" panose="020B0504000000000000" pitchFamily="34" charset="0"/>
+              </a:rPr>
+              <a:t>Data/database </a:t>
+            </a:r>
+            <a:r>
+              <a:rPr lang="tr-TR" b="1" dirty="0">
+                <a:latin typeface="Euclid Circular B" panose="020B0504000000000000" pitchFamily="34" charset="0"/>
+                <a:ea typeface="Euclid Circular B" panose="020B0504000000000000" pitchFamily="34" charset="0"/>
+              </a:rPr>
+              <a:t>backup &amp; restore </a:t>
+            </a:r>
+            <a:r>
+              <a:rPr lang="tr-TR" dirty="0">
+                <a:latin typeface="Euclid Circular B" panose="020B0504000000000000" pitchFamily="34" charset="0"/>
+                <a:ea typeface="Euclid Circular B" panose="020B0504000000000000" pitchFamily="34" charset="0"/>
+              </a:rPr>
+              <a:t>(per tenant)</a:t>
+            </a:r>
+          </a:p>
+          <a:p>
+            <a:r>
+              <a:rPr lang="tr-TR" b="1" dirty="0">
+                <a:latin typeface="Euclid Circular B" panose="020B0504000000000000" pitchFamily="34" charset="0"/>
+                <a:ea typeface="Euclid Circular B" panose="020B0504000000000000" pitchFamily="34" charset="0"/>
+              </a:rPr>
+              <a:t>Performance</a:t>
+            </a:r>
+            <a:r>
+              <a:rPr lang="tr-TR" dirty="0">
+                <a:latin typeface="Euclid Circular B" panose="020B0504000000000000" pitchFamily="34" charset="0"/>
+                <a:ea typeface="Euclid Circular B" panose="020B0504000000000000" pitchFamily="34" charset="0"/>
+              </a:rPr>
+              <a:t>: One tenant’s heavy usage may affect the other tenants!</a:t>
             </a:r>
           </a:p>
         </p:txBody>
@@ -6665,7 +7125,7 @@
     </p:spTree>
     <p:extLst>
       <p:ext uri="{BB962C8B-B14F-4D97-AF65-F5344CB8AC3E}">
-        <p14:creationId xmlns:p14="http://schemas.microsoft.com/office/powerpoint/2010/main" val="749514177"/>
+        <p14:creationId xmlns:p14="http://schemas.microsoft.com/office/powerpoint/2010/main" val="455887618"/>
       </p:ext>
     </p:extLst>
   </p:cSld>

--- a/2023-01-17 Dotnet Foundation Summit 2023/ABP Multi-Tenancy.pptx
+++ b/2023-01-17 Dotnet Foundation Summit 2023/ABP Multi-Tenancy.pptx
@@ -3567,45 +3567,244 @@
           <a:lstStyle/>
           <a:p>
             <a:r>
-              <a:rPr lang="en-US" b="1" dirty="0">
+              <a:rPr lang="tr-TR" b="1" dirty="0">
                 <a:solidFill>
                   <a:srgbClr val="292D33"/>
                 </a:solidFill>
                 <a:latin typeface="Euclid Circular B" panose="020B0504000000000000" pitchFamily="34" charset="0"/>
                 <a:ea typeface="Euclid Circular B" panose="020B0504000000000000" pitchFamily="34" charset="0"/>
               </a:rPr>
-              <a:t>Topic title</a:t>
-            </a:r>
-          </a:p>
-        </p:txBody>
-      </p:sp>
-      <p:sp>
-        <p:nvSpPr>
-          <p:cNvPr id="3" name="Content Placeholder 2">
-            <a:extLst>
-              <a:ext uri="{FF2B5EF4-FFF2-40B4-BE49-F238E27FC236}">
-                <a16:creationId xmlns:a16="http://schemas.microsoft.com/office/drawing/2014/main" id="{891C7693-D3DF-4635-96F4-97F3B4136FDF}"/>
-              </a:ext>
-            </a:extLst>
-          </p:cNvPr>
-          <p:cNvSpPr>
-            <a:spLocks noGrp="1"/>
-          </p:cNvSpPr>
-          <p:nvPr>
-            <p:ph idx="1"/>
-          </p:nvPr>
-        </p:nvSpPr>
-        <p:spPr/>
-        <p:txBody>
-          <a:bodyPr/>
-          <a:lstStyle/>
-          <a:p>
-            <a:r>
-              <a:rPr lang="en-US" dirty="0">
-                <a:latin typeface="Euclid Circular B" panose="020B0504000000000000" pitchFamily="34" charset="0"/>
-                <a:ea typeface="Euclid Circular B" panose="020B0504000000000000" pitchFamily="34" charset="0"/>
-              </a:rPr>
-              <a:t>Content</a:t>
+              <a:t>ABP Framework: The Architecture</a:t>
+            </a:r>
+            <a:endParaRPr lang="en-US" b="1" dirty="0">
+              <a:solidFill>
+                <a:srgbClr val="292D33"/>
+              </a:solidFill>
+              <a:latin typeface="Euclid Circular B" panose="020B0504000000000000" pitchFamily="34" charset="0"/>
+              <a:ea typeface="Euclid Circular B" panose="020B0504000000000000" pitchFamily="34" charset="0"/>
+            </a:endParaRPr>
+          </a:p>
+        </p:txBody>
+      </p:sp>
+      <p:sp>
+        <p:nvSpPr>
+          <p:cNvPr id="6" name="Rectangle 5">
+            <a:extLst>
+              <a:ext uri="{FF2B5EF4-FFF2-40B4-BE49-F238E27FC236}">
+                <a16:creationId xmlns:a16="http://schemas.microsoft.com/office/drawing/2014/main" id="{222DC52F-2D9D-D5CF-D7F5-18DFEA8EFA51}"/>
+              </a:ext>
+            </a:extLst>
+          </p:cNvPr>
+          <p:cNvSpPr/>
+          <p:nvPr/>
+        </p:nvSpPr>
+        <p:spPr>
+          <a:xfrm>
+            <a:off x="1768186" y="2254045"/>
+            <a:ext cx="3936423" cy="1387968"/>
+          </a:xfrm>
+          <a:prstGeom prst="rect">
+            <a:avLst/>
+          </a:prstGeom>
+        </p:spPr>
+        <p:style>
+          <a:lnRef idx="0">
+            <a:schemeClr val="accent1"/>
+          </a:lnRef>
+          <a:fillRef idx="3">
+            <a:schemeClr val="accent1"/>
+          </a:fillRef>
+          <a:effectRef idx="3">
+            <a:schemeClr val="accent1"/>
+          </a:effectRef>
+          <a:fontRef idx="minor">
+            <a:schemeClr val="lt1"/>
+          </a:fontRef>
+        </p:style>
+        <p:txBody>
+          <a:bodyPr rtlCol="0" anchor="ctr"/>
+          <a:lstStyle/>
+          <a:p>
+            <a:pPr algn="ctr"/>
+            <a:r>
+              <a:rPr lang="en-US" sz="2800" dirty="0"/>
+              <a:t>Domain Driven Design</a:t>
+            </a:r>
+          </a:p>
+          <a:p>
+            <a:pPr algn="ctr"/>
+            <a:r>
+              <a:rPr lang="en-US" sz="2800" dirty="0"/>
+              <a:t>&amp; Layered Solution</a:t>
+            </a:r>
+          </a:p>
+        </p:txBody>
+      </p:sp>
+      <p:sp>
+        <p:nvSpPr>
+          <p:cNvPr id="7" name="Rectangle 6">
+            <a:extLst>
+              <a:ext uri="{FF2B5EF4-FFF2-40B4-BE49-F238E27FC236}">
+                <a16:creationId xmlns:a16="http://schemas.microsoft.com/office/drawing/2014/main" id="{9E913E33-4D27-0B74-AF00-987B578238A3}"/>
+              </a:ext>
+            </a:extLst>
+          </p:cNvPr>
+          <p:cNvSpPr/>
+          <p:nvPr/>
+        </p:nvSpPr>
+        <p:spPr>
+          <a:xfrm>
+            <a:off x="6087341" y="2254045"/>
+            <a:ext cx="3936423" cy="1387968"/>
+          </a:xfrm>
+          <a:prstGeom prst="rect">
+            <a:avLst/>
+          </a:prstGeom>
+        </p:spPr>
+        <p:style>
+          <a:lnRef idx="0">
+            <a:schemeClr val="accent6"/>
+          </a:lnRef>
+          <a:fillRef idx="3">
+            <a:schemeClr val="accent6"/>
+          </a:fillRef>
+          <a:effectRef idx="3">
+            <a:schemeClr val="accent6"/>
+          </a:effectRef>
+          <a:fontRef idx="minor">
+            <a:schemeClr val="lt1"/>
+          </a:fontRef>
+        </p:style>
+        <p:txBody>
+          <a:bodyPr rtlCol="0" anchor="ctr"/>
+          <a:lstStyle/>
+          <a:p>
+            <a:pPr algn="ctr"/>
+            <a:r>
+              <a:rPr lang="en-US" sz="2800" dirty="0"/>
+              <a:t>Modular</a:t>
+            </a:r>
+          </a:p>
+        </p:txBody>
+      </p:sp>
+      <p:sp>
+        <p:nvSpPr>
+          <p:cNvPr id="8" name="Rectangle 7">
+            <a:extLst>
+              <a:ext uri="{FF2B5EF4-FFF2-40B4-BE49-F238E27FC236}">
+                <a16:creationId xmlns:a16="http://schemas.microsoft.com/office/drawing/2014/main" id="{3467EDE1-E0ED-D1A8-6165-A74771F69E76}"/>
+              </a:ext>
+            </a:extLst>
+          </p:cNvPr>
+          <p:cNvSpPr/>
+          <p:nvPr/>
+        </p:nvSpPr>
+        <p:spPr>
+          <a:xfrm>
+            <a:off x="1768186" y="4022231"/>
+            <a:ext cx="3936423" cy="1387968"/>
+          </a:xfrm>
+          <a:prstGeom prst="rect">
+            <a:avLst/>
+          </a:prstGeom>
+        </p:spPr>
+        <p:style>
+          <a:lnRef idx="0">
+            <a:schemeClr val="accent2"/>
+          </a:lnRef>
+          <a:fillRef idx="3">
+            <a:schemeClr val="accent2"/>
+          </a:fillRef>
+          <a:effectRef idx="3">
+            <a:schemeClr val="accent2"/>
+          </a:effectRef>
+          <a:fontRef idx="minor">
+            <a:schemeClr val="lt1"/>
+          </a:fontRef>
+        </p:style>
+        <p:txBody>
+          <a:bodyPr rtlCol="0" anchor="ctr"/>
+          <a:lstStyle/>
+          <a:p>
+            <a:pPr algn="ctr"/>
+            <a:r>
+              <a:rPr lang="en-US" sz="2800" dirty="0"/>
+              <a:t>Multi-Tenancy</a:t>
+            </a:r>
+            <a:br>
+              <a:rPr lang="en-US" sz="2800" dirty="0"/>
+            </a:br>
+            <a:r>
+              <a:rPr lang="en-US" dirty="0"/>
+              <a:t>(SaaS infrastructure)</a:t>
+            </a:r>
+            <a:endParaRPr lang="en-US" sz="2800" dirty="0"/>
+          </a:p>
+        </p:txBody>
+      </p:sp>
+      <p:sp>
+        <p:nvSpPr>
+          <p:cNvPr id="9" name="Rectangle 8">
+            <a:extLst>
+              <a:ext uri="{FF2B5EF4-FFF2-40B4-BE49-F238E27FC236}">
+                <a16:creationId xmlns:a16="http://schemas.microsoft.com/office/drawing/2014/main" id="{4C3CEE2C-2275-80FD-AD49-2999FE1C96D6}"/>
+              </a:ext>
+            </a:extLst>
+          </p:cNvPr>
+          <p:cNvSpPr/>
+          <p:nvPr/>
+        </p:nvSpPr>
+        <p:spPr>
+          <a:xfrm>
+            <a:off x="6087341" y="4022231"/>
+            <a:ext cx="3936423" cy="1387968"/>
+          </a:xfrm>
+          <a:prstGeom prst="rect">
+            <a:avLst/>
+          </a:prstGeom>
+          <a:gradFill>
+            <a:gsLst>
+              <a:gs pos="0">
+                <a:srgbClr val="7030A0"/>
+              </a:gs>
+              <a:gs pos="50000">
+                <a:srgbClr val="512373"/>
+              </a:gs>
+              <a:gs pos="100000">
+                <a:srgbClr val="3F1C5A"/>
+              </a:gs>
+            </a:gsLst>
+          </a:gradFill>
+        </p:spPr>
+        <p:style>
+          <a:lnRef idx="0">
+            <a:schemeClr val="dk1"/>
+          </a:lnRef>
+          <a:fillRef idx="3">
+            <a:schemeClr val="dk1"/>
+          </a:fillRef>
+          <a:effectRef idx="3">
+            <a:schemeClr val="dk1"/>
+          </a:effectRef>
+          <a:fontRef idx="minor">
+            <a:schemeClr val="lt1"/>
+          </a:fontRef>
+        </p:style>
+        <p:txBody>
+          <a:bodyPr rtlCol="0" anchor="ctr"/>
+          <a:lstStyle/>
+          <a:p>
+            <a:pPr algn="ctr"/>
+            <a:r>
+              <a:rPr lang="en-US" sz="2800" dirty="0"/>
+              <a:t>Microservice</a:t>
+            </a:r>
+            <a:br>
+              <a:rPr lang="en-US" sz="2800" dirty="0"/>
+            </a:br>
+            <a:r>
+              <a:rPr lang="en-US" sz="2800" dirty="0"/>
+              <a:t>ready</a:t>
             </a:r>
           </a:p>
         </p:txBody>
@@ -3620,6 +3819,254 @@
   <p:clrMapOvr>
     <a:masterClrMapping/>
   </p:clrMapOvr>
+  <p:timing>
+    <p:tnLst>
+      <p:par>
+        <p:cTn id="1" dur="indefinite" restart="never" nodeType="tmRoot">
+          <p:childTnLst>
+            <p:seq concurrent="1" nextAc="seek">
+              <p:cTn id="2" dur="indefinite" nodeType="mainSeq">
+                <p:childTnLst>
+                  <p:par>
+                    <p:cTn id="3" fill="hold">
+                      <p:stCondLst>
+                        <p:cond delay="indefinite"/>
+                      </p:stCondLst>
+                      <p:childTnLst>
+                        <p:par>
+                          <p:cTn id="4" fill="hold">
+                            <p:stCondLst>
+                              <p:cond delay="0"/>
+                            </p:stCondLst>
+                            <p:childTnLst>
+                              <p:par>
+                                <p:cTn id="5" presetID="10" presetClass="entr" presetSubtype="0" fill="hold" grpId="0" nodeType="clickEffect">
+                                  <p:stCondLst>
+                                    <p:cond delay="0"/>
+                                  </p:stCondLst>
+                                  <p:childTnLst>
+                                    <p:set>
+                                      <p:cBhvr>
+                                        <p:cTn id="6" dur="1" fill="hold">
+                                          <p:stCondLst>
+                                            <p:cond delay="0"/>
+                                          </p:stCondLst>
+                                        </p:cTn>
+                                        <p:tgtEl>
+                                          <p:spTgt spid="6"/>
+                                        </p:tgtEl>
+                                        <p:attrNameLst>
+                                          <p:attrName>style.visibility</p:attrName>
+                                        </p:attrNameLst>
+                                      </p:cBhvr>
+                                      <p:to>
+                                        <p:strVal val="visible"/>
+                                      </p:to>
+                                    </p:set>
+                                    <p:animEffect transition="in" filter="fade">
+                                      <p:cBhvr>
+                                        <p:cTn id="7" dur="500"/>
+                                        <p:tgtEl>
+                                          <p:spTgt spid="6"/>
+                                        </p:tgtEl>
+                                      </p:cBhvr>
+                                    </p:animEffect>
+                                  </p:childTnLst>
+                                </p:cTn>
+                              </p:par>
+                            </p:childTnLst>
+                          </p:cTn>
+                        </p:par>
+                      </p:childTnLst>
+                    </p:cTn>
+                  </p:par>
+                  <p:par>
+                    <p:cTn id="8" fill="hold">
+                      <p:stCondLst>
+                        <p:cond delay="indefinite"/>
+                      </p:stCondLst>
+                      <p:childTnLst>
+                        <p:par>
+                          <p:cTn id="9" fill="hold">
+                            <p:stCondLst>
+                              <p:cond delay="0"/>
+                            </p:stCondLst>
+                            <p:childTnLst>
+                              <p:par>
+                                <p:cTn id="10" presetID="10" presetClass="entr" presetSubtype="0" fill="hold" grpId="0" nodeType="clickEffect">
+                                  <p:stCondLst>
+                                    <p:cond delay="0"/>
+                                  </p:stCondLst>
+                                  <p:childTnLst>
+                                    <p:set>
+                                      <p:cBhvr>
+                                        <p:cTn id="11" dur="1" fill="hold">
+                                          <p:stCondLst>
+                                            <p:cond delay="0"/>
+                                          </p:stCondLst>
+                                        </p:cTn>
+                                        <p:tgtEl>
+                                          <p:spTgt spid="7"/>
+                                        </p:tgtEl>
+                                        <p:attrNameLst>
+                                          <p:attrName>style.visibility</p:attrName>
+                                        </p:attrNameLst>
+                                      </p:cBhvr>
+                                      <p:to>
+                                        <p:strVal val="visible"/>
+                                      </p:to>
+                                    </p:set>
+                                    <p:animEffect transition="in" filter="fade">
+                                      <p:cBhvr>
+                                        <p:cTn id="12" dur="500"/>
+                                        <p:tgtEl>
+                                          <p:spTgt spid="7"/>
+                                        </p:tgtEl>
+                                      </p:cBhvr>
+                                    </p:animEffect>
+                                  </p:childTnLst>
+                                </p:cTn>
+                              </p:par>
+                            </p:childTnLst>
+                          </p:cTn>
+                        </p:par>
+                      </p:childTnLst>
+                    </p:cTn>
+                  </p:par>
+                  <p:par>
+                    <p:cTn id="13" fill="hold">
+                      <p:stCondLst>
+                        <p:cond delay="indefinite"/>
+                      </p:stCondLst>
+                      <p:childTnLst>
+                        <p:par>
+                          <p:cTn id="14" fill="hold">
+                            <p:stCondLst>
+                              <p:cond delay="0"/>
+                            </p:stCondLst>
+                            <p:childTnLst>
+                              <p:par>
+                                <p:cTn id="15" presetID="10" presetClass="entr" presetSubtype="0" fill="hold" grpId="0" nodeType="clickEffect">
+                                  <p:stCondLst>
+                                    <p:cond delay="0"/>
+                                  </p:stCondLst>
+                                  <p:childTnLst>
+                                    <p:set>
+                                      <p:cBhvr>
+                                        <p:cTn id="16" dur="1" fill="hold">
+                                          <p:stCondLst>
+                                            <p:cond delay="0"/>
+                                          </p:stCondLst>
+                                        </p:cTn>
+                                        <p:tgtEl>
+                                          <p:spTgt spid="8"/>
+                                        </p:tgtEl>
+                                        <p:attrNameLst>
+                                          <p:attrName>style.visibility</p:attrName>
+                                        </p:attrNameLst>
+                                      </p:cBhvr>
+                                      <p:to>
+                                        <p:strVal val="visible"/>
+                                      </p:to>
+                                    </p:set>
+                                    <p:animEffect transition="in" filter="fade">
+                                      <p:cBhvr>
+                                        <p:cTn id="17" dur="500"/>
+                                        <p:tgtEl>
+                                          <p:spTgt spid="8"/>
+                                        </p:tgtEl>
+                                      </p:cBhvr>
+                                    </p:animEffect>
+                                  </p:childTnLst>
+                                </p:cTn>
+                              </p:par>
+                            </p:childTnLst>
+                          </p:cTn>
+                        </p:par>
+                      </p:childTnLst>
+                    </p:cTn>
+                  </p:par>
+                  <p:par>
+                    <p:cTn id="18" fill="hold">
+                      <p:stCondLst>
+                        <p:cond delay="indefinite"/>
+                      </p:stCondLst>
+                      <p:childTnLst>
+                        <p:par>
+                          <p:cTn id="19" fill="hold">
+                            <p:stCondLst>
+                              <p:cond delay="0"/>
+                            </p:stCondLst>
+                            <p:childTnLst>
+                              <p:par>
+                                <p:cTn id="20" presetID="10" presetClass="entr" presetSubtype="0" fill="hold" grpId="0" nodeType="clickEffect">
+                                  <p:stCondLst>
+                                    <p:cond delay="0"/>
+                                  </p:stCondLst>
+                                  <p:childTnLst>
+                                    <p:set>
+                                      <p:cBhvr>
+                                        <p:cTn id="21" dur="1" fill="hold">
+                                          <p:stCondLst>
+                                            <p:cond delay="0"/>
+                                          </p:stCondLst>
+                                        </p:cTn>
+                                        <p:tgtEl>
+                                          <p:spTgt spid="9"/>
+                                        </p:tgtEl>
+                                        <p:attrNameLst>
+                                          <p:attrName>style.visibility</p:attrName>
+                                        </p:attrNameLst>
+                                      </p:cBhvr>
+                                      <p:to>
+                                        <p:strVal val="visible"/>
+                                      </p:to>
+                                    </p:set>
+                                    <p:animEffect transition="in" filter="fade">
+                                      <p:cBhvr>
+                                        <p:cTn id="22" dur="500"/>
+                                        <p:tgtEl>
+                                          <p:spTgt spid="9"/>
+                                        </p:tgtEl>
+                                      </p:cBhvr>
+                                    </p:animEffect>
+                                  </p:childTnLst>
+                                </p:cTn>
+                              </p:par>
+                            </p:childTnLst>
+                          </p:cTn>
+                        </p:par>
+                      </p:childTnLst>
+                    </p:cTn>
+                  </p:par>
+                </p:childTnLst>
+              </p:cTn>
+              <p:prevCondLst>
+                <p:cond evt="onPrev" delay="0">
+                  <p:tgtEl>
+                    <p:sldTgt/>
+                  </p:tgtEl>
+                </p:cond>
+              </p:prevCondLst>
+              <p:nextCondLst>
+                <p:cond evt="onNext" delay="0">
+                  <p:tgtEl>
+                    <p:sldTgt/>
+                  </p:tgtEl>
+                </p:cond>
+              </p:nextCondLst>
+            </p:seq>
+          </p:childTnLst>
+        </p:cTn>
+      </p:par>
+    </p:tnLst>
+    <p:bldLst>
+      <p:bldP spid="6" grpId="0" animBg="1"/>
+      <p:bldP spid="7" grpId="0" animBg="1"/>
+      <p:bldP spid="8" grpId="0" animBg="1"/>
+      <p:bldP spid="9" grpId="0" animBg="1"/>
+    </p:bldLst>
+  </p:timing>
 </p:sld>
 </file>
 
@@ -3676,15 +4123,22 @@
           <a:lstStyle/>
           <a:p>
             <a:r>
-              <a:rPr lang="en-US" b="1" dirty="0">
+              <a:rPr lang="tr-TR" b="1" dirty="0">
                 <a:solidFill>
                   <a:srgbClr val="292D33"/>
                 </a:solidFill>
                 <a:latin typeface="Euclid Circular B" panose="020B0504000000000000" pitchFamily="34" charset="0"/>
                 <a:ea typeface="Euclid Circular B" panose="020B0504000000000000" pitchFamily="34" charset="0"/>
               </a:rPr>
-              <a:t>Topic title</a:t>
-            </a:r>
+              <a:t>ABP Framework: Components</a:t>
+            </a:r>
+            <a:endParaRPr lang="en-US" b="1" dirty="0">
+              <a:solidFill>
+                <a:srgbClr val="292D33"/>
+              </a:solidFill>
+              <a:latin typeface="Euclid Circular B" panose="020B0504000000000000" pitchFamily="34" charset="0"/>
+              <a:ea typeface="Euclid Circular B" panose="020B0504000000000000" pitchFamily="34" charset="0"/>
+            </a:endParaRPr>
           </a:p>
         </p:txBody>
       </p:sp>
@@ -3710,12 +4164,52 @@
           <a:lstStyle/>
           <a:p>
             <a:r>
-              <a:rPr lang="en-US" dirty="0">
-                <a:latin typeface="Euclid Circular B" panose="020B0504000000000000" pitchFamily="34" charset="0"/>
-                <a:ea typeface="Euclid Circular B" panose="020B0504000000000000" pitchFamily="34" charset="0"/>
-              </a:rPr>
-              <a:t>Content</a:t>
-            </a:r>
+              <a:rPr lang="tr-TR" dirty="0">
+                <a:latin typeface="Euclid Circular B" panose="020B0504000000000000" pitchFamily="34" charset="0"/>
+                <a:ea typeface="Euclid Circular B" panose="020B0504000000000000" pitchFamily="34" charset="0"/>
+              </a:rPr>
+              <a:t>Framework (NuGet &amp; NPM) packages</a:t>
+            </a:r>
+          </a:p>
+          <a:p>
+            <a:r>
+              <a:rPr lang="tr-TR" dirty="0">
+                <a:latin typeface="Euclid Circular B" panose="020B0504000000000000" pitchFamily="34" charset="0"/>
+                <a:ea typeface="Euclid Circular B" panose="020B0504000000000000" pitchFamily="34" charset="0"/>
+              </a:rPr>
+              <a:t>Application modules</a:t>
+            </a:r>
+          </a:p>
+          <a:p>
+            <a:r>
+              <a:rPr lang="tr-TR" dirty="0">
+                <a:latin typeface="Euclid Circular B" panose="020B0504000000000000" pitchFamily="34" charset="0"/>
+                <a:ea typeface="Euclid Circular B" panose="020B0504000000000000" pitchFamily="34" charset="0"/>
+              </a:rPr>
+              <a:t>UI themes</a:t>
+            </a:r>
+          </a:p>
+          <a:p>
+            <a:r>
+              <a:rPr lang="tr-TR" dirty="0">
+                <a:latin typeface="Euclid Circular B" panose="020B0504000000000000" pitchFamily="34" charset="0"/>
+                <a:ea typeface="Euclid Circular B" panose="020B0504000000000000" pitchFamily="34" charset="0"/>
+              </a:rPr>
+              <a:t>Startup templates</a:t>
+            </a:r>
+          </a:p>
+          <a:p>
+            <a:r>
+              <a:rPr lang="tr-TR" dirty="0">
+                <a:latin typeface="Euclid Circular B" panose="020B0504000000000000" pitchFamily="34" charset="0"/>
+                <a:ea typeface="Euclid Circular B" panose="020B0504000000000000" pitchFamily="34" charset="0"/>
+              </a:rPr>
+              <a:t>ABP CLI</a:t>
+            </a:r>
+            <a:endParaRPr lang="en-US" dirty="0">
+              <a:latin typeface="Euclid Circular B" panose="020B0504000000000000" pitchFamily="34" charset="0"/>
+              <a:ea typeface="Euclid Circular B" panose="020B0504000000000000" pitchFamily="34" charset="0"/>
+            </a:endParaRPr>
           </a:p>
         </p:txBody>
       </p:sp>
@@ -3785,15 +4279,22 @@
           <a:lstStyle/>
           <a:p>
             <a:r>
-              <a:rPr lang="en-US" b="1" dirty="0">
+              <a:rPr lang="tr-TR" b="1" dirty="0">
                 <a:solidFill>
                   <a:srgbClr val="292D33"/>
                 </a:solidFill>
                 <a:latin typeface="Euclid Circular B" panose="020B0504000000000000" pitchFamily="34" charset="0"/>
                 <a:ea typeface="Euclid Circular B" panose="020B0504000000000000" pitchFamily="34" charset="0"/>
               </a:rPr>
-              <a:t>Topic title</a:t>
-            </a:r>
+              <a:t>ABP Framework in Action</a:t>
+            </a:r>
+            <a:endParaRPr lang="en-US" b="1" dirty="0">
+              <a:solidFill>
+                <a:srgbClr val="292D33"/>
+              </a:solidFill>
+              <a:latin typeface="Euclid Circular B" panose="020B0504000000000000" pitchFamily="34" charset="0"/>
+              <a:ea typeface="Euclid Circular B" panose="020B0504000000000000" pitchFamily="34" charset="0"/>
+            </a:endParaRPr>
           </a:p>
         </p:txBody>
       </p:sp>
@@ -3813,18 +4314,32 @@
             <p:ph idx="1"/>
           </p:nvPr>
         </p:nvSpPr>
-        <p:spPr/>
-        <p:txBody>
-          <a:bodyPr/>
-          <a:lstStyle/>
-          <a:p>
-            <a:r>
-              <a:rPr lang="en-US" dirty="0">
-                <a:latin typeface="Euclid Circular B" panose="020B0504000000000000" pitchFamily="34" charset="0"/>
-                <a:ea typeface="Euclid Circular B" panose="020B0504000000000000" pitchFamily="34" charset="0"/>
-              </a:rPr>
-              <a:t>Content</a:t>
-            </a:r>
+        <p:spPr>
+          <a:xfrm>
+            <a:off x="838200" y="1825625"/>
+            <a:ext cx="10515600" cy="3434532"/>
+          </a:xfrm>
+        </p:spPr>
+        <p:txBody>
+          <a:bodyPr anchor="ctr">
+            <a:normAutofit/>
+          </a:bodyPr>
+          <a:lstStyle/>
+          <a:p>
+            <a:pPr marL="0" indent="0" algn="ctr">
+              <a:buNone/>
+            </a:pPr>
+            <a:r>
+              <a:rPr lang="tr-TR" sz="12000" dirty="0">
+                <a:latin typeface="Euclid Circular B" panose="020B0504000000000000" pitchFamily="34" charset="0"/>
+                <a:ea typeface="Euclid Circular B" panose="020B0504000000000000" pitchFamily="34" charset="0"/>
+              </a:rPr>
+              <a:t>DEMO</a:t>
+            </a:r>
+            <a:endParaRPr lang="en-US" sz="12000" dirty="0">
+              <a:latin typeface="Euclid Circular B" panose="020B0504000000000000" pitchFamily="34" charset="0"/>
+              <a:ea typeface="Euclid Circular B" panose="020B0504000000000000" pitchFamily="34" charset="0"/>
+            </a:endParaRPr>
           </a:p>
         </p:txBody>
       </p:sp>
@@ -3894,49 +4409,66 @@
           <a:lstStyle/>
           <a:p>
             <a:r>
-              <a:rPr lang="en-US" b="1" dirty="0">
+              <a:rPr lang="tr-TR" b="1" dirty="0">
                 <a:solidFill>
                   <a:srgbClr val="292D33"/>
                 </a:solidFill>
                 <a:latin typeface="Euclid Circular B" panose="020B0504000000000000" pitchFamily="34" charset="0"/>
                 <a:ea typeface="Euclid Circular B" panose="020B0504000000000000" pitchFamily="34" charset="0"/>
               </a:rPr>
-              <a:t>Topic title</a:t>
-            </a:r>
-          </a:p>
-        </p:txBody>
-      </p:sp>
-      <p:sp>
-        <p:nvSpPr>
-          <p:cNvPr id="3" name="Content Placeholder 2">
-            <a:extLst>
-              <a:ext uri="{FF2B5EF4-FFF2-40B4-BE49-F238E27FC236}">
-                <a16:creationId xmlns:a16="http://schemas.microsoft.com/office/drawing/2014/main" id="{891C7693-D3DF-4635-96F4-97F3B4136FDF}"/>
-              </a:ext>
-            </a:extLst>
-          </p:cNvPr>
-          <p:cNvSpPr>
-            <a:spLocks noGrp="1"/>
-          </p:cNvSpPr>
-          <p:nvPr>
-            <p:ph idx="1"/>
-          </p:nvPr>
-        </p:nvSpPr>
-        <p:spPr/>
-        <p:txBody>
-          <a:bodyPr/>
-          <a:lstStyle/>
-          <a:p>
-            <a:r>
-              <a:rPr lang="en-US" dirty="0">
-                <a:latin typeface="Euclid Circular B" panose="020B0504000000000000" pitchFamily="34" charset="0"/>
-                <a:ea typeface="Euclid Circular B" panose="020B0504000000000000" pitchFamily="34" charset="0"/>
-              </a:rPr>
-              <a:t>Content</a:t>
-            </a:r>
-          </a:p>
-        </p:txBody>
-      </p:sp>
+              <a:t>Globally Enable / Disable Multi-Tenancy</a:t>
+            </a:r>
+            <a:endParaRPr lang="en-US" b="1" dirty="0">
+              <a:solidFill>
+                <a:srgbClr val="292D33"/>
+              </a:solidFill>
+              <a:latin typeface="Euclid Circular B" panose="020B0504000000000000" pitchFamily="34" charset="0"/>
+              <a:ea typeface="Euclid Circular B" panose="020B0504000000000000" pitchFamily="34" charset="0"/>
+            </a:endParaRPr>
+          </a:p>
+        </p:txBody>
+      </p:sp>
+      <p:pic>
+        <p:nvPicPr>
+          <p:cNvPr id="7" name="Picture 6">
+            <a:extLst>
+              <a:ext uri="{FF2B5EF4-FFF2-40B4-BE49-F238E27FC236}">
+                <a16:creationId xmlns:a16="http://schemas.microsoft.com/office/drawing/2014/main" id="{0D6CA545-C3C9-8622-343B-86379F914173}"/>
+              </a:ext>
+            </a:extLst>
+          </p:cNvPr>
+          <p:cNvPicPr>
+            <a:picLocks noChangeAspect="1"/>
+          </p:cNvPicPr>
+          <p:nvPr/>
+        </p:nvPicPr>
+        <p:blipFill>
+          <a:blip r:embed="rId3"/>
+          <a:stretch>
+            <a:fillRect/>
+          </a:stretch>
+        </p:blipFill>
+        <p:spPr>
+          <a:xfrm>
+            <a:off x="3019425" y="2486025"/>
+            <a:ext cx="6153150" cy="1885950"/>
+          </a:xfrm>
+          <a:prstGeom prst="rect">
+            <a:avLst/>
+          </a:prstGeom>
+          <a:ln>
+            <a:noFill/>
+          </a:ln>
+          <a:effectLst>
+            <a:glow rad="63500">
+              <a:schemeClr val="accent2">
+                <a:satMod val="175000"/>
+                <a:alpha val="40000"/>
+              </a:schemeClr>
+            </a:glow>
+          </a:effectLst>
+        </p:spPr>
+      </p:pic>
     </p:spTree>
     <p:extLst>
       <p:ext uri="{BB962C8B-B14F-4D97-AF65-F5344CB8AC3E}">
@@ -4695,7 +5227,7 @@
                 <a:latin typeface="Euclid Circular B" panose="020B0504000000000000" pitchFamily="34" charset="0"/>
                 <a:ea typeface="Euclid Circular B" panose="020B0504000000000000" pitchFamily="34" charset="0"/>
               </a:rPr>
-              <a:t>Multi-Tenancy &amp; SaaS</a:t>
+              <a:t>SaaS &amp; Multi-Tenancy</a:t>
             </a:r>
             <a:endParaRPr lang="en-US" dirty="0">
               <a:latin typeface="Euclid Circular B" panose="020B0504000000000000" pitchFamily="34" charset="0"/>
@@ -7188,15 +7720,22 @@
           <a:lstStyle/>
           <a:p>
             <a:r>
-              <a:rPr lang="en-US" b="1" dirty="0">
+              <a:rPr lang="tr-TR" b="1" dirty="0">
                 <a:solidFill>
                   <a:srgbClr val="292D33"/>
                 </a:solidFill>
                 <a:latin typeface="Euclid Circular B" panose="020B0504000000000000" pitchFamily="34" charset="0"/>
                 <a:ea typeface="Euclid Circular B" panose="020B0504000000000000" pitchFamily="34" charset="0"/>
               </a:rPr>
-              <a:t>Topic title</a:t>
-            </a:r>
+              <a:t>Application State</a:t>
+            </a:r>
+            <a:endParaRPr lang="en-US" b="1" dirty="0">
+              <a:solidFill>
+                <a:srgbClr val="292D33"/>
+              </a:solidFill>
+              <a:latin typeface="Euclid Circular B" panose="020B0504000000000000" pitchFamily="34" charset="0"/>
+              <a:ea typeface="Euclid Circular B" panose="020B0504000000000000" pitchFamily="34" charset="0"/>
+            </a:endParaRPr>
           </a:p>
         </p:txBody>
       </p:sp>
@@ -7222,12 +7761,261 @@
           <a:lstStyle/>
           <a:p>
             <a:r>
+              <a:rPr lang="tr-TR" dirty="0">
+                <a:latin typeface="Euclid Circular B" panose="020B0504000000000000" pitchFamily="34" charset="0"/>
+                <a:ea typeface="Euclid Circular B" panose="020B0504000000000000" pitchFamily="34" charset="0"/>
+              </a:rPr>
+              <a:t>Application code / services should be stateless!</a:t>
+            </a:r>
+          </a:p>
+          <a:p>
+            <a:r>
               <a:rPr lang="en-US" dirty="0">
                 <a:latin typeface="Euclid Circular B" panose="020B0504000000000000" pitchFamily="34" charset="0"/>
                 <a:ea typeface="Euclid Circular B" panose="020B0504000000000000" pitchFamily="34" charset="0"/>
               </a:rPr>
-              <a:t>Content</a:t>
-            </a:r>
+              <a:t>Main state origins:</a:t>
+            </a:r>
+          </a:p>
+          <a:p>
+            <a:pPr lvl="1"/>
+            <a:r>
+              <a:rPr lang="en-US" b="1" dirty="0">
+                <a:latin typeface="Euclid Circular B" panose="020B0504000000000000" pitchFamily="34" charset="0"/>
+                <a:ea typeface="Euclid Circular B" panose="020B0504000000000000" pitchFamily="34" charset="0"/>
+              </a:rPr>
+              <a:t>Http Request</a:t>
+            </a:r>
+            <a:r>
+              <a:rPr lang="en-US" dirty="0">
+                <a:latin typeface="Euclid Circular B" panose="020B0504000000000000" pitchFamily="34" charset="0"/>
+                <a:ea typeface="Euclid Circular B" panose="020B0504000000000000" pitchFamily="34" charset="0"/>
+              </a:rPr>
+              <a:t>: </a:t>
+            </a:r>
+            <a:r>
+              <a:rPr lang="tr-TR" dirty="0">
+                <a:latin typeface="Euclid Circular B" panose="020B0504000000000000" pitchFamily="34" charset="0"/>
+                <a:ea typeface="Euclid Circular B" panose="020B0504000000000000" pitchFamily="34" charset="0"/>
+              </a:rPr>
+              <a:t>c</a:t>
+            </a:r>
+            <a:r>
+              <a:rPr lang="en-US" dirty="0" err="1">
+                <a:latin typeface="Euclid Circular B" panose="020B0504000000000000" pitchFamily="34" charset="0"/>
+                <a:ea typeface="Euclid Circular B" panose="020B0504000000000000" pitchFamily="34" charset="0"/>
+              </a:rPr>
+              <a:t>ookie</a:t>
+            </a:r>
+            <a:r>
+              <a:rPr lang="en-US" dirty="0">
+                <a:latin typeface="Euclid Circular B" panose="020B0504000000000000" pitchFamily="34" charset="0"/>
+                <a:ea typeface="Euclid Circular B" panose="020B0504000000000000" pitchFamily="34" charset="0"/>
+              </a:rPr>
+              <a:t>, header, </a:t>
+            </a:r>
+            <a:r>
+              <a:rPr lang="tr-TR" dirty="0">
+                <a:latin typeface="Euclid Circular B" panose="020B0504000000000000" pitchFamily="34" charset="0"/>
+                <a:ea typeface="Euclid Circular B" panose="020B0504000000000000" pitchFamily="34" charset="0"/>
+              </a:rPr>
+              <a:t>query string</a:t>
+            </a:r>
+            <a:r>
+              <a:rPr lang="en-US" dirty="0">
+                <a:latin typeface="Euclid Circular B" panose="020B0504000000000000" pitchFamily="34" charset="0"/>
+                <a:ea typeface="Euclid Circular B" panose="020B0504000000000000" pitchFamily="34" charset="0"/>
+              </a:rPr>
+              <a:t>, payload</a:t>
+            </a:r>
+          </a:p>
+          <a:p>
+            <a:pPr lvl="1"/>
+            <a:r>
+              <a:rPr lang="en-US" b="1" dirty="0">
+                <a:latin typeface="Euclid Circular B" panose="020B0504000000000000" pitchFamily="34" charset="0"/>
+                <a:ea typeface="Euclid Circular B" panose="020B0504000000000000" pitchFamily="34" charset="0"/>
+              </a:rPr>
+              <a:t>Authentication</a:t>
+            </a:r>
+            <a:r>
+              <a:rPr lang="en-US" dirty="0">
+                <a:latin typeface="Euclid Circular B" panose="020B0504000000000000" pitchFamily="34" charset="0"/>
+                <a:ea typeface="Euclid Circular B" panose="020B0504000000000000" pitchFamily="34" charset="0"/>
+              </a:rPr>
+              <a:t> </a:t>
+            </a:r>
+            <a:r>
+              <a:rPr lang="tr-TR" dirty="0">
+                <a:latin typeface="Euclid Circular B" panose="020B0504000000000000" pitchFamily="34" charset="0"/>
+                <a:ea typeface="Euclid Circular B" panose="020B0504000000000000" pitchFamily="34" charset="0"/>
+              </a:rPr>
+              <a:t>t</a:t>
+            </a:r>
+            <a:r>
+              <a:rPr lang="en-US" dirty="0" err="1">
+                <a:latin typeface="Euclid Circular B" panose="020B0504000000000000" pitchFamily="34" charset="0"/>
+                <a:ea typeface="Euclid Circular B" panose="020B0504000000000000" pitchFamily="34" charset="0"/>
+              </a:rPr>
+              <a:t>icket</a:t>
+            </a:r>
+            <a:r>
+              <a:rPr lang="tr-TR" dirty="0">
+                <a:latin typeface="Euclid Circular B" panose="020B0504000000000000" pitchFamily="34" charset="0"/>
+                <a:ea typeface="Euclid Circular B" panose="020B0504000000000000" pitchFamily="34" charset="0"/>
+              </a:rPr>
+              <a:t>/cookie</a:t>
+            </a:r>
+            <a:endParaRPr lang="en-US" dirty="0">
+              <a:latin typeface="Euclid Circular B" panose="020B0504000000000000" pitchFamily="34" charset="0"/>
+              <a:ea typeface="Euclid Circular B" panose="020B0504000000000000" pitchFamily="34" charset="0"/>
+            </a:endParaRPr>
+          </a:p>
+          <a:p>
+            <a:pPr lvl="1"/>
+            <a:r>
+              <a:rPr lang="en-US" b="1" dirty="0">
+                <a:latin typeface="Euclid Circular B" panose="020B0504000000000000" pitchFamily="34" charset="0"/>
+                <a:ea typeface="Euclid Circular B" panose="020B0504000000000000" pitchFamily="34" charset="0"/>
+              </a:rPr>
+              <a:t>Database</a:t>
+            </a:r>
+            <a:r>
+              <a:rPr lang="en-US" dirty="0">
+                <a:latin typeface="Euclid Circular B" panose="020B0504000000000000" pitchFamily="34" charset="0"/>
+                <a:ea typeface="Euclid Circular B" panose="020B0504000000000000" pitchFamily="34" charset="0"/>
+              </a:rPr>
+              <a:t> </a:t>
+            </a:r>
+            <a:r>
+              <a:rPr lang="tr-TR" dirty="0">
+                <a:latin typeface="Euclid Circular B" panose="020B0504000000000000" pitchFamily="34" charset="0"/>
+                <a:ea typeface="Euclid Circular B" panose="020B0504000000000000" pitchFamily="34" charset="0"/>
+              </a:rPr>
+              <a:t>(r</a:t>
+            </a:r>
+            <a:r>
+              <a:rPr lang="en-US" dirty="0" err="1">
+                <a:latin typeface="Euclid Circular B" panose="020B0504000000000000" pitchFamily="34" charset="0"/>
+                <a:ea typeface="Euclid Circular B" panose="020B0504000000000000" pitchFamily="34" charset="0"/>
+              </a:rPr>
+              <a:t>el</a:t>
+            </a:r>
+            <a:r>
+              <a:rPr lang="tr-TR" dirty="0">
+                <a:latin typeface="Euclid Circular B" panose="020B0504000000000000" pitchFamily="34" charset="0"/>
+                <a:ea typeface="Euclid Circular B" panose="020B0504000000000000" pitchFamily="34" charset="0"/>
+              </a:rPr>
+              <a:t>a</a:t>
+            </a:r>
+            <a:r>
+              <a:rPr lang="en-US" dirty="0" err="1">
+                <a:latin typeface="Euclid Circular B" panose="020B0504000000000000" pitchFamily="34" charset="0"/>
+                <a:ea typeface="Euclid Circular B" panose="020B0504000000000000" pitchFamily="34" charset="0"/>
+              </a:rPr>
+              <a:t>tion</a:t>
+            </a:r>
+            <a:r>
+              <a:rPr lang="tr-TR" dirty="0">
+                <a:latin typeface="Euclid Circular B" panose="020B0504000000000000" pitchFamily="34" charset="0"/>
+                <a:ea typeface="Euclid Circular B" panose="020B0504000000000000" pitchFamily="34" charset="0"/>
+              </a:rPr>
+              <a:t>al</a:t>
+            </a:r>
+            <a:r>
+              <a:rPr lang="en-US" dirty="0">
+                <a:latin typeface="Euclid Circular B" panose="020B0504000000000000" pitchFamily="34" charset="0"/>
+                <a:ea typeface="Euclid Circular B" panose="020B0504000000000000" pitchFamily="34" charset="0"/>
+              </a:rPr>
+              <a:t>, non-relational</a:t>
+            </a:r>
+            <a:r>
+              <a:rPr lang="tr-TR" dirty="0">
+                <a:latin typeface="Euclid Circular B" panose="020B0504000000000000" pitchFamily="34" charset="0"/>
+                <a:ea typeface="Euclid Circular B" panose="020B0504000000000000" pitchFamily="34" charset="0"/>
+              </a:rPr>
+              <a:t>, ...)</a:t>
+            </a:r>
+            <a:endParaRPr lang="en-US" dirty="0">
+              <a:latin typeface="Euclid Circular B" panose="020B0504000000000000" pitchFamily="34" charset="0"/>
+              <a:ea typeface="Euclid Circular B" panose="020B0504000000000000" pitchFamily="34" charset="0"/>
+            </a:endParaRPr>
+          </a:p>
+          <a:p>
+            <a:pPr lvl="1"/>
+            <a:r>
+              <a:rPr lang="tr-TR" b="1" dirty="0">
+                <a:latin typeface="Euclid Circular B" panose="020B0504000000000000" pitchFamily="34" charset="0"/>
+                <a:ea typeface="Euclid Circular B" panose="020B0504000000000000" pitchFamily="34" charset="0"/>
+              </a:rPr>
+              <a:t>Distributed c</a:t>
+            </a:r>
+            <a:r>
+              <a:rPr lang="en-US" b="1" dirty="0">
+                <a:latin typeface="Euclid Circular B" panose="020B0504000000000000" pitchFamily="34" charset="0"/>
+                <a:ea typeface="Euclid Circular B" panose="020B0504000000000000" pitchFamily="34" charset="0"/>
+              </a:rPr>
+              <a:t>ache</a:t>
+            </a:r>
+            <a:r>
+              <a:rPr lang="en-US" dirty="0">
+                <a:latin typeface="Euclid Circular B" panose="020B0504000000000000" pitchFamily="34" charset="0"/>
+                <a:ea typeface="Euclid Circular B" panose="020B0504000000000000" pitchFamily="34" charset="0"/>
+              </a:rPr>
+              <a:t> </a:t>
+            </a:r>
+            <a:r>
+              <a:rPr lang="tr-TR" dirty="0">
+                <a:latin typeface="Euclid Circular B" panose="020B0504000000000000" pitchFamily="34" charset="0"/>
+                <a:ea typeface="Euclid Circular B" panose="020B0504000000000000" pitchFamily="34" charset="0"/>
+              </a:rPr>
+              <a:t>(r</a:t>
+            </a:r>
+            <a:r>
+              <a:rPr lang="en-US" dirty="0" err="1">
+                <a:latin typeface="Euclid Circular B" panose="020B0504000000000000" pitchFamily="34" charset="0"/>
+                <a:ea typeface="Euclid Circular B" panose="020B0504000000000000" pitchFamily="34" charset="0"/>
+              </a:rPr>
+              <a:t>edis</a:t>
+            </a:r>
+            <a:r>
+              <a:rPr lang="en-US" dirty="0">
+                <a:latin typeface="Euclid Circular B" panose="020B0504000000000000" pitchFamily="34" charset="0"/>
+                <a:ea typeface="Euclid Circular B" panose="020B0504000000000000" pitchFamily="34" charset="0"/>
+              </a:rPr>
+              <a:t>, </a:t>
+            </a:r>
+            <a:r>
+              <a:rPr lang="tr-TR" dirty="0">
+                <a:latin typeface="Euclid Circular B" panose="020B0504000000000000" pitchFamily="34" charset="0"/>
+                <a:ea typeface="Euclid Circular B" panose="020B0504000000000000" pitchFamily="34" charset="0"/>
+              </a:rPr>
+              <a:t>m</a:t>
+            </a:r>
+            <a:r>
+              <a:rPr lang="en-US" dirty="0" err="1">
+                <a:latin typeface="Euclid Circular B" panose="020B0504000000000000" pitchFamily="34" charset="0"/>
+                <a:ea typeface="Euclid Circular B" panose="020B0504000000000000" pitchFamily="34" charset="0"/>
+              </a:rPr>
+              <a:t>emcached</a:t>
+            </a:r>
+            <a:r>
+              <a:rPr lang="tr-TR" dirty="0">
+                <a:latin typeface="Euclid Circular B" panose="020B0504000000000000" pitchFamily="34" charset="0"/>
+                <a:ea typeface="Euclid Circular B" panose="020B0504000000000000" pitchFamily="34" charset="0"/>
+              </a:rPr>
+              <a:t>, ...)</a:t>
+            </a:r>
+            <a:endParaRPr lang="en-US" dirty="0">
+              <a:latin typeface="Euclid Circular B" panose="020B0504000000000000" pitchFamily="34" charset="0"/>
+              <a:ea typeface="Euclid Circular B" panose="020B0504000000000000" pitchFamily="34" charset="0"/>
+            </a:endParaRPr>
+          </a:p>
+          <a:p>
+            <a:endParaRPr lang="en-US" dirty="0">
+              <a:latin typeface="Euclid Circular B" panose="020B0504000000000000" pitchFamily="34" charset="0"/>
+              <a:ea typeface="Euclid Circular B" panose="020B0504000000000000" pitchFamily="34" charset="0"/>
+            </a:endParaRPr>
           </a:p>
         </p:txBody>
       </p:sp>
@@ -7297,46 +8085,121 @@
           <a:lstStyle/>
           <a:p>
             <a:r>
-              <a:rPr lang="en-US" b="1" dirty="0">
+              <a:rPr lang="tr-TR" b="1" dirty="0">
                 <a:solidFill>
                   <a:srgbClr val="292D33"/>
                 </a:solidFill>
                 <a:latin typeface="Euclid Circular B" panose="020B0504000000000000" pitchFamily="34" charset="0"/>
                 <a:ea typeface="Euclid Circular B" panose="020B0504000000000000" pitchFamily="34" charset="0"/>
               </a:rPr>
-              <a:t>Topic title</a:t>
-            </a:r>
-          </a:p>
-        </p:txBody>
-      </p:sp>
-      <p:sp>
-        <p:nvSpPr>
-          <p:cNvPr id="3" name="Content Placeholder 2">
-            <a:extLst>
-              <a:ext uri="{FF2B5EF4-FFF2-40B4-BE49-F238E27FC236}">
-                <a16:creationId xmlns:a16="http://schemas.microsoft.com/office/drawing/2014/main" id="{891C7693-D3DF-4635-96F4-97F3B4136FDF}"/>
-              </a:ext>
-            </a:extLst>
-          </p:cNvPr>
-          <p:cNvSpPr>
-            <a:spLocks noGrp="1"/>
-          </p:cNvSpPr>
-          <p:nvPr>
-            <p:ph idx="1"/>
-          </p:nvPr>
-        </p:nvSpPr>
-        <p:spPr/>
-        <p:txBody>
-          <a:bodyPr/>
-          <a:lstStyle/>
-          <a:p>
-            <a:r>
-              <a:rPr lang="en-US" dirty="0">
-                <a:latin typeface="Euclid Circular B" panose="020B0504000000000000" pitchFamily="34" charset="0"/>
-                <a:ea typeface="Euclid Circular B" panose="020B0504000000000000" pitchFamily="34" charset="0"/>
-              </a:rPr>
-              <a:t>Content</a:t>
-            </a:r>
+              <a:t>Deployment / Database Architectures</a:t>
+            </a:r>
+            <a:endParaRPr lang="en-US" b="1" dirty="0">
+              <a:solidFill>
+                <a:srgbClr val="292D33"/>
+              </a:solidFill>
+              <a:latin typeface="Euclid Circular B" panose="020B0504000000000000" pitchFamily="34" charset="0"/>
+              <a:ea typeface="Euclid Circular B" panose="020B0504000000000000" pitchFamily="34" charset="0"/>
+            </a:endParaRPr>
+          </a:p>
+        </p:txBody>
+      </p:sp>
+      <p:pic>
+        <p:nvPicPr>
+          <p:cNvPr id="4" name="Picture 6" descr="Related image">
+            <a:extLst>
+              <a:ext uri="{FF2B5EF4-FFF2-40B4-BE49-F238E27FC236}">
+                <a16:creationId xmlns:a16="http://schemas.microsoft.com/office/drawing/2014/main" id="{17F8BEBF-E146-C7B9-F577-F2ED7FA51BC5}"/>
+              </a:ext>
+            </a:extLst>
+          </p:cNvPr>
+          <p:cNvPicPr>
+            <a:picLocks noChangeAspect="1" noChangeArrowheads="1"/>
+          </p:cNvPicPr>
+          <p:nvPr/>
+        </p:nvPicPr>
+        <p:blipFill>
+          <a:blip r:embed="rId3">
+            <a:extLst>
+              <a:ext uri="{28A0092B-C50C-407E-A947-70E740481C1C}">
+                <a14:useLocalDpi xmlns:a14="http://schemas.microsoft.com/office/drawing/2010/main" val="0"/>
+              </a:ext>
+            </a:extLst>
+          </a:blip>
+          <a:srcRect/>
+          <a:stretch>
+            <a:fillRect/>
+          </a:stretch>
+        </p:blipFill>
+        <p:spPr bwMode="auto">
+          <a:xfrm>
+            <a:off x="1295400" y="1971870"/>
+            <a:ext cx="7741595" cy="3810000"/>
+          </a:xfrm>
+          <a:prstGeom prst="rect">
+            <a:avLst/>
+          </a:prstGeom>
+          <a:noFill/>
+          <a:extLst>
+            <a:ext uri="{909E8E84-426E-40DD-AFC4-6F175D3DCCD1}">
+              <a14:hiddenFill xmlns:a14="http://schemas.microsoft.com/office/drawing/2010/main">
+                <a:solidFill>
+                  <a:srgbClr val="FFFFFF"/>
+                </a:solidFill>
+              </a14:hiddenFill>
+            </a:ext>
+          </a:extLst>
+        </p:spPr>
+      </p:pic>
+      <p:sp>
+        <p:nvSpPr>
+          <p:cNvPr id="5" name="TextBox 4">
+            <a:extLst>
+              <a:ext uri="{FF2B5EF4-FFF2-40B4-BE49-F238E27FC236}">
+                <a16:creationId xmlns:a16="http://schemas.microsoft.com/office/drawing/2014/main" id="{72A39D53-E184-A11A-4BAB-51D9F1A51CA1}"/>
+              </a:ext>
+            </a:extLst>
+          </p:cNvPr>
+          <p:cNvSpPr txBox="1"/>
+          <p:nvPr/>
+        </p:nvSpPr>
+        <p:spPr>
+          <a:xfrm>
+            <a:off x="9303392" y="3317032"/>
+            <a:ext cx="2219916" cy="830997"/>
+          </a:xfrm>
+          <a:prstGeom prst="rect">
+            <a:avLst/>
+          </a:prstGeom>
+          <a:noFill/>
+          <a:ln>
+            <a:solidFill>
+              <a:schemeClr val="bg1">
+                <a:lumMod val="50000"/>
+              </a:schemeClr>
+            </a:solidFill>
+          </a:ln>
+        </p:spPr>
+        <p:txBody>
+          <a:bodyPr wrap="square" rtlCol="0">
+            <a:spAutoFit/>
+          </a:bodyPr>
+          <a:lstStyle/>
+          <a:p>
+            <a:pPr algn="ctr"/>
+            <a:r>
+              <a:rPr lang="en-US" sz="4800" dirty="0">
+                <a:solidFill>
+                  <a:schemeClr val="accent1"/>
+                </a:solidFill>
+              </a:rPr>
+              <a:t>Hybrid!</a:t>
+            </a:r>
+            <a:endParaRPr lang="tr-TR" sz="4800" dirty="0">
+              <a:solidFill>
+                <a:schemeClr val="accent1"/>
+              </a:solidFill>
+            </a:endParaRPr>
           </a:p>
         </p:txBody>
       </p:sp>
@@ -7406,15 +8269,22 @@
           <a:lstStyle/>
           <a:p>
             <a:r>
-              <a:rPr lang="en-US" b="1" dirty="0">
+              <a:rPr lang="tr-TR" b="1" dirty="0">
                 <a:solidFill>
                   <a:srgbClr val="292D33"/>
                 </a:solidFill>
                 <a:latin typeface="Euclid Circular B" panose="020B0504000000000000" pitchFamily="34" charset="0"/>
                 <a:ea typeface="Euclid Circular B" panose="020B0504000000000000" pitchFamily="34" charset="0"/>
               </a:rPr>
-              <a:t>Topic title</a:t>
-            </a:r>
+              <a:t>What is the ABP Framework?</a:t>
+            </a:r>
+            <a:endParaRPr lang="en-US" b="1" dirty="0">
+              <a:solidFill>
+                <a:srgbClr val="292D33"/>
+              </a:solidFill>
+              <a:latin typeface="Euclid Circular B" panose="020B0504000000000000" pitchFamily="34" charset="0"/>
+              <a:ea typeface="Euclid Circular B" panose="020B0504000000000000" pitchFamily="34" charset="0"/>
+            </a:endParaRPr>
           </a:p>
         </p:txBody>
       </p:sp>
@@ -7434,21 +8304,576 @@
             <p:ph idx="1"/>
           </p:nvPr>
         </p:nvSpPr>
-        <p:spPr/>
-        <p:txBody>
-          <a:bodyPr/>
-          <a:lstStyle/>
-          <a:p>
+        <p:spPr>
+          <a:xfrm>
+            <a:off x="624406" y="1769762"/>
+            <a:ext cx="10729394" cy="1458264"/>
+          </a:xfrm>
+        </p:spPr>
+        <p:txBody>
+          <a:bodyPr/>
+          <a:lstStyle/>
+          <a:p>
+            <a:pPr marL="0" indent="0">
+              <a:buNone/>
+            </a:pPr>
             <a:r>
               <a:rPr lang="en-US" dirty="0">
                 <a:latin typeface="Euclid Circular B" panose="020B0504000000000000" pitchFamily="34" charset="0"/>
                 <a:ea typeface="Euclid Circular B" panose="020B0504000000000000" pitchFamily="34" charset="0"/>
               </a:rPr>
-              <a:t>Content</a:t>
-            </a:r>
-          </a:p>
-        </p:txBody>
-      </p:sp>
+              <a:t>ABP Framework offers an </a:t>
+            </a:r>
+            <a:r>
+              <a:rPr lang="en-US" b="1" dirty="0">
+                <a:latin typeface="Euclid Circular B" panose="020B0504000000000000" pitchFamily="34" charset="0"/>
+                <a:ea typeface="Euclid Circular B" panose="020B0504000000000000" pitchFamily="34" charset="0"/>
+              </a:rPr>
+              <a:t>opinionated architecture </a:t>
+            </a:r>
+            <a:r>
+              <a:rPr lang="en-US" dirty="0">
+                <a:latin typeface="Euclid Circular B" panose="020B0504000000000000" pitchFamily="34" charset="0"/>
+                <a:ea typeface="Euclid Circular B" panose="020B0504000000000000" pitchFamily="34" charset="0"/>
+              </a:rPr>
+              <a:t>to build </a:t>
+            </a:r>
+            <a:r>
+              <a:rPr lang="en-US" b="1" dirty="0">
+                <a:latin typeface="Euclid Circular B" panose="020B0504000000000000" pitchFamily="34" charset="0"/>
+                <a:ea typeface="Euclid Circular B" panose="020B0504000000000000" pitchFamily="34" charset="0"/>
+              </a:rPr>
+              <a:t>enterprise software solutions </a:t>
+            </a:r>
+            <a:r>
+              <a:rPr lang="en-US" dirty="0">
+                <a:latin typeface="Euclid Circular B" panose="020B0504000000000000" pitchFamily="34" charset="0"/>
+                <a:ea typeface="Euclid Circular B" panose="020B0504000000000000" pitchFamily="34" charset="0"/>
+              </a:rPr>
+              <a:t>with best practices on top of the .NET and the </a:t>
+            </a:r>
+            <a:r>
+              <a:rPr lang="en-US" b="1" dirty="0">
+                <a:latin typeface="Euclid Circular B" panose="020B0504000000000000" pitchFamily="34" charset="0"/>
+                <a:ea typeface="Euclid Circular B" panose="020B0504000000000000" pitchFamily="34" charset="0"/>
+              </a:rPr>
+              <a:t>ASP.NET Core </a:t>
+            </a:r>
+            <a:r>
+              <a:rPr lang="en-US" dirty="0">
+                <a:latin typeface="Euclid Circular B" panose="020B0504000000000000" pitchFamily="34" charset="0"/>
+                <a:ea typeface="Euclid Circular B" panose="020B0504000000000000" pitchFamily="34" charset="0"/>
+              </a:rPr>
+              <a:t>platforms.</a:t>
+            </a:r>
+          </a:p>
+        </p:txBody>
+      </p:sp>
+      <p:sp>
+        <p:nvSpPr>
+          <p:cNvPr id="4" name="Rectangle 3">
+            <a:extLst>
+              <a:ext uri="{FF2B5EF4-FFF2-40B4-BE49-F238E27FC236}">
+                <a16:creationId xmlns:a16="http://schemas.microsoft.com/office/drawing/2014/main" id="{449F7368-6BAC-ED6D-DC8C-E60468DD34AC}"/>
+              </a:ext>
+            </a:extLst>
+          </p:cNvPr>
+          <p:cNvSpPr/>
+          <p:nvPr/>
+        </p:nvSpPr>
+        <p:spPr>
+          <a:xfrm>
+            <a:off x="1602512" y="4446904"/>
+            <a:ext cx="6576497" cy="887809"/>
+          </a:xfrm>
+          <a:prstGeom prst="rect">
+            <a:avLst/>
+          </a:prstGeom>
+          <a:solidFill>
+            <a:srgbClr val="38003C"/>
+          </a:solidFill>
+          <a:ln/>
+          <a:effectLst>
+            <a:outerShdw blurRad="50800" dist="38100" dir="2700000" algn="tl" rotWithShape="0">
+              <a:prstClr val="black">
+                <a:alpha val="40000"/>
+              </a:prstClr>
+            </a:outerShdw>
+          </a:effectLst>
+        </p:spPr>
+        <p:style>
+          <a:lnRef idx="2">
+            <a:schemeClr val="accent2">
+              <a:shade val="50000"/>
+            </a:schemeClr>
+          </a:lnRef>
+          <a:fillRef idx="1">
+            <a:schemeClr val="accent2"/>
+          </a:fillRef>
+          <a:effectRef idx="0">
+            <a:schemeClr val="accent2"/>
+          </a:effectRef>
+          <a:fontRef idx="minor">
+            <a:schemeClr val="lt1"/>
+          </a:fontRef>
+        </p:style>
+        <p:txBody>
+          <a:bodyPr rtlCol="0" anchor="ctr"/>
+          <a:lstStyle/>
+          <a:p>
+            <a:r>
+              <a:rPr lang="en-US" sz="3600" dirty="0">
+                <a:solidFill>
+                  <a:schemeClr val="bg1"/>
+                </a:solidFill>
+              </a:rPr>
+              <a:t>ABP.IO Platform</a:t>
+            </a:r>
+            <a:endParaRPr lang="en-US" sz="2400" dirty="0">
+              <a:solidFill>
+                <a:schemeClr val="bg1"/>
+              </a:solidFill>
+            </a:endParaRPr>
+          </a:p>
+          <a:p>
+            <a:r>
+              <a:rPr lang="en-US" dirty="0">
+                <a:solidFill>
+                  <a:schemeClr val="bg1"/>
+                </a:solidFill>
+              </a:rPr>
+              <a:t>Architecture &amp; Infrastructure for Real-World Business Applications</a:t>
+            </a:r>
+          </a:p>
+        </p:txBody>
+      </p:sp>
+      <p:sp>
+        <p:nvSpPr>
+          <p:cNvPr id="5" name="Rectangle 4">
+            <a:extLst>
+              <a:ext uri="{FF2B5EF4-FFF2-40B4-BE49-F238E27FC236}">
+                <a16:creationId xmlns:a16="http://schemas.microsoft.com/office/drawing/2014/main" id="{31058461-DB8C-E211-A154-522868A5F767}"/>
+              </a:ext>
+            </a:extLst>
+          </p:cNvPr>
+          <p:cNvSpPr/>
+          <p:nvPr/>
+        </p:nvSpPr>
+        <p:spPr>
+          <a:xfrm>
+            <a:off x="1602513" y="5633435"/>
+            <a:ext cx="8348736" cy="887809"/>
+          </a:xfrm>
+          <a:prstGeom prst="rect">
+            <a:avLst/>
+          </a:prstGeom>
+          <a:solidFill>
+            <a:srgbClr val="512BD4"/>
+          </a:solidFill>
+          <a:ln/>
+          <a:effectLst>
+            <a:outerShdw blurRad="50800" dist="38100" dir="2700000" algn="tl" rotWithShape="0">
+              <a:prstClr val="black">
+                <a:alpha val="40000"/>
+              </a:prstClr>
+            </a:outerShdw>
+          </a:effectLst>
+        </p:spPr>
+        <p:style>
+          <a:lnRef idx="2">
+            <a:schemeClr val="accent1">
+              <a:shade val="50000"/>
+            </a:schemeClr>
+          </a:lnRef>
+          <a:fillRef idx="1">
+            <a:schemeClr val="accent1"/>
+          </a:fillRef>
+          <a:effectRef idx="0">
+            <a:schemeClr val="accent1"/>
+          </a:effectRef>
+          <a:fontRef idx="minor">
+            <a:schemeClr val="lt1"/>
+          </a:fontRef>
+        </p:style>
+        <p:txBody>
+          <a:bodyPr rtlCol="0" anchor="ctr"/>
+          <a:lstStyle/>
+          <a:p>
+            <a:r>
+              <a:rPr lang="en-US" sz="3600" dirty="0">
+                <a:solidFill>
+                  <a:schemeClr val="bg1"/>
+                </a:solidFill>
+              </a:rPr>
+              <a:t>.NET Platform / ASP.NET Core</a:t>
+            </a:r>
+          </a:p>
+          <a:p>
+            <a:r>
+              <a:rPr lang="en-US" dirty="0">
+                <a:solidFill>
+                  <a:schemeClr val="bg1"/>
+                </a:solidFill>
+              </a:rPr>
+              <a:t>Web Application &amp; HTTP Service Development Framework</a:t>
+            </a:r>
+          </a:p>
+        </p:txBody>
+      </p:sp>
+      <p:pic>
+        <p:nvPicPr>
+          <p:cNvPr id="6" name="Picture 2">
+            <a:extLst>
+              <a:ext uri="{FF2B5EF4-FFF2-40B4-BE49-F238E27FC236}">
+                <a16:creationId xmlns:a16="http://schemas.microsoft.com/office/drawing/2014/main" id="{BCB6A854-125C-2B3C-0FA3-FE586A173A4D}"/>
+              </a:ext>
+            </a:extLst>
+          </p:cNvPr>
+          <p:cNvPicPr>
+            <a:picLocks noChangeAspect="1" noChangeArrowheads="1"/>
+          </p:cNvPicPr>
+          <p:nvPr/>
+        </p:nvPicPr>
+        <p:blipFill>
+          <a:blip r:embed="rId3">
+            <a:extLst>
+              <a:ext uri="{28A0092B-C50C-407E-A947-70E740481C1C}">
+                <a14:useLocalDpi xmlns:a14="http://schemas.microsoft.com/office/drawing/2010/main" val="0"/>
+              </a:ext>
+            </a:extLst>
+          </a:blip>
+          <a:srcRect/>
+          <a:stretch>
+            <a:fillRect/>
+          </a:stretch>
+        </p:blipFill>
+        <p:spPr bwMode="auto">
+          <a:xfrm>
+            <a:off x="624406" y="5662309"/>
+            <a:ext cx="821601" cy="821601"/>
+          </a:xfrm>
+          <a:prstGeom prst="rect">
+            <a:avLst/>
+          </a:prstGeom>
+          <a:noFill/>
+          <a:effectLst>
+            <a:outerShdw blurRad="50800" dist="38100" dir="2700000" algn="tl" rotWithShape="0">
+              <a:prstClr val="black">
+                <a:alpha val="40000"/>
+              </a:prstClr>
+            </a:outerShdw>
+          </a:effectLst>
+          <a:extLst>
+            <a:ext uri="{909E8E84-426E-40DD-AFC4-6F175D3DCCD1}">
+              <a14:hiddenFill xmlns:a14="http://schemas.microsoft.com/office/drawing/2010/main">
+                <a:solidFill>
+                  <a:srgbClr val="FFFFFF"/>
+                </a:solidFill>
+              </a14:hiddenFill>
+            </a:ext>
+          </a:extLst>
+        </p:spPr>
+      </p:pic>
+      <p:pic>
+        <p:nvPicPr>
+          <p:cNvPr id="7" name="Picture 6" descr="Shape&#10;&#10;Description automatically generated with low confidence">
+            <a:extLst>
+              <a:ext uri="{FF2B5EF4-FFF2-40B4-BE49-F238E27FC236}">
+                <a16:creationId xmlns:a16="http://schemas.microsoft.com/office/drawing/2014/main" id="{5AE3545F-D5C5-EF6F-E0D1-C6768FFEAEBC}"/>
+              </a:ext>
+            </a:extLst>
+          </p:cNvPr>
+          <p:cNvPicPr>
+            <a:picLocks noChangeAspect="1"/>
+          </p:cNvPicPr>
+          <p:nvPr/>
+        </p:nvPicPr>
+        <p:blipFill>
+          <a:blip r:embed="rId4">
+            <a:extLst>
+              <a:ext uri="{28A0092B-C50C-407E-A947-70E740481C1C}">
+                <a14:useLocalDpi xmlns:a14="http://schemas.microsoft.com/office/drawing/2010/main" val="0"/>
+              </a:ext>
+            </a:extLst>
+          </a:blip>
+          <a:stretch>
+            <a:fillRect/>
+          </a:stretch>
+        </p:blipFill>
+        <p:spPr>
+          <a:xfrm>
+            <a:off x="624406" y="3296586"/>
+            <a:ext cx="821601" cy="821601"/>
+          </a:xfrm>
+          <a:prstGeom prst="rect">
+            <a:avLst/>
+          </a:prstGeom>
+          <a:effectLst>
+            <a:outerShdw blurRad="50800" dist="38100" dir="2700000" algn="tl" rotWithShape="0">
+              <a:prstClr val="black">
+                <a:alpha val="40000"/>
+              </a:prstClr>
+            </a:outerShdw>
+          </a:effectLst>
+        </p:spPr>
+      </p:pic>
+      <p:sp>
+        <p:nvSpPr>
+          <p:cNvPr id="8" name="Rectangle 7">
+            <a:extLst>
+              <a:ext uri="{FF2B5EF4-FFF2-40B4-BE49-F238E27FC236}">
+                <a16:creationId xmlns:a16="http://schemas.microsoft.com/office/drawing/2014/main" id="{AF2D1086-4513-EB65-DFAF-FCFD047F2A29}"/>
+              </a:ext>
+            </a:extLst>
+          </p:cNvPr>
+          <p:cNvSpPr/>
+          <p:nvPr/>
+        </p:nvSpPr>
+        <p:spPr>
+          <a:xfrm>
+            <a:off x="1602512" y="3260374"/>
+            <a:ext cx="8348737" cy="887809"/>
+          </a:xfrm>
+          <a:prstGeom prst="rect">
+            <a:avLst/>
+          </a:prstGeom>
+          <a:solidFill>
+            <a:schemeClr val="accent2">
+              <a:lumMod val="75000"/>
+            </a:schemeClr>
+          </a:solidFill>
+          <a:ln/>
+          <a:effectLst>
+            <a:outerShdw blurRad="50800" dist="38100" dir="2700000" algn="tl" rotWithShape="0">
+              <a:prstClr val="black">
+                <a:alpha val="40000"/>
+              </a:prstClr>
+            </a:outerShdw>
+          </a:effectLst>
+        </p:spPr>
+        <p:style>
+          <a:lnRef idx="2">
+            <a:schemeClr val="accent6">
+              <a:shade val="50000"/>
+            </a:schemeClr>
+          </a:lnRef>
+          <a:fillRef idx="1">
+            <a:schemeClr val="accent6"/>
+          </a:fillRef>
+          <a:effectRef idx="0">
+            <a:schemeClr val="accent6"/>
+          </a:effectRef>
+          <a:fontRef idx="minor">
+            <a:schemeClr val="lt1"/>
+          </a:fontRef>
+        </p:style>
+        <p:txBody>
+          <a:bodyPr rtlCol="0" anchor="ctr"/>
+          <a:lstStyle/>
+          <a:p>
+            <a:r>
+              <a:rPr lang="en-US" sz="3600" dirty="0">
+                <a:solidFill>
+                  <a:schemeClr val="bg1"/>
+                </a:solidFill>
+              </a:rPr>
+              <a:t>Your Application</a:t>
+            </a:r>
+            <a:endParaRPr lang="en-US" sz="2400" dirty="0">
+              <a:solidFill>
+                <a:schemeClr val="bg1"/>
+              </a:solidFill>
+            </a:endParaRPr>
+          </a:p>
+          <a:p>
+            <a:r>
+              <a:rPr lang="en-US" dirty="0">
+                <a:solidFill>
+                  <a:schemeClr val="bg1"/>
+                </a:solidFill>
+              </a:rPr>
+              <a:t>Focus on your own business code!</a:t>
+            </a:r>
+          </a:p>
+        </p:txBody>
+      </p:sp>
+      <p:cxnSp>
+        <p:nvCxnSpPr>
+          <p:cNvPr id="9" name="Straight Arrow Connector 8">
+            <a:extLst>
+              <a:ext uri="{FF2B5EF4-FFF2-40B4-BE49-F238E27FC236}">
+                <a16:creationId xmlns:a16="http://schemas.microsoft.com/office/drawing/2014/main" id="{A8F615BF-8833-712C-E653-3C443668F2A8}"/>
+              </a:ext>
+            </a:extLst>
+          </p:cNvPr>
+          <p:cNvCxnSpPr>
+            <a:cxnSpLocks/>
+            <a:endCxn id="5" idx="0"/>
+          </p:cNvCxnSpPr>
+          <p:nvPr/>
+        </p:nvCxnSpPr>
+        <p:spPr>
+          <a:xfrm>
+            <a:off x="5776881" y="5334713"/>
+            <a:ext cx="0" cy="298722"/>
+          </a:xfrm>
+          <a:prstGeom prst="straightConnector1">
+            <a:avLst/>
+          </a:prstGeom>
+          <a:ln w="63500">
+            <a:solidFill>
+              <a:schemeClr val="tx1"/>
+            </a:solidFill>
+            <a:tailEnd type="triangle"/>
+          </a:ln>
+        </p:spPr>
+        <p:style>
+          <a:lnRef idx="1">
+            <a:schemeClr val="accent1"/>
+          </a:lnRef>
+          <a:fillRef idx="0">
+            <a:schemeClr val="accent1"/>
+          </a:fillRef>
+          <a:effectRef idx="0">
+            <a:schemeClr val="accent1"/>
+          </a:effectRef>
+          <a:fontRef idx="minor">
+            <a:schemeClr val="tx1"/>
+          </a:fontRef>
+        </p:style>
+      </p:cxnSp>
+      <p:cxnSp>
+        <p:nvCxnSpPr>
+          <p:cNvPr id="10" name="Straight Arrow Connector 9">
+            <a:extLst>
+              <a:ext uri="{FF2B5EF4-FFF2-40B4-BE49-F238E27FC236}">
+                <a16:creationId xmlns:a16="http://schemas.microsoft.com/office/drawing/2014/main" id="{E2BE8A25-C7FE-B879-5EBC-046A6DB3E9F4}"/>
+              </a:ext>
+            </a:extLst>
+          </p:cNvPr>
+          <p:cNvCxnSpPr>
+            <a:cxnSpLocks/>
+            <a:stCxn id="8" idx="2"/>
+          </p:cNvCxnSpPr>
+          <p:nvPr/>
+        </p:nvCxnSpPr>
+        <p:spPr>
+          <a:xfrm flipH="1">
+            <a:off x="5776880" y="4148183"/>
+            <a:ext cx="1" cy="298721"/>
+          </a:xfrm>
+          <a:prstGeom prst="straightConnector1">
+            <a:avLst/>
+          </a:prstGeom>
+          <a:ln w="63500">
+            <a:solidFill>
+              <a:schemeClr val="tx1"/>
+            </a:solidFill>
+            <a:tailEnd type="triangle"/>
+          </a:ln>
+        </p:spPr>
+        <p:style>
+          <a:lnRef idx="1">
+            <a:schemeClr val="accent1"/>
+          </a:lnRef>
+          <a:fillRef idx="0">
+            <a:schemeClr val="accent1"/>
+          </a:fillRef>
+          <a:effectRef idx="0">
+            <a:schemeClr val="accent1"/>
+          </a:effectRef>
+          <a:fontRef idx="minor">
+            <a:schemeClr val="tx1"/>
+          </a:fontRef>
+        </p:style>
+      </p:cxnSp>
+      <p:cxnSp>
+        <p:nvCxnSpPr>
+          <p:cNvPr id="11" name="Straight Arrow Connector 10">
+            <a:extLst>
+              <a:ext uri="{FF2B5EF4-FFF2-40B4-BE49-F238E27FC236}">
+                <a16:creationId xmlns:a16="http://schemas.microsoft.com/office/drawing/2014/main" id="{16498368-5F82-CD5C-0462-0A8B1D5D97D9}"/>
+              </a:ext>
+            </a:extLst>
+          </p:cNvPr>
+          <p:cNvCxnSpPr>
+            <a:cxnSpLocks/>
+          </p:cNvCxnSpPr>
+          <p:nvPr/>
+        </p:nvCxnSpPr>
+        <p:spPr>
+          <a:xfrm>
+            <a:off x="9021273" y="4148183"/>
+            <a:ext cx="0" cy="1485252"/>
+          </a:xfrm>
+          <a:prstGeom prst="straightConnector1">
+            <a:avLst/>
+          </a:prstGeom>
+          <a:ln w="63500">
+            <a:solidFill>
+              <a:schemeClr val="tx1"/>
+            </a:solidFill>
+            <a:tailEnd type="triangle"/>
+          </a:ln>
+        </p:spPr>
+        <p:style>
+          <a:lnRef idx="1">
+            <a:schemeClr val="accent1"/>
+          </a:lnRef>
+          <a:fillRef idx="0">
+            <a:schemeClr val="accent1"/>
+          </a:fillRef>
+          <a:effectRef idx="0">
+            <a:schemeClr val="accent1"/>
+          </a:effectRef>
+          <a:fontRef idx="minor">
+            <a:schemeClr val="tx1"/>
+          </a:fontRef>
+        </p:style>
+      </p:cxnSp>
+      <p:pic>
+        <p:nvPicPr>
+          <p:cNvPr id="16" name="Picture 15" descr="A picture containing text, transport, vector graphics&#10;&#10;Description automatically generated">
+            <a:extLst>
+              <a:ext uri="{FF2B5EF4-FFF2-40B4-BE49-F238E27FC236}">
+                <a16:creationId xmlns:a16="http://schemas.microsoft.com/office/drawing/2014/main" id="{E93630BA-05F1-753C-5298-EB552AE27F00}"/>
+              </a:ext>
+            </a:extLst>
+          </p:cNvPr>
+          <p:cNvPicPr>
+            <a:picLocks noChangeAspect="1"/>
+          </p:cNvPicPr>
+          <p:nvPr/>
+        </p:nvPicPr>
+        <p:blipFill>
+          <a:blip r:embed="rId5">
+            <a:extLst>
+              <a:ext uri="{28A0092B-C50C-407E-A947-70E740481C1C}">
+                <a14:useLocalDpi xmlns:a14="http://schemas.microsoft.com/office/drawing/2010/main" val="0"/>
+              </a:ext>
+            </a:extLst>
+          </a:blip>
+          <a:stretch>
+            <a:fillRect/>
+          </a:stretch>
+        </p:blipFill>
+        <p:spPr>
+          <a:xfrm>
+            <a:off x="189727" y="4188827"/>
+            <a:ext cx="1690958" cy="1690958"/>
+          </a:xfrm>
+          <a:prstGeom prst="rect">
+            <a:avLst/>
+          </a:prstGeom>
+          <a:effectLst>
+            <a:outerShdw blurRad="50800" dist="38100" dir="2700000" algn="tl" rotWithShape="0">
+              <a:prstClr val="black">
+                <a:alpha val="40000"/>
+              </a:prstClr>
+            </a:outerShdw>
+          </a:effectLst>
+        </p:spPr>
+      </p:pic>
     </p:spTree>
     <p:extLst>
       <p:ext uri="{BB962C8B-B14F-4D97-AF65-F5344CB8AC3E}">
@@ -7459,6 +8884,410 @@
   <p:clrMapOvr>
     <a:masterClrMapping/>
   </p:clrMapOvr>
+  <p:timing>
+    <p:tnLst>
+      <p:par>
+        <p:cTn id="1" dur="indefinite" restart="never" nodeType="tmRoot">
+          <p:childTnLst>
+            <p:seq concurrent="1" nextAc="seek">
+              <p:cTn id="2" dur="indefinite" nodeType="mainSeq">
+                <p:childTnLst>
+                  <p:par>
+                    <p:cTn id="3" fill="hold">
+                      <p:stCondLst>
+                        <p:cond delay="indefinite"/>
+                      </p:stCondLst>
+                      <p:childTnLst>
+                        <p:par>
+                          <p:cTn id="4" fill="hold">
+                            <p:stCondLst>
+                              <p:cond delay="0"/>
+                            </p:stCondLst>
+                            <p:childTnLst>
+                              <p:par>
+                                <p:cTn id="5" presetID="10" presetClass="entr" presetSubtype="0" fill="hold" grpId="0" nodeType="clickEffect">
+                                  <p:stCondLst>
+                                    <p:cond delay="0"/>
+                                  </p:stCondLst>
+                                  <p:childTnLst>
+                                    <p:set>
+                                      <p:cBhvr>
+                                        <p:cTn id="6" dur="1" fill="hold">
+                                          <p:stCondLst>
+                                            <p:cond delay="0"/>
+                                          </p:stCondLst>
+                                        </p:cTn>
+                                        <p:tgtEl>
+                                          <p:spTgt spid="5"/>
+                                        </p:tgtEl>
+                                        <p:attrNameLst>
+                                          <p:attrName>style.visibility</p:attrName>
+                                        </p:attrNameLst>
+                                      </p:cBhvr>
+                                      <p:to>
+                                        <p:strVal val="visible"/>
+                                      </p:to>
+                                    </p:set>
+                                    <p:animEffect transition="in" filter="fade">
+                                      <p:cBhvr>
+                                        <p:cTn id="7" dur="500"/>
+                                        <p:tgtEl>
+                                          <p:spTgt spid="5"/>
+                                        </p:tgtEl>
+                                      </p:cBhvr>
+                                    </p:animEffect>
+                                  </p:childTnLst>
+                                </p:cTn>
+                              </p:par>
+                              <p:par>
+                                <p:cTn id="8" presetID="10" presetClass="entr" presetSubtype="0" fill="hold" nodeType="withEffect">
+                                  <p:stCondLst>
+                                    <p:cond delay="0"/>
+                                  </p:stCondLst>
+                                  <p:childTnLst>
+                                    <p:set>
+                                      <p:cBhvr>
+                                        <p:cTn id="9" dur="1" fill="hold">
+                                          <p:stCondLst>
+                                            <p:cond delay="0"/>
+                                          </p:stCondLst>
+                                        </p:cTn>
+                                        <p:tgtEl>
+                                          <p:spTgt spid="6"/>
+                                        </p:tgtEl>
+                                        <p:attrNameLst>
+                                          <p:attrName>style.visibility</p:attrName>
+                                        </p:attrNameLst>
+                                      </p:cBhvr>
+                                      <p:to>
+                                        <p:strVal val="visible"/>
+                                      </p:to>
+                                    </p:set>
+                                    <p:animEffect transition="in" filter="fade">
+                                      <p:cBhvr>
+                                        <p:cTn id="10" dur="500"/>
+                                        <p:tgtEl>
+                                          <p:spTgt spid="6"/>
+                                        </p:tgtEl>
+                                      </p:cBhvr>
+                                    </p:animEffect>
+                                  </p:childTnLst>
+                                </p:cTn>
+                              </p:par>
+                            </p:childTnLst>
+                          </p:cTn>
+                        </p:par>
+                      </p:childTnLst>
+                    </p:cTn>
+                  </p:par>
+                  <p:par>
+                    <p:cTn id="11" fill="hold">
+                      <p:stCondLst>
+                        <p:cond delay="indefinite"/>
+                      </p:stCondLst>
+                      <p:childTnLst>
+                        <p:par>
+                          <p:cTn id="12" fill="hold">
+                            <p:stCondLst>
+                              <p:cond delay="0"/>
+                            </p:stCondLst>
+                            <p:childTnLst>
+                              <p:par>
+                                <p:cTn id="13" presetID="10" presetClass="entr" presetSubtype="0" fill="hold" grpId="0" nodeType="clickEffect">
+                                  <p:stCondLst>
+                                    <p:cond delay="0"/>
+                                  </p:stCondLst>
+                                  <p:childTnLst>
+                                    <p:set>
+                                      <p:cBhvr>
+                                        <p:cTn id="14" dur="1" fill="hold">
+                                          <p:stCondLst>
+                                            <p:cond delay="0"/>
+                                          </p:stCondLst>
+                                        </p:cTn>
+                                        <p:tgtEl>
+                                          <p:spTgt spid="4"/>
+                                        </p:tgtEl>
+                                        <p:attrNameLst>
+                                          <p:attrName>style.visibility</p:attrName>
+                                        </p:attrNameLst>
+                                      </p:cBhvr>
+                                      <p:to>
+                                        <p:strVal val="visible"/>
+                                      </p:to>
+                                    </p:set>
+                                    <p:animEffect transition="in" filter="fade">
+                                      <p:cBhvr>
+                                        <p:cTn id="15" dur="500"/>
+                                        <p:tgtEl>
+                                          <p:spTgt spid="4"/>
+                                        </p:tgtEl>
+                                      </p:cBhvr>
+                                    </p:animEffect>
+                                  </p:childTnLst>
+                                </p:cTn>
+                              </p:par>
+                              <p:par>
+                                <p:cTn id="16" presetID="10" presetClass="entr" presetSubtype="0" fill="hold" nodeType="withEffect">
+                                  <p:stCondLst>
+                                    <p:cond delay="0"/>
+                                  </p:stCondLst>
+                                  <p:childTnLst>
+                                    <p:set>
+                                      <p:cBhvr>
+                                        <p:cTn id="17" dur="1" fill="hold">
+                                          <p:stCondLst>
+                                            <p:cond delay="0"/>
+                                          </p:stCondLst>
+                                        </p:cTn>
+                                        <p:tgtEl>
+                                          <p:spTgt spid="9"/>
+                                        </p:tgtEl>
+                                        <p:attrNameLst>
+                                          <p:attrName>style.visibility</p:attrName>
+                                        </p:attrNameLst>
+                                      </p:cBhvr>
+                                      <p:to>
+                                        <p:strVal val="visible"/>
+                                      </p:to>
+                                    </p:set>
+                                    <p:animEffect transition="in" filter="fade">
+                                      <p:cBhvr>
+                                        <p:cTn id="18" dur="500"/>
+                                        <p:tgtEl>
+                                          <p:spTgt spid="9"/>
+                                        </p:tgtEl>
+                                      </p:cBhvr>
+                                    </p:animEffect>
+                                  </p:childTnLst>
+                                </p:cTn>
+                              </p:par>
+                            </p:childTnLst>
+                          </p:cTn>
+                        </p:par>
+                      </p:childTnLst>
+                    </p:cTn>
+                  </p:par>
+                  <p:par>
+                    <p:cTn id="19" fill="hold">
+                      <p:stCondLst>
+                        <p:cond delay="indefinite"/>
+                      </p:stCondLst>
+                      <p:childTnLst>
+                        <p:par>
+                          <p:cTn id="20" fill="hold">
+                            <p:stCondLst>
+                              <p:cond delay="0"/>
+                            </p:stCondLst>
+                            <p:childTnLst>
+                              <p:par>
+                                <p:cTn id="21" presetID="10" presetClass="entr" presetSubtype="0" fill="hold" nodeType="clickEffect">
+                                  <p:stCondLst>
+                                    <p:cond delay="0"/>
+                                  </p:stCondLst>
+                                  <p:childTnLst>
+                                    <p:set>
+                                      <p:cBhvr>
+                                        <p:cTn id="22" dur="1" fill="hold">
+                                          <p:stCondLst>
+                                            <p:cond delay="0"/>
+                                          </p:stCondLst>
+                                        </p:cTn>
+                                        <p:tgtEl>
+                                          <p:spTgt spid="7"/>
+                                        </p:tgtEl>
+                                        <p:attrNameLst>
+                                          <p:attrName>style.visibility</p:attrName>
+                                        </p:attrNameLst>
+                                      </p:cBhvr>
+                                      <p:to>
+                                        <p:strVal val="visible"/>
+                                      </p:to>
+                                    </p:set>
+                                    <p:animEffect transition="in" filter="fade">
+                                      <p:cBhvr>
+                                        <p:cTn id="23" dur="500"/>
+                                        <p:tgtEl>
+                                          <p:spTgt spid="7"/>
+                                        </p:tgtEl>
+                                      </p:cBhvr>
+                                    </p:animEffect>
+                                  </p:childTnLst>
+                                </p:cTn>
+                              </p:par>
+                              <p:par>
+                                <p:cTn id="24" presetID="10" presetClass="entr" presetSubtype="0" fill="hold" grpId="0" nodeType="withEffect">
+                                  <p:stCondLst>
+                                    <p:cond delay="0"/>
+                                  </p:stCondLst>
+                                  <p:childTnLst>
+                                    <p:set>
+                                      <p:cBhvr>
+                                        <p:cTn id="25" dur="1" fill="hold">
+                                          <p:stCondLst>
+                                            <p:cond delay="0"/>
+                                          </p:stCondLst>
+                                        </p:cTn>
+                                        <p:tgtEl>
+                                          <p:spTgt spid="8"/>
+                                        </p:tgtEl>
+                                        <p:attrNameLst>
+                                          <p:attrName>style.visibility</p:attrName>
+                                        </p:attrNameLst>
+                                      </p:cBhvr>
+                                      <p:to>
+                                        <p:strVal val="visible"/>
+                                      </p:to>
+                                    </p:set>
+                                    <p:animEffect transition="in" filter="fade">
+                                      <p:cBhvr>
+                                        <p:cTn id="26" dur="500"/>
+                                        <p:tgtEl>
+                                          <p:spTgt spid="8"/>
+                                        </p:tgtEl>
+                                      </p:cBhvr>
+                                    </p:animEffect>
+                                  </p:childTnLst>
+                                </p:cTn>
+                              </p:par>
+                              <p:par>
+                                <p:cTn id="27" presetID="10" presetClass="entr" presetSubtype="0" fill="hold" nodeType="withEffect">
+                                  <p:stCondLst>
+                                    <p:cond delay="0"/>
+                                  </p:stCondLst>
+                                  <p:childTnLst>
+                                    <p:set>
+                                      <p:cBhvr>
+                                        <p:cTn id="28" dur="1" fill="hold">
+                                          <p:stCondLst>
+                                            <p:cond delay="0"/>
+                                          </p:stCondLst>
+                                        </p:cTn>
+                                        <p:tgtEl>
+                                          <p:spTgt spid="10"/>
+                                        </p:tgtEl>
+                                        <p:attrNameLst>
+                                          <p:attrName>style.visibility</p:attrName>
+                                        </p:attrNameLst>
+                                      </p:cBhvr>
+                                      <p:to>
+                                        <p:strVal val="visible"/>
+                                      </p:to>
+                                    </p:set>
+                                    <p:animEffect transition="in" filter="fade">
+                                      <p:cBhvr>
+                                        <p:cTn id="29" dur="500"/>
+                                        <p:tgtEl>
+                                          <p:spTgt spid="10"/>
+                                        </p:tgtEl>
+                                      </p:cBhvr>
+                                    </p:animEffect>
+                                  </p:childTnLst>
+                                </p:cTn>
+                              </p:par>
+                              <p:par>
+                                <p:cTn id="30" presetID="10" presetClass="entr" presetSubtype="0" fill="hold" nodeType="withEffect">
+                                  <p:stCondLst>
+                                    <p:cond delay="0"/>
+                                  </p:stCondLst>
+                                  <p:childTnLst>
+                                    <p:set>
+                                      <p:cBhvr>
+                                        <p:cTn id="31" dur="1" fill="hold">
+                                          <p:stCondLst>
+                                            <p:cond delay="0"/>
+                                          </p:stCondLst>
+                                        </p:cTn>
+                                        <p:tgtEl>
+                                          <p:spTgt spid="11"/>
+                                        </p:tgtEl>
+                                        <p:attrNameLst>
+                                          <p:attrName>style.visibility</p:attrName>
+                                        </p:attrNameLst>
+                                      </p:cBhvr>
+                                      <p:to>
+                                        <p:strVal val="visible"/>
+                                      </p:to>
+                                    </p:set>
+                                    <p:animEffect transition="in" filter="fade">
+                                      <p:cBhvr>
+                                        <p:cTn id="32" dur="500"/>
+                                        <p:tgtEl>
+                                          <p:spTgt spid="11"/>
+                                        </p:tgtEl>
+                                      </p:cBhvr>
+                                    </p:animEffect>
+                                  </p:childTnLst>
+                                </p:cTn>
+                              </p:par>
+                              <p:par>
+                                <p:cTn id="33" presetID="10" presetClass="entr" presetSubtype="0" fill="hold" nodeType="withEffect">
+                                  <p:stCondLst>
+                                    <p:cond delay="0"/>
+                                  </p:stCondLst>
+                                  <p:childTnLst>
+                                    <p:set>
+                                      <p:cBhvr>
+                                        <p:cTn id="34" dur="1" fill="hold">
+                                          <p:stCondLst>
+                                            <p:cond delay="0"/>
+                                          </p:stCondLst>
+                                        </p:cTn>
+                                        <p:tgtEl>
+                                          <p:spTgt spid="16"/>
+                                        </p:tgtEl>
+                                        <p:attrNameLst>
+                                          <p:attrName>style.visibility</p:attrName>
+                                        </p:attrNameLst>
+                                      </p:cBhvr>
+                                      <p:to>
+                                        <p:strVal val="visible"/>
+                                      </p:to>
+                                    </p:set>
+                                    <p:animEffect transition="in" filter="fade">
+                                      <p:cBhvr>
+                                        <p:cTn id="35" dur="500"/>
+                                        <p:tgtEl>
+                                          <p:spTgt spid="16"/>
+                                        </p:tgtEl>
+                                      </p:cBhvr>
+                                    </p:animEffect>
+                                  </p:childTnLst>
+                                </p:cTn>
+                              </p:par>
+                            </p:childTnLst>
+                          </p:cTn>
+                        </p:par>
+                      </p:childTnLst>
+                    </p:cTn>
+                  </p:par>
+                </p:childTnLst>
+              </p:cTn>
+              <p:prevCondLst>
+                <p:cond evt="onPrev" delay="0">
+                  <p:tgtEl>
+                    <p:sldTgt/>
+                  </p:tgtEl>
+                </p:cond>
+              </p:prevCondLst>
+              <p:nextCondLst>
+                <p:cond evt="onNext" delay="0">
+                  <p:tgtEl>
+                    <p:sldTgt/>
+                  </p:tgtEl>
+                </p:cond>
+              </p:nextCondLst>
+            </p:seq>
+          </p:childTnLst>
+        </p:cTn>
+      </p:par>
+    </p:tnLst>
+    <p:bldLst>
+      <p:bldP spid="4" grpId="0" animBg="1"/>
+      <p:bldP spid="5" grpId="0" animBg="1"/>
+      <p:bldP spid="8" grpId="0" animBg="1"/>
+    </p:bldLst>
+  </p:timing>
 </p:sld>
 </file>
 

--- a/2023-01-17 Dotnet Foundation Summit 2023/ABP Multi-Tenancy.pptx
+++ b/2023-01-17 Dotnet Foundation Summit 2023/ABP Multi-Tenancy.pptx
@@ -20,9 +20,9 @@
     <p:sldId id="268" r:id="rId14"/>
     <p:sldId id="269" r:id="rId15"/>
     <p:sldId id="270" r:id="rId16"/>
-    <p:sldId id="271" r:id="rId17"/>
-    <p:sldId id="272" r:id="rId18"/>
-    <p:sldId id="273" r:id="rId19"/>
+    <p:sldId id="273" r:id="rId17"/>
+    <p:sldId id="271" r:id="rId18"/>
+    <p:sldId id="272" r:id="rId19"/>
     <p:sldId id="274" r:id="rId20"/>
     <p:sldId id="275" r:id="rId21"/>
     <p:sldId id="276" r:id="rId22"/>
@@ -291,7 +291,7 @@
           <a:p>
             <a:fld id="{2A14C9FE-EBC3-45D3-899C-58AAF4F8AF71}" type="datetimeFigureOut">
               <a:rPr lang="en-US" smtClean="0"/>
-              <a:t>12/30/2022</a:t>
+              <a:t>03-Jan-23</a:t>
             </a:fld>
             <a:endParaRPr lang="en-US"/>
           </a:p>
@@ -489,7 +489,7 @@
           <a:p>
             <a:fld id="{2A14C9FE-EBC3-45D3-899C-58AAF4F8AF71}" type="datetimeFigureOut">
               <a:rPr lang="en-US" smtClean="0"/>
-              <a:t>12/30/2022</a:t>
+              <a:t>03-Jan-23</a:t>
             </a:fld>
             <a:endParaRPr lang="en-US"/>
           </a:p>
@@ -697,7 +697,7 @@
           <a:p>
             <a:fld id="{2A14C9FE-EBC3-45D3-899C-58AAF4F8AF71}" type="datetimeFigureOut">
               <a:rPr lang="en-US" smtClean="0"/>
-              <a:t>12/30/2022</a:t>
+              <a:t>03-Jan-23</a:t>
             </a:fld>
             <a:endParaRPr lang="en-US"/>
           </a:p>
@@ -895,7 +895,7 @@
           <a:p>
             <a:fld id="{2A14C9FE-EBC3-45D3-899C-58AAF4F8AF71}" type="datetimeFigureOut">
               <a:rPr lang="en-US" smtClean="0"/>
-              <a:t>12/30/2022</a:t>
+              <a:t>03-Jan-23</a:t>
             </a:fld>
             <a:endParaRPr lang="en-US"/>
           </a:p>
@@ -1170,7 +1170,7 @@
           <a:p>
             <a:fld id="{2A14C9FE-EBC3-45D3-899C-58AAF4F8AF71}" type="datetimeFigureOut">
               <a:rPr lang="en-US" smtClean="0"/>
-              <a:t>12/30/2022</a:t>
+              <a:t>03-Jan-23</a:t>
             </a:fld>
             <a:endParaRPr lang="en-US"/>
           </a:p>
@@ -1435,7 +1435,7 @@
           <a:p>
             <a:fld id="{2A14C9FE-EBC3-45D3-899C-58AAF4F8AF71}" type="datetimeFigureOut">
               <a:rPr lang="en-US" smtClean="0"/>
-              <a:t>12/30/2022</a:t>
+              <a:t>03-Jan-23</a:t>
             </a:fld>
             <a:endParaRPr lang="en-US"/>
           </a:p>
@@ -1847,7 +1847,7 @@
           <a:p>
             <a:fld id="{2A14C9FE-EBC3-45D3-899C-58AAF4F8AF71}" type="datetimeFigureOut">
               <a:rPr lang="en-US" smtClean="0"/>
-              <a:t>12/30/2022</a:t>
+              <a:t>03-Jan-23</a:t>
             </a:fld>
             <a:endParaRPr lang="en-US"/>
           </a:p>
@@ -1988,7 +1988,7 @@
           <a:p>
             <a:fld id="{2A14C9FE-EBC3-45D3-899C-58AAF4F8AF71}" type="datetimeFigureOut">
               <a:rPr lang="en-US" smtClean="0"/>
-              <a:t>12/30/2022</a:t>
+              <a:t>03-Jan-23</a:t>
             </a:fld>
             <a:endParaRPr lang="en-US"/>
           </a:p>
@@ -2101,7 +2101,7 @@
           <a:p>
             <a:fld id="{2A14C9FE-EBC3-45D3-899C-58AAF4F8AF71}" type="datetimeFigureOut">
               <a:rPr lang="en-US" smtClean="0"/>
-              <a:t>12/30/2022</a:t>
+              <a:t>03-Jan-23</a:t>
             </a:fld>
             <a:endParaRPr lang="en-US"/>
           </a:p>
@@ -2412,7 +2412,7 @@
           <a:p>
             <a:fld id="{2A14C9FE-EBC3-45D3-899C-58AAF4F8AF71}" type="datetimeFigureOut">
               <a:rPr lang="en-US" smtClean="0"/>
-              <a:t>12/30/2022</a:t>
+              <a:t>03-Jan-23</a:t>
             </a:fld>
             <a:endParaRPr lang="en-US"/>
           </a:p>
@@ -2700,7 +2700,7 @@
           <a:p>
             <a:fld id="{2A14C9FE-EBC3-45D3-899C-58AAF4F8AF71}" type="datetimeFigureOut">
               <a:rPr lang="en-US" smtClean="0"/>
-              <a:t>12/30/2022</a:t>
+              <a:t>03-Jan-23</a:t>
             </a:fld>
             <a:endParaRPr lang="en-US"/>
           </a:p>
@@ -2941,7 +2941,7 @@
           <a:p>
             <a:fld id="{2A14C9FE-EBC3-45D3-899C-58AAF4F8AF71}" type="datetimeFigureOut">
               <a:rPr lang="en-US" smtClean="0"/>
-              <a:t>12/30/2022</a:t>
+              <a:t>03-Jan-23</a:t>
             </a:fld>
             <a:endParaRPr lang="en-US"/>
           </a:p>
@@ -4542,7 +4542,7 @@
                 <a:latin typeface="Euclid Circular B" panose="020B0504000000000000" pitchFamily="34" charset="0"/>
                 <a:ea typeface="Euclid Circular B" panose="020B0504000000000000" pitchFamily="34" charset="0"/>
               </a:rPr>
-              <a:t>Topic title</a:t>
+              <a:t>Determining the Current Tenant</a:t>
             </a:r>
           </a:p>
         </p:txBody>
@@ -4563,21 +4563,232 @@
             <p:ph idx="1"/>
           </p:nvPr>
         </p:nvSpPr>
-        <p:spPr/>
-        <p:txBody>
-          <a:bodyPr/>
-          <a:lstStyle/>
-          <a:p>
-            <a:r>
-              <a:rPr lang="en-US" dirty="0">
-                <a:latin typeface="Euclid Circular B" panose="020B0504000000000000" pitchFamily="34" charset="0"/>
-                <a:ea typeface="Euclid Circular B" panose="020B0504000000000000" pitchFamily="34" charset="0"/>
-              </a:rPr>
-              <a:t>Content</a:t>
-            </a:r>
-          </a:p>
-        </p:txBody>
-      </p:sp>
+        <p:spPr>
+          <a:xfrm>
+            <a:off x="838200" y="1825625"/>
+            <a:ext cx="10515600" cy="4603878"/>
+          </a:xfrm>
+        </p:spPr>
+        <p:txBody>
+          <a:bodyPr>
+            <a:normAutofit fontScale="92500" lnSpcReduction="20000"/>
+          </a:bodyPr>
+          <a:lstStyle/>
+          <a:p>
+            <a:pPr marL="0" indent="0">
+              <a:buNone/>
+            </a:pPr>
+            <a:r>
+              <a:rPr lang="en-US" b="1" u="sng" dirty="0">
+                <a:latin typeface="Euclid Circular B" panose="020B0504000000000000" pitchFamily="34" charset="0"/>
+                <a:ea typeface="Euclid Circular B" panose="020B0504000000000000" pitchFamily="34" charset="0"/>
+              </a:rPr>
+              <a:t>Tenant Resolvers</a:t>
+            </a:r>
+          </a:p>
+          <a:p>
+            <a:r>
+              <a:rPr lang="en-US" b="0" i="0" dirty="0" err="1">
+                <a:solidFill>
+                  <a:srgbClr val="D63384"/>
+                </a:solidFill>
+                <a:effectLst/>
+                <a:latin typeface="SFMono-Regular"/>
+              </a:rPr>
+              <a:t>CurrentUserTenantResolveContributor</a:t>
+            </a:r>
+            <a:endParaRPr lang="en-US" b="0" i="0" dirty="0">
+              <a:solidFill>
+                <a:srgbClr val="D63384"/>
+              </a:solidFill>
+              <a:effectLst/>
+              <a:latin typeface="Euclid Circular B" panose="020B0504000000000000" pitchFamily="34" charset="0"/>
+              <a:ea typeface="Euclid Circular B" panose="020B0504000000000000" pitchFamily="34" charset="0"/>
+            </a:endParaRPr>
+          </a:p>
+          <a:p>
+            <a:r>
+              <a:rPr lang="en-US" b="0" i="0" dirty="0" err="1">
+                <a:solidFill>
+                  <a:srgbClr val="D63384"/>
+                </a:solidFill>
+                <a:effectLst/>
+                <a:latin typeface="SFMono-Regular"/>
+              </a:rPr>
+              <a:t>QueryStringTenantResolveContributor</a:t>
+            </a:r>
+            <a:endParaRPr lang="en-US" dirty="0">
+              <a:solidFill>
+                <a:srgbClr val="D63384"/>
+              </a:solidFill>
+              <a:latin typeface="Euclid Circular B" panose="020B0504000000000000" pitchFamily="34" charset="0"/>
+              <a:ea typeface="Euclid Circular B" panose="020B0504000000000000" pitchFamily="34" charset="0"/>
+            </a:endParaRPr>
+          </a:p>
+          <a:p>
+            <a:r>
+              <a:rPr lang="en-US" b="0" i="0" dirty="0" err="1">
+                <a:solidFill>
+                  <a:srgbClr val="D63384"/>
+                </a:solidFill>
+                <a:effectLst/>
+                <a:latin typeface="SFMono-Regular"/>
+              </a:rPr>
+              <a:t>RouteTenantResolveContributor</a:t>
+            </a:r>
+            <a:endParaRPr lang="en-US" b="0" i="0" dirty="0">
+              <a:solidFill>
+                <a:srgbClr val="D63384"/>
+              </a:solidFill>
+              <a:effectLst/>
+              <a:latin typeface="Euclid Circular B" panose="020B0504000000000000" pitchFamily="34" charset="0"/>
+              <a:ea typeface="Euclid Circular B" panose="020B0504000000000000" pitchFamily="34" charset="0"/>
+            </a:endParaRPr>
+          </a:p>
+          <a:p>
+            <a:r>
+              <a:rPr lang="en-US" b="0" i="0" dirty="0" err="1">
+                <a:solidFill>
+                  <a:srgbClr val="D63384"/>
+                </a:solidFill>
+                <a:effectLst/>
+                <a:latin typeface="SFMono-Regular"/>
+              </a:rPr>
+              <a:t>HeaderTenantResolveContributor</a:t>
+            </a:r>
+            <a:endParaRPr lang="en-US" dirty="0">
+              <a:solidFill>
+                <a:srgbClr val="D63384"/>
+              </a:solidFill>
+              <a:latin typeface="Euclid Circular B" panose="020B0504000000000000" pitchFamily="34" charset="0"/>
+              <a:ea typeface="Euclid Circular B" panose="020B0504000000000000" pitchFamily="34" charset="0"/>
+            </a:endParaRPr>
+          </a:p>
+          <a:p>
+            <a:r>
+              <a:rPr lang="en-US" b="0" i="0" dirty="0" err="1">
+                <a:solidFill>
+                  <a:srgbClr val="D63384"/>
+                </a:solidFill>
+                <a:effectLst/>
+                <a:latin typeface="SFMono-Regular"/>
+              </a:rPr>
+              <a:t>CookieTenantResolveContributor</a:t>
+            </a:r>
+            <a:endParaRPr lang="en-US" b="0" i="0" dirty="0">
+              <a:solidFill>
+                <a:srgbClr val="D63384"/>
+              </a:solidFill>
+              <a:effectLst/>
+              <a:latin typeface="SFMono-Regular"/>
+            </a:endParaRPr>
+          </a:p>
+          <a:p>
+            <a:pPr marL="0" indent="0">
+              <a:buNone/>
+            </a:pPr>
+            <a:endParaRPr lang="en-US" dirty="0">
+              <a:solidFill>
+                <a:srgbClr val="D63384"/>
+              </a:solidFill>
+              <a:latin typeface="SFMono-Regular"/>
+              <a:ea typeface="Euclid Circular B" panose="020B0504000000000000" pitchFamily="34" charset="0"/>
+            </a:endParaRPr>
+          </a:p>
+          <a:p>
+            <a:pPr marL="0" indent="0">
+              <a:buNone/>
+            </a:pPr>
+            <a:endParaRPr lang="en-US" dirty="0">
+              <a:solidFill>
+                <a:srgbClr val="D63384"/>
+              </a:solidFill>
+              <a:latin typeface="SFMono-Regular"/>
+              <a:ea typeface="Euclid Circular B" panose="020B0504000000000000" pitchFamily="34" charset="0"/>
+            </a:endParaRPr>
+          </a:p>
+          <a:p>
+            <a:pPr marL="0" indent="0">
+              <a:buNone/>
+            </a:pPr>
+            <a:endParaRPr lang="en-US" dirty="0">
+              <a:solidFill>
+                <a:srgbClr val="D63384"/>
+              </a:solidFill>
+              <a:latin typeface="SFMono-Regular"/>
+              <a:ea typeface="Euclid Circular B" panose="020B0504000000000000" pitchFamily="34" charset="0"/>
+            </a:endParaRPr>
+          </a:p>
+          <a:p>
+            <a:pPr marL="0" indent="0">
+              <a:buNone/>
+            </a:pPr>
+            <a:endParaRPr lang="en-US" dirty="0">
+              <a:solidFill>
+                <a:srgbClr val="D63384"/>
+              </a:solidFill>
+              <a:latin typeface="SFMono-Regular"/>
+              <a:ea typeface="Euclid Circular B" panose="020B0504000000000000" pitchFamily="34" charset="0"/>
+            </a:endParaRPr>
+          </a:p>
+          <a:p>
+            <a:r>
+              <a:rPr lang="en-US" dirty="0"/>
+              <a:t>And Custom Resolvers (implement </a:t>
+            </a:r>
+            <a:r>
+              <a:rPr lang="en-US" b="0" i="0" dirty="0" err="1">
+                <a:solidFill>
+                  <a:srgbClr val="D63384"/>
+                </a:solidFill>
+                <a:effectLst/>
+                <a:latin typeface="SFMono-Regular"/>
+              </a:rPr>
+              <a:t>ITenantResolveContributor</a:t>
+            </a:r>
+            <a:r>
+              <a:rPr lang="en-US" dirty="0"/>
+              <a:t>)</a:t>
+            </a:r>
+          </a:p>
+          <a:p>
+            <a:endParaRPr lang="en-US" dirty="0">
+              <a:latin typeface="Euclid Circular B" panose="020B0504000000000000" pitchFamily="34" charset="0"/>
+              <a:ea typeface="Euclid Circular B" panose="020B0504000000000000" pitchFamily="34" charset="0"/>
+            </a:endParaRPr>
+          </a:p>
+        </p:txBody>
+      </p:sp>
+      <p:pic>
+        <p:nvPicPr>
+          <p:cNvPr id="7" name="Picture 6">
+            <a:extLst>
+              <a:ext uri="{FF2B5EF4-FFF2-40B4-BE49-F238E27FC236}">
+                <a16:creationId xmlns:a16="http://schemas.microsoft.com/office/drawing/2014/main" id="{925CB102-E533-4058-8A0D-B96AD44E03DD}"/>
+              </a:ext>
+            </a:extLst>
+          </p:cNvPr>
+          <p:cNvPicPr>
+            <a:picLocks noChangeAspect="1"/>
+          </p:cNvPicPr>
+          <p:nvPr/>
+        </p:nvPicPr>
+        <p:blipFill>
+          <a:blip r:embed="rId3"/>
+          <a:stretch>
+            <a:fillRect/>
+          </a:stretch>
+        </p:blipFill>
+        <p:spPr>
+          <a:xfrm>
+            <a:off x="1152739" y="4260366"/>
+            <a:ext cx="6498698" cy="1497526"/>
+          </a:xfrm>
+          <a:prstGeom prst="rect">
+            <a:avLst/>
+          </a:prstGeom>
+        </p:spPr>
+      </p:pic>
     </p:spTree>
     <p:extLst>
       <p:ext uri="{BB962C8B-B14F-4D97-AF65-F5344CB8AC3E}">
@@ -4651,7 +4862,7 @@
                 <a:latin typeface="Euclid Circular B" panose="020B0504000000000000" pitchFamily="34" charset="0"/>
                 <a:ea typeface="Euclid Circular B" panose="020B0504000000000000" pitchFamily="34" charset="0"/>
               </a:rPr>
-              <a:t>Topic title</a:t>
+              <a:t>Connection String Selection</a:t>
             </a:r>
           </a:p>
         </p:txBody>
@@ -4672,21 +4883,140 @@
             <p:ph idx="1"/>
           </p:nvPr>
         </p:nvSpPr>
-        <p:spPr/>
-        <p:txBody>
-          <a:bodyPr/>
-          <a:lstStyle/>
-          <a:p>
+        <p:spPr>
+          <a:xfrm>
+            <a:off x="5881751" y="1825625"/>
+            <a:ext cx="5718417" cy="4351338"/>
+          </a:xfrm>
+        </p:spPr>
+        <p:txBody>
+          <a:bodyPr/>
+          <a:lstStyle/>
+          <a:p>
+            <a:pPr marL="0" indent="0">
+              <a:buNone/>
+            </a:pPr>
+            <a:r>
+              <a:rPr lang="en-US" b="1" dirty="0">
+                <a:latin typeface="Euclid Circular B" panose="020B0504000000000000" pitchFamily="34" charset="0"/>
+                <a:ea typeface="Euclid Circular B" panose="020B0504000000000000" pitchFamily="34" charset="0"/>
+              </a:rPr>
+              <a:t>Dynamically </a:t>
+            </a:r>
             <a:r>
               <a:rPr lang="en-US" dirty="0">
                 <a:latin typeface="Euclid Circular B" panose="020B0504000000000000" pitchFamily="34" charset="0"/>
                 <a:ea typeface="Euclid Circular B" panose="020B0504000000000000" pitchFamily="34" charset="0"/>
               </a:rPr>
-              <a:t>Content</a:t>
-            </a:r>
-          </a:p>
-        </p:txBody>
-      </p:sp>
+              <a:t>selects connection string based on</a:t>
+            </a:r>
+          </a:p>
+          <a:p>
+            <a:r>
+              <a:rPr lang="en-US" dirty="0">
+                <a:latin typeface="Euclid Circular B" panose="020B0504000000000000" pitchFamily="34" charset="0"/>
+                <a:ea typeface="Euclid Circular B" panose="020B0504000000000000" pitchFamily="34" charset="0"/>
+              </a:rPr>
+              <a:t>The </a:t>
+            </a:r>
+            <a:r>
+              <a:rPr lang="en-US" b="1" dirty="0">
+                <a:latin typeface="Euclid Circular B" panose="020B0504000000000000" pitchFamily="34" charset="0"/>
+                <a:ea typeface="Euclid Circular B" panose="020B0504000000000000" pitchFamily="34" charset="0"/>
+              </a:rPr>
+              <a:t>current tenant</a:t>
+            </a:r>
+          </a:p>
+          <a:p>
+            <a:r>
+              <a:rPr lang="en-US" dirty="0">
+                <a:latin typeface="Euclid Circular B" panose="020B0504000000000000" pitchFamily="34" charset="0"/>
+                <a:ea typeface="Euclid Circular B" panose="020B0504000000000000" pitchFamily="34" charset="0"/>
+              </a:rPr>
+              <a:t>The </a:t>
+            </a:r>
+            <a:r>
+              <a:rPr lang="en-US" b="1" dirty="0">
+                <a:latin typeface="Euclid Circular B" panose="020B0504000000000000" pitchFamily="34" charset="0"/>
+                <a:ea typeface="Euclid Circular B" panose="020B0504000000000000" pitchFamily="34" charset="0"/>
+              </a:rPr>
+              <a:t>current module</a:t>
+            </a:r>
+            <a:r>
+              <a:rPr lang="en-US" dirty="0">
+                <a:latin typeface="Euclid Circular B" panose="020B0504000000000000" pitchFamily="34" charset="0"/>
+                <a:ea typeface="Euclid Circular B" panose="020B0504000000000000" pitchFamily="34" charset="0"/>
+              </a:rPr>
+              <a:t>	</a:t>
+            </a:r>
+          </a:p>
+          <a:p>
+            <a:pPr marL="0" indent="0">
+              <a:buNone/>
+            </a:pPr>
+            <a:endParaRPr lang="en-US" dirty="0">
+              <a:latin typeface="Euclid Circular B" panose="020B0504000000000000" pitchFamily="34" charset="0"/>
+              <a:ea typeface="Euclid Circular B" panose="020B0504000000000000" pitchFamily="34" charset="0"/>
+            </a:endParaRPr>
+          </a:p>
+          <a:p>
+            <a:pPr marL="0" indent="0">
+              <a:buNone/>
+            </a:pPr>
+            <a:r>
+              <a:rPr lang="en-US" dirty="0">
+                <a:latin typeface="Euclid Circular B" panose="020B0504000000000000" pitchFamily="34" charset="0"/>
+                <a:ea typeface="Euclid Circular B" panose="020B0504000000000000" pitchFamily="34" charset="0"/>
+              </a:rPr>
+              <a:t>Fallbacks to the </a:t>
+            </a:r>
+            <a:r>
+              <a:rPr lang="en-US" b="1" dirty="0">
+                <a:latin typeface="Euclid Circular B" panose="020B0504000000000000" pitchFamily="34" charset="0"/>
+                <a:ea typeface="Euclid Circular B" panose="020B0504000000000000" pitchFamily="34" charset="0"/>
+              </a:rPr>
+              <a:t>default </a:t>
+            </a:r>
+            <a:r>
+              <a:rPr lang="en-US" dirty="0">
+                <a:latin typeface="Euclid Circular B" panose="020B0504000000000000" pitchFamily="34" charset="0"/>
+                <a:ea typeface="Euclid Circular B" panose="020B0504000000000000" pitchFamily="34" charset="0"/>
+              </a:rPr>
+              <a:t>connection string</a:t>
+            </a:r>
+          </a:p>
+        </p:txBody>
+      </p:sp>
+      <p:pic>
+        <p:nvPicPr>
+          <p:cNvPr id="7" name="Picture 6">
+            <a:extLst>
+              <a:ext uri="{FF2B5EF4-FFF2-40B4-BE49-F238E27FC236}">
+                <a16:creationId xmlns:a16="http://schemas.microsoft.com/office/drawing/2014/main" id="{36C77628-2045-3659-0DBB-DD9BFEE891B6}"/>
+              </a:ext>
+            </a:extLst>
+          </p:cNvPr>
+          <p:cNvPicPr>
+            <a:picLocks noChangeAspect="1"/>
+          </p:cNvPicPr>
+          <p:nvPr/>
+        </p:nvPicPr>
+        <p:blipFill>
+          <a:blip r:embed="rId3"/>
+          <a:stretch>
+            <a:fillRect/>
+          </a:stretch>
+        </p:blipFill>
+        <p:spPr>
+          <a:xfrm>
+            <a:off x="905815" y="1825625"/>
+            <a:ext cx="4705350" cy="3505200"/>
+          </a:xfrm>
+          <a:prstGeom prst="rect">
+            <a:avLst/>
+          </a:prstGeom>
+        </p:spPr>
+      </p:pic>
     </p:spTree>
     <p:extLst>
       <p:ext uri="{BB962C8B-B14F-4D97-AF65-F5344CB8AC3E}">
@@ -4753,6 +5083,16 @@
           <a:lstStyle/>
           <a:p>
             <a:r>
+              <a:rPr lang="en-US" b="1" dirty="0" err="1">
+                <a:solidFill>
+                  <a:srgbClr val="292D33"/>
+                </a:solidFill>
+                <a:latin typeface="Euclid Circular B" panose="020B0504000000000000" pitchFamily="34" charset="0"/>
+                <a:ea typeface="Euclid Circular B" panose="020B0504000000000000" pitchFamily="34" charset="0"/>
+              </a:rPr>
+              <a:t>ICurrentTenant</a:t>
+            </a:r>
+            <a:br>
               <a:rPr lang="en-US" b="1" dirty="0">
                 <a:solidFill>
                   <a:srgbClr val="292D33"/>
@@ -4760,7 +5100,16 @@
                 <a:latin typeface="Euclid Circular B" panose="020B0504000000000000" pitchFamily="34" charset="0"/>
                 <a:ea typeface="Euclid Circular B" panose="020B0504000000000000" pitchFamily="34" charset="0"/>
               </a:rPr>
-              <a:t>Topic title</a:t>
+            </a:br>
+            <a:r>
+              <a:rPr lang="en-US" sz="3200" b="1" dirty="0">
+                <a:solidFill>
+                  <a:srgbClr val="292D33"/>
+                </a:solidFill>
+                <a:latin typeface="Euclid Circular B" panose="020B0504000000000000" pitchFamily="34" charset="0"/>
+                <a:ea typeface="Euclid Circular B" panose="020B0504000000000000" pitchFamily="34" charset="0"/>
+              </a:rPr>
+              <a:t>getting the current tenant</a:t>
             </a:r>
           </a:p>
         </p:txBody>
@@ -4787,11 +5136,48 @@
           <a:lstStyle/>
           <a:p>
             <a:r>
+              <a:rPr lang="en-US" b="1" dirty="0">
+                <a:latin typeface="Euclid Circular B" panose="020B0504000000000000" pitchFamily="34" charset="0"/>
+                <a:ea typeface="Euclid Circular B" panose="020B0504000000000000" pitchFamily="34" charset="0"/>
+              </a:rPr>
+              <a:t>Id</a:t>
+            </a:r>
+            <a:r>
               <a:rPr lang="en-US" dirty="0">
                 <a:latin typeface="Euclid Circular B" panose="020B0504000000000000" pitchFamily="34" charset="0"/>
                 <a:ea typeface="Euclid Circular B" panose="020B0504000000000000" pitchFamily="34" charset="0"/>
               </a:rPr>
-              <a:t>Content</a:t>
+              <a:t> (</a:t>
+            </a:r>
+            <a:r>
+              <a:rPr lang="en-US" dirty="0" err="1">
+                <a:latin typeface="Euclid Circular B" panose="020B0504000000000000" pitchFamily="34" charset="0"/>
+                <a:ea typeface="Euclid Circular B" panose="020B0504000000000000" pitchFamily="34" charset="0"/>
+              </a:rPr>
+              <a:t>Guid</a:t>
+            </a:r>
+            <a:r>
+              <a:rPr lang="en-US" dirty="0">
+                <a:latin typeface="Euclid Circular B" panose="020B0504000000000000" pitchFamily="34" charset="0"/>
+                <a:ea typeface="Euclid Circular B" panose="020B0504000000000000" pitchFamily="34" charset="0"/>
+              </a:rPr>
+              <a:t>): Id of the current tenant. Can be null.</a:t>
+            </a:r>
+          </a:p>
+          <a:p>
+            <a:r>
+              <a:rPr lang="en-US" b="1" dirty="0">
+                <a:latin typeface="Euclid Circular B" panose="020B0504000000000000" pitchFamily="34" charset="0"/>
+                <a:ea typeface="Euclid Circular B" panose="020B0504000000000000" pitchFamily="34" charset="0"/>
+              </a:rPr>
+              <a:t>Name </a:t>
+            </a:r>
+            <a:r>
+              <a:rPr lang="en-US" dirty="0">
+                <a:latin typeface="Euclid Circular B" panose="020B0504000000000000" pitchFamily="34" charset="0"/>
+                <a:ea typeface="Euclid Circular B" panose="020B0504000000000000" pitchFamily="34" charset="0"/>
+              </a:rPr>
+              <a:t>(string): Name of the current tenant. Can be null.</a:t>
             </a:r>
           </a:p>
         </p:txBody>
@@ -4799,7 +5185,7 @@
     </p:spTree>
     <p:extLst>
       <p:ext uri="{BB962C8B-B14F-4D97-AF65-F5344CB8AC3E}">
-        <p14:creationId xmlns:p14="http://schemas.microsoft.com/office/powerpoint/2010/main" val="1917572127"/>
+        <p14:creationId xmlns:p14="http://schemas.microsoft.com/office/powerpoint/2010/main" val="4090653662"/>
       </p:ext>
     </p:extLst>
   </p:cSld>
@@ -4862,6 +5248,16 @@
           <a:lstStyle/>
           <a:p>
             <a:r>
+              <a:rPr lang="en-US" b="1" dirty="0" err="1">
+                <a:solidFill>
+                  <a:srgbClr val="292D33"/>
+                </a:solidFill>
+                <a:latin typeface="Euclid Circular B" panose="020B0504000000000000" pitchFamily="34" charset="0"/>
+                <a:ea typeface="Euclid Circular B" panose="020B0504000000000000" pitchFamily="34" charset="0"/>
+              </a:rPr>
+              <a:t>ICurrentTenant</a:t>
+            </a:r>
+            <a:br>
               <a:rPr lang="en-US" b="1" dirty="0">
                 <a:solidFill>
                   <a:srgbClr val="292D33"/>
@@ -4869,46 +5265,54 @@
                 <a:latin typeface="Euclid Circular B" panose="020B0504000000000000" pitchFamily="34" charset="0"/>
                 <a:ea typeface="Euclid Circular B" panose="020B0504000000000000" pitchFamily="34" charset="0"/>
               </a:rPr>
-              <a:t>Topic title</a:t>
-            </a:r>
-          </a:p>
-        </p:txBody>
-      </p:sp>
-      <p:sp>
-        <p:nvSpPr>
-          <p:cNvPr id="3" name="Content Placeholder 2">
-            <a:extLst>
-              <a:ext uri="{FF2B5EF4-FFF2-40B4-BE49-F238E27FC236}">
-                <a16:creationId xmlns:a16="http://schemas.microsoft.com/office/drawing/2014/main" id="{891C7693-D3DF-4635-96F4-97F3B4136FDF}"/>
-              </a:ext>
-            </a:extLst>
-          </p:cNvPr>
-          <p:cNvSpPr>
-            <a:spLocks noGrp="1"/>
-          </p:cNvSpPr>
-          <p:nvPr>
-            <p:ph idx="1"/>
-          </p:nvPr>
-        </p:nvSpPr>
-        <p:spPr/>
-        <p:txBody>
-          <a:bodyPr/>
-          <a:lstStyle/>
-          <a:p>
-            <a:r>
-              <a:rPr lang="en-US" dirty="0">
-                <a:latin typeface="Euclid Circular B" panose="020B0504000000000000" pitchFamily="34" charset="0"/>
-                <a:ea typeface="Euclid Circular B" panose="020B0504000000000000" pitchFamily="34" charset="0"/>
-              </a:rPr>
-              <a:t>Content</a:t>
-            </a:r>
-          </a:p>
-        </p:txBody>
-      </p:sp>
+            </a:br>
+            <a:r>
+              <a:rPr lang="en-US" sz="3200" b="1" dirty="0">
+                <a:solidFill>
+                  <a:srgbClr val="292D33"/>
+                </a:solidFill>
+                <a:latin typeface="Euclid Circular B" panose="020B0504000000000000" pitchFamily="34" charset="0"/>
+                <a:ea typeface="Euclid Circular B" panose="020B0504000000000000" pitchFamily="34" charset="0"/>
+              </a:rPr>
+              <a:t>switch the current tenant</a:t>
+            </a:r>
+          </a:p>
+        </p:txBody>
+      </p:sp>
+      <p:pic>
+        <p:nvPicPr>
+          <p:cNvPr id="7" name="Picture 6">
+            <a:extLst>
+              <a:ext uri="{FF2B5EF4-FFF2-40B4-BE49-F238E27FC236}">
+                <a16:creationId xmlns:a16="http://schemas.microsoft.com/office/drawing/2014/main" id="{7D2603CF-E7F4-C290-2B46-7C49C7B0659C}"/>
+              </a:ext>
+            </a:extLst>
+          </p:cNvPr>
+          <p:cNvPicPr>
+            <a:picLocks noChangeAspect="1"/>
+          </p:cNvPicPr>
+          <p:nvPr/>
+        </p:nvPicPr>
+        <p:blipFill>
+          <a:blip r:embed="rId3"/>
+          <a:stretch>
+            <a:fillRect/>
+          </a:stretch>
+        </p:blipFill>
+        <p:spPr>
+          <a:xfrm>
+            <a:off x="838200" y="1696196"/>
+            <a:ext cx="8316988" cy="4796679"/>
+          </a:xfrm>
+          <a:prstGeom prst="rect">
+            <a:avLst/>
+          </a:prstGeom>
+        </p:spPr>
+      </p:pic>
     </p:spTree>
     <p:extLst>
       <p:ext uri="{BB962C8B-B14F-4D97-AF65-F5344CB8AC3E}">
-        <p14:creationId xmlns:p14="http://schemas.microsoft.com/office/powerpoint/2010/main" val="1965016690"/>
+        <p14:creationId xmlns:p14="http://schemas.microsoft.com/office/powerpoint/2010/main" val="1917572127"/>
       </p:ext>
     </p:extLst>
   </p:cSld>
@@ -4978,46 +5382,45 @@
                 <a:latin typeface="Euclid Circular B" panose="020B0504000000000000" pitchFamily="34" charset="0"/>
                 <a:ea typeface="Euclid Circular B" panose="020B0504000000000000" pitchFamily="34" charset="0"/>
               </a:rPr>
-              <a:t>Topic title</a:t>
-            </a:r>
-          </a:p>
-        </p:txBody>
-      </p:sp>
-      <p:sp>
-        <p:nvSpPr>
-          <p:cNvPr id="3" name="Content Placeholder 2">
-            <a:extLst>
-              <a:ext uri="{FF2B5EF4-FFF2-40B4-BE49-F238E27FC236}">
-                <a16:creationId xmlns:a16="http://schemas.microsoft.com/office/drawing/2014/main" id="{891C7693-D3DF-4635-96F4-97F3B4136FDF}"/>
-              </a:ext>
-            </a:extLst>
-          </p:cNvPr>
-          <p:cNvSpPr>
-            <a:spLocks noGrp="1"/>
-          </p:cNvSpPr>
-          <p:nvPr>
-            <p:ph idx="1"/>
-          </p:nvPr>
-        </p:nvSpPr>
-        <p:spPr/>
-        <p:txBody>
-          <a:bodyPr/>
-          <a:lstStyle/>
-          <a:p>
-            <a:r>
-              <a:rPr lang="en-US" dirty="0">
-                <a:latin typeface="Euclid Circular B" panose="020B0504000000000000" pitchFamily="34" charset="0"/>
-                <a:ea typeface="Euclid Circular B" panose="020B0504000000000000" pitchFamily="34" charset="0"/>
-              </a:rPr>
-              <a:t>Content</a:t>
-            </a:r>
-          </a:p>
-        </p:txBody>
-      </p:sp>
+              <a:t>Disabling Multi-Tenancy Filter</a:t>
+            </a:r>
+          </a:p>
+        </p:txBody>
+      </p:sp>
+      <p:pic>
+        <p:nvPicPr>
+          <p:cNvPr id="7" name="Picture 6">
+            <a:extLst>
+              <a:ext uri="{FF2B5EF4-FFF2-40B4-BE49-F238E27FC236}">
+                <a16:creationId xmlns:a16="http://schemas.microsoft.com/office/drawing/2014/main" id="{162F32EC-8713-52D9-F86A-B4CB2918DFE3}"/>
+              </a:ext>
+            </a:extLst>
+          </p:cNvPr>
+          <p:cNvPicPr>
+            <a:picLocks noChangeAspect="1"/>
+          </p:cNvPicPr>
+          <p:nvPr/>
+        </p:nvPicPr>
+        <p:blipFill>
+          <a:blip r:embed="rId3"/>
+          <a:stretch>
+            <a:fillRect/>
+          </a:stretch>
+        </p:blipFill>
+        <p:spPr>
+          <a:xfrm>
+            <a:off x="838200" y="1690688"/>
+            <a:ext cx="7920578" cy="4837191"/>
+          </a:xfrm>
+          <a:prstGeom prst="rect">
+            <a:avLst/>
+          </a:prstGeom>
+        </p:spPr>
+      </p:pic>
     </p:spTree>
     <p:extLst>
       <p:ext uri="{BB962C8B-B14F-4D97-AF65-F5344CB8AC3E}">
-        <p14:creationId xmlns:p14="http://schemas.microsoft.com/office/powerpoint/2010/main" val="4090653662"/>
+        <p14:creationId xmlns:p14="http://schemas.microsoft.com/office/powerpoint/2010/main" val="1965016690"/>
       </p:ext>
     </p:extLst>
   </p:cSld>
@@ -5087,7 +5490,7 @@
                 <a:latin typeface="Euclid Circular B" panose="020B0504000000000000" pitchFamily="34" charset="0"/>
                 <a:ea typeface="Euclid Circular B" panose="020B0504000000000000" pitchFamily="34" charset="0"/>
               </a:rPr>
-              <a:t>Topic title</a:t>
+              <a:t>The Feature System</a:t>
             </a:r>
           </a:p>
         </p:txBody>
@@ -5114,12 +5517,178 @@
           <a:lstStyle/>
           <a:p>
             <a:r>
+              <a:rPr lang="en-US" b="1" dirty="0">
+                <a:latin typeface="Euclid Circular B" panose="020B0504000000000000" pitchFamily="34" charset="0"/>
+                <a:ea typeface="Euclid Circular B" panose="020B0504000000000000" pitchFamily="34" charset="0"/>
+              </a:rPr>
+              <a:t>Enable</a:t>
+            </a:r>
+            <a:r>
               <a:rPr lang="en-US" dirty="0">
                 <a:latin typeface="Euclid Circular B" panose="020B0504000000000000" pitchFamily="34" charset="0"/>
                 <a:ea typeface="Euclid Circular B" panose="020B0504000000000000" pitchFamily="34" charset="0"/>
               </a:rPr>
-              <a:t>Content</a:t>
-            </a:r>
+              <a:t>, </a:t>
+            </a:r>
+            <a:r>
+              <a:rPr lang="en-US" b="1" dirty="0">
+                <a:latin typeface="Euclid Circular B" panose="020B0504000000000000" pitchFamily="34" charset="0"/>
+                <a:ea typeface="Euclid Circular B" panose="020B0504000000000000" pitchFamily="34" charset="0"/>
+              </a:rPr>
+              <a:t>disable </a:t>
+            </a:r>
+            <a:r>
+              <a:rPr lang="en-US" dirty="0">
+                <a:latin typeface="Euclid Circular B" panose="020B0504000000000000" pitchFamily="34" charset="0"/>
+                <a:ea typeface="Euclid Circular B" panose="020B0504000000000000" pitchFamily="34" charset="0"/>
+              </a:rPr>
+              <a:t>or </a:t>
+            </a:r>
+            <a:r>
+              <a:rPr lang="en-US" b="1" dirty="0">
+                <a:latin typeface="Euclid Circular B" panose="020B0504000000000000" pitchFamily="34" charset="0"/>
+                <a:ea typeface="Euclid Circular B" panose="020B0504000000000000" pitchFamily="34" charset="0"/>
+              </a:rPr>
+              <a:t>change the behavior </a:t>
+            </a:r>
+            <a:r>
+              <a:rPr lang="en-US" dirty="0">
+                <a:latin typeface="Euclid Circular B" panose="020B0504000000000000" pitchFamily="34" charset="0"/>
+                <a:ea typeface="Euclid Circular B" panose="020B0504000000000000" pitchFamily="34" charset="0"/>
+              </a:rPr>
+              <a:t>of the application features on runtime based on the </a:t>
+            </a:r>
+            <a:r>
+              <a:rPr lang="en-US" b="1" dirty="0">
+                <a:latin typeface="Euclid Circular B" panose="020B0504000000000000" pitchFamily="34" charset="0"/>
+                <a:ea typeface="Euclid Circular B" panose="020B0504000000000000" pitchFamily="34" charset="0"/>
+              </a:rPr>
+              <a:t>current tenant</a:t>
+            </a:r>
+            <a:r>
+              <a:rPr lang="en-US" dirty="0">
+                <a:latin typeface="Euclid Circular B" panose="020B0504000000000000" pitchFamily="34" charset="0"/>
+                <a:ea typeface="Euclid Circular B" panose="020B0504000000000000" pitchFamily="34" charset="0"/>
+              </a:rPr>
+              <a:t>.</a:t>
+            </a:r>
+          </a:p>
+          <a:p>
+            <a:pPr marL="0" indent="0">
+              <a:buNone/>
+            </a:pPr>
+            <a:endParaRPr lang="en-US" dirty="0">
+              <a:latin typeface="Euclid Circular B" panose="020B0504000000000000" pitchFamily="34" charset="0"/>
+              <a:ea typeface="Euclid Circular B" panose="020B0504000000000000" pitchFamily="34" charset="0"/>
+            </a:endParaRPr>
+          </a:p>
+          <a:p>
+            <a:pPr marL="0" indent="0">
+              <a:buNone/>
+            </a:pPr>
+            <a:r>
+              <a:rPr lang="en-US" b="1" u="sng" dirty="0">
+                <a:latin typeface="Euclid Circular B" panose="020B0504000000000000" pitchFamily="34" charset="0"/>
+                <a:ea typeface="Euclid Circular B" panose="020B0504000000000000" pitchFamily="34" charset="0"/>
+              </a:rPr>
+              <a:t>How to use?</a:t>
+            </a:r>
+          </a:p>
+          <a:p>
+            <a:r>
+              <a:rPr lang="en-US" b="1" dirty="0">
+                <a:latin typeface="Euclid Circular B" panose="020B0504000000000000" pitchFamily="34" charset="0"/>
+                <a:ea typeface="Euclid Circular B" panose="020B0504000000000000" pitchFamily="34" charset="0"/>
+              </a:rPr>
+              <a:t>Define </a:t>
+            </a:r>
+            <a:r>
+              <a:rPr lang="en-US" dirty="0">
+                <a:latin typeface="Euclid Circular B" panose="020B0504000000000000" pitchFamily="34" charset="0"/>
+                <a:ea typeface="Euclid Circular B" panose="020B0504000000000000" pitchFamily="34" charset="0"/>
+              </a:rPr>
+              <a:t>your features by code</a:t>
+            </a:r>
+          </a:p>
+          <a:p>
+            <a:r>
+              <a:rPr lang="en-US" dirty="0">
+                <a:latin typeface="Euclid Circular B" panose="020B0504000000000000" pitchFamily="34" charset="0"/>
+                <a:ea typeface="Euclid Circular B" panose="020B0504000000000000" pitchFamily="34" charset="0"/>
+              </a:rPr>
+              <a:t>Use </a:t>
+            </a:r>
+            <a:r>
+              <a:rPr lang="en-US" b="1" dirty="0">
+                <a:latin typeface="Euclid Circular B" panose="020B0504000000000000" pitchFamily="34" charset="0"/>
+                <a:ea typeface="Euclid Circular B" panose="020B0504000000000000" pitchFamily="34" charset="0"/>
+              </a:rPr>
+              <a:t>[</a:t>
+            </a:r>
+            <a:r>
+              <a:rPr lang="en-US" b="1" dirty="0" err="1">
+                <a:latin typeface="Euclid Circular B" panose="020B0504000000000000" pitchFamily="34" charset="0"/>
+                <a:ea typeface="Euclid Circular B" panose="020B0504000000000000" pitchFamily="34" charset="0"/>
+              </a:rPr>
+              <a:t>RequiresFeature</a:t>
+            </a:r>
+            <a:r>
+              <a:rPr lang="en-US" b="1" dirty="0">
+                <a:latin typeface="Euclid Circular B" panose="020B0504000000000000" pitchFamily="34" charset="0"/>
+                <a:ea typeface="Euclid Circular B" panose="020B0504000000000000" pitchFamily="34" charset="0"/>
+              </a:rPr>
+              <a:t>]</a:t>
+            </a:r>
+            <a:r>
+              <a:rPr lang="en-US" dirty="0">
+                <a:latin typeface="Euclid Circular B" panose="020B0504000000000000" pitchFamily="34" charset="0"/>
+                <a:ea typeface="Euclid Circular B" panose="020B0504000000000000" pitchFamily="34" charset="0"/>
+              </a:rPr>
+              <a:t> attribute or </a:t>
+            </a:r>
+            <a:r>
+              <a:rPr lang="en-US" b="1" dirty="0" err="1">
+                <a:latin typeface="Euclid Circular B" panose="020B0504000000000000" pitchFamily="34" charset="0"/>
+                <a:ea typeface="Euclid Circular B" panose="020B0504000000000000" pitchFamily="34" charset="0"/>
+              </a:rPr>
+              <a:t>IFeatureChecker</a:t>
+            </a:r>
+            <a:r>
+              <a:rPr lang="en-US" dirty="0">
+                <a:latin typeface="Euclid Circular B" panose="020B0504000000000000" pitchFamily="34" charset="0"/>
+                <a:ea typeface="Euclid Circular B" panose="020B0504000000000000" pitchFamily="34" charset="0"/>
+              </a:rPr>
+              <a:t> service to control access</a:t>
+            </a:r>
+          </a:p>
+          <a:p>
+            <a:r>
+              <a:rPr lang="en-US" dirty="0">
+                <a:latin typeface="Euclid Circular B" panose="020B0504000000000000" pitchFamily="34" charset="0"/>
+                <a:ea typeface="Euclid Circular B" panose="020B0504000000000000" pitchFamily="34" charset="0"/>
+              </a:rPr>
+              <a:t>Use the </a:t>
+            </a:r>
+            <a:r>
+              <a:rPr lang="en-US" b="1" dirty="0">
+                <a:latin typeface="Euclid Circular B" panose="020B0504000000000000" pitchFamily="34" charset="0"/>
+                <a:ea typeface="Euclid Circular B" panose="020B0504000000000000" pitchFamily="34" charset="0"/>
+              </a:rPr>
+              <a:t>Management UI </a:t>
+            </a:r>
+            <a:r>
+              <a:rPr lang="en-US" dirty="0">
+                <a:latin typeface="Euclid Circular B" panose="020B0504000000000000" pitchFamily="34" charset="0"/>
+                <a:ea typeface="Euclid Circular B" panose="020B0504000000000000" pitchFamily="34" charset="0"/>
+              </a:rPr>
+              <a:t>to enable features for tenants</a:t>
+            </a:r>
+          </a:p>
+          <a:p>
+            <a:endParaRPr lang="en-US" dirty="0">
+              <a:latin typeface="Euclid Circular B" panose="020B0504000000000000" pitchFamily="34" charset="0"/>
+              <a:ea typeface="Euclid Circular B" panose="020B0504000000000000" pitchFamily="34" charset="0"/>
+            </a:endParaRPr>
           </a:p>
         </p:txBody>
       </p:sp>
@@ -5345,17 +5914,17 @@
                 <a:latin typeface="Euclid Circular B" panose="020B0504000000000000" pitchFamily="34" charset="0"/>
                 <a:ea typeface="Euclid Circular B" panose="020B0504000000000000" pitchFamily="34" charset="0"/>
               </a:rPr>
-              <a:t>Topic title</a:t>
-            </a:r>
-          </a:p>
-        </p:txBody>
-      </p:sp>
-      <p:sp>
-        <p:nvSpPr>
-          <p:cNvPr id="3" name="Content Placeholder 2">
-            <a:extLst>
-              <a:ext uri="{FF2B5EF4-FFF2-40B4-BE49-F238E27FC236}">
-                <a16:creationId xmlns:a16="http://schemas.microsoft.com/office/drawing/2014/main" id="{891C7693-D3DF-4635-96F4-97F3B4136FDF}"/>
+              <a:t>The Feature System</a:t>
+            </a:r>
+          </a:p>
+        </p:txBody>
+      </p:sp>
+      <p:sp>
+        <p:nvSpPr>
+          <p:cNvPr id="6" name="Content Placeholder 2">
+            <a:extLst>
+              <a:ext uri="{FF2B5EF4-FFF2-40B4-BE49-F238E27FC236}">
+                <a16:creationId xmlns:a16="http://schemas.microsoft.com/office/drawing/2014/main" id="{00A923CA-01BB-E694-7C48-9D8E963AB744}"/>
               </a:ext>
             </a:extLst>
           </p:cNvPr>
@@ -5366,18 +5935,32 @@
             <p:ph idx="1"/>
           </p:nvPr>
         </p:nvSpPr>
-        <p:spPr/>
-        <p:txBody>
-          <a:bodyPr/>
-          <a:lstStyle/>
-          <a:p>
-            <a:r>
-              <a:rPr lang="en-US" dirty="0">
-                <a:latin typeface="Euclid Circular B" panose="020B0504000000000000" pitchFamily="34" charset="0"/>
-                <a:ea typeface="Euclid Circular B" panose="020B0504000000000000" pitchFamily="34" charset="0"/>
-              </a:rPr>
-              <a:t>Content</a:t>
-            </a:r>
+        <p:spPr>
+          <a:xfrm>
+            <a:off x="838200" y="1825625"/>
+            <a:ext cx="10515600" cy="3434532"/>
+          </a:xfrm>
+        </p:spPr>
+        <p:txBody>
+          <a:bodyPr anchor="ctr">
+            <a:normAutofit/>
+          </a:bodyPr>
+          <a:lstStyle/>
+          <a:p>
+            <a:pPr marL="0" indent="0" algn="ctr">
+              <a:buNone/>
+            </a:pPr>
+            <a:r>
+              <a:rPr lang="tr-TR" sz="12000" dirty="0">
+                <a:latin typeface="Euclid Circular B" panose="020B0504000000000000" pitchFamily="34" charset="0"/>
+                <a:ea typeface="Euclid Circular B" panose="020B0504000000000000" pitchFamily="34" charset="0"/>
+              </a:rPr>
+              <a:t>DEMO</a:t>
+            </a:r>
+            <a:endParaRPr lang="en-US" sz="12000" dirty="0">
+              <a:latin typeface="Euclid Circular B" panose="020B0504000000000000" pitchFamily="34" charset="0"/>
+              <a:ea typeface="Euclid Circular B" panose="020B0504000000000000" pitchFamily="34" charset="0"/>
+            </a:endParaRPr>
           </a:p>
         </p:txBody>
       </p:sp>

--- a/2023-01-17 Dotnet Foundation Summit 2023/ABP Multi-Tenancy.pptx
+++ b/2023-01-17 Dotnet Foundation Summit 2023/ABP Multi-Tenancy.pptx
@@ -25,19 +25,9 @@
     <p:sldId id="272" r:id="rId19"/>
     <p:sldId id="274" r:id="rId20"/>
     <p:sldId id="275" r:id="rId21"/>
-    <p:sldId id="276" r:id="rId22"/>
-    <p:sldId id="277" r:id="rId23"/>
-    <p:sldId id="278" r:id="rId24"/>
-    <p:sldId id="279" r:id="rId25"/>
-    <p:sldId id="280" r:id="rId26"/>
-    <p:sldId id="281" r:id="rId27"/>
-    <p:sldId id="282" r:id="rId28"/>
-    <p:sldId id="283" r:id="rId29"/>
-    <p:sldId id="284" r:id="rId30"/>
-    <p:sldId id="285" r:id="rId31"/>
-    <p:sldId id="286" r:id="rId32"/>
-    <p:sldId id="287" r:id="rId33"/>
-    <p:sldId id="288" r:id="rId34"/>
+    <p:sldId id="286" r:id="rId22"/>
+    <p:sldId id="287" r:id="rId23"/>
+    <p:sldId id="288" r:id="rId24"/>
   </p:sldIdLst>
   <p:sldSz cx="12192000" cy="6858000"/>
   <p:notesSz cx="6858000" cy="9144000"/>
@@ -4286,7 +4276,27 @@
                 <a:latin typeface="Euclid Circular B" panose="020B0504000000000000" pitchFamily="34" charset="0"/>
                 <a:ea typeface="Euclid Circular B" panose="020B0504000000000000" pitchFamily="34" charset="0"/>
               </a:rPr>
-              <a:t>ABP Framework in Action</a:t>
+              <a:t>ABP Framework</a:t>
+            </a:r>
+            <a:r>
+              <a:rPr lang="en-US" b="1" dirty="0">
+                <a:solidFill>
+                  <a:srgbClr val="292D33"/>
+                </a:solidFill>
+                <a:latin typeface="Euclid Circular B" panose="020B0504000000000000" pitchFamily="34" charset="0"/>
+                <a:ea typeface="Euclid Circular B" panose="020B0504000000000000" pitchFamily="34" charset="0"/>
+              </a:rPr>
+              <a:t> &amp; Multi-Tenancy</a:t>
+            </a:r>
+            <a:r>
+              <a:rPr lang="tr-TR" b="1" dirty="0">
+                <a:solidFill>
+                  <a:srgbClr val="292D33"/>
+                </a:solidFill>
+                <a:latin typeface="Euclid Circular B" panose="020B0504000000000000" pitchFamily="34" charset="0"/>
+                <a:ea typeface="Euclid Circular B" panose="020B0504000000000000" pitchFamily="34" charset="0"/>
+              </a:rPr>
+              <a:t> in Action</a:t>
             </a:r>
             <a:endParaRPr lang="en-US" b="1" dirty="0">
               <a:solidFill>
@@ -6076,7 +6086,7 @@
     </p:spTree>
     <p:extLst>
       <p:ext uri="{BB962C8B-B14F-4D97-AF65-F5344CB8AC3E}">
-        <p14:creationId xmlns:p14="http://schemas.microsoft.com/office/powerpoint/2010/main" val="1967383904"/>
+        <p14:creationId xmlns:p14="http://schemas.microsoft.com/office/powerpoint/2010/main" val="3472194309"/>
       </p:ext>
     </p:extLst>
   </p:cSld>
@@ -6185,7 +6195,7 @@
     </p:spTree>
     <p:extLst>
       <p:ext uri="{BB962C8B-B14F-4D97-AF65-F5344CB8AC3E}">
-        <p14:creationId xmlns:p14="http://schemas.microsoft.com/office/powerpoint/2010/main" val="1007853563"/>
+        <p14:creationId xmlns:p14="http://schemas.microsoft.com/office/powerpoint/2010/main" val="3026269350"/>
       </p:ext>
     </p:extLst>
   </p:cSld>
@@ -6255,700 +6265,62 @@
                 <a:latin typeface="Euclid Circular B" panose="020B0504000000000000" pitchFamily="34" charset="0"/>
                 <a:ea typeface="Euclid Circular B" panose="020B0504000000000000" pitchFamily="34" charset="0"/>
               </a:rPr>
-              <a:t>Topic title</a:t>
-            </a:r>
-          </a:p>
-        </p:txBody>
-      </p:sp>
-      <p:sp>
-        <p:nvSpPr>
-          <p:cNvPr id="3" name="Content Placeholder 2">
-            <a:extLst>
-              <a:ext uri="{FF2B5EF4-FFF2-40B4-BE49-F238E27FC236}">
-                <a16:creationId xmlns:a16="http://schemas.microsoft.com/office/drawing/2014/main" id="{891C7693-D3DF-4635-96F4-97F3B4136FDF}"/>
-              </a:ext>
-            </a:extLst>
-          </p:cNvPr>
-          <p:cNvSpPr>
-            <a:spLocks noGrp="1"/>
-          </p:cNvSpPr>
-          <p:nvPr>
-            <p:ph idx="1"/>
-          </p:nvPr>
-        </p:nvSpPr>
-        <p:spPr/>
-        <p:txBody>
-          <a:bodyPr/>
-          <a:lstStyle/>
-          <a:p>
-            <a:r>
-              <a:rPr lang="en-US" dirty="0">
-                <a:latin typeface="Euclid Circular B" panose="020B0504000000000000" pitchFamily="34" charset="0"/>
-                <a:ea typeface="Euclid Circular B" panose="020B0504000000000000" pitchFamily="34" charset="0"/>
-              </a:rPr>
-              <a:t>Content</a:t>
-            </a:r>
-          </a:p>
-        </p:txBody>
-      </p:sp>
-    </p:spTree>
-    <p:extLst>
-      <p:ext uri="{BB962C8B-B14F-4D97-AF65-F5344CB8AC3E}">
-        <p14:creationId xmlns:p14="http://schemas.microsoft.com/office/powerpoint/2010/main" val="201091828"/>
-      </p:ext>
-    </p:extLst>
-  </p:cSld>
-  <p:clrMapOvr>
-    <a:masterClrMapping/>
-  </p:clrMapOvr>
-</p:sld>
-</file>
-
-<file path=ppt/slides/slide24.xml><?xml version="1.0" encoding="utf-8"?>
-<p:sld xmlns:a="http://schemas.openxmlformats.org/drawingml/2006/main" xmlns:r="http://schemas.openxmlformats.org/officeDocument/2006/relationships" xmlns:p="http://schemas.openxmlformats.org/presentationml/2006/main">
-  <p:cSld>
-    <p:bg>
-      <p:bgPr>
-        <a:blipFill dpi="0" rotWithShape="1">
-          <a:blip r:embed="rId2">
-            <a:lum/>
+              <a:t>QA</a:t>
+            </a:r>
+          </a:p>
+        </p:txBody>
+      </p:sp>
+      <p:pic>
+        <p:nvPicPr>
+          <p:cNvPr id="3074" name="Picture 2" descr="The Question Mark © Keith Edkins :: Geograph Britain and Ireland">
+            <a:extLst>
+              <a:ext uri="{FF2B5EF4-FFF2-40B4-BE49-F238E27FC236}">
+                <a16:creationId xmlns:a16="http://schemas.microsoft.com/office/drawing/2014/main" id="{8253D22E-8C82-392D-411D-3AAA6230FC47}"/>
+              </a:ext>
+            </a:extLst>
+          </p:cNvPr>
+          <p:cNvPicPr>
+            <a:picLocks noChangeAspect="1" noChangeArrowheads="1"/>
+          </p:cNvPicPr>
+          <p:nvPr/>
+        </p:nvPicPr>
+        <p:blipFill>
+          <a:blip r:embed="rId3">
+            <a:extLst>
+              <a:ext uri="{28A0092B-C50C-407E-A947-70E740481C1C}">
+                <a14:useLocalDpi xmlns:a14="http://schemas.microsoft.com/office/drawing/2010/main" val="0"/>
+              </a:ext>
+            </a:extLst>
           </a:blip>
           <a:srcRect/>
           <a:stretch>
             <a:fillRect/>
           </a:stretch>
-        </a:blipFill>
-        <a:effectLst/>
-      </p:bgPr>
-    </p:bg>
-    <p:spTree>
-      <p:nvGrpSpPr>
-        <p:cNvPr id="1" name=""/>
-        <p:cNvGrpSpPr/>
-        <p:nvPr/>
-      </p:nvGrpSpPr>
-      <p:grpSpPr>
-        <a:xfrm>
-          <a:off x="0" y="0"/>
-          <a:ext cx="0" cy="0"/>
-          <a:chOff x="0" y="0"/>
-          <a:chExt cx="0" cy="0"/>
-        </a:xfrm>
-      </p:grpSpPr>
-      <p:sp>
-        <p:nvSpPr>
-          <p:cNvPr id="2" name="Title 1">
-            <a:extLst>
-              <a:ext uri="{FF2B5EF4-FFF2-40B4-BE49-F238E27FC236}">
-                <a16:creationId xmlns:a16="http://schemas.microsoft.com/office/drawing/2014/main" id="{55E11F08-6CA0-48F1-AD67-97430DDA07F0}"/>
-              </a:ext>
-            </a:extLst>
-          </p:cNvPr>
-          <p:cNvSpPr>
-            <a:spLocks noGrp="1"/>
-          </p:cNvSpPr>
-          <p:nvPr>
-            <p:ph type="title"/>
-          </p:nvPr>
-        </p:nvSpPr>
-        <p:spPr/>
-        <p:txBody>
-          <a:bodyPr/>
-          <a:lstStyle/>
-          <a:p>
-            <a:r>
-              <a:rPr lang="en-US" b="1" dirty="0">
+        </p:blipFill>
+        <p:spPr bwMode="auto">
+          <a:xfrm>
+            <a:off x="838200" y="1690688"/>
+            <a:ext cx="4551498" cy="3413624"/>
+          </a:xfrm>
+          <a:prstGeom prst="rect">
+            <a:avLst/>
+          </a:prstGeom>
+          <a:noFill/>
+          <a:extLst>
+            <a:ext uri="{909E8E84-426E-40DD-AFC4-6F175D3DCCD1}">
+              <a14:hiddenFill xmlns:a14="http://schemas.microsoft.com/office/drawing/2010/main">
                 <a:solidFill>
-                  <a:srgbClr val="292D33"/>
+                  <a:srgbClr val="FFFFFF"/>
                 </a:solidFill>
-                <a:latin typeface="Euclid Circular B" panose="020B0504000000000000" pitchFamily="34" charset="0"/>
-                <a:ea typeface="Euclid Circular B" panose="020B0504000000000000" pitchFamily="34" charset="0"/>
-              </a:rPr>
-              <a:t>Topic title</a:t>
-            </a:r>
-          </a:p>
-        </p:txBody>
-      </p:sp>
-      <p:sp>
-        <p:nvSpPr>
-          <p:cNvPr id="3" name="Content Placeholder 2">
-            <a:extLst>
-              <a:ext uri="{FF2B5EF4-FFF2-40B4-BE49-F238E27FC236}">
-                <a16:creationId xmlns:a16="http://schemas.microsoft.com/office/drawing/2014/main" id="{891C7693-D3DF-4635-96F4-97F3B4136FDF}"/>
-              </a:ext>
-            </a:extLst>
-          </p:cNvPr>
-          <p:cNvSpPr>
-            <a:spLocks noGrp="1"/>
-          </p:cNvSpPr>
-          <p:nvPr>
-            <p:ph idx="1"/>
-          </p:nvPr>
-        </p:nvSpPr>
-        <p:spPr/>
-        <p:txBody>
-          <a:bodyPr/>
-          <a:lstStyle/>
-          <a:p>
-            <a:r>
-              <a:rPr lang="en-US" dirty="0">
-                <a:latin typeface="Euclid Circular B" panose="020B0504000000000000" pitchFamily="34" charset="0"/>
-                <a:ea typeface="Euclid Circular B" panose="020B0504000000000000" pitchFamily="34" charset="0"/>
-              </a:rPr>
-              <a:t>Content</a:t>
-            </a:r>
-          </a:p>
-        </p:txBody>
-      </p:sp>
+              </a14:hiddenFill>
+            </a:ext>
+          </a:extLst>
+        </p:spPr>
+      </p:pic>
     </p:spTree>
     <p:extLst>
       <p:ext uri="{BB962C8B-B14F-4D97-AF65-F5344CB8AC3E}">
-        <p14:creationId xmlns:p14="http://schemas.microsoft.com/office/powerpoint/2010/main" val="857914909"/>
-      </p:ext>
-    </p:extLst>
-  </p:cSld>
-  <p:clrMapOvr>
-    <a:masterClrMapping/>
-  </p:clrMapOvr>
-</p:sld>
-</file>
-
-<file path=ppt/slides/slide25.xml><?xml version="1.0" encoding="utf-8"?>
-<p:sld xmlns:a="http://schemas.openxmlformats.org/drawingml/2006/main" xmlns:r="http://schemas.openxmlformats.org/officeDocument/2006/relationships" xmlns:p="http://schemas.openxmlformats.org/presentationml/2006/main">
-  <p:cSld>
-    <p:bg>
-      <p:bgPr>
-        <a:blipFill dpi="0" rotWithShape="1">
-          <a:blip r:embed="rId2">
-            <a:lum/>
-          </a:blip>
-          <a:srcRect/>
-          <a:stretch>
-            <a:fillRect/>
-          </a:stretch>
-        </a:blipFill>
-        <a:effectLst/>
-      </p:bgPr>
-    </p:bg>
-    <p:spTree>
-      <p:nvGrpSpPr>
-        <p:cNvPr id="1" name=""/>
-        <p:cNvGrpSpPr/>
-        <p:nvPr/>
-      </p:nvGrpSpPr>
-      <p:grpSpPr>
-        <a:xfrm>
-          <a:off x="0" y="0"/>
-          <a:ext cx="0" cy="0"/>
-          <a:chOff x="0" y="0"/>
-          <a:chExt cx="0" cy="0"/>
-        </a:xfrm>
-      </p:grpSpPr>
-      <p:sp>
-        <p:nvSpPr>
-          <p:cNvPr id="2" name="Title 1">
-            <a:extLst>
-              <a:ext uri="{FF2B5EF4-FFF2-40B4-BE49-F238E27FC236}">
-                <a16:creationId xmlns:a16="http://schemas.microsoft.com/office/drawing/2014/main" id="{55E11F08-6CA0-48F1-AD67-97430DDA07F0}"/>
-              </a:ext>
-            </a:extLst>
-          </p:cNvPr>
-          <p:cNvSpPr>
-            <a:spLocks noGrp="1"/>
-          </p:cNvSpPr>
-          <p:nvPr>
-            <p:ph type="title"/>
-          </p:nvPr>
-        </p:nvSpPr>
-        <p:spPr/>
-        <p:txBody>
-          <a:bodyPr/>
-          <a:lstStyle/>
-          <a:p>
-            <a:r>
-              <a:rPr lang="en-US" b="1" dirty="0">
-                <a:solidFill>
-                  <a:srgbClr val="292D33"/>
-                </a:solidFill>
-                <a:latin typeface="Euclid Circular B" panose="020B0504000000000000" pitchFamily="34" charset="0"/>
-                <a:ea typeface="Euclid Circular B" panose="020B0504000000000000" pitchFamily="34" charset="0"/>
-              </a:rPr>
-              <a:t>Topic title</a:t>
-            </a:r>
-          </a:p>
-        </p:txBody>
-      </p:sp>
-      <p:sp>
-        <p:nvSpPr>
-          <p:cNvPr id="3" name="Content Placeholder 2">
-            <a:extLst>
-              <a:ext uri="{FF2B5EF4-FFF2-40B4-BE49-F238E27FC236}">
-                <a16:creationId xmlns:a16="http://schemas.microsoft.com/office/drawing/2014/main" id="{891C7693-D3DF-4635-96F4-97F3B4136FDF}"/>
-              </a:ext>
-            </a:extLst>
-          </p:cNvPr>
-          <p:cNvSpPr>
-            <a:spLocks noGrp="1"/>
-          </p:cNvSpPr>
-          <p:nvPr>
-            <p:ph idx="1"/>
-          </p:nvPr>
-        </p:nvSpPr>
-        <p:spPr/>
-        <p:txBody>
-          <a:bodyPr/>
-          <a:lstStyle/>
-          <a:p>
-            <a:r>
-              <a:rPr lang="en-US" dirty="0">
-                <a:latin typeface="Euclid Circular B" panose="020B0504000000000000" pitchFamily="34" charset="0"/>
-                <a:ea typeface="Euclid Circular B" panose="020B0504000000000000" pitchFamily="34" charset="0"/>
-              </a:rPr>
-              <a:t>Content</a:t>
-            </a:r>
-          </a:p>
-        </p:txBody>
-      </p:sp>
-    </p:spTree>
-    <p:extLst>
-      <p:ext uri="{BB962C8B-B14F-4D97-AF65-F5344CB8AC3E}">
-        <p14:creationId xmlns:p14="http://schemas.microsoft.com/office/powerpoint/2010/main" val="2162639033"/>
-      </p:ext>
-    </p:extLst>
-  </p:cSld>
-  <p:clrMapOvr>
-    <a:masterClrMapping/>
-  </p:clrMapOvr>
-</p:sld>
-</file>
-
-<file path=ppt/slides/slide26.xml><?xml version="1.0" encoding="utf-8"?>
-<p:sld xmlns:a="http://schemas.openxmlformats.org/drawingml/2006/main" xmlns:r="http://schemas.openxmlformats.org/officeDocument/2006/relationships" xmlns:p="http://schemas.openxmlformats.org/presentationml/2006/main">
-  <p:cSld>
-    <p:bg>
-      <p:bgPr>
-        <a:blipFill dpi="0" rotWithShape="1">
-          <a:blip r:embed="rId2">
-            <a:lum/>
-          </a:blip>
-          <a:srcRect/>
-          <a:stretch>
-            <a:fillRect/>
-          </a:stretch>
-        </a:blipFill>
-        <a:effectLst/>
-      </p:bgPr>
-    </p:bg>
-    <p:spTree>
-      <p:nvGrpSpPr>
-        <p:cNvPr id="1" name=""/>
-        <p:cNvGrpSpPr/>
-        <p:nvPr/>
-      </p:nvGrpSpPr>
-      <p:grpSpPr>
-        <a:xfrm>
-          <a:off x="0" y="0"/>
-          <a:ext cx="0" cy="0"/>
-          <a:chOff x="0" y="0"/>
-          <a:chExt cx="0" cy="0"/>
-        </a:xfrm>
-      </p:grpSpPr>
-      <p:sp>
-        <p:nvSpPr>
-          <p:cNvPr id="2" name="Title 1">
-            <a:extLst>
-              <a:ext uri="{FF2B5EF4-FFF2-40B4-BE49-F238E27FC236}">
-                <a16:creationId xmlns:a16="http://schemas.microsoft.com/office/drawing/2014/main" id="{55E11F08-6CA0-48F1-AD67-97430DDA07F0}"/>
-              </a:ext>
-            </a:extLst>
-          </p:cNvPr>
-          <p:cNvSpPr>
-            <a:spLocks noGrp="1"/>
-          </p:cNvSpPr>
-          <p:nvPr>
-            <p:ph type="title"/>
-          </p:nvPr>
-        </p:nvSpPr>
-        <p:spPr/>
-        <p:txBody>
-          <a:bodyPr/>
-          <a:lstStyle/>
-          <a:p>
-            <a:r>
-              <a:rPr lang="en-US" b="1" dirty="0">
-                <a:solidFill>
-                  <a:srgbClr val="292D33"/>
-                </a:solidFill>
-                <a:latin typeface="Euclid Circular B" panose="020B0504000000000000" pitchFamily="34" charset="0"/>
-                <a:ea typeface="Euclid Circular B" panose="020B0504000000000000" pitchFamily="34" charset="0"/>
-              </a:rPr>
-              <a:t>Topic title</a:t>
-            </a:r>
-          </a:p>
-        </p:txBody>
-      </p:sp>
-      <p:sp>
-        <p:nvSpPr>
-          <p:cNvPr id="3" name="Content Placeholder 2">
-            <a:extLst>
-              <a:ext uri="{FF2B5EF4-FFF2-40B4-BE49-F238E27FC236}">
-                <a16:creationId xmlns:a16="http://schemas.microsoft.com/office/drawing/2014/main" id="{891C7693-D3DF-4635-96F4-97F3B4136FDF}"/>
-              </a:ext>
-            </a:extLst>
-          </p:cNvPr>
-          <p:cNvSpPr>
-            <a:spLocks noGrp="1"/>
-          </p:cNvSpPr>
-          <p:nvPr>
-            <p:ph idx="1"/>
-          </p:nvPr>
-        </p:nvSpPr>
-        <p:spPr/>
-        <p:txBody>
-          <a:bodyPr/>
-          <a:lstStyle/>
-          <a:p>
-            <a:r>
-              <a:rPr lang="en-US" dirty="0">
-                <a:latin typeface="Euclid Circular B" panose="020B0504000000000000" pitchFamily="34" charset="0"/>
-                <a:ea typeface="Euclid Circular B" panose="020B0504000000000000" pitchFamily="34" charset="0"/>
-              </a:rPr>
-              <a:t>Content</a:t>
-            </a:r>
-          </a:p>
-        </p:txBody>
-      </p:sp>
-    </p:spTree>
-    <p:extLst>
-      <p:ext uri="{BB962C8B-B14F-4D97-AF65-F5344CB8AC3E}">
-        <p14:creationId xmlns:p14="http://schemas.microsoft.com/office/powerpoint/2010/main" val="3569057050"/>
-      </p:ext>
-    </p:extLst>
-  </p:cSld>
-  <p:clrMapOvr>
-    <a:masterClrMapping/>
-  </p:clrMapOvr>
-</p:sld>
-</file>
-
-<file path=ppt/slides/slide27.xml><?xml version="1.0" encoding="utf-8"?>
-<p:sld xmlns:a="http://schemas.openxmlformats.org/drawingml/2006/main" xmlns:r="http://schemas.openxmlformats.org/officeDocument/2006/relationships" xmlns:p="http://schemas.openxmlformats.org/presentationml/2006/main">
-  <p:cSld>
-    <p:bg>
-      <p:bgPr>
-        <a:blipFill dpi="0" rotWithShape="1">
-          <a:blip r:embed="rId2">
-            <a:lum/>
-          </a:blip>
-          <a:srcRect/>
-          <a:stretch>
-            <a:fillRect/>
-          </a:stretch>
-        </a:blipFill>
-        <a:effectLst/>
-      </p:bgPr>
-    </p:bg>
-    <p:spTree>
-      <p:nvGrpSpPr>
-        <p:cNvPr id="1" name=""/>
-        <p:cNvGrpSpPr/>
-        <p:nvPr/>
-      </p:nvGrpSpPr>
-      <p:grpSpPr>
-        <a:xfrm>
-          <a:off x="0" y="0"/>
-          <a:ext cx="0" cy="0"/>
-          <a:chOff x="0" y="0"/>
-          <a:chExt cx="0" cy="0"/>
-        </a:xfrm>
-      </p:grpSpPr>
-      <p:sp>
-        <p:nvSpPr>
-          <p:cNvPr id="2" name="Title 1">
-            <a:extLst>
-              <a:ext uri="{FF2B5EF4-FFF2-40B4-BE49-F238E27FC236}">
-                <a16:creationId xmlns:a16="http://schemas.microsoft.com/office/drawing/2014/main" id="{55E11F08-6CA0-48F1-AD67-97430DDA07F0}"/>
-              </a:ext>
-            </a:extLst>
-          </p:cNvPr>
-          <p:cNvSpPr>
-            <a:spLocks noGrp="1"/>
-          </p:cNvSpPr>
-          <p:nvPr>
-            <p:ph type="title"/>
-          </p:nvPr>
-        </p:nvSpPr>
-        <p:spPr/>
-        <p:txBody>
-          <a:bodyPr/>
-          <a:lstStyle/>
-          <a:p>
-            <a:r>
-              <a:rPr lang="en-US" b="1" dirty="0">
-                <a:solidFill>
-                  <a:srgbClr val="292D33"/>
-                </a:solidFill>
-                <a:latin typeface="Euclid Circular B" panose="020B0504000000000000" pitchFamily="34" charset="0"/>
-                <a:ea typeface="Euclid Circular B" panose="020B0504000000000000" pitchFamily="34" charset="0"/>
-              </a:rPr>
-              <a:t>Topic title</a:t>
-            </a:r>
-          </a:p>
-        </p:txBody>
-      </p:sp>
-      <p:sp>
-        <p:nvSpPr>
-          <p:cNvPr id="3" name="Content Placeholder 2">
-            <a:extLst>
-              <a:ext uri="{FF2B5EF4-FFF2-40B4-BE49-F238E27FC236}">
-                <a16:creationId xmlns:a16="http://schemas.microsoft.com/office/drawing/2014/main" id="{891C7693-D3DF-4635-96F4-97F3B4136FDF}"/>
-              </a:ext>
-            </a:extLst>
-          </p:cNvPr>
-          <p:cNvSpPr>
-            <a:spLocks noGrp="1"/>
-          </p:cNvSpPr>
-          <p:nvPr>
-            <p:ph idx="1"/>
-          </p:nvPr>
-        </p:nvSpPr>
-        <p:spPr/>
-        <p:txBody>
-          <a:bodyPr/>
-          <a:lstStyle/>
-          <a:p>
-            <a:r>
-              <a:rPr lang="en-US" dirty="0">
-                <a:latin typeface="Euclid Circular B" panose="020B0504000000000000" pitchFamily="34" charset="0"/>
-                <a:ea typeface="Euclid Circular B" panose="020B0504000000000000" pitchFamily="34" charset="0"/>
-              </a:rPr>
-              <a:t>Content</a:t>
-            </a:r>
-          </a:p>
-        </p:txBody>
-      </p:sp>
-    </p:spTree>
-    <p:extLst>
-      <p:ext uri="{BB962C8B-B14F-4D97-AF65-F5344CB8AC3E}">
-        <p14:creationId xmlns:p14="http://schemas.microsoft.com/office/powerpoint/2010/main" val="669117592"/>
-      </p:ext>
-    </p:extLst>
-  </p:cSld>
-  <p:clrMapOvr>
-    <a:masterClrMapping/>
-  </p:clrMapOvr>
-</p:sld>
-</file>
-
-<file path=ppt/slides/slide28.xml><?xml version="1.0" encoding="utf-8"?>
-<p:sld xmlns:a="http://schemas.openxmlformats.org/drawingml/2006/main" xmlns:r="http://schemas.openxmlformats.org/officeDocument/2006/relationships" xmlns:p="http://schemas.openxmlformats.org/presentationml/2006/main">
-  <p:cSld>
-    <p:bg>
-      <p:bgPr>
-        <a:blipFill dpi="0" rotWithShape="1">
-          <a:blip r:embed="rId2">
-            <a:lum/>
-          </a:blip>
-          <a:srcRect/>
-          <a:stretch>
-            <a:fillRect/>
-          </a:stretch>
-        </a:blipFill>
-        <a:effectLst/>
-      </p:bgPr>
-    </p:bg>
-    <p:spTree>
-      <p:nvGrpSpPr>
-        <p:cNvPr id="1" name=""/>
-        <p:cNvGrpSpPr/>
-        <p:nvPr/>
-      </p:nvGrpSpPr>
-      <p:grpSpPr>
-        <a:xfrm>
-          <a:off x="0" y="0"/>
-          <a:ext cx="0" cy="0"/>
-          <a:chOff x="0" y="0"/>
-          <a:chExt cx="0" cy="0"/>
-        </a:xfrm>
-      </p:grpSpPr>
-      <p:sp>
-        <p:nvSpPr>
-          <p:cNvPr id="2" name="Title 1">
-            <a:extLst>
-              <a:ext uri="{FF2B5EF4-FFF2-40B4-BE49-F238E27FC236}">
-                <a16:creationId xmlns:a16="http://schemas.microsoft.com/office/drawing/2014/main" id="{55E11F08-6CA0-48F1-AD67-97430DDA07F0}"/>
-              </a:ext>
-            </a:extLst>
-          </p:cNvPr>
-          <p:cNvSpPr>
-            <a:spLocks noGrp="1"/>
-          </p:cNvSpPr>
-          <p:nvPr>
-            <p:ph type="title"/>
-          </p:nvPr>
-        </p:nvSpPr>
-        <p:spPr/>
-        <p:txBody>
-          <a:bodyPr/>
-          <a:lstStyle/>
-          <a:p>
-            <a:r>
-              <a:rPr lang="en-US" b="1" dirty="0">
-                <a:solidFill>
-                  <a:srgbClr val="292D33"/>
-                </a:solidFill>
-                <a:latin typeface="Euclid Circular B" panose="020B0504000000000000" pitchFamily="34" charset="0"/>
-                <a:ea typeface="Euclid Circular B" panose="020B0504000000000000" pitchFamily="34" charset="0"/>
-              </a:rPr>
-              <a:t>Topic title</a:t>
-            </a:r>
-          </a:p>
-        </p:txBody>
-      </p:sp>
-      <p:sp>
-        <p:nvSpPr>
-          <p:cNvPr id="3" name="Content Placeholder 2">
-            <a:extLst>
-              <a:ext uri="{FF2B5EF4-FFF2-40B4-BE49-F238E27FC236}">
-                <a16:creationId xmlns:a16="http://schemas.microsoft.com/office/drawing/2014/main" id="{891C7693-D3DF-4635-96F4-97F3B4136FDF}"/>
-              </a:ext>
-            </a:extLst>
-          </p:cNvPr>
-          <p:cNvSpPr>
-            <a:spLocks noGrp="1"/>
-          </p:cNvSpPr>
-          <p:nvPr>
-            <p:ph idx="1"/>
-          </p:nvPr>
-        </p:nvSpPr>
-        <p:spPr/>
-        <p:txBody>
-          <a:bodyPr/>
-          <a:lstStyle/>
-          <a:p>
-            <a:r>
-              <a:rPr lang="en-US" dirty="0">
-                <a:latin typeface="Euclid Circular B" panose="020B0504000000000000" pitchFamily="34" charset="0"/>
-                <a:ea typeface="Euclid Circular B" panose="020B0504000000000000" pitchFamily="34" charset="0"/>
-              </a:rPr>
-              <a:t>Content</a:t>
-            </a:r>
-          </a:p>
-        </p:txBody>
-      </p:sp>
-    </p:spTree>
-    <p:extLst>
-      <p:ext uri="{BB962C8B-B14F-4D97-AF65-F5344CB8AC3E}">
-        <p14:creationId xmlns:p14="http://schemas.microsoft.com/office/powerpoint/2010/main" val="64195742"/>
-      </p:ext>
-    </p:extLst>
-  </p:cSld>
-  <p:clrMapOvr>
-    <a:masterClrMapping/>
-  </p:clrMapOvr>
-</p:sld>
-</file>
-
-<file path=ppt/slides/slide29.xml><?xml version="1.0" encoding="utf-8"?>
-<p:sld xmlns:a="http://schemas.openxmlformats.org/drawingml/2006/main" xmlns:r="http://schemas.openxmlformats.org/officeDocument/2006/relationships" xmlns:p="http://schemas.openxmlformats.org/presentationml/2006/main">
-  <p:cSld>
-    <p:bg>
-      <p:bgPr>
-        <a:blipFill dpi="0" rotWithShape="1">
-          <a:blip r:embed="rId2">
-            <a:lum/>
-          </a:blip>
-          <a:srcRect/>
-          <a:stretch>
-            <a:fillRect/>
-          </a:stretch>
-        </a:blipFill>
-        <a:effectLst/>
-      </p:bgPr>
-    </p:bg>
-    <p:spTree>
-      <p:nvGrpSpPr>
-        <p:cNvPr id="1" name=""/>
-        <p:cNvGrpSpPr/>
-        <p:nvPr/>
-      </p:nvGrpSpPr>
-      <p:grpSpPr>
-        <a:xfrm>
-          <a:off x="0" y="0"/>
-          <a:ext cx="0" cy="0"/>
-          <a:chOff x="0" y="0"/>
-          <a:chExt cx="0" cy="0"/>
-        </a:xfrm>
-      </p:grpSpPr>
-      <p:sp>
-        <p:nvSpPr>
-          <p:cNvPr id="2" name="Title 1">
-            <a:extLst>
-              <a:ext uri="{FF2B5EF4-FFF2-40B4-BE49-F238E27FC236}">
-                <a16:creationId xmlns:a16="http://schemas.microsoft.com/office/drawing/2014/main" id="{55E11F08-6CA0-48F1-AD67-97430DDA07F0}"/>
-              </a:ext>
-            </a:extLst>
-          </p:cNvPr>
-          <p:cNvSpPr>
-            <a:spLocks noGrp="1"/>
-          </p:cNvSpPr>
-          <p:nvPr>
-            <p:ph type="title"/>
-          </p:nvPr>
-        </p:nvSpPr>
-        <p:spPr/>
-        <p:txBody>
-          <a:bodyPr/>
-          <a:lstStyle/>
-          <a:p>
-            <a:r>
-              <a:rPr lang="en-US" b="1" dirty="0">
-                <a:solidFill>
-                  <a:srgbClr val="292D33"/>
-                </a:solidFill>
-                <a:latin typeface="Euclid Circular B" panose="020B0504000000000000" pitchFamily="34" charset="0"/>
-                <a:ea typeface="Euclid Circular B" panose="020B0504000000000000" pitchFamily="34" charset="0"/>
-              </a:rPr>
-              <a:t>Topic title</a:t>
-            </a:r>
-          </a:p>
-        </p:txBody>
-      </p:sp>
-      <p:sp>
-        <p:nvSpPr>
-          <p:cNvPr id="3" name="Content Placeholder 2">
-            <a:extLst>
-              <a:ext uri="{FF2B5EF4-FFF2-40B4-BE49-F238E27FC236}">
-                <a16:creationId xmlns:a16="http://schemas.microsoft.com/office/drawing/2014/main" id="{891C7693-D3DF-4635-96F4-97F3B4136FDF}"/>
-              </a:ext>
-            </a:extLst>
-          </p:cNvPr>
-          <p:cNvSpPr>
-            <a:spLocks noGrp="1"/>
-          </p:cNvSpPr>
-          <p:nvPr>
-            <p:ph idx="1"/>
-          </p:nvPr>
-        </p:nvSpPr>
-        <p:spPr/>
-        <p:txBody>
-          <a:bodyPr/>
-          <a:lstStyle/>
-          <a:p>
-            <a:r>
-              <a:rPr lang="en-US" dirty="0">
-                <a:latin typeface="Euclid Circular B" panose="020B0504000000000000" pitchFamily="34" charset="0"/>
-                <a:ea typeface="Euclid Circular B" panose="020B0504000000000000" pitchFamily="34" charset="0"/>
-              </a:rPr>
-              <a:t>Content</a:t>
-            </a:r>
-          </a:p>
-        </p:txBody>
-      </p:sp>
-    </p:spTree>
-    <p:extLst>
-      <p:ext uri="{BB962C8B-B14F-4D97-AF65-F5344CB8AC3E}">
-        <p14:creationId xmlns:p14="http://schemas.microsoft.com/office/powerpoint/2010/main" val="287558147"/>
+        <p14:creationId xmlns:p14="http://schemas.microsoft.com/office/powerpoint/2010/main" val="1377636385"/>
       </p:ext>
     </p:extLst>
   </p:cSld>
@@ -7141,442 +6513,6 @@
     <p:extLst>
       <p:ext uri="{BB962C8B-B14F-4D97-AF65-F5344CB8AC3E}">
         <p14:creationId xmlns:p14="http://schemas.microsoft.com/office/powerpoint/2010/main" val="2612069505"/>
-      </p:ext>
-    </p:extLst>
-  </p:cSld>
-  <p:clrMapOvr>
-    <a:masterClrMapping/>
-  </p:clrMapOvr>
-</p:sld>
-</file>
-
-<file path=ppt/slides/slide30.xml><?xml version="1.0" encoding="utf-8"?>
-<p:sld xmlns:a="http://schemas.openxmlformats.org/drawingml/2006/main" xmlns:r="http://schemas.openxmlformats.org/officeDocument/2006/relationships" xmlns:p="http://schemas.openxmlformats.org/presentationml/2006/main">
-  <p:cSld>
-    <p:bg>
-      <p:bgPr>
-        <a:blipFill dpi="0" rotWithShape="1">
-          <a:blip r:embed="rId2">
-            <a:lum/>
-          </a:blip>
-          <a:srcRect/>
-          <a:stretch>
-            <a:fillRect/>
-          </a:stretch>
-        </a:blipFill>
-        <a:effectLst/>
-      </p:bgPr>
-    </p:bg>
-    <p:spTree>
-      <p:nvGrpSpPr>
-        <p:cNvPr id="1" name=""/>
-        <p:cNvGrpSpPr/>
-        <p:nvPr/>
-      </p:nvGrpSpPr>
-      <p:grpSpPr>
-        <a:xfrm>
-          <a:off x="0" y="0"/>
-          <a:ext cx="0" cy="0"/>
-          <a:chOff x="0" y="0"/>
-          <a:chExt cx="0" cy="0"/>
-        </a:xfrm>
-      </p:grpSpPr>
-      <p:sp>
-        <p:nvSpPr>
-          <p:cNvPr id="2" name="Title 1">
-            <a:extLst>
-              <a:ext uri="{FF2B5EF4-FFF2-40B4-BE49-F238E27FC236}">
-                <a16:creationId xmlns:a16="http://schemas.microsoft.com/office/drawing/2014/main" id="{55E11F08-6CA0-48F1-AD67-97430DDA07F0}"/>
-              </a:ext>
-            </a:extLst>
-          </p:cNvPr>
-          <p:cNvSpPr>
-            <a:spLocks noGrp="1"/>
-          </p:cNvSpPr>
-          <p:nvPr>
-            <p:ph type="title"/>
-          </p:nvPr>
-        </p:nvSpPr>
-        <p:spPr/>
-        <p:txBody>
-          <a:bodyPr/>
-          <a:lstStyle/>
-          <a:p>
-            <a:r>
-              <a:rPr lang="en-US" b="1" dirty="0">
-                <a:solidFill>
-                  <a:srgbClr val="292D33"/>
-                </a:solidFill>
-                <a:latin typeface="Euclid Circular B" panose="020B0504000000000000" pitchFamily="34" charset="0"/>
-                <a:ea typeface="Euclid Circular B" panose="020B0504000000000000" pitchFamily="34" charset="0"/>
-              </a:rPr>
-              <a:t>Topic title</a:t>
-            </a:r>
-          </a:p>
-        </p:txBody>
-      </p:sp>
-      <p:sp>
-        <p:nvSpPr>
-          <p:cNvPr id="3" name="Content Placeholder 2">
-            <a:extLst>
-              <a:ext uri="{FF2B5EF4-FFF2-40B4-BE49-F238E27FC236}">
-                <a16:creationId xmlns:a16="http://schemas.microsoft.com/office/drawing/2014/main" id="{891C7693-D3DF-4635-96F4-97F3B4136FDF}"/>
-              </a:ext>
-            </a:extLst>
-          </p:cNvPr>
-          <p:cNvSpPr>
-            <a:spLocks noGrp="1"/>
-          </p:cNvSpPr>
-          <p:nvPr>
-            <p:ph idx="1"/>
-          </p:nvPr>
-        </p:nvSpPr>
-        <p:spPr/>
-        <p:txBody>
-          <a:bodyPr/>
-          <a:lstStyle/>
-          <a:p>
-            <a:r>
-              <a:rPr lang="en-US" dirty="0">
-                <a:latin typeface="Euclid Circular B" panose="020B0504000000000000" pitchFamily="34" charset="0"/>
-                <a:ea typeface="Euclid Circular B" panose="020B0504000000000000" pitchFamily="34" charset="0"/>
-              </a:rPr>
-              <a:t>Content</a:t>
-            </a:r>
-          </a:p>
-        </p:txBody>
-      </p:sp>
-    </p:spTree>
-    <p:extLst>
-      <p:ext uri="{BB962C8B-B14F-4D97-AF65-F5344CB8AC3E}">
-        <p14:creationId xmlns:p14="http://schemas.microsoft.com/office/powerpoint/2010/main" val="2780616885"/>
-      </p:ext>
-    </p:extLst>
-  </p:cSld>
-  <p:clrMapOvr>
-    <a:masterClrMapping/>
-  </p:clrMapOvr>
-</p:sld>
-</file>
-
-<file path=ppt/slides/slide31.xml><?xml version="1.0" encoding="utf-8"?>
-<p:sld xmlns:a="http://schemas.openxmlformats.org/drawingml/2006/main" xmlns:r="http://schemas.openxmlformats.org/officeDocument/2006/relationships" xmlns:p="http://schemas.openxmlformats.org/presentationml/2006/main">
-  <p:cSld>
-    <p:bg>
-      <p:bgPr>
-        <a:blipFill dpi="0" rotWithShape="1">
-          <a:blip r:embed="rId2">
-            <a:lum/>
-          </a:blip>
-          <a:srcRect/>
-          <a:stretch>
-            <a:fillRect/>
-          </a:stretch>
-        </a:blipFill>
-        <a:effectLst/>
-      </p:bgPr>
-    </p:bg>
-    <p:spTree>
-      <p:nvGrpSpPr>
-        <p:cNvPr id="1" name=""/>
-        <p:cNvGrpSpPr/>
-        <p:nvPr/>
-      </p:nvGrpSpPr>
-      <p:grpSpPr>
-        <a:xfrm>
-          <a:off x="0" y="0"/>
-          <a:ext cx="0" cy="0"/>
-          <a:chOff x="0" y="0"/>
-          <a:chExt cx="0" cy="0"/>
-        </a:xfrm>
-      </p:grpSpPr>
-      <p:sp>
-        <p:nvSpPr>
-          <p:cNvPr id="2" name="Title 1">
-            <a:extLst>
-              <a:ext uri="{FF2B5EF4-FFF2-40B4-BE49-F238E27FC236}">
-                <a16:creationId xmlns:a16="http://schemas.microsoft.com/office/drawing/2014/main" id="{55E11F08-6CA0-48F1-AD67-97430DDA07F0}"/>
-              </a:ext>
-            </a:extLst>
-          </p:cNvPr>
-          <p:cNvSpPr>
-            <a:spLocks noGrp="1"/>
-          </p:cNvSpPr>
-          <p:nvPr>
-            <p:ph type="title"/>
-          </p:nvPr>
-        </p:nvSpPr>
-        <p:spPr/>
-        <p:txBody>
-          <a:bodyPr/>
-          <a:lstStyle/>
-          <a:p>
-            <a:r>
-              <a:rPr lang="en-US" b="1" dirty="0">
-                <a:solidFill>
-                  <a:srgbClr val="292D33"/>
-                </a:solidFill>
-                <a:latin typeface="Euclid Circular B" panose="020B0504000000000000" pitchFamily="34" charset="0"/>
-                <a:ea typeface="Euclid Circular B" panose="020B0504000000000000" pitchFamily="34" charset="0"/>
-              </a:rPr>
-              <a:t>Topic title</a:t>
-            </a:r>
-          </a:p>
-        </p:txBody>
-      </p:sp>
-      <p:sp>
-        <p:nvSpPr>
-          <p:cNvPr id="3" name="Content Placeholder 2">
-            <a:extLst>
-              <a:ext uri="{FF2B5EF4-FFF2-40B4-BE49-F238E27FC236}">
-                <a16:creationId xmlns:a16="http://schemas.microsoft.com/office/drawing/2014/main" id="{891C7693-D3DF-4635-96F4-97F3B4136FDF}"/>
-              </a:ext>
-            </a:extLst>
-          </p:cNvPr>
-          <p:cNvSpPr>
-            <a:spLocks noGrp="1"/>
-          </p:cNvSpPr>
-          <p:nvPr>
-            <p:ph idx="1"/>
-          </p:nvPr>
-        </p:nvSpPr>
-        <p:spPr/>
-        <p:txBody>
-          <a:bodyPr/>
-          <a:lstStyle/>
-          <a:p>
-            <a:r>
-              <a:rPr lang="en-US" dirty="0">
-                <a:latin typeface="Euclid Circular B" panose="020B0504000000000000" pitchFamily="34" charset="0"/>
-                <a:ea typeface="Euclid Circular B" panose="020B0504000000000000" pitchFamily="34" charset="0"/>
-              </a:rPr>
-              <a:t>Content</a:t>
-            </a:r>
-          </a:p>
-        </p:txBody>
-      </p:sp>
-    </p:spTree>
-    <p:extLst>
-      <p:ext uri="{BB962C8B-B14F-4D97-AF65-F5344CB8AC3E}">
-        <p14:creationId xmlns:p14="http://schemas.microsoft.com/office/powerpoint/2010/main" val="3472194309"/>
-      </p:ext>
-    </p:extLst>
-  </p:cSld>
-  <p:clrMapOvr>
-    <a:masterClrMapping/>
-  </p:clrMapOvr>
-</p:sld>
-</file>
-
-<file path=ppt/slides/slide32.xml><?xml version="1.0" encoding="utf-8"?>
-<p:sld xmlns:a="http://schemas.openxmlformats.org/drawingml/2006/main" xmlns:r="http://schemas.openxmlformats.org/officeDocument/2006/relationships" xmlns:p="http://schemas.openxmlformats.org/presentationml/2006/main">
-  <p:cSld>
-    <p:bg>
-      <p:bgPr>
-        <a:blipFill dpi="0" rotWithShape="1">
-          <a:blip r:embed="rId2">
-            <a:lum/>
-          </a:blip>
-          <a:srcRect/>
-          <a:stretch>
-            <a:fillRect/>
-          </a:stretch>
-        </a:blipFill>
-        <a:effectLst/>
-      </p:bgPr>
-    </p:bg>
-    <p:spTree>
-      <p:nvGrpSpPr>
-        <p:cNvPr id="1" name=""/>
-        <p:cNvGrpSpPr/>
-        <p:nvPr/>
-      </p:nvGrpSpPr>
-      <p:grpSpPr>
-        <a:xfrm>
-          <a:off x="0" y="0"/>
-          <a:ext cx="0" cy="0"/>
-          <a:chOff x="0" y="0"/>
-          <a:chExt cx="0" cy="0"/>
-        </a:xfrm>
-      </p:grpSpPr>
-      <p:sp>
-        <p:nvSpPr>
-          <p:cNvPr id="2" name="Title 1">
-            <a:extLst>
-              <a:ext uri="{FF2B5EF4-FFF2-40B4-BE49-F238E27FC236}">
-                <a16:creationId xmlns:a16="http://schemas.microsoft.com/office/drawing/2014/main" id="{55E11F08-6CA0-48F1-AD67-97430DDA07F0}"/>
-              </a:ext>
-            </a:extLst>
-          </p:cNvPr>
-          <p:cNvSpPr>
-            <a:spLocks noGrp="1"/>
-          </p:cNvSpPr>
-          <p:nvPr>
-            <p:ph type="title"/>
-          </p:nvPr>
-        </p:nvSpPr>
-        <p:spPr/>
-        <p:txBody>
-          <a:bodyPr/>
-          <a:lstStyle/>
-          <a:p>
-            <a:r>
-              <a:rPr lang="en-US" b="1" dirty="0">
-                <a:solidFill>
-                  <a:srgbClr val="292D33"/>
-                </a:solidFill>
-                <a:latin typeface="Euclid Circular B" panose="020B0504000000000000" pitchFamily="34" charset="0"/>
-                <a:ea typeface="Euclid Circular B" panose="020B0504000000000000" pitchFamily="34" charset="0"/>
-              </a:rPr>
-              <a:t>Topic title</a:t>
-            </a:r>
-          </a:p>
-        </p:txBody>
-      </p:sp>
-      <p:sp>
-        <p:nvSpPr>
-          <p:cNvPr id="3" name="Content Placeholder 2">
-            <a:extLst>
-              <a:ext uri="{FF2B5EF4-FFF2-40B4-BE49-F238E27FC236}">
-                <a16:creationId xmlns:a16="http://schemas.microsoft.com/office/drawing/2014/main" id="{891C7693-D3DF-4635-96F4-97F3B4136FDF}"/>
-              </a:ext>
-            </a:extLst>
-          </p:cNvPr>
-          <p:cNvSpPr>
-            <a:spLocks noGrp="1"/>
-          </p:cNvSpPr>
-          <p:nvPr>
-            <p:ph idx="1"/>
-          </p:nvPr>
-        </p:nvSpPr>
-        <p:spPr/>
-        <p:txBody>
-          <a:bodyPr/>
-          <a:lstStyle/>
-          <a:p>
-            <a:r>
-              <a:rPr lang="en-US" dirty="0">
-                <a:latin typeface="Euclid Circular B" panose="020B0504000000000000" pitchFamily="34" charset="0"/>
-                <a:ea typeface="Euclid Circular B" panose="020B0504000000000000" pitchFamily="34" charset="0"/>
-              </a:rPr>
-              <a:t>Content</a:t>
-            </a:r>
-          </a:p>
-        </p:txBody>
-      </p:sp>
-    </p:spTree>
-    <p:extLst>
-      <p:ext uri="{BB962C8B-B14F-4D97-AF65-F5344CB8AC3E}">
-        <p14:creationId xmlns:p14="http://schemas.microsoft.com/office/powerpoint/2010/main" val="3026269350"/>
-      </p:ext>
-    </p:extLst>
-  </p:cSld>
-  <p:clrMapOvr>
-    <a:masterClrMapping/>
-  </p:clrMapOvr>
-</p:sld>
-</file>
-
-<file path=ppt/slides/slide33.xml><?xml version="1.0" encoding="utf-8"?>
-<p:sld xmlns:a="http://schemas.openxmlformats.org/drawingml/2006/main" xmlns:r="http://schemas.openxmlformats.org/officeDocument/2006/relationships" xmlns:p="http://schemas.openxmlformats.org/presentationml/2006/main">
-  <p:cSld>
-    <p:bg>
-      <p:bgPr>
-        <a:blipFill dpi="0" rotWithShape="1">
-          <a:blip r:embed="rId2">
-            <a:lum/>
-          </a:blip>
-          <a:srcRect/>
-          <a:stretch>
-            <a:fillRect/>
-          </a:stretch>
-        </a:blipFill>
-        <a:effectLst/>
-      </p:bgPr>
-    </p:bg>
-    <p:spTree>
-      <p:nvGrpSpPr>
-        <p:cNvPr id="1" name=""/>
-        <p:cNvGrpSpPr/>
-        <p:nvPr/>
-      </p:nvGrpSpPr>
-      <p:grpSpPr>
-        <a:xfrm>
-          <a:off x="0" y="0"/>
-          <a:ext cx="0" cy="0"/>
-          <a:chOff x="0" y="0"/>
-          <a:chExt cx="0" cy="0"/>
-        </a:xfrm>
-      </p:grpSpPr>
-      <p:sp>
-        <p:nvSpPr>
-          <p:cNvPr id="2" name="Title 1">
-            <a:extLst>
-              <a:ext uri="{FF2B5EF4-FFF2-40B4-BE49-F238E27FC236}">
-                <a16:creationId xmlns:a16="http://schemas.microsoft.com/office/drawing/2014/main" id="{55E11F08-6CA0-48F1-AD67-97430DDA07F0}"/>
-              </a:ext>
-            </a:extLst>
-          </p:cNvPr>
-          <p:cNvSpPr>
-            <a:spLocks noGrp="1"/>
-          </p:cNvSpPr>
-          <p:nvPr>
-            <p:ph type="title"/>
-          </p:nvPr>
-        </p:nvSpPr>
-        <p:spPr/>
-        <p:txBody>
-          <a:bodyPr/>
-          <a:lstStyle/>
-          <a:p>
-            <a:r>
-              <a:rPr lang="en-US" b="1" dirty="0">
-                <a:solidFill>
-                  <a:srgbClr val="292D33"/>
-                </a:solidFill>
-                <a:latin typeface="Euclid Circular B" panose="020B0504000000000000" pitchFamily="34" charset="0"/>
-                <a:ea typeface="Euclid Circular B" panose="020B0504000000000000" pitchFamily="34" charset="0"/>
-              </a:rPr>
-              <a:t>Topic title</a:t>
-            </a:r>
-          </a:p>
-        </p:txBody>
-      </p:sp>
-      <p:sp>
-        <p:nvSpPr>
-          <p:cNvPr id="3" name="Content Placeholder 2">
-            <a:extLst>
-              <a:ext uri="{FF2B5EF4-FFF2-40B4-BE49-F238E27FC236}">
-                <a16:creationId xmlns:a16="http://schemas.microsoft.com/office/drawing/2014/main" id="{891C7693-D3DF-4635-96F4-97F3B4136FDF}"/>
-              </a:ext>
-            </a:extLst>
-          </p:cNvPr>
-          <p:cNvSpPr>
-            <a:spLocks noGrp="1"/>
-          </p:cNvSpPr>
-          <p:nvPr>
-            <p:ph idx="1"/>
-          </p:nvPr>
-        </p:nvSpPr>
-        <p:spPr/>
-        <p:txBody>
-          <a:bodyPr/>
-          <a:lstStyle/>
-          <a:p>
-            <a:r>
-              <a:rPr lang="en-US" dirty="0">
-                <a:latin typeface="Euclid Circular B" panose="020B0504000000000000" pitchFamily="34" charset="0"/>
-                <a:ea typeface="Euclid Circular B" panose="020B0504000000000000" pitchFamily="34" charset="0"/>
-              </a:rPr>
-              <a:t>Content</a:t>
-            </a:r>
-          </a:p>
-        </p:txBody>
-      </p:sp>
-    </p:spTree>
-    <p:extLst>
-      <p:ext uri="{BB962C8B-B14F-4D97-AF65-F5344CB8AC3E}">
-        <p14:creationId xmlns:p14="http://schemas.microsoft.com/office/powerpoint/2010/main" val="1377636385"/>
       </p:ext>
     </p:extLst>
   </p:cSld>

--- a/2023-01-17 Dotnet Foundation Summit 2023/ABP Multi-Tenancy.pptx
+++ b/2023-01-17 Dotnet Foundation Summit 2023/ABP Multi-Tenancy.pptx
@@ -27,7 +27,8 @@
     <p:sldId id="275" r:id="rId21"/>
     <p:sldId id="286" r:id="rId22"/>
     <p:sldId id="287" r:id="rId23"/>
-    <p:sldId id="288" r:id="rId24"/>
+    <p:sldId id="289" r:id="rId24"/>
+    <p:sldId id="288" r:id="rId25"/>
   </p:sldIdLst>
   <p:sldSz cx="12192000" cy="6858000"/>
   <p:notesSz cx="6858000" cy="9144000"/>
@@ -6047,7 +6048,7 @@
                 <a:latin typeface="Euclid Circular B" panose="020B0504000000000000" pitchFamily="34" charset="0"/>
                 <a:ea typeface="Euclid Circular B" panose="020B0504000000000000" pitchFamily="34" charset="0"/>
               </a:rPr>
-              <a:t>Topic title</a:t>
+              <a:t>ABP: Multi-Tenant Aware Framework</a:t>
             </a:r>
           </a:p>
         </p:txBody>
@@ -6078,7 +6079,61 @@
                 <a:latin typeface="Euclid Circular B" panose="020B0504000000000000" pitchFamily="34" charset="0"/>
                 <a:ea typeface="Euclid Circular B" panose="020B0504000000000000" pitchFamily="34" charset="0"/>
               </a:rPr>
-              <a:t>Content</a:t>
+              <a:t>Authentication &amp; Authorization</a:t>
+            </a:r>
+          </a:p>
+          <a:p>
+            <a:r>
+              <a:rPr lang="en-US" dirty="0">
+                <a:latin typeface="Euclid Circular B" panose="020B0504000000000000" pitchFamily="34" charset="0"/>
+                <a:ea typeface="Euclid Circular B" panose="020B0504000000000000" pitchFamily="34" charset="0"/>
+              </a:rPr>
+              <a:t>Audit Logging</a:t>
+            </a:r>
+          </a:p>
+          <a:p>
+            <a:r>
+              <a:rPr lang="en-US" dirty="0">
+                <a:latin typeface="Euclid Circular B" panose="020B0504000000000000" pitchFamily="34" charset="0"/>
+                <a:ea typeface="Euclid Circular B" panose="020B0504000000000000" pitchFamily="34" charset="0"/>
+              </a:rPr>
+              <a:t>BLOB Storing</a:t>
+            </a:r>
+          </a:p>
+          <a:p>
+            <a:r>
+              <a:rPr lang="en-US" dirty="0">
+                <a:latin typeface="Euclid Circular B" panose="020B0504000000000000" pitchFamily="34" charset="0"/>
+                <a:ea typeface="Euclid Circular B" panose="020B0504000000000000" pitchFamily="34" charset="0"/>
+              </a:rPr>
+              <a:t>Caching</a:t>
+            </a:r>
+          </a:p>
+          <a:p>
+            <a:r>
+              <a:rPr lang="en-US" dirty="0">
+                <a:latin typeface="Euclid Circular B" panose="020B0504000000000000" pitchFamily="34" charset="0"/>
+                <a:ea typeface="Euclid Circular B" panose="020B0504000000000000" pitchFamily="34" charset="0"/>
+              </a:rPr>
+              <a:t>Data Seeding</a:t>
+            </a:r>
+          </a:p>
+          <a:p>
+            <a:r>
+              <a:rPr lang="en-US" dirty="0">
+                <a:latin typeface="Euclid Circular B" panose="020B0504000000000000" pitchFamily="34" charset="0"/>
+                <a:ea typeface="Euclid Circular B" panose="020B0504000000000000" pitchFamily="34" charset="0"/>
+              </a:rPr>
+              <a:t>Setting Management</a:t>
+            </a:r>
+          </a:p>
+          <a:p>
+            <a:r>
+              <a:rPr lang="en-US" dirty="0">
+                <a:latin typeface="Euclid Circular B" panose="020B0504000000000000" pitchFamily="34" charset="0"/>
+                <a:ea typeface="Euclid Circular B" panose="020B0504000000000000" pitchFamily="34" charset="0"/>
+              </a:rPr>
+              <a:t>Text Templating</a:t>
             </a:r>
           </a:p>
         </p:txBody>
@@ -6265,7 +6320,116 @@
                 <a:latin typeface="Euclid Circular B" panose="020B0504000000000000" pitchFamily="34" charset="0"/>
                 <a:ea typeface="Euclid Circular B" panose="020B0504000000000000" pitchFamily="34" charset="0"/>
               </a:rPr>
-              <a:t>QA</a:t>
+              <a:t>Topic title</a:t>
+            </a:r>
+          </a:p>
+        </p:txBody>
+      </p:sp>
+      <p:sp>
+        <p:nvSpPr>
+          <p:cNvPr id="3" name="Content Placeholder 2">
+            <a:extLst>
+              <a:ext uri="{FF2B5EF4-FFF2-40B4-BE49-F238E27FC236}">
+                <a16:creationId xmlns:a16="http://schemas.microsoft.com/office/drawing/2014/main" id="{891C7693-D3DF-4635-96F4-97F3B4136FDF}"/>
+              </a:ext>
+            </a:extLst>
+          </p:cNvPr>
+          <p:cNvSpPr>
+            <a:spLocks noGrp="1"/>
+          </p:cNvSpPr>
+          <p:nvPr>
+            <p:ph idx="1"/>
+          </p:nvPr>
+        </p:nvSpPr>
+        <p:spPr/>
+        <p:txBody>
+          <a:bodyPr/>
+          <a:lstStyle/>
+          <a:p>
+            <a:r>
+              <a:rPr lang="en-US" dirty="0">
+                <a:latin typeface="Euclid Circular B" panose="020B0504000000000000" pitchFamily="34" charset="0"/>
+                <a:ea typeface="Euclid Circular B" panose="020B0504000000000000" pitchFamily="34" charset="0"/>
+              </a:rPr>
+              <a:t>Content</a:t>
+            </a:r>
+          </a:p>
+        </p:txBody>
+      </p:sp>
+    </p:spTree>
+    <p:extLst>
+      <p:ext uri="{BB962C8B-B14F-4D97-AF65-F5344CB8AC3E}">
+        <p14:creationId xmlns:p14="http://schemas.microsoft.com/office/powerpoint/2010/main" val="1621610224"/>
+      </p:ext>
+    </p:extLst>
+  </p:cSld>
+  <p:clrMapOvr>
+    <a:masterClrMapping/>
+  </p:clrMapOvr>
+</p:sld>
+</file>
+
+<file path=ppt/slides/slide24.xml><?xml version="1.0" encoding="utf-8"?>
+<p:sld xmlns:a="http://schemas.openxmlformats.org/drawingml/2006/main" xmlns:r="http://schemas.openxmlformats.org/officeDocument/2006/relationships" xmlns:p="http://schemas.openxmlformats.org/presentationml/2006/main">
+  <p:cSld>
+    <p:bg>
+      <p:bgPr>
+        <a:blipFill dpi="0" rotWithShape="1">
+          <a:blip r:embed="rId2">
+            <a:lum/>
+          </a:blip>
+          <a:srcRect/>
+          <a:stretch>
+            <a:fillRect/>
+          </a:stretch>
+        </a:blipFill>
+        <a:effectLst/>
+      </p:bgPr>
+    </p:bg>
+    <p:spTree>
+      <p:nvGrpSpPr>
+        <p:cNvPr id="1" name=""/>
+        <p:cNvGrpSpPr/>
+        <p:nvPr/>
+      </p:nvGrpSpPr>
+      <p:grpSpPr>
+        <a:xfrm>
+          <a:off x="0" y="0"/>
+          <a:ext cx="0" cy="0"/>
+          <a:chOff x="0" y="0"/>
+          <a:chExt cx="0" cy="0"/>
+        </a:xfrm>
+      </p:grpSpPr>
+      <p:sp>
+        <p:nvSpPr>
+          <p:cNvPr id="2" name="Title 1">
+            <a:extLst>
+              <a:ext uri="{FF2B5EF4-FFF2-40B4-BE49-F238E27FC236}">
+                <a16:creationId xmlns:a16="http://schemas.microsoft.com/office/drawing/2014/main" id="{55E11F08-6CA0-48F1-AD67-97430DDA07F0}"/>
+              </a:ext>
+            </a:extLst>
+          </p:cNvPr>
+          <p:cNvSpPr>
+            <a:spLocks noGrp="1"/>
+          </p:cNvSpPr>
+          <p:nvPr>
+            <p:ph type="title"/>
+          </p:nvPr>
+        </p:nvSpPr>
+        <p:spPr/>
+        <p:txBody>
+          <a:bodyPr/>
+          <a:lstStyle/>
+          <a:p>
+            <a:r>
+              <a:rPr lang="en-US" b="1" dirty="0">
+                <a:solidFill>
+                  <a:srgbClr val="292D33"/>
+                </a:solidFill>
+                <a:latin typeface="Euclid Circular B" panose="020B0504000000000000" pitchFamily="34" charset="0"/>
+                <a:ea typeface="Euclid Circular B" panose="020B0504000000000000" pitchFamily="34" charset="0"/>
+              </a:rPr>
+              <a:t>Questions...?</a:t>
             </a:r>
           </a:p>
         </p:txBody>
@@ -6317,6 +6481,438 @@
           </a:extLst>
         </p:spPr>
       </p:pic>
+      <p:sp>
+        <p:nvSpPr>
+          <p:cNvPr id="3" name="Content Placeholder 2">
+            <a:extLst>
+              <a:ext uri="{FF2B5EF4-FFF2-40B4-BE49-F238E27FC236}">
+                <a16:creationId xmlns:a16="http://schemas.microsoft.com/office/drawing/2014/main" id="{0B7A16AE-4916-7E27-C5A6-D4A579C47A8F}"/>
+              </a:ext>
+            </a:extLst>
+          </p:cNvPr>
+          <p:cNvSpPr>
+            <a:spLocks noGrp="1"/>
+          </p:cNvSpPr>
+          <p:nvPr>
+            <p:ph idx="1"/>
+          </p:nvPr>
+        </p:nvSpPr>
+        <p:spPr>
+          <a:xfrm>
+            <a:off x="5543806" y="1690689"/>
+            <a:ext cx="5809994" cy="3413624"/>
+          </a:xfrm>
+        </p:spPr>
+        <p:txBody>
+          <a:bodyPr>
+            <a:normAutofit/>
+          </a:bodyPr>
+          <a:lstStyle/>
+          <a:p>
+            <a:pPr marL="0" indent="0">
+              <a:buNone/>
+            </a:pPr>
+            <a:r>
+              <a:rPr lang="en-US" sz="2400" dirty="0">
+                <a:latin typeface="Euclid Circular B" panose="020B0504000000000000" pitchFamily="34" charset="0"/>
+                <a:ea typeface="Euclid Circular B" panose="020B0504000000000000" pitchFamily="34" charset="0"/>
+              </a:rPr>
+              <a:t>Contact Me:</a:t>
+            </a:r>
+          </a:p>
+          <a:p>
+            <a:pPr marL="0" indent="0">
+              <a:buNone/>
+            </a:pPr>
+            <a:endParaRPr lang="en-US" sz="2400" dirty="0">
+              <a:latin typeface="Euclid Circular B" panose="020B0504000000000000" pitchFamily="34" charset="0"/>
+              <a:ea typeface="Euclid Circular B" panose="020B0504000000000000" pitchFamily="34" charset="0"/>
+              <a:hlinkClick r:id="rId4"/>
+            </a:endParaRPr>
+          </a:p>
+          <a:p>
+            <a:pPr marL="0" indent="0">
+              <a:buNone/>
+            </a:pPr>
+            <a:r>
+              <a:rPr lang="en-US" sz="2400" dirty="0">
+                <a:latin typeface="Euclid Circular B" panose="020B0504000000000000" pitchFamily="34" charset="0"/>
+                <a:ea typeface="Euclid Circular B" panose="020B0504000000000000" pitchFamily="34" charset="0"/>
+                <a:hlinkClick r:id="rId4"/>
+              </a:rPr>
+              <a:t>https://</a:t>
+            </a:r>
+            <a:r>
+              <a:rPr lang="en-US" sz="2400" b="1" dirty="0">
+                <a:latin typeface="Euclid Circular B" panose="020B0504000000000000" pitchFamily="34" charset="0"/>
+                <a:ea typeface="Euclid Circular B" panose="020B0504000000000000" pitchFamily="34" charset="0"/>
+                <a:hlinkClick r:id="rId4"/>
+              </a:rPr>
+              <a:t>github</a:t>
+            </a:r>
+            <a:r>
+              <a:rPr lang="en-US" sz="2400" dirty="0">
+                <a:latin typeface="Euclid Circular B" panose="020B0504000000000000" pitchFamily="34" charset="0"/>
+                <a:ea typeface="Euclid Circular B" panose="020B0504000000000000" pitchFamily="34" charset="0"/>
+                <a:hlinkClick r:id="rId4"/>
+              </a:rPr>
+              <a:t>.com/</a:t>
+            </a:r>
+            <a:r>
+              <a:rPr lang="en-US" sz="2400" b="1" dirty="0">
+                <a:latin typeface="Euclid Circular B" panose="020B0504000000000000" pitchFamily="34" charset="0"/>
+                <a:ea typeface="Euclid Circular B" panose="020B0504000000000000" pitchFamily="34" charset="0"/>
+                <a:hlinkClick r:id="rId4"/>
+              </a:rPr>
+              <a:t>hikalkan</a:t>
+            </a:r>
+            <a:r>
+              <a:rPr lang="en-US" sz="2400" dirty="0">
+                <a:latin typeface="Euclid Circular B" panose="020B0504000000000000" pitchFamily="34" charset="0"/>
+                <a:ea typeface="Euclid Circular B" panose="020B0504000000000000" pitchFamily="34" charset="0"/>
+              </a:rPr>
+              <a:t> </a:t>
+            </a:r>
+            <a:br>
+              <a:rPr lang="en-US" sz="2400" dirty="0">
+                <a:latin typeface="Euclid Circular B" panose="020B0504000000000000" pitchFamily="34" charset="0"/>
+                <a:ea typeface="Euclid Circular B" panose="020B0504000000000000" pitchFamily="34" charset="0"/>
+              </a:rPr>
+            </a:br>
+            <a:endParaRPr lang="en-US" sz="2400" dirty="0">
+              <a:latin typeface="Euclid Circular B" panose="020B0504000000000000" pitchFamily="34" charset="0"/>
+              <a:ea typeface="Euclid Circular B" panose="020B0504000000000000" pitchFamily="34" charset="0"/>
+            </a:endParaRPr>
+          </a:p>
+          <a:p>
+            <a:pPr marL="0" indent="0">
+              <a:buNone/>
+            </a:pPr>
+            <a:r>
+              <a:rPr lang="en-US" sz="2400" dirty="0">
+                <a:latin typeface="Euclid Circular B" panose="020B0504000000000000" pitchFamily="34" charset="0"/>
+                <a:ea typeface="Euclid Circular B" panose="020B0504000000000000" pitchFamily="34" charset="0"/>
+                <a:hlinkClick r:id="rId5"/>
+              </a:rPr>
+              <a:t>https://</a:t>
+            </a:r>
+            <a:r>
+              <a:rPr lang="en-US" sz="2400" b="1" dirty="0">
+                <a:latin typeface="Euclid Circular B" panose="020B0504000000000000" pitchFamily="34" charset="0"/>
+                <a:ea typeface="Euclid Circular B" panose="020B0504000000000000" pitchFamily="34" charset="0"/>
+                <a:hlinkClick r:id="rId5"/>
+              </a:rPr>
+              <a:t>twitter</a:t>
+            </a:r>
+            <a:r>
+              <a:rPr lang="en-US" sz="2400" dirty="0">
+                <a:latin typeface="Euclid Circular B" panose="020B0504000000000000" pitchFamily="34" charset="0"/>
+                <a:ea typeface="Euclid Circular B" panose="020B0504000000000000" pitchFamily="34" charset="0"/>
+                <a:hlinkClick r:id="rId5"/>
+              </a:rPr>
+              <a:t>.com/</a:t>
+            </a:r>
+            <a:r>
+              <a:rPr lang="en-US" sz="2400" b="1" dirty="0">
+                <a:latin typeface="Euclid Circular B" panose="020B0504000000000000" pitchFamily="34" charset="0"/>
+                <a:ea typeface="Euclid Circular B" panose="020B0504000000000000" pitchFamily="34" charset="0"/>
+                <a:hlinkClick r:id="rId5"/>
+              </a:rPr>
+              <a:t>hibrahimkalkan</a:t>
+            </a:r>
+            <a:r>
+              <a:rPr lang="en-US" sz="2400" b="1" dirty="0">
+                <a:latin typeface="Euclid Circular B" panose="020B0504000000000000" pitchFamily="34" charset="0"/>
+                <a:ea typeface="Euclid Circular B" panose="020B0504000000000000" pitchFamily="34" charset="0"/>
+              </a:rPr>
+              <a:t> </a:t>
+            </a:r>
+            <a:br>
+              <a:rPr lang="en-US" sz="2400" b="1" dirty="0">
+                <a:latin typeface="Euclid Circular B" panose="020B0504000000000000" pitchFamily="34" charset="0"/>
+                <a:ea typeface="Euclid Circular B" panose="020B0504000000000000" pitchFamily="34" charset="0"/>
+              </a:rPr>
+            </a:br>
+            <a:endParaRPr lang="en-US" sz="2400" b="1" dirty="0">
+              <a:latin typeface="Euclid Circular B" panose="020B0504000000000000" pitchFamily="34" charset="0"/>
+              <a:ea typeface="Euclid Circular B" panose="020B0504000000000000" pitchFamily="34" charset="0"/>
+            </a:endParaRPr>
+          </a:p>
+          <a:p>
+            <a:pPr marL="0" indent="0">
+              <a:buNone/>
+            </a:pPr>
+            <a:r>
+              <a:rPr lang="en-US" sz="2400" dirty="0">
+                <a:latin typeface="Euclid Circular B" panose="020B0504000000000000" pitchFamily="34" charset="0"/>
+                <a:ea typeface="Euclid Circular B" panose="020B0504000000000000" pitchFamily="34" charset="0"/>
+                <a:hlinkClick r:id="rId6"/>
+              </a:rPr>
+              <a:t>https://</a:t>
+            </a:r>
+            <a:r>
+              <a:rPr lang="en-US" sz="2400" b="1" dirty="0">
+                <a:latin typeface="Euclid Circular B" panose="020B0504000000000000" pitchFamily="34" charset="0"/>
+                <a:ea typeface="Euclid Circular B" panose="020B0504000000000000" pitchFamily="34" charset="0"/>
+                <a:hlinkClick r:id="rId6"/>
+              </a:rPr>
+              <a:t>halilibrahimkalkan.com</a:t>
+            </a:r>
+            <a:r>
+              <a:rPr lang="en-US" sz="2400" b="1" dirty="0">
+                <a:latin typeface="Euclid Circular B" panose="020B0504000000000000" pitchFamily="34" charset="0"/>
+                <a:ea typeface="Euclid Circular B" panose="020B0504000000000000" pitchFamily="34" charset="0"/>
+              </a:rPr>
+              <a:t> </a:t>
+            </a:r>
+          </a:p>
+          <a:p>
+            <a:pPr marL="0" indent="0">
+              <a:buNone/>
+            </a:pPr>
+            <a:endParaRPr lang="en-US" sz="2400" dirty="0">
+              <a:latin typeface="Euclid Circular B" panose="020B0504000000000000" pitchFamily="34" charset="0"/>
+              <a:ea typeface="Euclid Circular B" panose="020B0504000000000000" pitchFamily="34" charset="0"/>
+            </a:endParaRPr>
+          </a:p>
+        </p:txBody>
+      </p:sp>
+      <p:sp>
+        <p:nvSpPr>
+          <p:cNvPr id="5" name="Content Placeholder 2">
+            <a:extLst>
+              <a:ext uri="{FF2B5EF4-FFF2-40B4-BE49-F238E27FC236}">
+                <a16:creationId xmlns:a16="http://schemas.microsoft.com/office/drawing/2014/main" id="{B05B05DC-B22C-0A11-7215-CD47AB5EA650}"/>
+              </a:ext>
+            </a:extLst>
+          </p:cNvPr>
+          <p:cNvSpPr txBox="1">
+            <a:spLocks/>
+          </p:cNvSpPr>
+          <p:nvPr/>
+        </p:nvSpPr>
+        <p:spPr>
+          <a:xfrm>
+            <a:off x="838200" y="5402277"/>
+            <a:ext cx="10849105" cy="1121536"/>
+          </a:xfrm>
+          <a:prstGeom prst="rect">
+            <a:avLst/>
+          </a:prstGeom>
+        </p:spPr>
+        <p:txBody>
+          <a:bodyPr vert="horz" lIns="91440" tIns="45720" rIns="91440" bIns="45720" rtlCol="0">
+            <a:normAutofit/>
+          </a:bodyPr>
+          <a:lstStyle>
+            <a:lvl1pPr marL="228600" indent="-228600" algn="l" defTabSz="914400" rtl="0" eaLnBrk="1" latinLnBrk="0" hangingPunct="1">
+              <a:lnSpc>
+                <a:spcPct val="90000"/>
+              </a:lnSpc>
+              <a:spcBef>
+                <a:spcPts val="1000"/>
+              </a:spcBef>
+              <a:buFont typeface="Arial" panose="020B0604020202020204" pitchFamily="34" charset="0"/>
+              <a:buChar char="•"/>
+              <a:defRPr sz="2800" kern="1200">
+                <a:solidFill>
+                  <a:schemeClr val="tx1"/>
+                </a:solidFill>
+                <a:latin typeface="+mn-lt"/>
+                <a:ea typeface="+mn-ea"/>
+                <a:cs typeface="+mn-cs"/>
+              </a:defRPr>
+            </a:lvl1pPr>
+            <a:lvl2pPr marL="685800" indent="-228600" algn="l" defTabSz="914400" rtl="0" eaLnBrk="1" latinLnBrk="0" hangingPunct="1">
+              <a:lnSpc>
+                <a:spcPct val="90000"/>
+              </a:lnSpc>
+              <a:spcBef>
+                <a:spcPts val="500"/>
+              </a:spcBef>
+              <a:buFont typeface="Arial" panose="020B0604020202020204" pitchFamily="34" charset="0"/>
+              <a:buChar char="•"/>
+              <a:defRPr sz="2400" kern="1200">
+                <a:solidFill>
+                  <a:schemeClr val="tx1"/>
+                </a:solidFill>
+                <a:latin typeface="+mn-lt"/>
+                <a:ea typeface="+mn-ea"/>
+                <a:cs typeface="+mn-cs"/>
+              </a:defRPr>
+            </a:lvl2pPr>
+            <a:lvl3pPr marL="1143000" indent="-228600" algn="l" defTabSz="914400" rtl="0" eaLnBrk="1" latinLnBrk="0" hangingPunct="1">
+              <a:lnSpc>
+                <a:spcPct val="90000"/>
+              </a:lnSpc>
+              <a:spcBef>
+                <a:spcPts val="500"/>
+              </a:spcBef>
+              <a:buFont typeface="Arial" panose="020B0604020202020204" pitchFamily="34" charset="0"/>
+              <a:buChar char="•"/>
+              <a:defRPr sz="2000" kern="1200">
+                <a:solidFill>
+                  <a:schemeClr val="tx1"/>
+                </a:solidFill>
+                <a:latin typeface="+mn-lt"/>
+                <a:ea typeface="+mn-ea"/>
+                <a:cs typeface="+mn-cs"/>
+              </a:defRPr>
+            </a:lvl3pPr>
+            <a:lvl4pPr marL="1600200" indent="-228600" algn="l" defTabSz="914400" rtl="0" eaLnBrk="1" latinLnBrk="0" hangingPunct="1">
+              <a:lnSpc>
+                <a:spcPct val="90000"/>
+              </a:lnSpc>
+              <a:spcBef>
+                <a:spcPts val="500"/>
+              </a:spcBef>
+              <a:buFont typeface="Arial" panose="020B0604020202020204" pitchFamily="34" charset="0"/>
+              <a:buChar char="•"/>
+              <a:defRPr sz="1800" kern="1200">
+                <a:solidFill>
+                  <a:schemeClr val="tx1"/>
+                </a:solidFill>
+                <a:latin typeface="+mn-lt"/>
+                <a:ea typeface="+mn-ea"/>
+                <a:cs typeface="+mn-cs"/>
+              </a:defRPr>
+            </a:lvl4pPr>
+            <a:lvl5pPr marL="2057400" indent="-228600" algn="l" defTabSz="914400" rtl="0" eaLnBrk="1" latinLnBrk="0" hangingPunct="1">
+              <a:lnSpc>
+                <a:spcPct val="90000"/>
+              </a:lnSpc>
+              <a:spcBef>
+                <a:spcPts val="500"/>
+              </a:spcBef>
+              <a:buFont typeface="Arial" panose="020B0604020202020204" pitchFamily="34" charset="0"/>
+              <a:buChar char="•"/>
+              <a:defRPr sz="1800" kern="1200">
+                <a:solidFill>
+                  <a:schemeClr val="tx1"/>
+                </a:solidFill>
+                <a:latin typeface="+mn-lt"/>
+                <a:ea typeface="+mn-ea"/>
+                <a:cs typeface="+mn-cs"/>
+              </a:defRPr>
+            </a:lvl5pPr>
+            <a:lvl6pPr marL="2514600" indent="-228600" algn="l" defTabSz="914400" rtl="0" eaLnBrk="1" latinLnBrk="0" hangingPunct="1">
+              <a:lnSpc>
+                <a:spcPct val="90000"/>
+              </a:lnSpc>
+              <a:spcBef>
+                <a:spcPts val="500"/>
+              </a:spcBef>
+              <a:buFont typeface="Arial" panose="020B0604020202020204" pitchFamily="34" charset="0"/>
+              <a:buChar char="•"/>
+              <a:defRPr sz="1800" kern="1200">
+                <a:solidFill>
+                  <a:schemeClr val="tx1"/>
+                </a:solidFill>
+                <a:latin typeface="+mn-lt"/>
+                <a:ea typeface="+mn-ea"/>
+                <a:cs typeface="+mn-cs"/>
+              </a:defRPr>
+            </a:lvl6pPr>
+            <a:lvl7pPr marL="2971800" indent="-228600" algn="l" defTabSz="914400" rtl="0" eaLnBrk="1" latinLnBrk="0" hangingPunct="1">
+              <a:lnSpc>
+                <a:spcPct val="90000"/>
+              </a:lnSpc>
+              <a:spcBef>
+                <a:spcPts val="500"/>
+              </a:spcBef>
+              <a:buFont typeface="Arial" panose="020B0604020202020204" pitchFamily="34" charset="0"/>
+              <a:buChar char="•"/>
+              <a:defRPr sz="1800" kern="1200">
+                <a:solidFill>
+                  <a:schemeClr val="tx1"/>
+                </a:solidFill>
+                <a:latin typeface="+mn-lt"/>
+                <a:ea typeface="+mn-ea"/>
+                <a:cs typeface="+mn-cs"/>
+              </a:defRPr>
+            </a:lvl7pPr>
+            <a:lvl8pPr marL="3429000" indent="-228600" algn="l" defTabSz="914400" rtl="0" eaLnBrk="1" latinLnBrk="0" hangingPunct="1">
+              <a:lnSpc>
+                <a:spcPct val="90000"/>
+              </a:lnSpc>
+              <a:spcBef>
+                <a:spcPts val="500"/>
+              </a:spcBef>
+              <a:buFont typeface="Arial" panose="020B0604020202020204" pitchFamily="34" charset="0"/>
+              <a:buChar char="•"/>
+              <a:defRPr sz="1800" kern="1200">
+                <a:solidFill>
+                  <a:schemeClr val="tx1"/>
+                </a:solidFill>
+                <a:latin typeface="+mn-lt"/>
+                <a:ea typeface="+mn-ea"/>
+                <a:cs typeface="+mn-cs"/>
+              </a:defRPr>
+            </a:lvl8pPr>
+            <a:lvl9pPr marL="3886200" indent="-228600" algn="l" defTabSz="914400" rtl="0" eaLnBrk="1" latinLnBrk="0" hangingPunct="1">
+              <a:lnSpc>
+                <a:spcPct val="90000"/>
+              </a:lnSpc>
+              <a:spcBef>
+                <a:spcPts val="500"/>
+              </a:spcBef>
+              <a:buFont typeface="Arial" panose="020B0604020202020204" pitchFamily="34" charset="0"/>
+              <a:buChar char="•"/>
+              <a:defRPr sz="1800" kern="1200">
+                <a:solidFill>
+                  <a:schemeClr val="tx1"/>
+                </a:solidFill>
+                <a:latin typeface="+mn-lt"/>
+                <a:ea typeface="+mn-ea"/>
+                <a:cs typeface="+mn-cs"/>
+              </a:defRPr>
+            </a:lvl9pPr>
+          </a:lstStyle>
+          <a:p>
+            <a:pPr marL="0" indent="0">
+              <a:buFont typeface="Arial" panose="020B0604020202020204" pitchFamily="34" charset="0"/>
+              <a:buNone/>
+            </a:pPr>
+            <a:r>
+              <a:rPr lang="en-US" sz="2400" b="1" dirty="0">
+                <a:latin typeface="Euclid Circular B" panose="020B0504000000000000" pitchFamily="34" charset="0"/>
+                <a:ea typeface="Euclid Circular B" panose="020B0504000000000000" pitchFamily="34" charset="0"/>
+              </a:rPr>
+              <a:t>Get the Presentation:</a:t>
+            </a:r>
+            <a:r>
+              <a:rPr lang="en-US" sz="2400" dirty="0">
+                <a:latin typeface="Euclid Circular B" panose="020B0504000000000000" pitchFamily="34" charset="0"/>
+                <a:ea typeface="Euclid Circular B" panose="020B0504000000000000" pitchFamily="34" charset="0"/>
+              </a:rPr>
+              <a:t> </a:t>
+            </a:r>
+            <a:r>
+              <a:rPr lang="en-US" sz="2400" dirty="0">
+                <a:latin typeface="Euclid Circular B" panose="020B0504000000000000" pitchFamily="34" charset="0"/>
+                <a:ea typeface="Euclid Circular B" panose="020B0504000000000000" pitchFamily="34" charset="0"/>
+                <a:hlinkClick r:id="rId7"/>
+              </a:rPr>
+              <a:t>https://github.com/</a:t>
+            </a:r>
+            <a:r>
+              <a:rPr lang="en-US" sz="2400" b="1" dirty="0">
+                <a:latin typeface="Euclid Circular B" panose="020B0504000000000000" pitchFamily="34" charset="0"/>
+                <a:ea typeface="Euclid Circular B" panose="020B0504000000000000" pitchFamily="34" charset="0"/>
+                <a:hlinkClick r:id="rId7"/>
+              </a:rPr>
+              <a:t>hikalkan/presentations</a:t>
+            </a:r>
+            <a:r>
+              <a:rPr lang="en-US" sz="2400" dirty="0">
+                <a:latin typeface="Euclid Circular B" panose="020B0504000000000000" pitchFamily="34" charset="0"/>
+                <a:ea typeface="Euclid Circular B" panose="020B0504000000000000" pitchFamily="34" charset="0"/>
+              </a:rPr>
+              <a:t> </a:t>
+            </a:r>
+          </a:p>
+        </p:txBody>
+      </p:sp>
     </p:spTree>
     <p:extLst>
       <p:ext uri="{BB962C8B-B14F-4D97-AF65-F5344CB8AC3E}">

--- a/2023-01-17 Dotnet Foundation Summit 2023/ABP Multi-Tenancy.pptx
+++ b/2023-01-17 Dotnet Foundation Summit 2023/ABP Multi-Tenancy.pptx
@@ -26,9 +26,9 @@
     <p:sldId id="274" r:id="rId20"/>
     <p:sldId id="275" r:id="rId21"/>
     <p:sldId id="286" r:id="rId22"/>
-    <p:sldId id="287" r:id="rId23"/>
+    <p:sldId id="288" r:id="rId23"/>
     <p:sldId id="289" r:id="rId24"/>
-    <p:sldId id="288" r:id="rId25"/>
+    <p:sldId id="287" r:id="rId25"/>
   </p:sldIdLst>
   <p:sldSz cx="12192000" cy="6858000"/>
   <p:notesSz cx="6858000" cy="9144000"/>
@@ -282,7 +282,7 @@
           <a:p>
             <a:fld id="{2A14C9FE-EBC3-45D3-899C-58AAF4F8AF71}" type="datetimeFigureOut">
               <a:rPr lang="en-US" smtClean="0"/>
-              <a:t>03-Jan-23</a:t>
+              <a:t>1/5/2023</a:t>
             </a:fld>
             <a:endParaRPr lang="en-US"/>
           </a:p>
@@ -480,7 +480,7 @@
           <a:p>
             <a:fld id="{2A14C9FE-EBC3-45D3-899C-58AAF4F8AF71}" type="datetimeFigureOut">
               <a:rPr lang="en-US" smtClean="0"/>
-              <a:t>03-Jan-23</a:t>
+              <a:t>1/5/2023</a:t>
             </a:fld>
             <a:endParaRPr lang="en-US"/>
           </a:p>
@@ -688,7 +688,7 @@
           <a:p>
             <a:fld id="{2A14C9FE-EBC3-45D3-899C-58AAF4F8AF71}" type="datetimeFigureOut">
               <a:rPr lang="en-US" smtClean="0"/>
-              <a:t>03-Jan-23</a:t>
+              <a:t>1/5/2023</a:t>
             </a:fld>
             <a:endParaRPr lang="en-US"/>
           </a:p>
@@ -886,7 +886,7 @@
           <a:p>
             <a:fld id="{2A14C9FE-EBC3-45D3-899C-58AAF4F8AF71}" type="datetimeFigureOut">
               <a:rPr lang="en-US" smtClean="0"/>
-              <a:t>03-Jan-23</a:t>
+              <a:t>1/5/2023</a:t>
             </a:fld>
             <a:endParaRPr lang="en-US"/>
           </a:p>
@@ -1161,7 +1161,7 @@
           <a:p>
             <a:fld id="{2A14C9FE-EBC3-45D3-899C-58AAF4F8AF71}" type="datetimeFigureOut">
               <a:rPr lang="en-US" smtClean="0"/>
-              <a:t>03-Jan-23</a:t>
+              <a:t>1/5/2023</a:t>
             </a:fld>
             <a:endParaRPr lang="en-US"/>
           </a:p>
@@ -1426,7 +1426,7 @@
           <a:p>
             <a:fld id="{2A14C9FE-EBC3-45D3-899C-58AAF4F8AF71}" type="datetimeFigureOut">
               <a:rPr lang="en-US" smtClean="0"/>
-              <a:t>03-Jan-23</a:t>
+              <a:t>1/5/2023</a:t>
             </a:fld>
             <a:endParaRPr lang="en-US"/>
           </a:p>
@@ -1838,7 +1838,7 @@
           <a:p>
             <a:fld id="{2A14C9FE-EBC3-45D3-899C-58AAF4F8AF71}" type="datetimeFigureOut">
               <a:rPr lang="en-US" smtClean="0"/>
-              <a:t>03-Jan-23</a:t>
+              <a:t>1/5/2023</a:t>
             </a:fld>
             <a:endParaRPr lang="en-US"/>
           </a:p>
@@ -1979,7 +1979,7 @@
           <a:p>
             <a:fld id="{2A14C9FE-EBC3-45D3-899C-58AAF4F8AF71}" type="datetimeFigureOut">
               <a:rPr lang="en-US" smtClean="0"/>
-              <a:t>03-Jan-23</a:t>
+              <a:t>1/5/2023</a:t>
             </a:fld>
             <a:endParaRPr lang="en-US"/>
           </a:p>
@@ -2092,7 +2092,7 @@
           <a:p>
             <a:fld id="{2A14C9FE-EBC3-45D3-899C-58AAF4F8AF71}" type="datetimeFigureOut">
               <a:rPr lang="en-US" smtClean="0"/>
-              <a:t>03-Jan-23</a:t>
+              <a:t>1/5/2023</a:t>
             </a:fld>
             <a:endParaRPr lang="en-US"/>
           </a:p>
@@ -2403,7 +2403,7 @@
           <a:p>
             <a:fld id="{2A14C9FE-EBC3-45D3-899C-58AAF4F8AF71}" type="datetimeFigureOut">
               <a:rPr lang="en-US" smtClean="0"/>
-              <a:t>03-Jan-23</a:t>
+              <a:t>1/5/2023</a:t>
             </a:fld>
             <a:endParaRPr lang="en-US"/>
           </a:p>
@@ -2691,7 +2691,7 @@
           <a:p>
             <a:fld id="{2A14C9FE-EBC3-45D3-899C-58AAF4F8AF71}" type="datetimeFigureOut">
               <a:rPr lang="en-US" smtClean="0"/>
-              <a:t>03-Jan-23</a:t>
+              <a:t>1/5/2023</a:t>
             </a:fld>
             <a:endParaRPr lang="en-US"/>
           </a:p>
@@ -2932,7 +2932,7 @@
           <a:p>
             <a:fld id="{2A14C9FE-EBC3-45D3-899C-58AAF4F8AF71}" type="datetimeFigureOut">
               <a:rPr lang="en-US" smtClean="0"/>
-              <a:t>03-Jan-23</a:t>
+              <a:t>1/5/2023</a:t>
             </a:fld>
             <a:endParaRPr lang="en-US"/>
           </a:p>
@@ -4214,6 +4214,341 @@
   <p:clrMapOvr>
     <a:masterClrMapping/>
   </p:clrMapOvr>
+  <p:timing>
+    <p:tnLst>
+      <p:par>
+        <p:cTn id="1" dur="indefinite" restart="never" nodeType="tmRoot">
+          <p:childTnLst>
+            <p:seq concurrent="1" nextAc="seek">
+              <p:cTn id="2" dur="indefinite" nodeType="mainSeq">
+                <p:childTnLst>
+                  <p:par>
+                    <p:cTn id="3" fill="hold">
+                      <p:stCondLst>
+                        <p:cond delay="indefinite"/>
+                      </p:stCondLst>
+                      <p:childTnLst>
+                        <p:par>
+                          <p:cTn id="4" fill="hold">
+                            <p:stCondLst>
+                              <p:cond delay="0"/>
+                            </p:stCondLst>
+                            <p:childTnLst>
+                              <p:par>
+                                <p:cTn id="5" presetID="10" presetClass="entr" presetSubtype="0" fill="hold" nodeType="clickEffect">
+                                  <p:stCondLst>
+                                    <p:cond delay="0"/>
+                                  </p:stCondLst>
+                                  <p:childTnLst>
+                                    <p:set>
+                                      <p:cBhvr>
+                                        <p:cTn id="6" dur="1" fill="hold">
+                                          <p:stCondLst>
+                                            <p:cond delay="0"/>
+                                          </p:stCondLst>
+                                        </p:cTn>
+                                        <p:tgtEl>
+                                          <p:spTgt spid="3">
+                                            <p:txEl>
+                                              <p:pRg st="0" end="0"/>
+                                            </p:txEl>
+                                          </p:spTgt>
+                                        </p:tgtEl>
+                                        <p:attrNameLst>
+                                          <p:attrName>style.visibility</p:attrName>
+                                        </p:attrNameLst>
+                                      </p:cBhvr>
+                                      <p:to>
+                                        <p:strVal val="visible"/>
+                                      </p:to>
+                                    </p:set>
+                                    <p:animEffect transition="in" filter="fade">
+                                      <p:cBhvr>
+                                        <p:cTn id="7" dur="500"/>
+                                        <p:tgtEl>
+                                          <p:spTgt spid="3">
+                                            <p:txEl>
+                                              <p:pRg st="0" end="0"/>
+                                            </p:txEl>
+                                          </p:spTgt>
+                                        </p:tgtEl>
+                                      </p:cBhvr>
+                                    </p:animEffect>
+                                  </p:childTnLst>
+                                </p:cTn>
+                              </p:par>
+                            </p:childTnLst>
+                          </p:cTn>
+                        </p:par>
+                      </p:childTnLst>
+                    </p:cTn>
+                  </p:par>
+                  <p:par>
+                    <p:cTn id="8" fill="hold">
+                      <p:stCondLst>
+                        <p:cond delay="indefinite"/>
+                      </p:stCondLst>
+                      <p:childTnLst>
+                        <p:par>
+                          <p:cTn id="9" fill="hold">
+                            <p:stCondLst>
+                              <p:cond delay="0"/>
+                            </p:stCondLst>
+                            <p:childTnLst>
+                              <p:par>
+                                <p:cTn id="10" presetID="10" presetClass="entr" presetSubtype="0" fill="hold" nodeType="clickEffect">
+                                  <p:stCondLst>
+                                    <p:cond delay="0"/>
+                                  </p:stCondLst>
+                                  <p:childTnLst>
+                                    <p:set>
+                                      <p:cBhvr>
+                                        <p:cTn id="11" dur="1" fill="hold">
+                                          <p:stCondLst>
+                                            <p:cond delay="0"/>
+                                          </p:stCondLst>
+                                        </p:cTn>
+                                        <p:tgtEl>
+                                          <p:spTgt spid="3">
+                                            <p:txEl>
+                                              <p:pRg st="1" end="1"/>
+                                            </p:txEl>
+                                          </p:spTgt>
+                                        </p:tgtEl>
+                                        <p:attrNameLst>
+                                          <p:attrName>style.visibility</p:attrName>
+                                        </p:attrNameLst>
+                                      </p:cBhvr>
+                                      <p:to>
+                                        <p:strVal val="visible"/>
+                                      </p:to>
+                                    </p:set>
+                                    <p:animEffect transition="in" filter="fade">
+                                      <p:cBhvr>
+                                        <p:cTn id="12" dur="500"/>
+                                        <p:tgtEl>
+                                          <p:spTgt spid="3">
+                                            <p:txEl>
+                                              <p:pRg st="1" end="1"/>
+                                            </p:txEl>
+                                          </p:spTgt>
+                                        </p:tgtEl>
+                                      </p:cBhvr>
+                                    </p:animEffect>
+                                  </p:childTnLst>
+                                </p:cTn>
+                              </p:par>
+                            </p:childTnLst>
+                          </p:cTn>
+                        </p:par>
+                      </p:childTnLst>
+                    </p:cTn>
+                  </p:par>
+                  <p:par>
+                    <p:cTn id="13" fill="hold">
+                      <p:stCondLst>
+                        <p:cond delay="indefinite"/>
+                      </p:stCondLst>
+                      <p:childTnLst>
+                        <p:par>
+                          <p:cTn id="14" fill="hold">
+                            <p:stCondLst>
+                              <p:cond delay="0"/>
+                            </p:stCondLst>
+                            <p:childTnLst>
+                              <p:par>
+                                <p:cTn id="15" presetID="10" presetClass="entr" presetSubtype="0" fill="hold" nodeType="clickEffect">
+                                  <p:stCondLst>
+                                    <p:cond delay="0"/>
+                                  </p:stCondLst>
+                                  <p:childTnLst>
+                                    <p:set>
+                                      <p:cBhvr>
+                                        <p:cTn id="16" dur="1" fill="hold">
+                                          <p:stCondLst>
+                                            <p:cond delay="0"/>
+                                          </p:stCondLst>
+                                        </p:cTn>
+                                        <p:tgtEl>
+                                          <p:spTgt spid="3">
+                                            <p:txEl>
+                                              <p:pRg st="2" end="2"/>
+                                            </p:txEl>
+                                          </p:spTgt>
+                                        </p:tgtEl>
+                                        <p:attrNameLst>
+                                          <p:attrName>style.visibility</p:attrName>
+                                        </p:attrNameLst>
+                                      </p:cBhvr>
+                                      <p:to>
+                                        <p:strVal val="visible"/>
+                                      </p:to>
+                                    </p:set>
+                                    <p:animEffect transition="in" filter="fade">
+                                      <p:cBhvr>
+                                        <p:cTn id="17" dur="500"/>
+                                        <p:tgtEl>
+                                          <p:spTgt spid="3">
+                                            <p:txEl>
+                                              <p:pRg st="2" end="2"/>
+                                            </p:txEl>
+                                          </p:spTgt>
+                                        </p:tgtEl>
+                                      </p:cBhvr>
+                                    </p:animEffect>
+                                  </p:childTnLst>
+                                </p:cTn>
+                              </p:par>
+                            </p:childTnLst>
+                          </p:cTn>
+                        </p:par>
+                      </p:childTnLst>
+                    </p:cTn>
+                  </p:par>
+                  <p:par>
+                    <p:cTn id="18" fill="hold">
+                      <p:stCondLst>
+                        <p:cond delay="indefinite"/>
+                      </p:stCondLst>
+                      <p:childTnLst>
+                        <p:par>
+                          <p:cTn id="19" fill="hold">
+                            <p:stCondLst>
+                              <p:cond delay="0"/>
+                            </p:stCondLst>
+                            <p:childTnLst>
+                              <p:par>
+                                <p:cTn id="20" presetID="10" presetClass="entr" presetSubtype="0" fill="hold" nodeType="clickEffect">
+                                  <p:stCondLst>
+                                    <p:cond delay="0"/>
+                                  </p:stCondLst>
+                                  <p:childTnLst>
+                                    <p:set>
+                                      <p:cBhvr>
+                                        <p:cTn id="21" dur="1" fill="hold">
+                                          <p:stCondLst>
+                                            <p:cond delay="0"/>
+                                          </p:stCondLst>
+                                        </p:cTn>
+                                        <p:tgtEl>
+                                          <p:spTgt spid="3">
+                                            <p:txEl>
+                                              <p:pRg st="3" end="3"/>
+                                            </p:txEl>
+                                          </p:spTgt>
+                                        </p:tgtEl>
+                                        <p:attrNameLst>
+                                          <p:attrName>style.visibility</p:attrName>
+                                        </p:attrNameLst>
+                                      </p:cBhvr>
+                                      <p:to>
+                                        <p:strVal val="visible"/>
+                                      </p:to>
+                                    </p:set>
+                                    <p:animEffect transition="in" filter="fade">
+                                      <p:cBhvr>
+                                        <p:cTn id="22" dur="500"/>
+                                        <p:tgtEl>
+                                          <p:spTgt spid="3">
+                                            <p:txEl>
+                                              <p:pRg st="3" end="3"/>
+                                            </p:txEl>
+                                          </p:spTgt>
+                                        </p:tgtEl>
+                                      </p:cBhvr>
+                                    </p:animEffect>
+                                  </p:childTnLst>
+                                </p:cTn>
+                              </p:par>
+                            </p:childTnLst>
+                          </p:cTn>
+                        </p:par>
+                      </p:childTnLst>
+                    </p:cTn>
+                  </p:par>
+                  <p:par>
+                    <p:cTn id="23" fill="hold">
+                      <p:stCondLst>
+                        <p:cond delay="indefinite"/>
+                      </p:stCondLst>
+                      <p:childTnLst>
+                        <p:par>
+                          <p:cTn id="24" fill="hold">
+                            <p:stCondLst>
+                              <p:cond delay="0"/>
+                            </p:stCondLst>
+                            <p:childTnLst>
+                              <p:par>
+                                <p:cTn id="25" presetID="10" presetClass="entr" presetSubtype="0" fill="hold" nodeType="clickEffect">
+                                  <p:stCondLst>
+                                    <p:cond delay="0"/>
+                                  </p:stCondLst>
+                                  <p:childTnLst>
+                                    <p:set>
+                                      <p:cBhvr>
+                                        <p:cTn id="26" dur="1" fill="hold">
+                                          <p:stCondLst>
+                                            <p:cond delay="0"/>
+                                          </p:stCondLst>
+                                        </p:cTn>
+                                        <p:tgtEl>
+                                          <p:spTgt spid="3">
+                                            <p:txEl>
+                                              <p:pRg st="4" end="4"/>
+                                            </p:txEl>
+                                          </p:spTgt>
+                                        </p:tgtEl>
+                                        <p:attrNameLst>
+                                          <p:attrName>style.visibility</p:attrName>
+                                        </p:attrNameLst>
+                                      </p:cBhvr>
+                                      <p:to>
+                                        <p:strVal val="visible"/>
+                                      </p:to>
+                                    </p:set>
+                                    <p:animEffect transition="in" filter="fade">
+                                      <p:cBhvr>
+                                        <p:cTn id="27" dur="500"/>
+                                        <p:tgtEl>
+                                          <p:spTgt spid="3">
+                                            <p:txEl>
+                                              <p:pRg st="4" end="4"/>
+                                            </p:txEl>
+                                          </p:spTgt>
+                                        </p:tgtEl>
+                                      </p:cBhvr>
+                                    </p:animEffect>
+                                  </p:childTnLst>
+                                </p:cTn>
+                              </p:par>
+                            </p:childTnLst>
+                          </p:cTn>
+                        </p:par>
+                      </p:childTnLst>
+                    </p:cTn>
+                  </p:par>
+                </p:childTnLst>
+              </p:cTn>
+              <p:prevCondLst>
+                <p:cond evt="onPrev" delay="0">
+                  <p:tgtEl>
+                    <p:sldTgt/>
+                  </p:tgtEl>
+                </p:cond>
+              </p:prevCondLst>
+              <p:nextCondLst>
+                <p:cond evt="onNext" delay="0">
+                  <p:tgtEl>
+                    <p:sldTgt/>
+                  </p:tgtEl>
+                </p:cond>
+              </p:nextCondLst>
+            </p:seq>
+          </p:childTnLst>
+        </p:cTn>
+      </p:par>
+    </p:tnLst>
+  </p:timing>
 </p:sld>
 </file>
 
@@ -4599,6 +4934,16 @@
           </a:p>
           <a:p>
             <a:r>
+              <a:rPr lang="en-US" b="1" i="0" dirty="0" err="1">
+                <a:solidFill>
+                  <a:srgbClr val="D63384"/>
+                </a:solidFill>
+                <a:effectLst/>
+                <a:latin typeface="SFMono-Regular"/>
+              </a:rPr>
+              <a:t>CurrentUser</a:t>
+            </a:r>
+            <a:r>
               <a:rPr lang="en-US" b="0" i="0" dirty="0" err="1">
                 <a:solidFill>
                   <a:srgbClr val="D63384"/>
@@ -4606,7 +4951,7 @@
                 <a:effectLst/>
                 <a:latin typeface="SFMono-Regular"/>
               </a:rPr>
-              <a:t>CurrentUserTenantResolveContributor</a:t>
+              <a:t>TenantResolveContributor</a:t>
             </a:r>
             <a:endParaRPr lang="en-US" b="0" i="0" dirty="0">
               <a:solidFill>
@@ -4619,6 +4964,16 @@
           </a:p>
           <a:p>
             <a:r>
+              <a:rPr lang="en-US" b="1" i="0" dirty="0" err="1">
+                <a:solidFill>
+                  <a:srgbClr val="D63384"/>
+                </a:solidFill>
+                <a:effectLst/>
+                <a:latin typeface="SFMono-Regular"/>
+              </a:rPr>
+              <a:t>QueryString</a:t>
+            </a:r>
+            <a:r>
               <a:rPr lang="en-US" b="0" i="0" dirty="0" err="1">
                 <a:solidFill>
                   <a:srgbClr val="D63384"/>
@@ -4626,7 +4981,7 @@
                 <a:effectLst/>
                 <a:latin typeface="SFMono-Regular"/>
               </a:rPr>
-              <a:t>QueryStringTenantResolveContributor</a:t>
+              <a:t>TenantResolveContributor</a:t>
             </a:r>
             <a:endParaRPr lang="en-US" dirty="0">
               <a:solidFill>
@@ -4638,6 +4993,16 @@
           </a:p>
           <a:p>
             <a:r>
+              <a:rPr lang="en-US" b="1" i="0" dirty="0" err="1">
+                <a:solidFill>
+                  <a:srgbClr val="D63384"/>
+                </a:solidFill>
+                <a:effectLst/>
+                <a:latin typeface="SFMono-Regular"/>
+              </a:rPr>
+              <a:t>Route</a:t>
+            </a:r>
+            <a:r>
               <a:rPr lang="en-US" b="0" i="0" dirty="0" err="1">
                 <a:solidFill>
                   <a:srgbClr val="D63384"/>
@@ -4645,7 +5010,7 @@
                 <a:effectLst/>
                 <a:latin typeface="SFMono-Regular"/>
               </a:rPr>
-              <a:t>RouteTenantResolveContributor</a:t>
+              <a:t>TenantResolveContributor</a:t>
             </a:r>
             <a:endParaRPr lang="en-US" b="0" i="0" dirty="0">
               <a:solidFill>
@@ -4658,6 +5023,16 @@
           </a:p>
           <a:p>
             <a:r>
+              <a:rPr lang="en-US" b="1" i="0" dirty="0" err="1">
+                <a:solidFill>
+                  <a:srgbClr val="D63384"/>
+                </a:solidFill>
+                <a:effectLst/>
+                <a:latin typeface="SFMono-Regular"/>
+              </a:rPr>
+              <a:t>Header</a:t>
+            </a:r>
+            <a:r>
               <a:rPr lang="en-US" b="0" i="0" dirty="0" err="1">
                 <a:solidFill>
                   <a:srgbClr val="D63384"/>
@@ -4665,7 +5040,7 @@
                 <a:effectLst/>
                 <a:latin typeface="SFMono-Regular"/>
               </a:rPr>
-              <a:t>HeaderTenantResolveContributor</a:t>
+              <a:t>TenantResolveContributor</a:t>
             </a:r>
             <a:endParaRPr lang="en-US" dirty="0">
               <a:solidFill>
@@ -4677,6 +5052,16 @@
           </a:p>
           <a:p>
             <a:r>
+              <a:rPr lang="en-US" b="1" i="0" dirty="0" err="1">
+                <a:solidFill>
+                  <a:srgbClr val="D63384"/>
+                </a:solidFill>
+                <a:effectLst/>
+                <a:latin typeface="SFMono-Regular"/>
+              </a:rPr>
+              <a:t>Cookie</a:t>
+            </a:r>
+            <a:r>
               <a:rPr lang="en-US" b="0" i="0" dirty="0" err="1">
                 <a:solidFill>
                   <a:srgbClr val="D63384"/>
@@ -4684,7 +5069,7 @@
                 <a:effectLst/>
                 <a:latin typeface="SFMono-Regular"/>
               </a:rPr>
-              <a:t>CookieTenantResolveContributor</a:t>
+              <a:t>TenantResolveContributor</a:t>
             </a:r>
             <a:endParaRPr lang="en-US" b="0" i="0" dirty="0">
               <a:solidFill>
@@ -4745,7 +5130,15 @@
           <a:p>
             <a:r>
               <a:rPr lang="en-US" dirty="0"/>
-              <a:t>And Custom Resolvers (implement </a:t>
+              <a:t>And </a:t>
+            </a:r>
+            <a:r>
+              <a:rPr lang="en-US" b="1" dirty="0"/>
+              <a:t>Custom Resolvers </a:t>
+            </a:r>
+            <a:r>
+              <a:rPr lang="en-US" dirty="0"/>
+              <a:t>(implement </a:t>
             </a:r>
             <a:r>
               <a:rPr lang="en-US" b="0" i="0" dirty="0" err="1">
@@ -4810,6 +5203,516 @@
   <p:clrMapOvr>
     <a:masterClrMapping/>
   </p:clrMapOvr>
+  <p:timing>
+    <p:tnLst>
+      <p:par>
+        <p:cTn id="1" dur="indefinite" restart="never" nodeType="tmRoot">
+          <p:childTnLst>
+            <p:seq concurrent="1" nextAc="seek">
+              <p:cTn id="2" dur="indefinite" nodeType="mainSeq">
+                <p:childTnLst>
+                  <p:par>
+                    <p:cTn id="3" fill="hold">
+                      <p:stCondLst>
+                        <p:cond delay="indefinite"/>
+                      </p:stCondLst>
+                      <p:childTnLst>
+                        <p:par>
+                          <p:cTn id="4" fill="hold">
+                            <p:stCondLst>
+                              <p:cond delay="0"/>
+                            </p:stCondLst>
+                            <p:childTnLst>
+                              <p:par>
+                                <p:cTn id="5" presetID="10" presetClass="entr" presetSubtype="0" fill="hold" nodeType="clickEffect">
+                                  <p:stCondLst>
+                                    <p:cond delay="0"/>
+                                  </p:stCondLst>
+                                  <p:childTnLst>
+                                    <p:set>
+                                      <p:cBhvr>
+                                        <p:cTn id="6" dur="1" fill="hold">
+                                          <p:stCondLst>
+                                            <p:cond delay="0"/>
+                                          </p:stCondLst>
+                                        </p:cTn>
+                                        <p:tgtEl>
+                                          <p:spTgt spid="3">
+                                            <p:txEl>
+                                              <p:pRg st="0" end="0"/>
+                                            </p:txEl>
+                                          </p:spTgt>
+                                        </p:tgtEl>
+                                        <p:attrNameLst>
+                                          <p:attrName>style.visibility</p:attrName>
+                                        </p:attrNameLst>
+                                      </p:cBhvr>
+                                      <p:to>
+                                        <p:strVal val="visible"/>
+                                      </p:to>
+                                    </p:set>
+                                    <p:animEffect transition="in" filter="fade">
+                                      <p:cBhvr>
+                                        <p:cTn id="7" dur="500"/>
+                                        <p:tgtEl>
+                                          <p:spTgt spid="3">
+                                            <p:txEl>
+                                              <p:pRg st="0" end="0"/>
+                                            </p:txEl>
+                                          </p:spTgt>
+                                        </p:tgtEl>
+                                      </p:cBhvr>
+                                    </p:animEffect>
+                                  </p:childTnLst>
+                                </p:cTn>
+                              </p:par>
+                            </p:childTnLst>
+                          </p:cTn>
+                        </p:par>
+                      </p:childTnLst>
+                    </p:cTn>
+                  </p:par>
+                  <p:par>
+                    <p:cTn id="8" fill="hold">
+                      <p:stCondLst>
+                        <p:cond delay="indefinite"/>
+                      </p:stCondLst>
+                      <p:childTnLst>
+                        <p:par>
+                          <p:cTn id="9" fill="hold">
+                            <p:stCondLst>
+                              <p:cond delay="0"/>
+                            </p:stCondLst>
+                            <p:childTnLst>
+                              <p:par>
+                                <p:cTn id="10" presetID="10" presetClass="entr" presetSubtype="0" fill="hold" nodeType="clickEffect">
+                                  <p:stCondLst>
+                                    <p:cond delay="0"/>
+                                  </p:stCondLst>
+                                  <p:childTnLst>
+                                    <p:set>
+                                      <p:cBhvr>
+                                        <p:cTn id="11" dur="1" fill="hold">
+                                          <p:stCondLst>
+                                            <p:cond delay="0"/>
+                                          </p:stCondLst>
+                                        </p:cTn>
+                                        <p:tgtEl>
+                                          <p:spTgt spid="3">
+                                            <p:txEl>
+                                              <p:pRg st="1" end="1"/>
+                                            </p:txEl>
+                                          </p:spTgt>
+                                        </p:tgtEl>
+                                        <p:attrNameLst>
+                                          <p:attrName>style.visibility</p:attrName>
+                                        </p:attrNameLst>
+                                      </p:cBhvr>
+                                      <p:to>
+                                        <p:strVal val="visible"/>
+                                      </p:to>
+                                    </p:set>
+                                    <p:animEffect transition="in" filter="fade">
+                                      <p:cBhvr>
+                                        <p:cTn id="12" dur="500"/>
+                                        <p:tgtEl>
+                                          <p:spTgt spid="3">
+                                            <p:txEl>
+                                              <p:pRg st="1" end="1"/>
+                                            </p:txEl>
+                                          </p:spTgt>
+                                        </p:tgtEl>
+                                      </p:cBhvr>
+                                    </p:animEffect>
+                                  </p:childTnLst>
+                                </p:cTn>
+                              </p:par>
+                            </p:childTnLst>
+                          </p:cTn>
+                        </p:par>
+                      </p:childTnLst>
+                    </p:cTn>
+                  </p:par>
+                  <p:par>
+                    <p:cTn id="13" fill="hold">
+                      <p:stCondLst>
+                        <p:cond delay="indefinite"/>
+                      </p:stCondLst>
+                      <p:childTnLst>
+                        <p:par>
+                          <p:cTn id="14" fill="hold">
+                            <p:stCondLst>
+                              <p:cond delay="0"/>
+                            </p:stCondLst>
+                            <p:childTnLst>
+                              <p:par>
+                                <p:cTn id="15" presetID="10" presetClass="entr" presetSubtype="0" fill="hold" nodeType="clickEffect">
+                                  <p:stCondLst>
+                                    <p:cond delay="0"/>
+                                  </p:stCondLst>
+                                  <p:childTnLst>
+                                    <p:set>
+                                      <p:cBhvr>
+                                        <p:cTn id="16" dur="1" fill="hold">
+                                          <p:stCondLst>
+                                            <p:cond delay="0"/>
+                                          </p:stCondLst>
+                                        </p:cTn>
+                                        <p:tgtEl>
+                                          <p:spTgt spid="3">
+                                            <p:txEl>
+                                              <p:pRg st="2" end="2"/>
+                                            </p:txEl>
+                                          </p:spTgt>
+                                        </p:tgtEl>
+                                        <p:attrNameLst>
+                                          <p:attrName>style.visibility</p:attrName>
+                                        </p:attrNameLst>
+                                      </p:cBhvr>
+                                      <p:to>
+                                        <p:strVal val="visible"/>
+                                      </p:to>
+                                    </p:set>
+                                    <p:animEffect transition="in" filter="fade">
+                                      <p:cBhvr>
+                                        <p:cTn id="17" dur="500"/>
+                                        <p:tgtEl>
+                                          <p:spTgt spid="3">
+                                            <p:txEl>
+                                              <p:pRg st="2" end="2"/>
+                                            </p:txEl>
+                                          </p:spTgt>
+                                        </p:tgtEl>
+                                      </p:cBhvr>
+                                    </p:animEffect>
+                                  </p:childTnLst>
+                                </p:cTn>
+                              </p:par>
+                            </p:childTnLst>
+                          </p:cTn>
+                        </p:par>
+                      </p:childTnLst>
+                    </p:cTn>
+                  </p:par>
+                  <p:par>
+                    <p:cTn id="18" fill="hold">
+                      <p:stCondLst>
+                        <p:cond delay="indefinite"/>
+                      </p:stCondLst>
+                      <p:childTnLst>
+                        <p:par>
+                          <p:cTn id="19" fill="hold">
+                            <p:stCondLst>
+                              <p:cond delay="0"/>
+                            </p:stCondLst>
+                            <p:childTnLst>
+                              <p:par>
+                                <p:cTn id="20" presetID="10" presetClass="entr" presetSubtype="0" fill="hold" nodeType="clickEffect">
+                                  <p:stCondLst>
+                                    <p:cond delay="0"/>
+                                  </p:stCondLst>
+                                  <p:childTnLst>
+                                    <p:set>
+                                      <p:cBhvr>
+                                        <p:cTn id="21" dur="1" fill="hold">
+                                          <p:stCondLst>
+                                            <p:cond delay="0"/>
+                                          </p:stCondLst>
+                                        </p:cTn>
+                                        <p:tgtEl>
+                                          <p:spTgt spid="3">
+                                            <p:txEl>
+                                              <p:pRg st="3" end="3"/>
+                                            </p:txEl>
+                                          </p:spTgt>
+                                        </p:tgtEl>
+                                        <p:attrNameLst>
+                                          <p:attrName>style.visibility</p:attrName>
+                                        </p:attrNameLst>
+                                      </p:cBhvr>
+                                      <p:to>
+                                        <p:strVal val="visible"/>
+                                      </p:to>
+                                    </p:set>
+                                    <p:animEffect transition="in" filter="fade">
+                                      <p:cBhvr>
+                                        <p:cTn id="22" dur="500"/>
+                                        <p:tgtEl>
+                                          <p:spTgt spid="3">
+                                            <p:txEl>
+                                              <p:pRg st="3" end="3"/>
+                                            </p:txEl>
+                                          </p:spTgt>
+                                        </p:tgtEl>
+                                      </p:cBhvr>
+                                    </p:animEffect>
+                                  </p:childTnLst>
+                                </p:cTn>
+                              </p:par>
+                            </p:childTnLst>
+                          </p:cTn>
+                        </p:par>
+                      </p:childTnLst>
+                    </p:cTn>
+                  </p:par>
+                  <p:par>
+                    <p:cTn id="23" fill="hold">
+                      <p:stCondLst>
+                        <p:cond delay="indefinite"/>
+                      </p:stCondLst>
+                      <p:childTnLst>
+                        <p:par>
+                          <p:cTn id="24" fill="hold">
+                            <p:stCondLst>
+                              <p:cond delay="0"/>
+                            </p:stCondLst>
+                            <p:childTnLst>
+                              <p:par>
+                                <p:cTn id="25" presetID="10" presetClass="entr" presetSubtype="0" fill="hold" nodeType="clickEffect">
+                                  <p:stCondLst>
+                                    <p:cond delay="0"/>
+                                  </p:stCondLst>
+                                  <p:childTnLst>
+                                    <p:set>
+                                      <p:cBhvr>
+                                        <p:cTn id="26" dur="1" fill="hold">
+                                          <p:stCondLst>
+                                            <p:cond delay="0"/>
+                                          </p:stCondLst>
+                                        </p:cTn>
+                                        <p:tgtEl>
+                                          <p:spTgt spid="3">
+                                            <p:txEl>
+                                              <p:pRg st="4" end="4"/>
+                                            </p:txEl>
+                                          </p:spTgt>
+                                        </p:tgtEl>
+                                        <p:attrNameLst>
+                                          <p:attrName>style.visibility</p:attrName>
+                                        </p:attrNameLst>
+                                      </p:cBhvr>
+                                      <p:to>
+                                        <p:strVal val="visible"/>
+                                      </p:to>
+                                    </p:set>
+                                    <p:animEffect transition="in" filter="fade">
+                                      <p:cBhvr>
+                                        <p:cTn id="27" dur="500"/>
+                                        <p:tgtEl>
+                                          <p:spTgt spid="3">
+                                            <p:txEl>
+                                              <p:pRg st="4" end="4"/>
+                                            </p:txEl>
+                                          </p:spTgt>
+                                        </p:tgtEl>
+                                      </p:cBhvr>
+                                    </p:animEffect>
+                                  </p:childTnLst>
+                                </p:cTn>
+                              </p:par>
+                            </p:childTnLst>
+                          </p:cTn>
+                        </p:par>
+                      </p:childTnLst>
+                    </p:cTn>
+                  </p:par>
+                  <p:par>
+                    <p:cTn id="28" fill="hold">
+                      <p:stCondLst>
+                        <p:cond delay="indefinite"/>
+                      </p:stCondLst>
+                      <p:childTnLst>
+                        <p:par>
+                          <p:cTn id="29" fill="hold">
+                            <p:stCondLst>
+                              <p:cond delay="0"/>
+                            </p:stCondLst>
+                            <p:childTnLst>
+                              <p:par>
+                                <p:cTn id="30" presetID="10" presetClass="entr" presetSubtype="0" fill="hold" nodeType="clickEffect">
+                                  <p:stCondLst>
+                                    <p:cond delay="0"/>
+                                  </p:stCondLst>
+                                  <p:childTnLst>
+                                    <p:set>
+                                      <p:cBhvr>
+                                        <p:cTn id="31" dur="1" fill="hold">
+                                          <p:stCondLst>
+                                            <p:cond delay="0"/>
+                                          </p:stCondLst>
+                                        </p:cTn>
+                                        <p:tgtEl>
+                                          <p:spTgt spid="3">
+                                            <p:txEl>
+                                              <p:pRg st="5" end="5"/>
+                                            </p:txEl>
+                                          </p:spTgt>
+                                        </p:tgtEl>
+                                        <p:attrNameLst>
+                                          <p:attrName>style.visibility</p:attrName>
+                                        </p:attrNameLst>
+                                      </p:cBhvr>
+                                      <p:to>
+                                        <p:strVal val="visible"/>
+                                      </p:to>
+                                    </p:set>
+                                    <p:animEffect transition="in" filter="fade">
+                                      <p:cBhvr>
+                                        <p:cTn id="32" dur="500"/>
+                                        <p:tgtEl>
+                                          <p:spTgt spid="3">
+                                            <p:txEl>
+                                              <p:pRg st="5" end="5"/>
+                                            </p:txEl>
+                                          </p:spTgt>
+                                        </p:tgtEl>
+                                      </p:cBhvr>
+                                    </p:animEffect>
+                                  </p:childTnLst>
+                                </p:cTn>
+                              </p:par>
+                            </p:childTnLst>
+                          </p:cTn>
+                        </p:par>
+                      </p:childTnLst>
+                    </p:cTn>
+                  </p:par>
+                  <p:par>
+                    <p:cTn id="33" fill="hold">
+                      <p:stCondLst>
+                        <p:cond delay="indefinite"/>
+                      </p:stCondLst>
+                      <p:childTnLst>
+                        <p:par>
+                          <p:cTn id="34" fill="hold">
+                            <p:stCondLst>
+                              <p:cond delay="0"/>
+                            </p:stCondLst>
+                            <p:childTnLst>
+                              <p:par>
+                                <p:cTn id="35" presetID="10" presetClass="entr" presetSubtype="0" fill="hold" nodeType="clickEffect">
+                                  <p:stCondLst>
+                                    <p:cond delay="0"/>
+                                  </p:stCondLst>
+                                  <p:childTnLst>
+                                    <p:set>
+                                      <p:cBhvr>
+                                        <p:cTn id="36" dur="1" fill="hold">
+                                          <p:stCondLst>
+                                            <p:cond delay="0"/>
+                                          </p:stCondLst>
+                                        </p:cTn>
+                                        <p:tgtEl>
+                                          <p:spTgt spid="7"/>
+                                        </p:tgtEl>
+                                        <p:attrNameLst>
+                                          <p:attrName>style.visibility</p:attrName>
+                                        </p:attrNameLst>
+                                      </p:cBhvr>
+                                      <p:to>
+                                        <p:strVal val="visible"/>
+                                      </p:to>
+                                    </p:set>
+                                    <p:animEffect transition="in" filter="fade">
+                                      <p:cBhvr>
+                                        <p:cTn id="37" dur="500"/>
+                                        <p:tgtEl>
+                                          <p:spTgt spid="7"/>
+                                        </p:tgtEl>
+                                      </p:cBhvr>
+                                    </p:animEffect>
+                                  </p:childTnLst>
+                                </p:cTn>
+                              </p:par>
+                            </p:childTnLst>
+                          </p:cTn>
+                        </p:par>
+                      </p:childTnLst>
+                    </p:cTn>
+                  </p:par>
+                  <p:par>
+                    <p:cTn id="38" fill="hold">
+                      <p:stCondLst>
+                        <p:cond delay="indefinite"/>
+                      </p:stCondLst>
+                      <p:childTnLst>
+                        <p:par>
+                          <p:cTn id="39" fill="hold">
+                            <p:stCondLst>
+                              <p:cond delay="0"/>
+                            </p:stCondLst>
+                            <p:childTnLst>
+                              <p:par>
+                                <p:cTn id="40" presetID="10" presetClass="entr" presetSubtype="0" fill="hold" nodeType="clickEffect">
+                                  <p:stCondLst>
+                                    <p:cond delay="0"/>
+                                  </p:stCondLst>
+                                  <p:childTnLst>
+                                    <p:set>
+                                      <p:cBhvr>
+                                        <p:cTn id="41" dur="1" fill="hold">
+                                          <p:stCondLst>
+                                            <p:cond delay="0"/>
+                                          </p:stCondLst>
+                                        </p:cTn>
+                                        <p:tgtEl>
+                                          <p:spTgt spid="3">
+                                            <p:txEl>
+                                              <p:pRg st="10" end="10"/>
+                                            </p:txEl>
+                                          </p:spTgt>
+                                        </p:tgtEl>
+                                        <p:attrNameLst>
+                                          <p:attrName>style.visibility</p:attrName>
+                                        </p:attrNameLst>
+                                      </p:cBhvr>
+                                      <p:to>
+                                        <p:strVal val="visible"/>
+                                      </p:to>
+                                    </p:set>
+                                    <p:animEffect transition="in" filter="fade">
+                                      <p:cBhvr>
+                                        <p:cTn id="42" dur="500"/>
+                                        <p:tgtEl>
+                                          <p:spTgt spid="3">
+                                            <p:txEl>
+                                              <p:pRg st="10" end="10"/>
+                                            </p:txEl>
+                                          </p:spTgt>
+                                        </p:tgtEl>
+                                      </p:cBhvr>
+                                    </p:animEffect>
+                                  </p:childTnLst>
+                                </p:cTn>
+                              </p:par>
+                            </p:childTnLst>
+                          </p:cTn>
+                        </p:par>
+                      </p:childTnLst>
+                    </p:cTn>
+                  </p:par>
+                </p:childTnLst>
+              </p:cTn>
+              <p:prevCondLst>
+                <p:cond evt="onPrev" delay="0">
+                  <p:tgtEl>
+                    <p:sldTgt/>
+                  </p:tgtEl>
+                </p:cond>
+              </p:prevCondLst>
+              <p:nextCondLst>
+                <p:cond evt="onNext" delay="0">
+                  <p:tgtEl>
+                    <p:sldTgt/>
+                  </p:tgtEl>
+                </p:cond>
+              </p:nextCondLst>
+            </p:seq>
+          </p:childTnLst>
+        </p:cTn>
+      </p:par>
+    </p:tnLst>
+  </p:timing>
 </p:sld>
 </file>
 
@@ -5038,6 +5941,297 @@
   <p:clrMapOvr>
     <a:masterClrMapping/>
   </p:clrMapOvr>
+  <p:timing>
+    <p:tnLst>
+      <p:par>
+        <p:cTn id="1" dur="indefinite" restart="never" nodeType="tmRoot">
+          <p:childTnLst>
+            <p:seq concurrent="1" nextAc="seek">
+              <p:cTn id="2" dur="indefinite" nodeType="mainSeq">
+                <p:childTnLst>
+                  <p:par>
+                    <p:cTn id="3" fill="hold">
+                      <p:stCondLst>
+                        <p:cond delay="indefinite"/>
+                      </p:stCondLst>
+                      <p:childTnLst>
+                        <p:par>
+                          <p:cTn id="4" fill="hold">
+                            <p:stCondLst>
+                              <p:cond delay="0"/>
+                            </p:stCondLst>
+                            <p:childTnLst>
+                              <p:par>
+                                <p:cTn id="5" presetID="10" presetClass="entr" presetSubtype="0" fill="hold" nodeType="clickEffect">
+                                  <p:stCondLst>
+                                    <p:cond delay="0"/>
+                                  </p:stCondLst>
+                                  <p:childTnLst>
+                                    <p:set>
+                                      <p:cBhvr>
+                                        <p:cTn id="6" dur="1" fill="hold">
+                                          <p:stCondLst>
+                                            <p:cond delay="0"/>
+                                          </p:stCondLst>
+                                        </p:cTn>
+                                        <p:tgtEl>
+                                          <p:spTgt spid="7"/>
+                                        </p:tgtEl>
+                                        <p:attrNameLst>
+                                          <p:attrName>style.visibility</p:attrName>
+                                        </p:attrNameLst>
+                                      </p:cBhvr>
+                                      <p:to>
+                                        <p:strVal val="visible"/>
+                                      </p:to>
+                                    </p:set>
+                                    <p:animEffect transition="in" filter="fade">
+                                      <p:cBhvr>
+                                        <p:cTn id="7" dur="500"/>
+                                        <p:tgtEl>
+                                          <p:spTgt spid="7"/>
+                                        </p:tgtEl>
+                                      </p:cBhvr>
+                                    </p:animEffect>
+                                  </p:childTnLst>
+                                </p:cTn>
+                              </p:par>
+                            </p:childTnLst>
+                          </p:cTn>
+                        </p:par>
+                      </p:childTnLst>
+                    </p:cTn>
+                  </p:par>
+                  <p:par>
+                    <p:cTn id="8" fill="hold">
+                      <p:stCondLst>
+                        <p:cond delay="indefinite"/>
+                      </p:stCondLst>
+                      <p:childTnLst>
+                        <p:par>
+                          <p:cTn id="9" fill="hold">
+                            <p:stCondLst>
+                              <p:cond delay="0"/>
+                            </p:stCondLst>
+                            <p:childTnLst>
+                              <p:par>
+                                <p:cTn id="10" presetID="10" presetClass="entr" presetSubtype="0" fill="hold" nodeType="clickEffect">
+                                  <p:stCondLst>
+                                    <p:cond delay="0"/>
+                                  </p:stCondLst>
+                                  <p:childTnLst>
+                                    <p:set>
+                                      <p:cBhvr>
+                                        <p:cTn id="11" dur="1" fill="hold">
+                                          <p:stCondLst>
+                                            <p:cond delay="0"/>
+                                          </p:stCondLst>
+                                        </p:cTn>
+                                        <p:tgtEl>
+                                          <p:spTgt spid="3">
+                                            <p:txEl>
+                                              <p:pRg st="0" end="0"/>
+                                            </p:txEl>
+                                          </p:spTgt>
+                                        </p:tgtEl>
+                                        <p:attrNameLst>
+                                          <p:attrName>style.visibility</p:attrName>
+                                        </p:attrNameLst>
+                                      </p:cBhvr>
+                                      <p:to>
+                                        <p:strVal val="visible"/>
+                                      </p:to>
+                                    </p:set>
+                                    <p:animEffect transition="in" filter="fade">
+                                      <p:cBhvr>
+                                        <p:cTn id="12" dur="500"/>
+                                        <p:tgtEl>
+                                          <p:spTgt spid="3">
+                                            <p:txEl>
+                                              <p:pRg st="0" end="0"/>
+                                            </p:txEl>
+                                          </p:spTgt>
+                                        </p:tgtEl>
+                                      </p:cBhvr>
+                                    </p:animEffect>
+                                  </p:childTnLst>
+                                </p:cTn>
+                              </p:par>
+                              <p:par>
+                                <p:cTn id="13" presetID="10" presetClass="entr" presetSubtype="0" fill="hold" nodeType="withEffect">
+                                  <p:stCondLst>
+                                    <p:cond delay="0"/>
+                                  </p:stCondLst>
+                                  <p:childTnLst>
+                                    <p:set>
+                                      <p:cBhvr>
+                                        <p:cTn id="14" dur="1" fill="hold">
+                                          <p:stCondLst>
+                                            <p:cond delay="0"/>
+                                          </p:stCondLst>
+                                        </p:cTn>
+                                        <p:tgtEl>
+                                          <p:spTgt spid="3">
+                                            <p:txEl>
+                                              <p:pRg st="1" end="1"/>
+                                            </p:txEl>
+                                          </p:spTgt>
+                                        </p:tgtEl>
+                                        <p:attrNameLst>
+                                          <p:attrName>style.visibility</p:attrName>
+                                        </p:attrNameLst>
+                                      </p:cBhvr>
+                                      <p:to>
+                                        <p:strVal val="visible"/>
+                                      </p:to>
+                                    </p:set>
+                                    <p:animEffect transition="in" filter="fade">
+                                      <p:cBhvr>
+                                        <p:cTn id="15" dur="500"/>
+                                        <p:tgtEl>
+                                          <p:spTgt spid="3">
+                                            <p:txEl>
+                                              <p:pRg st="1" end="1"/>
+                                            </p:txEl>
+                                          </p:spTgt>
+                                        </p:tgtEl>
+                                      </p:cBhvr>
+                                    </p:animEffect>
+                                  </p:childTnLst>
+                                </p:cTn>
+                              </p:par>
+                              <p:par>
+                                <p:cTn id="16" presetID="10" presetClass="entr" presetSubtype="0" fill="hold" nodeType="withEffect">
+                                  <p:stCondLst>
+                                    <p:cond delay="0"/>
+                                  </p:stCondLst>
+                                  <p:childTnLst>
+                                    <p:set>
+                                      <p:cBhvr>
+                                        <p:cTn id="17" dur="1" fill="hold">
+                                          <p:stCondLst>
+                                            <p:cond delay="0"/>
+                                          </p:stCondLst>
+                                        </p:cTn>
+                                        <p:tgtEl>
+                                          <p:spTgt spid="3">
+                                            <p:txEl>
+                                              <p:pRg st="2" end="2"/>
+                                            </p:txEl>
+                                          </p:spTgt>
+                                        </p:tgtEl>
+                                        <p:attrNameLst>
+                                          <p:attrName>style.visibility</p:attrName>
+                                        </p:attrNameLst>
+                                      </p:cBhvr>
+                                      <p:to>
+                                        <p:strVal val="visible"/>
+                                      </p:to>
+                                    </p:set>
+                                    <p:animEffect transition="in" filter="fade">
+                                      <p:cBhvr>
+                                        <p:cTn id="18" dur="500"/>
+                                        <p:tgtEl>
+                                          <p:spTgt spid="3">
+                                            <p:txEl>
+                                              <p:pRg st="2" end="2"/>
+                                            </p:txEl>
+                                          </p:spTgt>
+                                        </p:tgtEl>
+                                      </p:cBhvr>
+                                    </p:animEffect>
+                                  </p:childTnLst>
+                                </p:cTn>
+                              </p:par>
+                            </p:childTnLst>
+                          </p:cTn>
+                        </p:par>
+                      </p:childTnLst>
+                    </p:cTn>
+                  </p:par>
+                  <p:par>
+                    <p:cTn id="19" fill="hold">
+                      <p:stCondLst>
+                        <p:cond delay="indefinite"/>
+                      </p:stCondLst>
+                      <p:childTnLst>
+                        <p:par>
+                          <p:cTn id="20" fill="hold">
+                            <p:stCondLst>
+                              <p:cond delay="0"/>
+                            </p:stCondLst>
+                            <p:childTnLst>
+                              <p:par>
+                                <p:cTn id="21" presetID="10" presetClass="entr" presetSubtype="0" fill="hold" nodeType="clickEffect">
+                                  <p:stCondLst>
+                                    <p:cond delay="0"/>
+                                  </p:stCondLst>
+                                  <p:childTnLst>
+                                    <p:set>
+                                      <p:cBhvr>
+                                        <p:cTn id="22" dur="1" fill="hold">
+                                          <p:stCondLst>
+                                            <p:cond delay="0"/>
+                                          </p:stCondLst>
+                                        </p:cTn>
+                                        <p:tgtEl>
+                                          <p:spTgt spid="3">
+                                            <p:txEl>
+                                              <p:pRg st="4" end="4"/>
+                                            </p:txEl>
+                                          </p:spTgt>
+                                        </p:tgtEl>
+                                        <p:attrNameLst>
+                                          <p:attrName>style.visibility</p:attrName>
+                                        </p:attrNameLst>
+                                      </p:cBhvr>
+                                      <p:to>
+                                        <p:strVal val="visible"/>
+                                      </p:to>
+                                    </p:set>
+                                    <p:animEffect transition="in" filter="fade">
+                                      <p:cBhvr>
+                                        <p:cTn id="23" dur="500"/>
+                                        <p:tgtEl>
+                                          <p:spTgt spid="3">
+                                            <p:txEl>
+                                              <p:pRg st="4" end="4"/>
+                                            </p:txEl>
+                                          </p:spTgt>
+                                        </p:tgtEl>
+                                      </p:cBhvr>
+                                    </p:animEffect>
+                                  </p:childTnLst>
+                                </p:cTn>
+                              </p:par>
+                            </p:childTnLst>
+                          </p:cTn>
+                        </p:par>
+                      </p:childTnLst>
+                    </p:cTn>
+                  </p:par>
+                </p:childTnLst>
+              </p:cTn>
+              <p:prevCondLst>
+                <p:cond evt="onPrev" delay="0">
+                  <p:tgtEl>
+                    <p:sldTgt/>
+                  </p:tgtEl>
+                </p:cond>
+              </p:prevCondLst>
+              <p:nextCondLst>
+                <p:cond evt="onNext" delay="0">
+                  <p:tgtEl>
+                    <p:sldTgt/>
+                  </p:tgtEl>
+                </p:cond>
+              </p:nextCondLst>
+            </p:seq>
+          </p:childTnLst>
+        </p:cTn>
+      </p:par>
+    </p:tnLst>
+  </p:timing>
 </p:sld>
 </file>
 
@@ -5203,6 +6397,158 @@
   <p:clrMapOvr>
     <a:masterClrMapping/>
   </p:clrMapOvr>
+  <p:timing>
+    <p:tnLst>
+      <p:par>
+        <p:cTn id="1" dur="indefinite" restart="never" nodeType="tmRoot">
+          <p:childTnLst>
+            <p:seq concurrent="1" nextAc="seek">
+              <p:cTn id="2" dur="indefinite" nodeType="mainSeq">
+                <p:childTnLst>
+                  <p:par>
+                    <p:cTn id="3" fill="hold">
+                      <p:stCondLst>
+                        <p:cond delay="indefinite"/>
+                      </p:stCondLst>
+                      <p:childTnLst>
+                        <p:par>
+                          <p:cTn id="4" fill="hold">
+                            <p:stCondLst>
+                              <p:cond delay="0"/>
+                            </p:stCondLst>
+                            <p:childTnLst>
+                              <p:par>
+                                <p:cTn id="5" presetID="10" presetClass="entr" presetSubtype="0" fill="hold" nodeType="clickEffect">
+                                  <p:stCondLst>
+                                    <p:cond delay="0"/>
+                                  </p:stCondLst>
+                                  <p:childTnLst>
+                                    <p:set>
+                                      <p:cBhvr>
+                                        <p:cTn id="6" dur="1" fill="hold">
+                                          <p:stCondLst>
+                                            <p:cond delay="0"/>
+                                          </p:stCondLst>
+                                        </p:cTn>
+                                        <p:tgtEl>
+                                          <p:spTgt spid="3">
+                                            <p:txEl>
+                                              <p:pRg st="0" end="0"/>
+                                            </p:txEl>
+                                          </p:spTgt>
+                                        </p:tgtEl>
+                                        <p:attrNameLst>
+                                          <p:attrName>style.visibility</p:attrName>
+                                        </p:attrNameLst>
+                                      </p:cBhvr>
+                                      <p:to>
+                                        <p:strVal val="visible"/>
+                                      </p:to>
+                                    </p:set>
+                                    <p:animEffect transition="in" filter="fade">
+                                      <p:cBhvr>
+                                        <p:cTn id="7" dur="500"/>
+                                        <p:tgtEl>
+                                          <p:spTgt spid="3">
+                                            <p:txEl>
+                                              <p:pRg st="0" end="0"/>
+                                            </p:txEl>
+                                          </p:spTgt>
+                                        </p:tgtEl>
+                                      </p:cBhvr>
+                                    </p:animEffect>
+                                  </p:childTnLst>
+                                </p:cTn>
+                              </p:par>
+                            </p:childTnLst>
+                          </p:cTn>
+                        </p:par>
+                      </p:childTnLst>
+                    </p:cTn>
+                  </p:par>
+                  <p:par>
+                    <p:cTn id="8" fill="hold">
+                      <p:stCondLst>
+                        <p:cond delay="indefinite"/>
+                      </p:stCondLst>
+                      <p:childTnLst>
+                        <p:par>
+                          <p:cTn id="9" fill="hold">
+                            <p:stCondLst>
+                              <p:cond delay="0"/>
+                            </p:stCondLst>
+                            <p:childTnLst>
+                              <p:par>
+                                <p:cTn id="10" presetID="10" presetClass="entr" presetSubtype="0" fill="hold" nodeType="clickEffect">
+                                  <p:stCondLst>
+                                    <p:cond delay="0"/>
+                                  </p:stCondLst>
+                                  <p:childTnLst>
+                                    <p:set>
+                                      <p:cBhvr>
+                                        <p:cTn id="11" dur="1" fill="hold">
+                                          <p:stCondLst>
+                                            <p:cond delay="0"/>
+                                          </p:stCondLst>
+                                        </p:cTn>
+                                        <p:tgtEl>
+                                          <p:spTgt spid="3">
+                                            <p:txEl>
+                                              <p:pRg st="1" end="1"/>
+                                            </p:txEl>
+                                          </p:spTgt>
+                                        </p:tgtEl>
+                                        <p:attrNameLst>
+                                          <p:attrName>style.visibility</p:attrName>
+                                        </p:attrNameLst>
+                                      </p:cBhvr>
+                                      <p:to>
+                                        <p:strVal val="visible"/>
+                                      </p:to>
+                                    </p:set>
+                                    <p:animEffect transition="in" filter="fade">
+                                      <p:cBhvr>
+                                        <p:cTn id="12" dur="500"/>
+                                        <p:tgtEl>
+                                          <p:spTgt spid="3">
+                                            <p:txEl>
+                                              <p:pRg st="1" end="1"/>
+                                            </p:txEl>
+                                          </p:spTgt>
+                                        </p:tgtEl>
+                                      </p:cBhvr>
+                                    </p:animEffect>
+                                  </p:childTnLst>
+                                </p:cTn>
+                              </p:par>
+                            </p:childTnLst>
+                          </p:cTn>
+                        </p:par>
+                      </p:childTnLst>
+                    </p:cTn>
+                  </p:par>
+                </p:childTnLst>
+              </p:cTn>
+              <p:prevCondLst>
+                <p:cond evt="onPrev" delay="0">
+                  <p:tgtEl>
+                    <p:sldTgt/>
+                  </p:tgtEl>
+                </p:cond>
+              </p:prevCondLst>
+              <p:nextCondLst>
+                <p:cond evt="onNext" delay="0">
+                  <p:tgtEl>
+                    <p:sldTgt/>
+                  </p:tgtEl>
+                </p:cond>
+              </p:nextCondLst>
+            </p:seq>
+          </p:childTnLst>
+        </p:cTn>
+      </p:par>
+    </p:tnLst>
+  </p:timing>
 </p:sld>
 </file>
 
@@ -5527,6 +6873,9 @@
           <a:bodyPr/>
           <a:lstStyle/>
           <a:p>
+            <a:pPr marL="0" indent="0">
+              <a:buNone/>
+            </a:pPr>
             <a:r>
               <a:rPr lang="en-US" b="1" dirty="0">
                 <a:latin typeface="Euclid Circular B" panose="020B0504000000000000" pitchFamily="34" charset="0"/>
@@ -5713,6 +7062,341 @@
   <p:clrMapOvr>
     <a:masterClrMapping/>
   </p:clrMapOvr>
+  <p:timing>
+    <p:tnLst>
+      <p:par>
+        <p:cTn id="1" dur="indefinite" restart="never" nodeType="tmRoot">
+          <p:childTnLst>
+            <p:seq concurrent="1" nextAc="seek">
+              <p:cTn id="2" dur="indefinite" nodeType="mainSeq">
+                <p:childTnLst>
+                  <p:par>
+                    <p:cTn id="3" fill="hold">
+                      <p:stCondLst>
+                        <p:cond delay="indefinite"/>
+                      </p:stCondLst>
+                      <p:childTnLst>
+                        <p:par>
+                          <p:cTn id="4" fill="hold">
+                            <p:stCondLst>
+                              <p:cond delay="0"/>
+                            </p:stCondLst>
+                            <p:childTnLst>
+                              <p:par>
+                                <p:cTn id="5" presetID="10" presetClass="entr" presetSubtype="0" fill="hold" nodeType="clickEffect">
+                                  <p:stCondLst>
+                                    <p:cond delay="0"/>
+                                  </p:stCondLst>
+                                  <p:childTnLst>
+                                    <p:set>
+                                      <p:cBhvr>
+                                        <p:cTn id="6" dur="1" fill="hold">
+                                          <p:stCondLst>
+                                            <p:cond delay="0"/>
+                                          </p:stCondLst>
+                                        </p:cTn>
+                                        <p:tgtEl>
+                                          <p:spTgt spid="3">
+                                            <p:txEl>
+                                              <p:pRg st="0" end="0"/>
+                                            </p:txEl>
+                                          </p:spTgt>
+                                        </p:tgtEl>
+                                        <p:attrNameLst>
+                                          <p:attrName>style.visibility</p:attrName>
+                                        </p:attrNameLst>
+                                      </p:cBhvr>
+                                      <p:to>
+                                        <p:strVal val="visible"/>
+                                      </p:to>
+                                    </p:set>
+                                    <p:animEffect transition="in" filter="fade">
+                                      <p:cBhvr>
+                                        <p:cTn id="7" dur="500"/>
+                                        <p:tgtEl>
+                                          <p:spTgt spid="3">
+                                            <p:txEl>
+                                              <p:pRg st="0" end="0"/>
+                                            </p:txEl>
+                                          </p:spTgt>
+                                        </p:tgtEl>
+                                      </p:cBhvr>
+                                    </p:animEffect>
+                                  </p:childTnLst>
+                                </p:cTn>
+                              </p:par>
+                            </p:childTnLst>
+                          </p:cTn>
+                        </p:par>
+                      </p:childTnLst>
+                    </p:cTn>
+                  </p:par>
+                  <p:par>
+                    <p:cTn id="8" fill="hold">
+                      <p:stCondLst>
+                        <p:cond delay="indefinite"/>
+                      </p:stCondLst>
+                      <p:childTnLst>
+                        <p:par>
+                          <p:cTn id="9" fill="hold">
+                            <p:stCondLst>
+                              <p:cond delay="0"/>
+                            </p:stCondLst>
+                            <p:childTnLst>
+                              <p:par>
+                                <p:cTn id="10" presetID="10" presetClass="entr" presetSubtype="0" fill="hold" nodeType="clickEffect">
+                                  <p:stCondLst>
+                                    <p:cond delay="0"/>
+                                  </p:stCondLst>
+                                  <p:childTnLst>
+                                    <p:set>
+                                      <p:cBhvr>
+                                        <p:cTn id="11" dur="1" fill="hold">
+                                          <p:stCondLst>
+                                            <p:cond delay="0"/>
+                                          </p:stCondLst>
+                                        </p:cTn>
+                                        <p:tgtEl>
+                                          <p:spTgt spid="3">
+                                            <p:txEl>
+                                              <p:pRg st="2" end="2"/>
+                                            </p:txEl>
+                                          </p:spTgt>
+                                        </p:tgtEl>
+                                        <p:attrNameLst>
+                                          <p:attrName>style.visibility</p:attrName>
+                                        </p:attrNameLst>
+                                      </p:cBhvr>
+                                      <p:to>
+                                        <p:strVal val="visible"/>
+                                      </p:to>
+                                    </p:set>
+                                    <p:animEffect transition="in" filter="fade">
+                                      <p:cBhvr>
+                                        <p:cTn id="12" dur="500"/>
+                                        <p:tgtEl>
+                                          <p:spTgt spid="3">
+                                            <p:txEl>
+                                              <p:pRg st="2" end="2"/>
+                                            </p:txEl>
+                                          </p:spTgt>
+                                        </p:tgtEl>
+                                      </p:cBhvr>
+                                    </p:animEffect>
+                                  </p:childTnLst>
+                                </p:cTn>
+                              </p:par>
+                            </p:childTnLst>
+                          </p:cTn>
+                        </p:par>
+                      </p:childTnLst>
+                    </p:cTn>
+                  </p:par>
+                  <p:par>
+                    <p:cTn id="13" fill="hold">
+                      <p:stCondLst>
+                        <p:cond delay="indefinite"/>
+                      </p:stCondLst>
+                      <p:childTnLst>
+                        <p:par>
+                          <p:cTn id="14" fill="hold">
+                            <p:stCondLst>
+                              <p:cond delay="0"/>
+                            </p:stCondLst>
+                            <p:childTnLst>
+                              <p:par>
+                                <p:cTn id="15" presetID="10" presetClass="entr" presetSubtype="0" fill="hold" nodeType="clickEffect">
+                                  <p:stCondLst>
+                                    <p:cond delay="0"/>
+                                  </p:stCondLst>
+                                  <p:childTnLst>
+                                    <p:set>
+                                      <p:cBhvr>
+                                        <p:cTn id="16" dur="1" fill="hold">
+                                          <p:stCondLst>
+                                            <p:cond delay="0"/>
+                                          </p:stCondLst>
+                                        </p:cTn>
+                                        <p:tgtEl>
+                                          <p:spTgt spid="3">
+                                            <p:txEl>
+                                              <p:pRg st="3" end="3"/>
+                                            </p:txEl>
+                                          </p:spTgt>
+                                        </p:tgtEl>
+                                        <p:attrNameLst>
+                                          <p:attrName>style.visibility</p:attrName>
+                                        </p:attrNameLst>
+                                      </p:cBhvr>
+                                      <p:to>
+                                        <p:strVal val="visible"/>
+                                      </p:to>
+                                    </p:set>
+                                    <p:animEffect transition="in" filter="fade">
+                                      <p:cBhvr>
+                                        <p:cTn id="17" dur="500"/>
+                                        <p:tgtEl>
+                                          <p:spTgt spid="3">
+                                            <p:txEl>
+                                              <p:pRg st="3" end="3"/>
+                                            </p:txEl>
+                                          </p:spTgt>
+                                        </p:tgtEl>
+                                      </p:cBhvr>
+                                    </p:animEffect>
+                                  </p:childTnLst>
+                                </p:cTn>
+                              </p:par>
+                            </p:childTnLst>
+                          </p:cTn>
+                        </p:par>
+                      </p:childTnLst>
+                    </p:cTn>
+                  </p:par>
+                  <p:par>
+                    <p:cTn id="18" fill="hold">
+                      <p:stCondLst>
+                        <p:cond delay="indefinite"/>
+                      </p:stCondLst>
+                      <p:childTnLst>
+                        <p:par>
+                          <p:cTn id="19" fill="hold">
+                            <p:stCondLst>
+                              <p:cond delay="0"/>
+                            </p:stCondLst>
+                            <p:childTnLst>
+                              <p:par>
+                                <p:cTn id="20" presetID="10" presetClass="entr" presetSubtype="0" fill="hold" nodeType="clickEffect">
+                                  <p:stCondLst>
+                                    <p:cond delay="0"/>
+                                  </p:stCondLst>
+                                  <p:childTnLst>
+                                    <p:set>
+                                      <p:cBhvr>
+                                        <p:cTn id="21" dur="1" fill="hold">
+                                          <p:stCondLst>
+                                            <p:cond delay="0"/>
+                                          </p:stCondLst>
+                                        </p:cTn>
+                                        <p:tgtEl>
+                                          <p:spTgt spid="3">
+                                            <p:txEl>
+                                              <p:pRg st="4" end="4"/>
+                                            </p:txEl>
+                                          </p:spTgt>
+                                        </p:tgtEl>
+                                        <p:attrNameLst>
+                                          <p:attrName>style.visibility</p:attrName>
+                                        </p:attrNameLst>
+                                      </p:cBhvr>
+                                      <p:to>
+                                        <p:strVal val="visible"/>
+                                      </p:to>
+                                    </p:set>
+                                    <p:animEffect transition="in" filter="fade">
+                                      <p:cBhvr>
+                                        <p:cTn id="22" dur="500"/>
+                                        <p:tgtEl>
+                                          <p:spTgt spid="3">
+                                            <p:txEl>
+                                              <p:pRg st="4" end="4"/>
+                                            </p:txEl>
+                                          </p:spTgt>
+                                        </p:tgtEl>
+                                      </p:cBhvr>
+                                    </p:animEffect>
+                                  </p:childTnLst>
+                                </p:cTn>
+                              </p:par>
+                            </p:childTnLst>
+                          </p:cTn>
+                        </p:par>
+                      </p:childTnLst>
+                    </p:cTn>
+                  </p:par>
+                  <p:par>
+                    <p:cTn id="23" fill="hold">
+                      <p:stCondLst>
+                        <p:cond delay="indefinite"/>
+                      </p:stCondLst>
+                      <p:childTnLst>
+                        <p:par>
+                          <p:cTn id="24" fill="hold">
+                            <p:stCondLst>
+                              <p:cond delay="0"/>
+                            </p:stCondLst>
+                            <p:childTnLst>
+                              <p:par>
+                                <p:cTn id="25" presetID="10" presetClass="entr" presetSubtype="0" fill="hold" nodeType="clickEffect">
+                                  <p:stCondLst>
+                                    <p:cond delay="0"/>
+                                  </p:stCondLst>
+                                  <p:childTnLst>
+                                    <p:set>
+                                      <p:cBhvr>
+                                        <p:cTn id="26" dur="1" fill="hold">
+                                          <p:stCondLst>
+                                            <p:cond delay="0"/>
+                                          </p:stCondLst>
+                                        </p:cTn>
+                                        <p:tgtEl>
+                                          <p:spTgt spid="3">
+                                            <p:txEl>
+                                              <p:pRg st="5" end="5"/>
+                                            </p:txEl>
+                                          </p:spTgt>
+                                        </p:tgtEl>
+                                        <p:attrNameLst>
+                                          <p:attrName>style.visibility</p:attrName>
+                                        </p:attrNameLst>
+                                      </p:cBhvr>
+                                      <p:to>
+                                        <p:strVal val="visible"/>
+                                      </p:to>
+                                    </p:set>
+                                    <p:animEffect transition="in" filter="fade">
+                                      <p:cBhvr>
+                                        <p:cTn id="27" dur="500"/>
+                                        <p:tgtEl>
+                                          <p:spTgt spid="3">
+                                            <p:txEl>
+                                              <p:pRg st="5" end="5"/>
+                                            </p:txEl>
+                                          </p:spTgt>
+                                        </p:tgtEl>
+                                      </p:cBhvr>
+                                    </p:animEffect>
+                                  </p:childTnLst>
+                                </p:cTn>
+                              </p:par>
+                            </p:childTnLst>
+                          </p:cTn>
+                        </p:par>
+                      </p:childTnLst>
+                    </p:cTn>
+                  </p:par>
+                </p:childTnLst>
+              </p:cTn>
+              <p:prevCondLst>
+                <p:cond evt="onPrev" delay="0">
+                  <p:tgtEl>
+                    <p:sldTgt/>
+                  </p:tgtEl>
+                </p:cond>
+              </p:prevCondLst>
+              <p:nextCondLst>
+                <p:cond evt="onNext" delay="0">
+                  <p:tgtEl>
+                    <p:sldTgt/>
+                  </p:tgtEl>
+                </p:cond>
+              </p:nextCondLst>
+            </p:seq>
+          </p:childTnLst>
+        </p:cTn>
+      </p:par>
+    </p:tnLst>
+  </p:timing>
 </p:sld>
 </file>
 
@@ -5862,6 +7546,341 @@
   <p:clrMapOvr>
     <a:masterClrMapping/>
   </p:clrMapOvr>
+  <p:timing>
+    <p:tnLst>
+      <p:par>
+        <p:cTn id="1" dur="indefinite" restart="never" nodeType="tmRoot">
+          <p:childTnLst>
+            <p:seq concurrent="1" nextAc="seek">
+              <p:cTn id="2" dur="indefinite" nodeType="mainSeq">
+                <p:childTnLst>
+                  <p:par>
+                    <p:cTn id="3" fill="hold">
+                      <p:stCondLst>
+                        <p:cond delay="indefinite"/>
+                      </p:stCondLst>
+                      <p:childTnLst>
+                        <p:par>
+                          <p:cTn id="4" fill="hold">
+                            <p:stCondLst>
+                              <p:cond delay="0"/>
+                            </p:stCondLst>
+                            <p:childTnLst>
+                              <p:par>
+                                <p:cTn id="5" presetID="10" presetClass="entr" presetSubtype="0" fill="hold" nodeType="clickEffect">
+                                  <p:stCondLst>
+                                    <p:cond delay="0"/>
+                                  </p:stCondLst>
+                                  <p:childTnLst>
+                                    <p:set>
+                                      <p:cBhvr>
+                                        <p:cTn id="6" dur="1" fill="hold">
+                                          <p:stCondLst>
+                                            <p:cond delay="0"/>
+                                          </p:stCondLst>
+                                        </p:cTn>
+                                        <p:tgtEl>
+                                          <p:spTgt spid="3">
+                                            <p:txEl>
+                                              <p:pRg st="0" end="0"/>
+                                            </p:txEl>
+                                          </p:spTgt>
+                                        </p:tgtEl>
+                                        <p:attrNameLst>
+                                          <p:attrName>style.visibility</p:attrName>
+                                        </p:attrNameLst>
+                                      </p:cBhvr>
+                                      <p:to>
+                                        <p:strVal val="visible"/>
+                                      </p:to>
+                                    </p:set>
+                                    <p:animEffect transition="in" filter="fade">
+                                      <p:cBhvr>
+                                        <p:cTn id="7" dur="500"/>
+                                        <p:tgtEl>
+                                          <p:spTgt spid="3">
+                                            <p:txEl>
+                                              <p:pRg st="0" end="0"/>
+                                            </p:txEl>
+                                          </p:spTgt>
+                                        </p:tgtEl>
+                                      </p:cBhvr>
+                                    </p:animEffect>
+                                  </p:childTnLst>
+                                </p:cTn>
+                              </p:par>
+                            </p:childTnLst>
+                          </p:cTn>
+                        </p:par>
+                      </p:childTnLst>
+                    </p:cTn>
+                  </p:par>
+                  <p:par>
+                    <p:cTn id="8" fill="hold">
+                      <p:stCondLst>
+                        <p:cond delay="indefinite"/>
+                      </p:stCondLst>
+                      <p:childTnLst>
+                        <p:par>
+                          <p:cTn id="9" fill="hold">
+                            <p:stCondLst>
+                              <p:cond delay="0"/>
+                            </p:stCondLst>
+                            <p:childTnLst>
+                              <p:par>
+                                <p:cTn id="10" presetID="10" presetClass="entr" presetSubtype="0" fill="hold" nodeType="clickEffect">
+                                  <p:stCondLst>
+                                    <p:cond delay="0"/>
+                                  </p:stCondLst>
+                                  <p:childTnLst>
+                                    <p:set>
+                                      <p:cBhvr>
+                                        <p:cTn id="11" dur="1" fill="hold">
+                                          <p:stCondLst>
+                                            <p:cond delay="0"/>
+                                          </p:stCondLst>
+                                        </p:cTn>
+                                        <p:tgtEl>
+                                          <p:spTgt spid="3">
+                                            <p:txEl>
+                                              <p:pRg st="1" end="1"/>
+                                            </p:txEl>
+                                          </p:spTgt>
+                                        </p:tgtEl>
+                                        <p:attrNameLst>
+                                          <p:attrName>style.visibility</p:attrName>
+                                        </p:attrNameLst>
+                                      </p:cBhvr>
+                                      <p:to>
+                                        <p:strVal val="visible"/>
+                                      </p:to>
+                                    </p:set>
+                                    <p:animEffect transition="in" filter="fade">
+                                      <p:cBhvr>
+                                        <p:cTn id="12" dur="500"/>
+                                        <p:tgtEl>
+                                          <p:spTgt spid="3">
+                                            <p:txEl>
+                                              <p:pRg st="1" end="1"/>
+                                            </p:txEl>
+                                          </p:spTgt>
+                                        </p:tgtEl>
+                                      </p:cBhvr>
+                                    </p:animEffect>
+                                  </p:childTnLst>
+                                </p:cTn>
+                              </p:par>
+                            </p:childTnLst>
+                          </p:cTn>
+                        </p:par>
+                      </p:childTnLst>
+                    </p:cTn>
+                  </p:par>
+                  <p:par>
+                    <p:cTn id="13" fill="hold">
+                      <p:stCondLst>
+                        <p:cond delay="indefinite"/>
+                      </p:stCondLst>
+                      <p:childTnLst>
+                        <p:par>
+                          <p:cTn id="14" fill="hold">
+                            <p:stCondLst>
+                              <p:cond delay="0"/>
+                            </p:stCondLst>
+                            <p:childTnLst>
+                              <p:par>
+                                <p:cTn id="15" presetID="10" presetClass="entr" presetSubtype="0" fill="hold" nodeType="clickEffect">
+                                  <p:stCondLst>
+                                    <p:cond delay="0"/>
+                                  </p:stCondLst>
+                                  <p:childTnLst>
+                                    <p:set>
+                                      <p:cBhvr>
+                                        <p:cTn id="16" dur="1" fill="hold">
+                                          <p:stCondLst>
+                                            <p:cond delay="0"/>
+                                          </p:stCondLst>
+                                        </p:cTn>
+                                        <p:tgtEl>
+                                          <p:spTgt spid="3">
+                                            <p:txEl>
+                                              <p:pRg st="2" end="2"/>
+                                            </p:txEl>
+                                          </p:spTgt>
+                                        </p:tgtEl>
+                                        <p:attrNameLst>
+                                          <p:attrName>style.visibility</p:attrName>
+                                        </p:attrNameLst>
+                                      </p:cBhvr>
+                                      <p:to>
+                                        <p:strVal val="visible"/>
+                                      </p:to>
+                                    </p:set>
+                                    <p:animEffect transition="in" filter="fade">
+                                      <p:cBhvr>
+                                        <p:cTn id="17" dur="500"/>
+                                        <p:tgtEl>
+                                          <p:spTgt spid="3">
+                                            <p:txEl>
+                                              <p:pRg st="2" end="2"/>
+                                            </p:txEl>
+                                          </p:spTgt>
+                                        </p:tgtEl>
+                                      </p:cBhvr>
+                                    </p:animEffect>
+                                  </p:childTnLst>
+                                </p:cTn>
+                              </p:par>
+                            </p:childTnLst>
+                          </p:cTn>
+                        </p:par>
+                      </p:childTnLst>
+                    </p:cTn>
+                  </p:par>
+                  <p:par>
+                    <p:cTn id="18" fill="hold">
+                      <p:stCondLst>
+                        <p:cond delay="indefinite"/>
+                      </p:stCondLst>
+                      <p:childTnLst>
+                        <p:par>
+                          <p:cTn id="19" fill="hold">
+                            <p:stCondLst>
+                              <p:cond delay="0"/>
+                            </p:stCondLst>
+                            <p:childTnLst>
+                              <p:par>
+                                <p:cTn id="20" presetID="10" presetClass="entr" presetSubtype="0" fill="hold" nodeType="clickEffect">
+                                  <p:stCondLst>
+                                    <p:cond delay="0"/>
+                                  </p:stCondLst>
+                                  <p:childTnLst>
+                                    <p:set>
+                                      <p:cBhvr>
+                                        <p:cTn id="21" dur="1" fill="hold">
+                                          <p:stCondLst>
+                                            <p:cond delay="0"/>
+                                          </p:stCondLst>
+                                        </p:cTn>
+                                        <p:tgtEl>
+                                          <p:spTgt spid="3">
+                                            <p:txEl>
+                                              <p:pRg st="3" end="3"/>
+                                            </p:txEl>
+                                          </p:spTgt>
+                                        </p:tgtEl>
+                                        <p:attrNameLst>
+                                          <p:attrName>style.visibility</p:attrName>
+                                        </p:attrNameLst>
+                                      </p:cBhvr>
+                                      <p:to>
+                                        <p:strVal val="visible"/>
+                                      </p:to>
+                                    </p:set>
+                                    <p:animEffect transition="in" filter="fade">
+                                      <p:cBhvr>
+                                        <p:cTn id="22" dur="500"/>
+                                        <p:tgtEl>
+                                          <p:spTgt spid="3">
+                                            <p:txEl>
+                                              <p:pRg st="3" end="3"/>
+                                            </p:txEl>
+                                          </p:spTgt>
+                                        </p:tgtEl>
+                                      </p:cBhvr>
+                                    </p:animEffect>
+                                  </p:childTnLst>
+                                </p:cTn>
+                              </p:par>
+                            </p:childTnLst>
+                          </p:cTn>
+                        </p:par>
+                      </p:childTnLst>
+                    </p:cTn>
+                  </p:par>
+                  <p:par>
+                    <p:cTn id="23" fill="hold">
+                      <p:stCondLst>
+                        <p:cond delay="indefinite"/>
+                      </p:stCondLst>
+                      <p:childTnLst>
+                        <p:par>
+                          <p:cTn id="24" fill="hold">
+                            <p:stCondLst>
+                              <p:cond delay="0"/>
+                            </p:stCondLst>
+                            <p:childTnLst>
+                              <p:par>
+                                <p:cTn id="25" presetID="10" presetClass="entr" presetSubtype="0" fill="hold" nodeType="clickEffect">
+                                  <p:stCondLst>
+                                    <p:cond delay="0"/>
+                                  </p:stCondLst>
+                                  <p:childTnLst>
+                                    <p:set>
+                                      <p:cBhvr>
+                                        <p:cTn id="26" dur="1" fill="hold">
+                                          <p:stCondLst>
+                                            <p:cond delay="0"/>
+                                          </p:stCondLst>
+                                        </p:cTn>
+                                        <p:tgtEl>
+                                          <p:spTgt spid="3">
+                                            <p:txEl>
+                                              <p:pRg st="4" end="4"/>
+                                            </p:txEl>
+                                          </p:spTgt>
+                                        </p:tgtEl>
+                                        <p:attrNameLst>
+                                          <p:attrName>style.visibility</p:attrName>
+                                        </p:attrNameLst>
+                                      </p:cBhvr>
+                                      <p:to>
+                                        <p:strVal val="visible"/>
+                                      </p:to>
+                                    </p:set>
+                                    <p:animEffect transition="in" filter="fade">
+                                      <p:cBhvr>
+                                        <p:cTn id="27" dur="500"/>
+                                        <p:tgtEl>
+                                          <p:spTgt spid="3">
+                                            <p:txEl>
+                                              <p:pRg st="4" end="4"/>
+                                            </p:txEl>
+                                          </p:spTgt>
+                                        </p:tgtEl>
+                                      </p:cBhvr>
+                                    </p:animEffect>
+                                  </p:childTnLst>
+                                </p:cTn>
+                              </p:par>
+                            </p:childTnLst>
+                          </p:cTn>
+                        </p:par>
+                      </p:childTnLst>
+                    </p:cTn>
+                  </p:par>
+                </p:childTnLst>
+              </p:cTn>
+              <p:prevCondLst>
+                <p:cond evt="onPrev" delay="0">
+                  <p:tgtEl>
+                    <p:sldTgt/>
+                  </p:tgtEl>
+                </p:cond>
+              </p:prevCondLst>
+              <p:nextCondLst>
+                <p:cond evt="onNext" delay="0">
+                  <p:tgtEl>
+                    <p:sldTgt/>
+                  </p:tgtEl>
+                </p:cond>
+              </p:nextCondLst>
+            </p:seq>
+          </p:childTnLst>
+        </p:cTn>
+      </p:par>
+    </p:tnLst>
+  </p:timing>
 </p:sld>
 </file>
 
@@ -6135,6 +8154,23 @@
               </a:rPr>
               <a:t>Text Templating</a:t>
             </a:r>
+            <a:endParaRPr lang="tr-TR" dirty="0">
+              <a:latin typeface="Euclid Circular B" panose="020B0504000000000000" pitchFamily="34" charset="0"/>
+              <a:ea typeface="Euclid Circular B" panose="020B0504000000000000" pitchFamily="34" charset="0"/>
+            </a:endParaRPr>
+          </a:p>
+          <a:p>
+            <a:r>
+              <a:rPr lang="tr-TR" dirty="0">
+                <a:latin typeface="Euclid Circular B" panose="020B0504000000000000" pitchFamily="34" charset="0"/>
+                <a:ea typeface="Euclid Circular B" panose="020B0504000000000000" pitchFamily="34" charset="0"/>
+              </a:rPr>
+              <a:t>…more</a:t>
+            </a:r>
+            <a:endParaRPr lang="en-US" dirty="0">
+              <a:latin typeface="Euclid Circular B" panose="020B0504000000000000" pitchFamily="34" charset="0"/>
+              <a:ea typeface="Euclid Circular B" panose="020B0504000000000000" pitchFamily="34" charset="0"/>
+            </a:endParaRPr>
           </a:p>
         </p:txBody>
       </p:sp>
@@ -6152,224 +8188,6 @@
 </file>
 
 <file path=ppt/slides/slide22.xml><?xml version="1.0" encoding="utf-8"?>
-<p:sld xmlns:a="http://schemas.openxmlformats.org/drawingml/2006/main" xmlns:r="http://schemas.openxmlformats.org/officeDocument/2006/relationships" xmlns:p="http://schemas.openxmlformats.org/presentationml/2006/main">
-  <p:cSld>
-    <p:bg>
-      <p:bgPr>
-        <a:blipFill dpi="0" rotWithShape="1">
-          <a:blip r:embed="rId2">
-            <a:lum/>
-          </a:blip>
-          <a:srcRect/>
-          <a:stretch>
-            <a:fillRect/>
-          </a:stretch>
-        </a:blipFill>
-        <a:effectLst/>
-      </p:bgPr>
-    </p:bg>
-    <p:spTree>
-      <p:nvGrpSpPr>
-        <p:cNvPr id="1" name=""/>
-        <p:cNvGrpSpPr/>
-        <p:nvPr/>
-      </p:nvGrpSpPr>
-      <p:grpSpPr>
-        <a:xfrm>
-          <a:off x="0" y="0"/>
-          <a:ext cx="0" cy="0"/>
-          <a:chOff x="0" y="0"/>
-          <a:chExt cx="0" cy="0"/>
-        </a:xfrm>
-      </p:grpSpPr>
-      <p:sp>
-        <p:nvSpPr>
-          <p:cNvPr id="2" name="Title 1">
-            <a:extLst>
-              <a:ext uri="{FF2B5EF4-FFF2-40B4-BE49-F238E27FC236}">
-                <a16:creationId xmlns:a16="http://schemas.microsoft.com/office/drawing/2014/main" id="{55E11F08-6CA0-48F1-AD67-97430DDA07F0}"/>
-              </a:ext>
-            </a:extLst>
-          </p:cNvPr>
-          <p:cNvSpPr>
-            <a:spLocks noGrp="1"/>
-          </p:cNvSpPr>
-          <p:nvPr>
-            <p:ph type="title"/>
-          </p:nvPr>
-        </p:nvSpPr>
-        <p:spPr/>
-        <p:txBody>
-          <a:bodyPr/>
-          <a:lstStyle/>
-          <a:p>
-            <a:r>
-              <a:rPr lang="en-US" b="1" dirty="0">
-                <a:solidFill>
-                  <a:srgbClr val="292D33"/>
-                </a:solidFill>
-                <a:latin typeface="Euclid Circular B" panose="020B0504000000000000" pitchFamily="34" charset="0"/>
-                <a:ea typeface="Euclid Circular B" panose="020B0504000000000000" pitchFamily="34" charset="0"/>
-              </a:rPr>
-              <a:t>Topic title</a:t>
-            </a:r>
-          </a:p>
-        </p:txBody>
-      </p:sp>
-      <p:sp>
-        <p:nvSpPr>
-          <p:cNvPr id="3" name="Content Placeholder 2">
-            <a:extLst>
-              <a:ext uri="{FF2B5EF4-FFF2-40B4-BE49-F238E27FC236}">
-                <a16:creationId xmlns:a16="http://schemas.microsoft.com/office/drawing/2014/main" id="{891C7693-D3DF-4635-96F4-97F3B4136FDF}"/>
-              </a:ext>
-            </a:extLst>
-          </p:cNvPr>
-          <p:cNvSpPr>
-            <a:spLocks noGrp="1"/>
-          </p:cNvSpPr>
-          <p:nvPr>
-            <p:ph idx="1"/>
-          </p:nvPr>
-        </p:nvSpPr>
-        <p:spPr/>
-        <p:txBody>
-          <a:bodyPr/>
-          <a:lstStyle/>
-          <a:p>
-            <a:r>
-              <a:rPr lang="en-US" dirty="0">
-                <a:latin typeface="Euclid Circular B" panose="020B0504000000000000" pitchFamily="34" charset="0"/>
-                <a:ea typeface="Euclid Circular B" panose="020B0504000000000000" pitchFamily="34" charset="0"/>
-              </a:rPr>
-              <a:t>Content</a:t>
-            </a:r>
-          </a:p>
-        </p:txBody>
-      </p:sp>
-    </p:spTree>
-    <p:extLst>
-      <p:ext uri="{BB962C8B-B14F-4D97-AF65-F5344CB8AC3E}">
-        <p14:creationId xmlns:p14="http://schemas.microsoft.com/office/powerpoint/2010/main" val="3026269350"/>
-      </p:ext>
-    </p:extLst>
-  </p:cSld>
-  <p:clrMapOvr>
-    <a:masterClrMapping/>
-  </p:clrMapOvr>
-</p:sld>
-</file>
-
-<file path=ppt/slides/slide23.xml><?xml version="1.0" encoding="utf-8"?>
-<p:sld xmlns:a="http://schemas.openxmlformats.org/drawingml/2006/main" xmlns:r="http://schemas.openxmlformats.org/officeDocument/2006/relationships" xmlns:p="http://schemas.openxmlformats.org/presentationml/2006/main">
-  <p:cSld>
-    <p:bg>
-      <p:bgPr>
-        <a:blipFill dpi="0" rotWithShape="1">
-          <a:blip r:embed="rId2">
-            <a:lum/>
-          </a:blip>
-          <a:srcRect/>
-          <a:stretch>
-            <a:fillRect/>
-          </a:stretch>
-        </a:blipFill>
-        <a:effectLst/>
-      </p:bgPr>
-    </p:bg>
-    <p:spTree>
-      <p:nvGrpSpPr>
-        <p:cNvPr id="1" name=""/>
-        <p:cNvGrpSpPr/>
-        <p:nvPr/>
-      </p:nvGrpSpPr>
-      <p:grpSpPr>
-        <a:xfrm>
-          <a:off x="0" y="0"/>
-          <a:ext cx="0" cy="0"/>
-          <a:chOff x="0" y="0"/>
-          <a:chExt cx="0" cy="0"/>
-        </a:xfrm>
-      </p:grpSpPr>
-      <p:sp>
-        <p:nvSpPr>
-          <p:cNvPr id="2" name="Title 1">
-            <a:extLst>
-              <a:ext uri="{FF2B5EF4-FFF2-40B4-BE49-F238E27FC236}">
-                <a16:creationId xmlns:a16="http://schemas.microsoft.com/office/drawing/2014/main" id="{55E11F08-6CA0-48F1-AD67-97430DDA07F0}"/>
-              </a:ext>
-            </a:extLst>
-          </p:cNvPr>
-          <p:cNvSpPr>
-            <a:spLocks noGrp="1"/>
-          </p:cNvSpPr>
-          <p:nvPr>
-            <p:ph type="title"/>
-          </p:nvPr>
-        </p:nvSpPr>
-        <p:spPr/>
-        <p:txBody>
-          <a:bodyPr/>
-          <a:lstStyle/>
-          <a:p>
-            <a:r>
-              <a:rPr lang="en-US" b="1" dirty="0">
-                <a:solidFill>
-                  <a:srgbClr val="292D33"/>
-                </a:solidFill>
-                <a:latin typeface="Euclid Circular B" panose="020B0504000000000000" pitchFamily="34" charset="0"/>
-                <a:ea typeface="Euclid Circular B" panose="020B0504000000000000" pitchFamily="34" charset="0"/>
-              </a:rPr>
-              <a:t>Topic title</a:t>
-            </a:r>
-          </a:p>
-        </p:txBody>
-      </p:sp>
-      <p:sp>
-        <p:nvSpPr>
-          <p:cNvPr id="3" name="Content Placeholder 2">
-            <a:extLst>
-              <a:ext uri="{FF2B5EF4-FFF2-40B4-BE49-F238E27FC236}">
-                <a16:creationId xmlns:a16="http://schemas.microsoft.com/office/drawing/2014/main" id="{891C7693-D3DF-4635-96F4-97F3B4136FDF}"/>
-              </a:ext>
-            </a:extLst>
-          </p:cNvPr>
-          <p:cNvSpPr>
-            <a:spLocks noGrp="1"/>
-          </p:cNvSpPr>
-          <p:nvPr>
-            <p:ph idx="1"/>
-          </p:nvPr>
-        </p:nvSpPr>
-        <p:spPr/>
-        <p:txBody>
-          <a:bodyPr/>
-          <a:lstStyle/>
-          <a:p>
-            <a:r>
-              <a:rPr lang="en-US" dirty="0">
-                <a:latin typeface="Euclid Circular B" panose="020B0504000000000000" pitchFamily="34" charset="0"/>
-                <a:ea typeface="Euclid Circular B" panose="020B0504000000000000" pitchFamily="34" charset="0"/>
-              </a:rPr>
-              <a:t>Content</a:t>
-            </a:r>
-          </a:p>
-        </p:txBody>
-      </p:sp>
-    </p:spTree>
-    <p:extLst>
-      <p:ext uri="{BB962C8B-B14F-4D97-AF65-F5344CB8AC3E}">
-        <p14:creationId xmlns:p14="http://schemas.microsoft.com/office/powerpoint/2010/main" val="1621610224"/>
-      </p:ext>
-    </p:extLst>
-  </p:cSld>
-  <p:clrMapOvr>
-    <a:masterClrMapping/>
-  </p:clrMapOvr>
-</p:sld>
-</file>
-
-<file path=ppt/slides/slide24.xml><?xml version="1.0" encoding="utf-8"?>
 <p:sld xmlns:a="http://schemas.openxmlformats.org/drawingml/2006/main" xmlns:r="http://schemas.openxmlformats.org/officeDocument/2006/relationships" xmlns:p="http://schemas.openxmlformats.org/presentationml/2006/main">
   <p:cSld>
     <p:bg>
@@ -6926,6 +8744,224 @@
 </p:sld>
 </file>
 
+<file path=ppt/slides/slide23.xml><?xml version="1.0" encoding="utf-8"?>
+<p:sld xmlns:a="http://schemas.openxmlformats.org/drawingml/2006/main" xmlns:r="http://schemas.openxmlformats.org/officeDocument/2006/relationships" xmlns:p="http://schemas.openxmlformats.org/presentationml/2006/main">
+  <p:cSld>
+    <p:bg>
+      <p:bgPr>
+        <a:blipFill dpi="0" rotWithShape="1">
+          <a:blip r:embed="rId2">
+            <a:lum/>
+          </a:blip>
+          <a:srcRect/>
+          <a:stretch>
+            <a:fillRect/>
+          </a:stretch>
+        </a:blipFill>
+        <a:effectLst/>
+      </p:bgPr>
+    </p:bg>
+    <p:spTree>
+      <p:nvGrpSpPr>
+        <p:cNvPr id="1" name=""/>
+        <p:cNvGrpSpPr/>
+        <p:nvPr/>
+      </p:nvGrpSpPr>
+      <p:grpSpPr>
+        <a:xfrm>
+          <a:off x="0" y="0"/>
+          <a:ext cx="0" cy="0"/>
+          <a:chOff x="0" y="0"/>
+          <a:chExt cx="0" cy="0"/>
+        </a:xfrm>
+      </p:grpSpPr>
+      <p:sp>
+        <p:nvSpPr>
+          <p:cNvPr id="2" name="Title 1">
+            <a:extLst>
+              <a:ext uri="{FF2B5EF4-FFF2-40B4-BE49-F238E27FC236}">
+                <a16:creationId xmlns:a16="http://schemas.microsoft.com/office/drawing/2014/main" id="{55E11F08-6CA0-48F1-AD67-97430DDA07F0}"/>
+              </a:ext>
+            </a:extLst>
+          </p:cNvPr>
+          <p:cNvSpPr>
+            <a:spLocks noGrp="1"/>
+          </p:cNvSpPr>
+          <p:nvPr>
+            <p:ph type="title"/>
+          </p:nvPr>
+        </p:nvSpPr>
+        <p:spPr/>
+        <p:txBody>
+          <a:bodyPr/>
+          <a:lstStyle/>
+          <a:p>
+            <a:r>
+              <a:rPr lang="en-US" b="1" dirty="0">
+                <a:solidFill>
+                  <a:srgbClr val="292D33"/>
+                </a:solidFill>
+                <a:latin typeface="Euclid Circular B" panose="020B0504000000000000" pitchFamily="34" charset="0"/>
+                <a:ea typeface="Euclid Circular B" panose="020B0504000000000000" pitchFamily="34" charset="0"/>
+              </a:rPr>
+              <a:t>Topic title</a:t>
+            </a:r>
+          </a:p>
+        </p:txBody>
+      </p:sp>
+      <p:sp>
+        <p:nvSpPr>
+          <p:cNvPr id="3" name="Content Placeholder 2">
+            <a:extLst>
+              <a:ext uri="{FF2B5EF4-FFF2-40B4-BE49-F238E27FC236}">
+                <a16:creationId xmlns:a16="http://schemas.microsoft.com/office/drawing/2014/main" id="{891C7693-D3DF-4635-96F4-97F3B4136FDF}"/>
+              </a:ext>
+            </a:extLst>
+          </p:cNvPr>
+          <p:cNvSpPr>
+            <a:spLocks noGrp="1"/>
+          </p:cNvSpPr>
+          <p:nvPr>
+            <p:ph idx="1"/>
+          </p:nvPr>
+        </p:nvSpPr>
+        <p:spPr/>
+        <p:txBody>
+          <a:bodyPr/>
+          <a:lstStyle/>
+          <a:p>
+            <a:r>
+              <a:rPr lang="en-US" dirty="0">
+                <a:latin typeface="Euclid Circular B" panose="020B0504000000000000" pitchFamily="34" charset="0"/>
+                <a:ea typeface="Euclid Circular B" panose="020B0504000000000000" pitchFamily="34" charset="0"/>
+              </a:rPr>
+              <a:t>Content</a:t>
+            </a:r>
+          </a:p>
+        </p:txBody>
+      </p:sp>
+    </p:spTree>
+    <p:extLst>
+      <p:ext uri="{BB962C8B-B14F-4D97-AF65-F5344CB8AC3E}">
+        <p14:creationId xmlns:p14="http://schemas.microsoft.com/office/powerpoint/2010/main" val="1621610224"/>
+      </p:ext>
+    </p:extLst>
+  </p:cSld>
+  <p:clrMapOvr>
+    <a:masterClrMapping/>
+  </p:clrMapOvr>
+</p:sld>
+</file>
+
+<file path=ppt/slides/slide24.xml><?xml version="1.0" encoding="utf-8"?>
+<p:sld xmlns:a="http://schemas.openxmlformats.org/drawingml/2006/main" xmlns:r="http://schemas.openxmlformats.org/officeDocument/2006/relationships" xmlns:p="http://schemas.openxmlformats.org/presentationml/2006/main">
+  <p:cSld>
+    <p:bg>
+      <p:bgPr>
+        <a:blipFill dpi="0" rotWithShape="1">
+          <a:blip r:embed="rId2">
+            <a:lum/>
+          </a:blip>
+          <a:srcRect/>
+          <a:stretch>
+            <a:fillRect/>
+          </a:stretch>
+        </a:blipFill>
+        <a:effectLst/>
+      </p:bgPr>
+    </p:bg>
+    <p:spTree>
+      <p:nvGrpSpPr>
+        <p:cNvPr id="1" name=""/>
+        <p:cNvGrpSpPr/>
+        <p:nvPr/>
+      </p:nvGrpSpPr>
+      <p:grpSpPr>
+        <a:xfrm>
+          <a:off x="0" y="0"/>
+          <a:ext cx="0" cy="0"/>
+          <a:chOff x="0" y="0"/>
+          <a:chExt cx="0" cy="0"/>
+        </a:xfrm>
+      </p:grpSpPr>
+      <p:sp>
+        <p:nvSpPr>
+          <p:cNvPr id="2" name="Title 1">
+            <a:extLst>
+              <a:ext uri="{FF2B5EF4-FFF2-40B4-BE49-F238E27FC236}">
+                <a16:creationId xmlns:a16="http://schemas.microsoft.com/office/drawing/2014/main" id="{55E11F08-6CA0-48F1-AD67-97430DDA07F0}"/>
+              </a:ext>
+            </a:extLst>
+          </p:cNvPr>
+          <p:cNvSpPr>
+            <a:spLocks noGrp="1"/>
+          </p:cNvSpPr>
+          <p:nvPr>
+            <p:ph type="title"/>
+          </p:nvPr>
+        </p:nvSpPr>
+        <p:spPr/>
+        <p:txBody>
+          <a:bodyPr/>
+          <a:lstStyle/>
+          <a:p>
+            <a:r>
+              <a:rPr lang="en-US" b="1" dirty="0">
+                <a:solidFill>
+                  <a:srgbClr val="292D33"/>
+                </a:solidFill>
+                <a:latin typeface="Euclid Circular B" panose="020B0504000000000000" pitchFamily="34" charset="0"/>
+                <a:ea typeface="Euclid Circular B" panose="020B0504000000000000" pitchFamily="34" charset="0"/>
+              </a:rPr>
+              <a:t>Topic title</a:t>
+            </a:r>
+          </a:p>
+        </p:txBody>
+      </p:sp>
+      <p:sp>
+        <p:nvSpPr>
+          <p:cNvPr id="3" name="Content Placeholder 2">
+            <a:extLst>
+              <a:ext uri="{FF2B5EF4-FFF2-40B4-BE49-F238E27FC236}">
+                <a16:creationId xmlns:a16="http://schemas.microsoft.com/office/drawing/2014/main" id="{891C7693-D3DF-4635-96F4-97F3B4136FDF}"/>
+              </a:ext>
+            </a:extLst>
+          </p:cNvPr>
+          <p:cNvSpPr>
+            <a:spLocks noGrp="1"/>
+          </p:cNvSpPr>
+          <p:nvPr>
+            <p:ph idx="1"/>
+          </p:nvPr>
+        </p:nvSpPr>
+        <p:spPr/>
+        <p:txBody>
+          <a:bodyPr/>
+          <a:lstStyle/>
+          <a:p>
+            <a:r>
+              <a:rPr lang="en-US" dirty="0">
+                <a:latin typeface="Euclid Circular B" panose="020B0504000000000000" pitchFamily="34" charset="0"/>
+                <a:ea typeface="Euclid Circular B" panose="020B0504000000000000" pitchFamily="34" charset="0"/>
+              </a:rPr>
+              <a:t>Content</a:t>
+            </a:r>
+          </a:p>
+        </p:txBody>
+      </p:sp>
+    </p:spTree>
+    <p:extLst>
+      <p:ext uri="{BB962C8B-B14F-4D97-AF65-F5344CB8AC3E}">
+        <p14:creationId xmlns:p14="http://schemas.microsoft.com/office/powerpoint/2010/main" val="3026269350"/>
+      </p:ext>
+    </p:extLst>
+  </p:cSld>
+  <p:clrMapOvr>
+    <a:masterClrMapping/>
+  </p:clrMapOvr>
+</p:sld>
+</file>
+
 <file path=ppt/slides/slide3.xml><?xml version="1.0" encoding="utf-8"?>
 <p:sld xmlns:a="http://schemas.openxmlformats.org/drawingml/2006/main" xmlns:r="http://schemas.openxmlformats.org/officeDocument/2006/relationships" xmlns:p="http://schemas.openxmlformats.org/presentationml/2006/main">
   <p:cSld>
@@ -7383,6 +9419,513 @@
   <p:clrMapOvr>
     <a:masterClrMapping/>
   </p:clrMapOvr>
+  <p:timing>
+    <p:tnLst>
+      <p:par>
+        <p:cTn id="1" dur="indefinite" restart="never" nodeType="tmRoot">
+          <p:childTnLst>
+            <p:seq concurrent="1" nextAc="seek">
+              <p:cTn id="2" dur="indefinite" nodeType="mainSeq">
+                <p:childTnLst>
+                  <p:par>
+                    <p:cTn id="3" fill="hold">
+                      <p:stCondLst>
+                        <p:cond delay="indefinite"/>
+                      </p:stCondLst>
+                      <p:childTnLst>
+                        <p:par>
+                          <p:cTn id="4" fill="hold">
+                            <p:stCondLst>
+                              <p:cond delay="0"/>
+                            </p:stCondLst>
+                            <p:childTnLst>
+                              <p:par>
+                                <p:cTn id="5" presetID="10" presetClass="entr" presetSubtype="0" fill="hold" nodeType="clickEffect">
+                                  <p:stCondLst>
+                                    <p:cond delay="0"/>
+                                  </p:stCondLst>
+                                  <p:childTnLst>
+                                    <p:set>
+                                      <p:cBhvr>
+                                        <p:cTn id="6" dur="1" fill="hold">
+                                          <p:stCondLst>
+                                            <p:cond delay="0"/>
+                                          </p:stCondLst>
+                                        </p:cTn>
+                                        <p:tgtEl>
+                                          <p:spTgt spid="3">
+                                            <p:txEl>
+                                              <p:pRg st="0" end="0"/>
+                                            </p:txEl>
+                                          </p:spTgt>
+                                        </p:tgtEl>
+                                        <p:attrNameLst>
+                                          <p:attrName>style.visibility</p:attrName>
+                                        </p:attrNameLst>
+                                      </p:cBhvr>
+                                      <p:to>
+                                        <p:strVal val="visible"/>
+                                      </p:to>
+                                    </p:set>
+                                    <p:animEffect transition="in" filter="fade">
+                                      <p:cBhvr>
+                                        <p:cTn id="7" dur="500"/>
+                                        <p:tgtEl>
+                                          <p:spTgt spid="3">
+                                            <p:txEl>
+                                              <p:pRg st="0" end="0"/>
+                                            </p:txEl>
+                                          </p:spTgt>
+                                        </p:tgtEl>
+                                      </p:cBhvr>
+                                    </p:animEffect>
+                                  </p:childTnLst>
+                                </p:cTn>
+                              </p:par>
+                            </p:childTnLst>
+                          </p:cTn>
+                        </p:par>
+                      </p:childTnLst>
+                    </p:cTn>
+                  </p:par>
+                  <p:par>
+                    <p:cTn id="8" fill="hold">
+                      <p:stCondLst>
+                        <p:cond delay="indefinite"/>
+                      </p:stCondLst>
+                      <p:childTnLst>
+                        <p:par>
+                          <p:cTn id="9" fill="hold">
+                            <p:stCondLst>
+                              <p:cond delay="0"/>
+                            </p:stCondLst>
+                            <p:childTnLst>
+                              <p:par>
+                                <p:cTn id="10" presetID="10" presetClass="entr" presetSubtype="0" fill="hold" nodeType="clickEffect">
+                                  <p:stCondLst>
+                                    <p:cond delay="0"/>
+                                  </p:stCondLst>
+                                  <p:childTnLst>
+                                    <p:set>
+                                      <p:cBhvr>
+                                        <p:cTn id="11" dur="1" fill="hold">
+                                          <p:stCondLst>
+                                            <p:cond delay="0"/>
+                                          </p:stCondLst>
+                                        </p:cTn>
+                                        <p:tgtEl>
+                                          <p:spTgt spid="3">
+                                            <p:txEl>
+                                              <p:pRg st="1" end="1"/>
+                                            </p:txEl>
+                                          </p:spTgt>
+                                        </p:tgtEl>
+                                        <p:attrNameLst>
+                                          <p:attrName>style.visibility</p:attrName>
+                                        </p:attrNameLst>
+                                      </p:cBhvr>
+                                      <p:to>
+                                        <p:strVal val="visible"/>
+                                      </p:to>
+                                    </p:set>
+                                    <p:animEffect transition="in" filter="fade">
+                                      <p:cBhvr>
+                                        <p:cTn id="12" dur="500"/>
+                                        <p:tgtEl>
+                                          <p:spTgt spid="3">
+                                            <p:txEl>
+                                              <p:pRg st="1" end="1"/>
+                                            </p:txEl>
+                                          </p:spTgt>
+                                        </p:tgtEl>
+                                      </p:cBhvr>
+                                    </p:animEffect>
+                                  </p:childTnLst>
+                                </p:cTn>
+                              </p:par>
+                            </p:childTnLst>
+                          </p:cTn>
+                        </p:par>
+                      </p:childTnLst>
+                    </p:cTn>
+                  </p:par>
+                  <p:par>
+                    <p:cTn id="13" fill="hold">
+                      <p:stCondLst>
+                        <p:cond delay="indefinite"/>
+                      </p:stCondLst>
+                      <p:childTnLst>
+                        <p:par>
+                          <p:cTn id="14" fill="hold">
+                            <p:stCondLst>
+                              <p:cond delay="0"/>
+                            </p:stCondLst>
+                            <p:childTnLst>
+                              <p:par>
+                                <p:cTn id="15" presetID="10" presetClass="entr" presetSubtype="0" fill="hold" nodeType="clickEffect">
+                                  <p:stCondLst>
+                                    <p:cond delay="0"/>
+                                  </p:stCondLst>
+                                  <p:childTnLst>
+                                    <p:set>
+                                      <p:cBhvr>
+                                        <p:cTn id="16" dur="1" fill="hold">
+                                          <p:stCondLst>
+                                            <p:cond delay="0"/>
+                                          </p:stCondLst>
+                                        </p:cTn>
+                                        <p:tgtEl>
+                                          <p:spTgt spid="3">
+                                            <p:txEl>
+                                              <p:pRg st="2" end="2"/>
+                                            </p:txEl>
+                                          </p:spTgt>
+                                        </p:tgtEl>
+                                        <p:attrNameLst>
+                                          <p:attrName>style.visibility</p:attrName>
+                                        </p:attrNameLst>
+                                      </p:cBhvr>
+                                      <p:to>
+                                        <p:strVal val="visible"/>
+                                      </p:to>
+                                    </p:set>
+                                    <p:animEffect transition="in" filter="fade">
+                                      <p:cBhvr>
+                                        <p:cTn id="17" dur="500"/>
+                                        <p:tgtEl>
+                                          <p:spTgt spid="3">
+                                            <p:txEl>
+                                              <p:pRg st="2" end="2"/>
+                                            </p:txEl>
+                                          </p:spTgt>
+                                        </p:tgtEl>
+                                      </p:cBhvr>
+                                    </p:animEffect>
+                                  </p:childTnLst>
+                                </p:cTn>
+                              </p:par>
+                            </p:childTnLst>
+                          </p:cTn>
+                        </p:par>
+                      </p:childTnLst>
+                    </p:cTn>
+                  </p:par>
+                  <p:par>
+                    <p:cTn id="18" fill="hold">
+                      <p:stCondLst>
+                        <p:cond delay="indefinite"/>
+                      </p:stCondLst>
+                      <p:childTnLst>
+                        <p:par>
+                          <p:cTn id="19" fill="hold">
+                            <p:stCondLst>
+                              <p:cond delay="0"/>
+                            </p:stCondLst>
+                            <p:childTnLst>
+                              <p:par>
+                                <p:cTn id="20" presetID="10" presetClass="entr" presetSubtype="0" fill="hold" nodeType="clickEffect">
+                                  <p:stCondLst>
+                                    <p:cond delay="0"/>
+                                  </p:stCondLst>
+                                  <p:childTnLst>
+                                    <p:set>
+                                      <p:cBhvr>
+                                        <p:cTn id="21" dur="1" fill="hold">
+                                          <p:stCondLst>
+                                            <p:cond delay="0"/>
+                                          </p:stCondLst>
+                                        </p:cTn>
+                                        <p:tgtEl>
+                                          <p:spTgt spid="3">
+                                            <p:txEl>
+                                              <p:pRg st="3" end="3"/>
+                                            </p:txEl>
+                                          </p:spTgt>
+                                        </p:tgtEl>
+                                        <p:attrNameLst>
+                                          <p:attrName>style.visibility</p:attrName>
+                                        </p:attrNameLst>
+                                      </p:cBhvr>
+                                      <p:to>
+                                        <p:strVal val="visible"/>
+                                      </p:to>
+                                    </p:set>
+                                    <p:animEffect transition="in" filter="fade">
+                                      <p:cBhvr>
+                                        <p:cTn id="22" dur="500"/>
+                                        <p:tgtEl>
+                                          <p:spTgt spid="3">
+                                            <p:txEl>
+                                              <p:pRg st="3" end="3"/>
+                                            </p:txEl>
+                                          </p:spTgt>
+                                        </p:tgtEl>
+                                      </p:cBhvr>
+                                    </p:animEffect>
+                                  </p:childTnLst>
+                                </p:cTn>
+                              </p:par>
+                              <p:par>
+                                <p:cTn id="23" presetID="10" presetClass="entr" presetSubtype="0" fill="hold" nodeType="withEffect">
+                                  <p:stCondLst>
+                                    <p:cond delay="0"/>
+                                  </p:stCondLst>
+                                  <p:childTnLst>
+                                    <p:set>
+                                      <p:cBhvr>
+                                        <p:cTn id="24" dur="1" fill="hold">
+                                          <p:stCondLst>
+                                            <p:cond delay="0"/>
+                                          </p:stCondLst>
+                                        </p:cTn>
+                                        <p:tgtEl>
+                                          <p:spTgt spid="3">
+                                            <p:txEl>
+                                              <p:pRg st="4" end="4"/>
+                                            </p:txEl>
+                                          </p:spTgt>
+                                        </p:tgtEl>
+                                        <p:attrNameLst>
+                                          <p:attrName>style.visibility</p:attrName>
+                                        </p:attrNameLst>
+                                      </p:cBhvr>
+                                      <p:to>
+                                        <p:strVal val="visible"/>
+                                      </p:to>
+                                    </p:set>
+                                    <p:animEffect transition="in" filter="fade">
+                                      <p:cBhvr>
+                                        <p:cTn id="25" dur="500"/>
+                                        <p:tgtEl>
+                                          <p:spTgt spid="3">
+                                            <p:txEl>
+                                              <p:pRg st="4" end="4"/>
+                                            </p:txEl>
+                                          </p:spTgt>
+                                        </p:tgtEl>
+                                      </p:cBhvr>
+                                    </p:animEffect>
+                                  </p:childTnLst>
+                                </p:cTn>
+                              </p:par>
+                              <p:par>
+                                <p:cTn id="26" presetID="10" presetClass="entr" presetSubtype="0" fill="hold" nodeType="withEffect">
+                                  <p:stCondLst>
+                                    <p:cond delay="0"/>
+                                  </p:stCondLst>
+                                  <p:childTnLst>
+                                    <p:set>
+                                      <p:cBhvr>
+                                        <p:cTn id="27" dur="1" fill="hold">
+                                          <p:stCondLst>
+                                            <p:cond delay="0"/>
+                                          </p:stCondLst>
+                                        </p:cTn>
+                                        <p:tgtEl>
+                                          <p:spTgt spid="3">
+                                            <p:txEl>
+                                              <p:pRg st="5" end="5"/>
+                                            </p:txEl>
+                                          </p:spTgt>
+                                        </p:tgtEl>
+                                        <p:attrNameLst>
+                                          <p:attrName>style.visibility</p:attrName>
+                                        </p:attrNameLst>
+                                      </p:cBhvr>
+                                      <p:to>
+                                        <p:strVal val="visible"/>
+                                      </p:to>
+                                    </p:set>
+                                    <p:animEffect transition="in" filter="fade">
+                                      <p:cBhvr>
+                                        <p:cTn id="28" dur="500"/>
+                                        <p:tgtEl>
+                                          <p:spTgt spid="3">
+                                            <p:txEl>
+                                              <p:pRg st="5" end="5"/>
+                                            </p:txEl>
+                                          </p:spTgt>
+                                        </p:tgtEl>
+                                      </p:cBhvr>
+                                    </p:animEffect>
+                                  </p:childTnLst>
+                                </p:cTn>
+                              </p:par>
+                            </p:childTnLst>
+                          </p:cTn>
+                        </p:par>
+                      </p:childTnLst>
+                    </p:cTn>
+                  </p:par>
+                  <p:par>
+                    <p:cTn id="29" fill="hold">
+                      <p:stCondLst>
+                        <p:cond delay="indefinite"/>
+                      </p:stCondLst>
+                      <p:childTnLst>
+                        <p:par>
+                          <p:cTn id="30" fill="hold">
+                            <p:stCondLst>
+                              <p:cond delay="0"/>
+                            </p:stCondLst>
+                            <p:childTnLst>
+                              <p:par>
+                                <p:cTn id="31" presetID="10" presetClass="entr" presetSubtype="0" fill="hold" nodeType="clickEffect">
+                                  <p:stCondLst>
+                                    <p:cond delay="0"/>
+                                  </p:stCondLst>
+                                  <p:childTnLst>
+                                    <p:set>
+                                      <p:cBhvr>
+                                        <p:cTn id="32" dur="1" fill="hold">
+                                          <p:stCondLst>
+                                            <p:cond delay="0"/>
+                                          </p:stCondLst>
+                                        </p:cTn>
+                                        <p:tgtEl>
+                                          <p:spTgt spid="3">
+                                            <p:txEl>
+                                              <p:pRg st="6" end="6"/>
+                                            </p:txEl>
+                                          </p:spTgt>
+                                        </p:tgtEl>
+                                        <p:attrNameLst>
+                                          <p:attrName>style.visibility</p:attrName>
+                                        </p:attrNameLst>
+                                      </p:cBhvr>
+                                      <p:to>
+                                        <p:strVal val="visible"/>
+                                      </p:to>
+                                    </p:set>
+                                    <p:animEffect transition="in" filter="fade">
+                                      <p:cBhvr>
+                                        <p:cTn id="33" dur="500"/>
+                                        <p:tgtEl>
+                                          <p:spTgt spid="3">
+                                            <p:txEl>
+                                              <p:pRg st="6" end="6"/>
+                                            </p:txEl>
+                                          </p:spTgt>
+                                        </p:tgtEl>
+                                      </p:cBhvr>
+                                    </p:animEffect>
+                                  </p:childTnLst>
+                                </p:cTn>
+                              </p:par>
+                              <p:par>
+                                <p:cTn id="34" presetID="10" presetClass="entr" presetSubtype="0" fill="hold" nodeType="withEffect">
+                                  <p:stCondLst>
+                                    <p:cond delay="0"/>
+                                  </p:stCondLst>
+                                  <p:childTnLst>
+                                    <p:set>
+                                      <p:cBhvr>
+                                        <p:cTn id="35" dur="1" fill="hold">
+                                          <p:stCondLst>
+                                            <p:cond delay="0"/>
+                                          </p:stCondLst>
+                                        </p:cTn>
+                                        <p:tgtEl>
+                                          <p:spTgt spid="3">
+                                            <p:txEl>
+                                              <p:pRg st="7" end="7"/>
+                                            </p:txEl>
+                                          </p:spTgt>
+                                        </p:tgtEl>
+                                        <p:attrNameLst>
+                                          <p:attrName>style.visibility</p:attrName>
+                                        </p:attrNameLst>
+                                      </p:cBhvr>
+                                      <p:to>
+                                        <p:strVal val="visible"/>
+                                      </p:to>
+                                    </p:set>
+                                    <p:animEffect transition="in" filter="fade">
+                                      <p:cBhvr>
+                                        <p:cTn id="36" dur="500"/>
+                                        <p:tgtEl>
+                                          <p:spTgt spid="3">
+                                            <p:txEl>
+                                              <p:pRg st="7" end="7"/>
+                                            </p:txEl>
+                                          </p:spTgt>
+                                        </p:tgtEl>
+                                      </p:cBhvr>
+                                    </p:animEffect>
+                                  </p:childTnLst>
+                                </p:cTn>
+                              </p:par>
+                              <p:par>
+                                <p:cTn id="37" presetID="10" presetClass="entr" presetSubtype="0" fill="hold" nodeType="withEffect">
+                                  <p:stCondLst>
+                                    <p:cond delay="0"/>
+                                  </p:stCondLst>
+                                  <p:childTnLst>
+                                    <p:set>
+                                      <p:cBhvr>
+                                        <p:cTn id="38" dur="1" fill="hold">
+                                          <p:stCondLst>
+                                            <p:cond delay="0"/>
+                                          </p:stCondLst>
+                                        </p:cTn>
+                                        <p:tgtEl>
+                                          <p:spTgt spid="3">
+                                            <p:txEl>
+                                              <p:pRg st="8" end="8"/>
+                                            </p:txEl>
+                                          </p:spTgt>
+                                        </p:tgtEl>
+                                        <p:attrNameLst>
+                                          <p:attrName>style.visibility</p:attrName>
+                                        </p:attrNameLst>
+                                      </p:cBhvr>
+                                      <p:to>
+                                        <p:strVal val="visible"/>
+                                      </p:to>
+                                    </p:set>
+                                    <p:animEffect transition="in" filter="fade">
+                                      <p:cBhvr>
+                                        <p:cTn id="39" dur="500"/>
+                                        <p:tgtEl>
+                                          <p:spTgt spid="3">
+                                            <p:txEl>
+                                              <p:pRg st="8" end="8"/>
+                                            </p:txEl>
+                                          </p:spTgt>
+                                        </p:tgtEl>
+                                      </p:cBhvr>
+                                    </p:animEffect>
+                                  </p:childTnLst>
+                                </p:cTn>
+                              </p:par>
+                            </p:childTnLst>
+                          </p:cTn>
+                        </p:par>
+                      </p:childTnLst>
+                    </p:cTn>
+                  </p:par>
+                </p:childTnLst>
+              </p:cTn>
+              <p:prevCondLst>
+                <p:cond evt="onPrev" delay="0">
+                  <p:tgtEl>
+                    <p:sldTgt/>
+                  </p:tgtEl>
+                </p:cond>
+              </p:prevCondLst>
+              <p:nextCondLst>
+                <p:cond evt="onNext" delay="0">
+                  <p:tgtEl>
+                    <p:sldTgt/>
+                  </p:tgtEl>
+                </p:cond>
+              </p:nextCondLst>
+            </p:seq>
+          </p:childTnLst>
+        </p:cTn>
+      </p:par>
+    </p:tnLst>
+  </p:timing>
 </p:sld>
 </file>
 
@@ -7580,6 +10123,262 @@
   <p:clrMapOvr>
     <a:masterClrMapping/>
   </p:clrMapOvr>
+  <p:timing>
+    <p:tnLst>
+      <p:par>
+        <p:cTn id="1" dur="indefinite" restart="never" nodeType="tmRoot">
+          <p:childTnLst>
+            <p:seq concurrent="1" nextAc="seek">
+              <p:cTn id="2" dur="indefinite" nodeType="mainSeq">
+                <p:childTnLst>
+                  <p:par>
+                    <p:cTn id="3" fill="hold">
+                      <p:stCondLst>
+                        <p:cond delay="indefinite"/>
+                      </p:stCondLst>
+                      <p:childTnLst>
+                        <p:par>
+                          <p:cTn id="4" fill="hold">
+                            <p:stCondLst>
+                              <p:cond delay="0"/>
+                            </p:stCondLst>
+                            <p:childTnLst>
+                              <p:par>
+                                <p:cTn id="5" presetID="10" presetClass="entr" presetSubtype="0" fill="hold" nodeType="clickEffect">
+                                  <p:stCondLst>
+                                    <p:cond delay="0"/>
+                                  </p:stCondLst>
+                                  <p:childTnLst>
+                                    <p:set>
+                                      <p:cBhvr>
+                                        <p:cTn id="6" dur="1" fill="hold">
+                                          <p:stCondLst>
+                                            <p:cond delay="0"/>
+                                          </p:stCondLst>
+                                        </p:cTn>
+                                        <p:tgtEl>
+                                          <p:spTgt spid="3">
+                                            <p:txEl>
+                                              <p:pRg st="0" end="0"/>
+                                            </p:txEl>
+                                          </p:spTgt>
+                                        </p:tgtEl>
+                                        <p:attrNameLst>
+                                          <p:attrName>style.visibility</p:attrName>
+                                        </p:attrNameLst>
+                                      </p:cBhvr>
+                                      <p:to>
+                                        <p:strVal val="visible"/>
+                                      </p:to>
+                                    </p:set>
+                                    <p:animEffect transition="in" filter="fade">
+                                      <p:cBhvr>
+                                        <p:cTn id="7" dur="500"/>
+                                        <p:tgtEl>
+                                          <p:spTgt spid="3">
+                                            <p:txEl>
+                                              <p:pRg st="0" end="0"/>
+                                            </p:txEl>
+                                          </p:spTgt>
+                                        </p:tgtEl>
+                                      </p:cBhvr>
+                                    </p:animEffect>
+                                  </p:childTnLst>
+                                </p:cTn>
+                              </p:par>
+                            </p:childTnLst>
+                          </p:cTn>
+                        </p:par>
+                      </p:childTnLst>
+                    </p:cTn>
+                  </p:par>
+                  <p:par>
+                    <p:cTn id="8" fill="hold">
+                      <p:stCondLst>
+                        <p:cond delay="indefinite"/>
+                      </p:stCondLst>
+                      <p:childTnLst>
+                        <p:par>
+                          <p:cTn id="9" fill="hold">
+                            <p:stCondLst>
+                              <p:cond delay="0"/>
+                            </p:stCondLst>
+                            <p:childTnLst>
+                              <p:par>
+                                <p:cTn id="10" presetID="10" presetClass="entr" presetSubtype="0" fill="hold" nodeType="clickEffect">
+                                  <p:stCondLst>
+                                    <p:cond delay="0"/>
+                                  </p:stCondLst>
+                                  <p:childTnLst>
+                                    <p:set>
+                                      <p:cBhvr>
+                                        <p:cTn id="11" dur="1" fill="hold">
+                                          <p:stCondLst>
+                                            <p:cond delay="0"/>
+                                          </p:stCondLst>
+                                        </p:cTn>
+                                        <p:tgtEl>
+                                          <p:spTgt spid="3">
+                                            <p:txEl>
+                                              <p:pRg st="1" end="1"/>
+                                            </p:txEl>
+                                          </p:spTgt>
+                                        </p:tgtEl>
+                                        <p:attrNameLst>
+                                          <p:attrName>style.visibility</p:attrName>
+                                        </p:attrNameLst>
+                                      </p:cBhvr>
+                                      <p:to>
+                                        <p:strVal val="visible"/>
+                                      </p:to>
+                                    </p:set>
+                                    <p:animEffect transition="in" filter="fade">
+                                      <p:cBhvr>
+                                        <p:cTn id="12" dur="500"/>
+                                        <p:tgtEl>
+                                          <p:spTgt spid="3">
+                                            <p:txEl>
+                                              <p:pRg st="1" end="1"/>
+                                            </p:txEl>
+                                          </p:spTgt>
+                                        </p:tgtEl>
+                                      </p:cBhvr>
+                                    </p:animEffect>
+                                  </p:childTnLst>
+                                </p:cTn>
+                              </p:par>
+                            </p:childTnLst>
+                          </p:cTn>
+                        </p:par>
+                      </p:childTnLst>
+                    </p:cTn>
+                  </p:par>
+                  <p:par>
+                    <p:cTn id="13" fill="hold">
+                      <p:stCondLst>
+                        <p:cond delay="indefinite"/>
+                      </p:stCondLst>
+                      <p:childTnLst>
+                        <p:par>
+                          <p:cTn id="14" fill="hold">
+                            <p:stCondLst>
+                              <p:cond delay="0"/>
+                            </p:stCondLst>
+                            <p:childTnLst>
+                              <p:par>
+                                <p:cTn id="15" presetID="10" presetClass="entr" presetSubtype="0" fill="hold" nodeType="clickEffect">
+                                  <p:stCondLst>
+                                    <p:cond delay="0"/>
+                                  </p:stCondLst>
+                                  <p:childTnLst>
+                                    <p:set>
+                                      <p:cBhvr>
+                                        <p:cTn id="16" dur="1" fill="hold">
+                                          <p:stCondLst>
+                                            <p:cond delay="0"/>
+                                          </p:stCondLst>
+                                        </p:cTn>
+                                        <p:tgtEl>
+                                          <p:spTgt spid="3">
+                                            <p:txEl>
+                                              <p:pRg st="2" end="2"/>
+                                            </p:txEl>
+                                          </p:spTgt>
+                                        </p:tgtEl>
+                                        <p:attrNameLst>
+                                          <p:attrName>style.visibility</p:attrName>
+                                        </p:attrNameLst>
+                                      </p:cBhvr>
+                                      <p:to>
+                                        <p:strVal val="visible"/>
+                                      </p:to>
+                                    </p:set>
+                                    <p:animEffect transition="in" filter="fade">
+                                      <p:cBhvr>
+                                        <p:cTn id="17" dur="500"/>
+                                        <p:tgtEl>
+                                          <p:spTgt spid="3">
+                                            <p:txEl>
+                                              <p:pRg st="2" end="2"/>
+                                            </p:txEl>
+                                          </p:spTgt>
+                                        </p:tgtEl>
+                                      </p:cBhvr>
+                                    </p:animEffect>
+                                  </p:childTnLst>
+                                </p:cTn>
+                              </p:par>
+                              <p:par>
+                                <p:cTn id="18" presetID="10" presetClass="entr" presetSubtype="0" fill="hold" nodeType="withEffect">
+                                  <p:stCondLst>
+                                    <p:cond delay="0"/>
+                                  </p:stCondLst>
+                                  <p:childTnLst>
+                                    <p:set>
+                                      <p:cBhvr>
+                                        <p:cTn id="19" dur="1" fill="hold">
+                                          <p:stCondLst>
+                                            <p:cond delay="0"/>
+                                          </p:stCondLst>
+                                        </p:cTn>
+                                        <p:tgtEl>
+                                          <p:spTgt spid="3">
+                                            <p:txEl>
+                                              <p:pRg st="3" end="3"/>
+                                            </p:txEl>
+                                          </p:spTgt>
+                                        </p:tgtEl>
+                                        <p:attrNameLst>
+                                          <p:attrName>style.visibility</p:attrName>
+                                        </p:attrNameLst>
+                                      </p:cBhvr>
+                                      <p:to>
+                                        <p:strVal val="visible"/>
+                                      </p:to>
+                                    </p:set>
+                                    <p:animEffect transition="in" filter="fade">
+                                      <p:cBhvr>
+                                        <p:cTn id="20" dur="500"/>
+                                        <p:tgtEl>
+                                          <p:spTgt spid="3">
+                                            <p:txEl>
+                                              <p:pRg st="3" end="3"/>
+                                            </p:txEl>
+                                          </p:spTgt>
+                                        </p:tgtEl>
+                                      </p:cBhvr>
+                                    </p:animEffect>
+                                  </p:childTnLst>
+                                </p:cTn>
+                              </p:par>
+                            </p:childTnLst>
+                          </p:cTn>
+                        </p:par>
+                      </p:childTnLst>
+                    </p:cTn>
+                  </p:par>
+                </p:childTnLst>
+              </p:cTn>
+              <p:prevCondLst>
+                <p:cond evt="onPrev" delay="0">
+                  <p:tgtEl>
+                    <p:sldTgt/>
+                  </p:tgtEl>
+                </p:cond>
+              </p:prevCondLst>
+              <p:nextCondLst>
+                <p:cond evt="onNext" delay="0">
+                  <p:tgtEl>
+                    <p:sldTgt/>
+                  </p:tgtEl>
+                </p:cond>
+              </p:nextCondLst>
+            </p:seq>
+          </p:childTnLst>
+        </p:cTn>
+      </p:par>
+    </p:tnLst>
+  </p:timing>
 </p:sld>
 </file>
 
@@ -7779,6 +10578,280 @@
   <p:clrMapOvr>
     <a:masterClrMapping/>
   </p:clrMapOvr>
+  <p:timing>
+    <p:tnLst>
+      <p:par>
+        <p:cTn id="1" dur="indefinite" restart="never" nodeType="tmRoot">
+          <p:childTnLst>
+            <p:seq concurrent="1" nextAc="seek">
+              <p:cTn id="2" dur="indefinite" nodeType="mainSeq">
+                <p:childTnLst>
+                  <p:par>
+                    <p:cTn id="3" fill="hold">
+                      <p:stCondLst>
+                        <p:cond delay="indefinite"/>
+                      </p:stCondLst>
+                      <p:childTnLst>
+                        <p:par>
+                          <p:cTn id="4" fill="hold">
+                            <p:stCondLst>
+                              <p:cond delay="0"/>
+                            </p:stCondLst>
+                            <p:childTnLst>
+                              <p:par>
+                                <p:cTn id="5" presetID="10" presetClass="entr" presetSubtype="0" fill="hold" nodeType="clickEffect">
+                                  <p:stCondLst>
+                                    <p:cond delay="0"/>
+                                  </p:stCondLst>
+                                  <p:childTnLst>
+                                    <p:set>
+                                      <p:cBhvr>
+                                        <p:cTn id="6" dur="1" fill="hold">
+                                          <p:stCondLst>
+                                            <p:cond delay="0"/>
+                                          </p:stCondLst>
+                                        </p:cTn>
+                                        <p:tgtEl>
+                                          <p:spTgt spid="3">
+                                            <p:txEl>
+                                              <p:pRg st="0" end="0"/>
+                                            </p:txEl>
+                                          </p:spTgt>
+                                        </p:tgtEl>
+                                        <p:attrNameLst>
+                                          <p:attrName>style.visibility</p:attrName>
+                                        </p:attrNameLst>
+                                      </p:cBhvr>
+                                      <p:to>
+                                        <p:strVal val="visible"/>
+                                      </p:to>
+                                    </p:set>
+                                    <p:animEffect transition="in" filter="fade">
+                                      <p:cBhvr>
+                                        <p:cTn id="7" dur="500"/>
+                                        <p:tgtEl>
+                                          <p:spTgt spid="3">
+                                            <p:txEl>
+                                              <p:pRg st="0" end="0"/>
+                                            </p:txEl>
+                                          </p:spTgt>
+                                        </p:tgtEl>
+                                      </p:cBhvr>
+                                    </p:animEffect>
+                                  </p:childTnLst>
+                                </p:cTn>
+                              </p:par>
+                            </p:childTnLst>
+                          </p:cTn>
+                        </p:par>
+                      </p:childTnLst>
+                    </p:cTn>
+                  </p:par>
+                  <p:par>
+                    <p:cTn id="8" fill="hold">
+                      <p:stCondLst>
+                        <p:cond delay="indefinite"/>
+                      </p:stCondLst>
+                      <p:childTnLst>
+                        <p:par>
+                          <p:cTn id="9" fill="hold">
+                            <p:stCondLst>
+                              <p:cond delay="0"/>
+                            </p:stCondLst>
+                            <p:childTnLst>
+                              <p:par>
+                                <p:cTn id="10" presetID="10" presetClass="entr" presetSubtype="0" fill="hold" nodeType="clickEffect">
+                                  <p:stCondLst>
+                                    <p:cond delay="0"/>
+                                  </p:stCondLst>
+                                  <p:childTnLst>
+                                    <p:set>
+                                      <p:cBhvr>
+                                        <p:cTn id="11" dur="1" fill="hold">
+                                          <p:stCondLst>
+                                            <p:cond delay="0"/>
+                                          </p:stCondLst>
+                                        </p:cTn>
+                                        <p:tgtEl>
+                                          <p:spTgt spid="3">
+                                            <p:txEl>
+                                              <p:pRg st="1" end="1"/>
+                                            </p:txEl>
+                                          </p:spTgt>
+                                        </p:tgtEl>
+                                        <p:attrNameLst>
+                                          <p:attrName>style.visibility</p:attrName>
+                                        </p:attrNameLst>
+                                      </p:cBhvr>
+                                      <p:to>
+                                        <p:strVal val="visible"/>
+                                      </p:to>
+                                    </p:set>
+                                    <p:animEffect transition="in" filter="fade">
+                                      <p:cBhvr>
+                                        <p:cTn id="12" dur="500"/>
+                                        <p:tgtEl>
+                                          <p:spTgt spid="3">
+                                            <p:txEl>
+                                              <p:pRg st="1" end="1"/>
+                                            </p:txEl>
+                                          </p:spTgt>
+                                        </p:tgtEl>
+                                      </p:cBhvr>
+                                    </p:animEffect>
+                                  </p:childTnLst>
+                                </p:cTn>
+                              </p:par>
+                            </p:childTnLst>
+                          </p:cTn>
+                        </p:par>
+                      </p:childTnLst>
+                    </p:cTn>
+                  </p:par>
+                  <p:par>
+                    <p:cTn id="13" fill="hold">
+                      <p:stCondLst>
+                        <p:cond delay="indefinite"/>
+                      </p:stCondLst>
+                      <p:childTnLst>
+                        <p:par>
+                          <p:cTn id="14" fill="hold">
+                            <p:stCondLst>
+                              <p:cond delay="0"/>
+                            </p:stCondLst>
+                            <p:childTnLst>
+                              <p:par>
+                                <p:cTn id="15" presetID="10" presetClass="entr" presetSubtype="0" fill="hold" nodeType="clickEffect">
+                                  <p:stCondLst>
+                                    <p:cond delay="0"/>
+                                  </p:stCondLst>
+                                  <p:childTnLst>
+                                    <p:set>
+                                      <p:cBhvr>
+                                        <p:cTn id="16" dur="1" fill="hold">
+                                          <p:stCondLst>
+                                            <p:cond delay="0"/>
+                                          </p:stCondLst>
+                                        </p:cTn>
+                                        <p:tgtEl>
+                                          <p:spTgt spid="3">
+                                            <p:txEl>
+                                              <p:pRg st="2" end="2"/>
+                                            </p:txEl>
+                                          </p:spTgt>
+                                        </p:tgtEl>
+                                        <p:attrNameLst>
+                                          <p:attrName>style.visibility</p:attrName>
+                                        </p:attrNameLst>
+                                      </p:cBhvr>
+                                      <p:to>
+                                        <p:strVal val="visible"/>
+                                      </p:to>
+                                    </p:set>
+                                    <p:animEffect transition="in" filter="fade">
+                                      <p:cBhvr>
+                                        <p:cTn id="17" dur="500"/>
+                                        <p:tgtEl>
+                                          <p:spTgt spid="3">
+                                            <p:txEl>
+                                              <p:pRg st="2" end="2"/>
+                                            </p:txEl>
+                                          </p:spTgt>
+                                        </p:tgtEl>
+                                      </p:cBhvr>
+                                    </p:animEffect>
+                                  </p:childTnLst>
+                                </p:cTn>
+                              </p:par>
+                            </p:childTnLst>
+                          </p:cTn>
+                        </p:par>
+                      </p:childTnLst>
+                    </p:cTn>
+                  </p:par>
+                  <p:par>
+                    <p:cTn id="18" fill="hold">
+                      <p:stCondLst>
+                        <p:cond delay="indefinite"/>
+                      </p:stCondLst>
+                      <p:childTnLst>
+                        <p:par>
+                          <p:cTn id="19" fill="hold">
+                            <p:stCondLst>
+                              <p:cond delay="0"/>
+                            </p:stCondLst>
+                            <p:childTnLst>
+                              <p:par>
+                                <p:cTn id="20" presetID="10" presetClass="entr" presetSubtype="0" fill="hold" nodeType="clickEffect">
+                                  <p:stCondLst>
+                                    <p:cond delay="0"/>
+                                  </p:stCondLst>
+                                  <p:childTnLst>
+                                    <p:set>
+                                      <p:cBhvr>
+                                        <p:cTn id="21" dur="1" fill="hold">
+                                          <p:stCondLst>
+                                            <p:cond delay="0"/>
+                                          </p:stCondLst>
+                                        </p:cTn>
+                                        <p:tgtEl>
+                                          <p:spTgt spid="3">
+                                            <p:txEl>
+                                              <p:pRg st="3" end="3"/>
+                                            </p:txEl>
+                                          </p:spTgt>
+                                        </p:tgtEl>
+                                        <p:attrNameLst>
+                                          <p:attrName>style.visibility</p:attrName>
+                                        </p:attrNameLst>
+                                      </p:cBhvr>
+                                      <p:to>
+                                        <p:strVal val="visible"/>
+                                      </p:to>
+                                    </p:set>
+                                    <p:animEffect transition="in" filter="fade">
+                                      <p:cBhvr>
+                                        <p:cTn id="22" dur="500"/>
+                                        <p:tgtEl>
+                                          <p:spTgt spid="3">
+                                            <p:txEl>
+                                              <p:pRg st="3" end="3"/>
+                                            </p:txEl>
+                                          </p:spTgt>
+                                        </p:tgtEl>
+                                      </p:cBhvr>
+                                    </p:animEffect>
+                                  </p:childTnLst>
+                                </p:cTn>
+                              </p:par>
+                            </p:childTnLst>
+                          </p:cTn>
+                        </p:par>
+                      </p:childTnLst>
+                    </p:cTn>
+                  </p:par>
+                </p:childTnLst>
+              </p:cTn>
+              <p:prevCondLst>
+                <p:cond evt="onPrev" delay="0">
+                  <p:tgtEl>
+                    <p:sldTgt/>
+                  </p:tgtEl>
+                </p:cond>
+              </p:prevCondLst>
+              <p:nextCondLst>
+                <p:cond evt="onNext" delay="0">
+                  <p:tgtEl>
+                    <p:sldTgt/>
+                  </p:tgtEl>
+                </p:cond>
+              </p:nextCondLst>
+            </p:seq>
+          </p:childTnLst>
+        </p:cTn>
+      </p:par>
+    </p:tnLst>
+  </p:timing>
 </p:sld>
 </file>
 
@@ -8144,6 +11217,330 @@
   <p:clrMapOvr>
     <a:masterClrMapping/>
   </p:clrMapOvr>
+  <p:timing>
+    <p:tnLst>
+      <p:par>
+        <p:cTn id="1" dur="indefinite" restart="never" nodeType="tmRoot">
+          <p:childTnLst>
+            <p:seq concurrent="1" nextAc="seek">
+              <p:cTn id="2" dur="indefinite" nodeType="mainSeq">
+                <p:childTnLst>
+                  <p:par>
+                    <p:cTn id="3" fill="hold">
+                      <p:stCondLst>
+                        <p:cond delay="indefinite"/>
+                      </p:stCondLst>
+                      <p:childTnLst>
+                        <p:par>
+                          <p:cTn id="4" fill="hold">
+                            <p:stCondLst>
+                              <p:cond delay="0"/>
+                            </p:stCondLst>
+                            <p:childTnLst>
+                              <p:par>
+                                <p:cTn id="5" presetID="10" presetClass="entr" presetSubtype="0" fill="hold" nodeType="clickEffect">
+                                  <p:stCondLst>
+                                    <p:cond delay="0"/>
+                                  </p:stCondLst>
+                                  <p:childTnLst>
+                                    <p:set>
+                                      <p:cBhvr>
+                                        <p:cTn id="6" dur="1" fill="hold">
+                                          <p:stCondLst>
+                                            <p:cond delay="0"/>
+                                          </p:stCondLst>
+                                        </p:cTn>
+                                        <p:tgtEl>
+                                          <p:spTgt spid="3">
+                                            <p:txEl>
+                                              <p:pRg st="0" end="0"/>
+                                            </p:txEl>
+                                          </p:spTgt>
+                                        </p:tgtEl>
+                                        <p:attrNameLst>
+                                          <p:attrName>style.visibility</p:attrName>
+                                        </p:attrNameLst>
+                                      </p:cBhvr>
+                                      <p:to>
+                                        <p:strVal val="visible"/>
+                                      </p:to>
+                                    </p:set>
+                                    <p:animEffect transition="in" filter="fade">
+                                      <p:cBhvr>
+                                        <p:cTn id="7" dur="500"/>
+                                        <p:tgtEl>
+                                          <p:spTgt spid="3">
+                                            <p:txEl>
+                                              <p:pRg st="0" end="0"/>
+                                            </p:txEl>
+                                          </p:spTgt>
+                                        </p:tgtEl>
+                                      </p:cBhvr>
+                                    </p:animEffect>
+                                  </p:childTnLst>
+                                </p:cTn>
+                              </p:par>
+                            </p:childTnLst>
+                          </p:cTn>
+                        </p:par>
+                      </p:childTnLst>
+                    </p:cTn>
+                  </p:par>
+                  <p:par>
+                    <p:cTn id="8" fill="hold">
+                      <p:stCondLst>
+                        <p:cond delay="indefinite"/>
+                      </p:stCondLst>
+                      <p:childTnLst>
+                        <p:par>
+                          <p:cTn id="9" fill="hold">
+                            <p:stCondLst>
+                              <p:cond delay="0"/>
+                            </p:stCondLst>
+                            <p:childTnLst>
+                              <p:par>
+                                <p:cTn id="10" presetID="10" presetClass="entr" presetSubtype="0" fill="hold" nodeType="clickEffect">
+                                  <p:stCondLst>
+                                    <p:cond delay="0"/>
+                                  </p:stCondLst>
+                                  <p:childTnLst>
+                                    <p:set>
+                                      <p:cBhvr>
+                                        <p:cTn id="11" dur="1" fill="hold">
+                                          <p:stCondLst>
+                                            <p:cond delay="0"/>
+                                          </p:stCondLst>
+                                        </p:cTn>
+                                        <p:tgtEl>
+                                          <p:spTgt spid="3">
+                                            <p:txEl>
+                                              <p:pRg st="1" end="1"/>
+                                            </p:txEl>
+                                          </p:spTgt>
+                                        </p:tgtEl>
+                                        <p:attrNameLst>
+                                          <p:attrName>style.visibility</p:attrName>
+                                        </p:attrNameLst>
+                                      </p:cBhvr>
+                                      <p:to>
+                                        <p:strVal val="visible"/>
+                                      </p:to>
+                                    </p:set>
+                                    <p:animEffect transition="in" filter="fade">
+                                      <p:cBhvr>
+                                        <p:cTn id="12" dur="500"/>
+                                        <p:tgtEl>
+                                          <p:spTgt spid="3">
+                                            <p:txEl>
+                                              <p:pRg st="1" end="1"/>
+                                            </p:txEl>
+                                          </p:spTgt>
+                                        </p:tgtEl>
+                                      </p:cBhvr>
+                                    </p:animEffect>
+                                  </p:childTnLst>
+                                </p:cTn>
+                              </p:par>
+                              <p:par>
+                                <p:cTn id="13" presetID="10" presetClass="entr" presetSubtype="0" fill="hold" nodeType="withEffect">
+                                  <p:stCondLst>
+                                    <p:cond delay="0"/>
+                                  </p:stCondLst>
+                                  <p:childTnLst>
+                                    <p:set>
+                                      <p:cBhvr>
+                                        <p:cTn id="14" dur="1" fill="hold">
+                                          <p:stCondLst>
+                                            <p:cond delay="0"/>
+                                          </p:stCondLst>
+                                        </p:cTn>
+                                        <p:tgtEl>
+                                          <p:spTgt spid="3">
+                                            <p:txEl>
+                                              <p:pRg st="2" end="2"/>
+                                            </p:txEl>
+                                          </p:spTgt>
+                                        </p:tgtEl>
+                                        <p:attrNameLst>
+                                          <p:attrName>style.visibility</p:attrName>
+                                        </p:attrNameLst>
+                                      </p:cBhvr>
+                                      <p:to>
+                                        <p:strVal val="visible"/>
+                                      </p:to>
+                                    </p:set>
+                                    <p:animEffect transition="in" filter="fade">
+                                      <p:cBhvr>
+                                        <p:cTn id="15" dur="500"/>
+                                        <p:tgtEl>
+                                          <p:spTgt spid="3">
+                                            <p:txEl>
+                                              <p:pRg st="2" end="2"/>
+                                            </p:txEl>
+                                          </p:spTgt>
+                                        </p:tgtEl>
+                                      </p:cBhvr>
+                                    </p:animEffect>
+                                  </p:childTnLst>
+                                </p:cTn>
+                              </p:par>
+                              <p:par>
+                                <p:cTn id="16" presetID="10" presetClass="entr" presetSubtype="0" fill="hold" nodeType="withEffect">
+                                  <p:stCondLst>
+                                    <p:cond delay="0"/>
+                                  </p:stCondLst>
+                                  <p:childTnLst>
+                                    <p:set>
+                                      <p:cBhvr>
+                                        <p:cTn id="17" dur="1" fill="hold">
+                                          <p:stCondLst>
+                                            <p:cond delay="0"/>
+                                          </p:stCondLst>
+                                        </p:cTn>
+                                        <p:tgtEl>
+                                          <p:spTgt spid="3">
+                                            <p:txEl>
+                                              <p:pRg st="3" end="3"/>
+                                            </p:txEl>
+                                          </p:spTgt>
+                                        </p:tgtEl>
+                                        <p:attrNameLst>
+                                          <p:attrName>style.visibility</p:attrName>
+                                        </p:attrNameLst>
+                                      </p:cBhvr>
+                                      <p:to>
+                                        <p:strVal val="visible"/>
+                                      </p:to>
+                                    </p:set>
+                                    <p:animEffect transition="in" filter="fade">
+                                      <p:cBhvr>
+                                        <p:cTn id="18" dur="500"/>
+                                        <p:tgtEl>
+                                          <p:spTgt spid="3">
+                                            <p:txEl>
+                                              <p:pRg st="3" end="3"/>
+                                            </p:txEl>
+                                          </p:spTgt>
+                                        </p:tgtEl>
+                                      </p:cBhvr>
+                                    </p:animEffect>
+                                  </p:childTnLst>
+                                </p:cTn>
+                              </p:par>
+                              <p:par>
+                                <p:cTn id="19" presetID="10" presetClass="entr" presetSubtype="0" fill="hold" nodeType="withEffect">
+                                  <p:stCondLst>
+                                    <p:cond delay="0"/>
+                                  </p:stCondLst>
+                                  <p:childTnLst>
+                                    <p:set>
+                                      <p:cBhvr>
+                                        <p:cTn id="20" dur="1" fill="hold">
+                                          <p:stCondLst>
+                                            <p:cond delay="0"/>
+                                          </p:stCondLst>
+                                        </p:cTn>
+                                        <p:tgtEl>
+                                          <p:spTgt spid="3">
+                                            <p:txEl>
+                                              <p:pRg st="4" end="4"/>
+                                            </p:txEl>
+                                          </p:spTgt>
+                                        </p:tgtEl>
+                                        <p:attrNameLst>
+                                          <p:attrName>style.visibility</p:attrName>
+                                        </p:attrNameLst>
+                                      </p:cBhvr>
+                                      <p:to>
+                                        <p:strVal val="visible"/>
+                                      </p:to>
+                                    </p:set>
+                                    <p:animEffect transition="in" filter="fade">
+                                      <p:cBhvr>
+                                        <p:cTn id="21" dur="500"/>
+                                        <p:tgtEl>
+                                          <p:spTgt spid="3">
+                                            <p:txEl>
+                                              <p:pRg st="4" end="4"/>
+                                            </p:txEl>
+                                          </p:spTgt>
+                                        </p:tgtEl>
+                                      </p:cBhvr>
+                                    </p:animEffect>
+                                  </p:childTnLst>
+                                </p:cTn>
+                              </p:par>
+                              <p:par>
+                                <p:cTn id="22" presetID="10" presetClass="entr" presetSubtype="0" fill="hold" nodeType="withEffect">
+                                  <p:stCondLst>
+                                    <p:cond delay="0"/>
+                                  </p:stCondLst>
+                                  <p:childTnLst>
+                                    <p:set>
+                                      <p:cBhvr>
+                                        <p:cTn id="23" dur="1" fill="hold">
+                                          <p:stCondLst>
+                                            <p:cond delay="0"/>
+                                          </p:stCondLst>
+                                        </p:cTn>
+                                        <p:tgtEl>
+                                          <p:spTgt spid="3">
+                                            <p:txEl>
+                                              <p:pRg st="5" end="5"/>
+                                            </p:txEl>
+                                          </p:spTgt>
+                                        </p:tgtEl>
+                                        <p:attrNameLst>
+                                          <p:attrName>style.visibility</p:attrName>
+                                        </p:attrNameLst>
+                                      </p:cBhvr>
+                                      <p:to>
+                                        <p:strVal val="visible"/>
+                                      </p:to>
+                                    </p:set>
+                                    <p:animEffect transition="in" filter="fade">
+                                      <p:cBhvr>
+                                        <p:cTn id="24" dur="500"/>
+                                        <p:tgtEl>
+                                          <p:spTgt spid="3">
+                                            <p:txEl>
+                                              <p:pRg st="5" end="5"/>
+                                            </p:txEl>
+                                          </p:spTgt>
+                                        </p:tgtEl>
+                                      </p:cBhvr>
+                                    </p:animEffect>
+                                  </p:childTnLst>
+                                </p:cTn>
+                              </p:par>
+                            </p:childTnLst>
+                          </p:cTn>
+                        </p:par>
+                      </p:childTnLst>
+                    </p:cTn>
+                  </p:par>
+                </p:childTnLst>
+              </p:cTn>
+              <p:prevCondLst>
+                <p:cond evt="onPrev" delay="0">
+                  <p:tgtEl>
+                    <p:sldTgt/>
+                  </p:tgtEl>
+                </p:cond>
+              </p:prevCondLst>
+              <p:nextCondLst>
+                <p:cond evt="onNext" delay="0">
+                  <p:tgtEl>
+                    <p:sldTgt/>
+                  </p:tgtEl>
+                </p:cond>
+              </p:nextCondLst>
+            </p:seq>
+          </p:childTnLst>
+        </p:cTn>
+      </p:par>
+    </p:tnLst>
+  </p:timing>
 </p:sld>
 </file>
 
@@ -9033,7 +12430,11 @@
                                           </p:stCondLst>
                                         </p:cTn>
                                         <p:tgtEl>
-                                          <p:spTgt spid="5"/>
+                                          <p:spTgt spid="3">
+                                            <p:txEl>
+                                              <p:pRg st="0" end="0"/>
+                                            </p:txEl>
+                                          </p:spTgt>
                                         </p:tgtEl>
                                         <p:attrNameLst>
                                           <p:attrName>style.visibility</p:attrName>
@@ -9047,42 +12448,11 @@
                                       <p:cBhvr>
                                         <p:cTn id="7" dur="500"/>
                                         <p:tgtEl>
-                                          <p:spTgt spid="5"/>
-                                        </p:tgtEl>
-                                      </p:cBhvr>
-                                    </p:animEffect>
-                                  </p:childTnLst>
-                                </p:cTn>
-                              </p:par>
-                              <p:par>
-                                <p:cTn id="8" presetID="10" presetClass="entr" presetSubtype="0" fill="hold" nodeType="withEffect">
-                                  <p:stCondLst>
-                                    <p:cond delay="0"/>
-                                  </p:stCondLst>
-                                  <p:childTnLst>
-                                    <p:set>
-                                      <p:cBhvr>
-                                        <p:cTn id="9" dur="1" fill="hold">
-                                          <p:stCondLst>
-                                            <p:cond delay="0"/>
-                                          </p:stCondLst>
-                                        </p:cTn>
-                                        <p:tgtEl>
-                                          <p:spTgt spid="6"/>
-                                        </p:tgtEl>
-                                        <p:attrNameLst>
-                                          <p:attrName>style.visibility</p:attrName>
-                                        </p:attrNameLst>
-                                      </p:cBhvr>
-                                      <p:to>
-                                        <p:strVal val="visible"/>
-                                      </p:to>
-                                    </p:set>
-                                    <p:animEffect transition="in" filter="fade">
-                                      <p:cBhvr>
-                                        <p:cTn id="10" dur="500"/>
-                                        <p:tgtEl>
-                                          <p:spTgt spid="6"/>
+                                          <p:spTgt spid="3">
+                                            <p:txEl>
+                                              <p:pRg st="0" end="0"/>
+                                            </p:txEl>
+                                          </p:spTgt>
                                         </p:tgtEl>
                                       </p:cBhvr>
                                     </p:animEffect>
@@ -9096,32 +12466,67 @@
                     </p:cTn>
                   </p:par>
                   <p:par>
-                    <p:cTn id="11" fill="hold">
+                    <p:cTn id="8" fill="hold">
                       <p:stCondLst>
                         <p:cond delay="indefinite"/>
                       </p:stCondLst>
                       <p:childTnLst>
                         <p:par>
-                          <p:cTn id="12" fill="hold">
+                          <p:cTn id="9" fill="hold">
                             <p:stCondLst>
                               <p:cond delay="0"/>
                             </p:stCondLst>
                             <p:childTnLst>
                               <p:par>
-                                <p:cTn id="13" presetID="10" presetClass="entr" presetSubtype="0" fill="hold" grpId="0" nodeType="clickEffect">
+                                <p:cTn id="10" presetID="10" presetClass="entr" presetSubtype="0" fill="hold" grpId="0" nodeType="clickEffect">
                                   <p:stCondLst>
                                     <p:cond delay="0"/>
                                   </p:stCondLst>
                                   <p:childTnLst>
                                     <p:set>
                                       <p:cBhvr>
+                                        <p:cTn id="11" dur="1" fill="hold">
+                                          <p:stCondLst>
+                                            <p:cond delay="0"/>
+                                          </p:stCondLst>
+                                        </p:cTn>
+                                        <p:tgtEl>
+                                          <p:spTgt spid="5"/>
+                                        </p:tgtEl>
+                                        <p:attrNameLst>
+                                          <p:attrName>style.visibility</p:attrName>
+                                        </p:attrNameLst>
+                                      </p:cBhvr>
+                                      <p:to>
+                                        <p:strVal val="visible"/>
+                                      </p:to>
+                                    </p:set>
+                                    <p:animEffect transition="in" filter="fade">
+                                      <p:cBhvr>
+                                        <p:cTn id="12" dur="500"/>
+                                        <p:tgtEl>
+                                          <p:spTgt spid="5"/>
+                                        </p:tgtEl>
+                                      </p:cBhvr>
+                                    </p:animEffect>
+                                  </p:childTnLst>
+                                </p:cTn>
+                              </p:par>
+                              <p:par>
+                                <p:cTn id="13" presetID="10" presetClass="entr" presetSubtype="0" fill="hold" nodeType="withEffect">
+                                  <p:stCondLst>
+                                    <p:cond delay="0"/>
+                                  </p:stCondLst>
+                                  <p:childTnLst>
+                                    <p:set>
+                                      <p:cBhvr>
                                         <p:cTn id="14" dur="1" fill="hold">
                                           <p:stCondLst>
                                             <p:cond delay="0"/>
                                           </p:stCondLst>
                                         </p:cTn>
                                         <p:tgtEl>
-                                          <p:spTgt spid="4"/>
+                                          <p:spTgt spid="6"/>
                                         </p:tgtEl>
                                         <p:attrNameLst>
                                           <p:attrName>style.visibility</p:attrName>
@@ -9135,42 +12540,7 @@
                                       <p:cBhvr>
                                         <p:cTn id="15" dur="500"/>
                                         <p:tgtEl>
-                                          <p:spTgt spid="4"/>
-                                        </p:tgtEl>
-                                      </p:cBhvr>
-                                    </p:animEffect>
-                                  </p:childTnLst>
-                                </p:cTn>
-                              </p:par>
-                              <p:par>
-                                <p:cTn id="16" presetID="10" presetClass="entr" presetSubtype="0" fill="hold" nodeType="withEffect">
-                                  <p:stCondLst>
-                                    <p:cond delay="0"/>
-                                  </p:stCondLst>
-                                  <p:childTnLst>
-                                    <p:set>
-                                      <p:cBhvr>
-                                        <p:cTn id="17" dur="1" fill="hold">
-                                          <p:stCondLst>
-                                            <p:cond delay="0"/>
-                                          </p:stCondLst>
-                                        </p:cTn>
-                                        <p:tgtEl>
-                                          <p:spTgt spid="9"/>
-                                        </p:tgtEl>
-                                        <p:attrNameLst>
-                                          <p:attrName>style.visibility</p:attrName>
-                                        </p:attrNameLst>
-                                      </p:cBhvr>
-                                      <p:to>
-                                        <p:strVal val="visible"/>
-                                      </p:to>
-                                    </p:set>
-                                    <p:animEffect transition="in" filter="fade">
-                                      <p:cBhvr>
-                                        <p:cTn id="18" dur="500"/>
-                                        <p:tgtEl>
-                                          <p:spTgt spid="9"/>
+                                          <p:spTgt spid="6"/>
                                         </p:tgtEl>
                                       </p:cBhvr>
                                     </p:animEffect>
@@ -9184,19 +12554,54 @@
                     </p:cTn>
                   </p:par>
                   <p:par>
-                    <p:cTn id="19" fill="hold">
+                    <p:cTn id="16" fill="hold">
                       <p:stCondLst>
                         <p:cond delay="indefinite"/>
                       </p:stCondLst>
                       <p:childTnLst>
                         <p:par>
-                          <p:cTn id="20" fill="hold">
+                          <p:cTn id="17" fill="hold">
                             <p:stCondLst>
                               <p:cond delay="0"/>
                             </p:stCondLst>
                             <p:childTnLst>
                               <p:par>
-                                <p:cTn id="21" presetID="10" presetClass="entr" presetSubtype="0" fill="hold" nodeType="clickEffect">
+                                <p:cTn id="18" presetID="10" presetClass="entr" presetSubtype="0" fill="hold" nodeType="clickEffect">
+                                  <p:stCondLst>
+                                    <p:cond delay="0"/>
+                                  </p:stCondLst>
+                                  <p:childTnLst>
+                                    <p:set>
+                                      <p:cBhvr>
+                                        <p:cTn id="19" dur="1" fill="hold">
+                                          <p:stCondLst>
+                                            <p:cond delay="0"/>
+                                          </p:stCondLst>
+                                        </p:cTn>
+                                        <p:tgtEl>
+                                          <p:spTgt spid="11"/>
+                                        </p:tgtEl>
+                                        <p:attrNameLst>
+                                          <p:attrName>style.visibility</p:attrName>
+                                        </p:attrNameLst>
+                                      </p:cBhvr>
+                                      <p:to>
+                                        <p:strVal val="visible"/>
+                                      </p:to>
+                                    </p:set>
+                                    <p:animEffect transition="in" filter="fade">
+                                      <p:cBhvr>
+                                        <p:cTn id="20" dur="500"/>
+                                        <p:tgtEl>
+                                          <p:spTgt spid="11"/>
+                                        </p:tgtEl>
+                                      </p:cBhvr>
+                                    </p:animEffect>
+                                  </p:childTnLst>
+                                </p:cTn>
+                              </p:par>
+                              <p:par>
+                                <p:cTn id="21" presetID="10" presetClass="entr" presetSubtype="0" fill="hold" nodeType="withEffect">
                                   <p:stCondLst>
                                     <p:cond delay="0"/>
                                   </p:stCondLst>
@@ -9265,15 +12670,33 @@
                                   </p:childTnLst>
                                 </p:cTn>
                               </p:par>
+                            </p:childTnLst>
+                          </p:cTn>
+                        </p:par>
+                      </p:childTnLst>
+                    </p:cTn>
+                  </p:par>
+                  <p:par>
+                    <p:cTn id="27" fill="hold">
+                      <p:stCondLst>
+                        <p:cond delay="indefinite"/>
+                      </p:stCondLst>
+                      <p:childTnLst>
+                        <p:par>
+                          <p:cTn id="28" fill="hold">
+                            <p:stCondLst>
+                              <p:cond delay="0"/>
+                            </p:stCondLst>
+                            <p:childTnLst>
                               <p:par>
-                                <p:cTn id="27" presetID="10" presetClass="entr" presetSubtype="0" fill="hold" nodeType="withEffect">
+                                <p:cTn id="29" presetID="10" presetClass="entr" presetSubtype="0" fill="hold" nodeType="clickEffect">
                                   <p:stCondLst>
                                     <p:cond delay="0"/>
                                   </p:stCondLst>
                                   <p:childTnLst>
                                     <p:set>
                                       <p:cBhvr>
-                                        <p:cTn id="28" dur="1" fill="hold">
+                                        <p:cTn id="30" dur="1" fill="hold">
                                           <p:stCondLst>
                                             <p:cond delay="0"/>
                                           </p:stCondLst>
@@ -9291,7 +12714,7 @@
                                     </p:set>
                                     <p:animEffect transition="in" filter="fade">
                                       <p:cBhvr>
-                                        <p:cTn id="29" dur="500"/>
+                                        <p:cTn id="31" dur="500"/>
                                         <p:tgtEl>
                                           <p:spTgt spid="10"/>
                                         </p:tgtEl>
@@ -9301,20 +12724,20 @@
                                 </p:cTn>
                               </p:par>
                               <p:par>
-                                <p:cTn id="30" presetID="10" presetClass="entr" presetSubtype="0" fill="hold" nodeType="withEffect">
+                                <p:cTn id="32" presetID="10" presetClass="entr" presetSubtype="0" fill="hold" grpId="0" nodeType="withEffect">
                                   <p:stCondLst>
                                     <p:cond delay="0"/>
                                   </p:stCondLst>
                                   <p:childTnLst>
                                     <p:set>
                                       <p:cBhvr>
-                                        <p:cTn id="31" dur="1" fill="hold">
+                                        <p:cTn id="33" dur="1" fill="hold">
                                           <p:stCondLst>
                                             <p:cond delay="0"/>
                                           </p:stCondLst>
                                         </p:cTn>
                                         <p:tgtEl>
-                                          <p:spTgt spid="11"/>
+                                          <p:spTgt spid="4"/>
                                         </p:tgtEl>
                                         <p:attrNameLst>
                                           <p:attrName>style.visibility</p:attrName>
@@ -9326,9 +12749,9 @@
                                     </p:set>
                                     <p:animEffect transition="in" filter="fade">
                                       <p:cBhvr>
-                                        <p:cTn id="32" dur="500"/>
-                                        <p:tgtEl>
-                                          <p:spTgt spid="11"/>
+                                        <p:cTn id="34" dur="500"/>
+                                        <p:tgtEl>
+                                          <p:spTgt spid="4"/>
                                         </p:tgtEl>
                                       </p:cBhvr>
                                     </p:animEffect>
@@ -9336,20 +12759,20 @@
                                 </p:cTn>
                               </p:par>
                               <p:par>
-                                <p:cTn id="33" presetID="10" presetClass="entr" presetSubtype="0" fill="hold" nodeType="withEffect">
+                                <p:cTn id="35" presetID="10" presetClass="entr" presetSubtype="0" fill="hold" nodeType="withEffect">
                                   <p:stCondLst>
                                     <p:cond delay="0"/>
                                   </p:stCondLst>
                                   <p:childTnLst>
                                     <p:set>
                                       <p:cBhvr>
-                                        <p:cTn id="34" dur="1" fill="hold">
+                                        <p:cTn id="36" dur="1" fill="hold">
                                           <p:stCondLst>
                                             <p:cond delay="0"/>
                                           </p:stCondLst>
                                         </p:cTn>
                                         <p:tgtEl>
-                                          <p:spTgt spid="16"/>
+                                          <p:spTgt spid="9"/>
                                         </p:tgtEl>
                                         <p:attrNameLst>
                                           <p:attrName>style.visibility</p:attrName>
@@ -9361,7 +12784,42 @@
                                     </p:set>
                                     <p:animEffect transition="in" filter="fade">
                                       <p:cBhvr>
-                                        <p:cTn id="35" dur="500"/>
+                                        <p:cTn id="37" dur="500"/>
+                                        <p:tgtEl>
+                                          <p:spTgt spid="9"/>
+                                        </p:tgtEl>
+                                      </p:cBhvr>
+                                    </p:animEffect>
+                                  </p:childTnLst>
+                                </p:cTn>
+                              </p:par>
+                              <p:par>
+                                <p:cTn id="38" presetID="10" presetClass="entr" presetSubtype="0" fill="hold" nodeType="withEffect">
+                                  <p:stCondLst>
+                                    <p:cond delay="0"/>
+                                  </p:stCondLst>
+                                  <p:childTnLst>
+                                    <p:set>
+                                      <p:cBhvr>
+                                        <p:cTn id="39" dur="1" fill="hold">
+                                          <p:stCondLst>
+                                            <p:cond delay="0"/>
+                                          </p:stCondLst>
+                                        </p:cTn>
+                                        <p:tgtEl>
+                                          <p:spTgt spid="16"/>
+                                        </p:tgtEl>
+                                        <p:attrNameLst>
+                                          <p:attrName>style.visibility</p:attrName>
+                                        </p:attrNameLst>
+                                      </p:cBhvr>
+                                      <p:to>
+                                        <p:strVal val="visible"/>
+                                      </p:to>
+                                    </p:set>
+                                    <p:animEffect transition="in" filter="fade">
+                                      <p:cBhvr>
+                                        <p:cTn id="40" dur="500"/>
                                         <p:tgtEl>
                                           <p:spTgt spid="16"/>
                                         </p:tgtEl>
@@ -9398,6 +12856,7 @@
       </p:par>
     </p:tnLst>
     <p:bldLst>
+      <p:bldP spid="3" grpId="0" build="p"/>
       <p:bldP spid="4" grpId="0" animBg="1"/>
       <p:bldP spid="5" grpId="0" animBg="1"/>
       <p:bldP spid="8" grpId="0" animBg="1"/>

--- a/2023-01-17 Dotnet Foundation Summit 2023/ABP Multi-Tenancy.pptx
+++ b/2023-01-17 Dotnet Foundation Summit 2023/ABP Multi-Tenancy.pptx
@@ -9309,7 +9309,7 @@
                 <a:latin typeface="Euclid Circular B" panose="020B0504000000000000" pitchFamily="34" charset="0"/>
                 <a:ea typeface="Euclid Circular B" panose="020B0504000000000000" pitchFamily="34" charset="0"/>
               </a:rPr>
-              <a:t>Concepts:</a:t>
+              <a:t>Sides:</a:t>
             </a:r>
           </a:p>
           <a:p>
@@ -12566,7 +12566,7 @@
                             </p:stCondLst>
                             <p:childTnLst>
                               <p:par>
-                                <p:cTn id="18" presetID="10" presetClass="entr" presetSubtype="0" fill="hold" nodeType="clickEffect">
+                                <p:cTn id="18" presetID="10" presetClass="entr" presetSubtype="0" fill="hold" grpId="0" nodeType="clickEffect">
                                   <p:stCondLst>
                                     <p:cond delay="0"/>
                                   </p:stCondLst>
@@ -12579,7 +12579,7 @@
                                           </p:stCondLst>
                                         </p:cTn>
                                         <p:tgtEl>
-                                          <p:spTgt spid="11"/>
+                                          <p:spTgt spid="4"/>
                                         </p:tgtEl>
                                         <p:attrNameLst>
                                           <p:attrName>style.visibility</p:attrName>
@@ -12593,7 +12593,7 @@
                                       <p:cBhvr>
                                         <p:cTn id="20" dur="500"/>
                                         <p:tgtEl>
-                                          <p:spTgt spid="11"/>
+                                          <p:spTgt spid="4"/>
                                         </p:tgtEl>
                                       </p:cBhvr>
                                     </p:animEffect>
@@ -12614,7 +12614,7 @@
                                           </p:stCondLst>
                                         </p:cTn>
                                         <p:tgtEl>
-                                          <p:spTgt spid="7"/>
+                                          <p:spTgt spid="9"/>
                                         </p:tgtEl>
                                         <p:attrNameLst>
                                           <p:attrName>style.visibility</p:attrName>
@@ -12628,7 +12628,7 @@
                                       <p:cBhvr>
                                         <p:cTn id="23" dur="500"/>
                                         <p:tgtEl>
-                                          <p:spTgt spid="7"/>
+                                          <p:spTgt spid="9"/>
                                         </p:tgtEl>
                                       </p:cBhvr>
                                     </p:animEffect>
@@ -12636,7 +12636,7 @@
                                 </p:cTn>
                               </p:par>
                               <p:par>
-                                <p:cTn id="24" presetID="10" presetClass="entr" presetSubtype="0" fill="hold" grpId="0" nodeType="withEffect">
+                                <p:cTn id="24" presetID="10" presetClass="entr" presetSubtype="0" fill="hold" nodeType="withEffect">
                                   <p:stCondLst>
                                     <p:cond delay="0"/>
                                   </p:stCondLst>
@@ -12649,7 +12649,7 @@
                                           </p:stCondLst>
                                         </p:cTn>
                                         <p:tgtEl>
-                                          <p:spTgt spid="8"/>
+                                          <p:spTgt spid="16"/>
                                         </p:tgtEl>
                                         <p:attrNameLst>
                                           <p:attrName>style.visibility</p:attrName>
@@ -12663,7 +12663,7 @@
                                       <p:cBhvr>
                                         <p:cTn id="26" dur="500"/>
                                         <p:tgtEl>
-                                          <p:spTgt spid="8"/>
+                                          <p:spTgt spid="16"/>
                                         </p:tgtEl>
                                       </p:cBhvr>
                                     </p:animEffect>
@@ -12689,7 +12689,7 @@
                             </p:stCondLst>
                             <p:childTnLst>
                               <p:par>
-                                <p:cTn id="29" presetID="10" presetClass="entr" presetSubtype="0" fill="hold" nodeType="clickEffect">
+                                <p:cTn id="29" presetID="10" presetClass="entr" presetSubtype="0" fill="hold" grpId="0" nodeType="clickEffect">
                                   <p:stCondLst>
                                     <p:cond delay="0"/>
                                   </p:stCondLst>
@@ -12702,7 +12702,7 @@
                                           </p:stCondLst>
                                         </p:cTn>
                                         <p:tgtEl>
-                                          <p:spTgt spid="10"/>
+                                          <p:spTgt spid="8"/>
                                         </p:tgtEl>
                                         <p:attrNameLst>
                                           <p:attrName>style.visibility</p:attrName>
@@ -12716,7 +12716,7 @@
                                       <p:cBhvr>
                                         <p:cTn id="31" dur="500"/>
                                         <p:tgtEl>
-                                          <p:spTgt spid="10"/>
+                                          <p:spTgt spid="8"/>
                                         </p:tgtEl>
                                       </p:cBhvr>
                                     </p:animEffect>
@@ -12724,7 +12724,7 @@
                                 </p:cTn>
                               </p:par>
                               <p:par>
-                                <p:cTn id="32" presetID="10" presetClass="entr" presetSubtype="0" fill="hold" grpId="0" nodeType="withEffect">
+                                <p:cTn id="32" presetID="10" presetClass="entr" presetSubtype="0" fill="hold" nodeType="withEffect">
                                   <p:stCondLst>
                                     <p:cond delay="0"/>
                                   </p:stCondLst>
@@ -12737,7 +12737,7 @@
                                           </p:stCondLst>
                                         </p:cTn>
                                         <p:tgtEl>
-                                          <p:spTgt spid="4"/>
+                                          <p:spTgt spid="11"/>
                                         </p:tgtEl>
                                         <p:attrNameLst>
                                           <p:attrName>style.visibility</p:attrName>
@@ -12751,7 +12751,7 @@
                                       <p:cBhvr>
                                         <p:cTn id="34" dur="500"/>
                                         <p:tgtEl>
-                                          <p:spTgt spid="4"/>
+                                          <p:spTgt spid="11"/>
                                         </p:tgtEl>
                                       </p:cBhvr>
                                     </p:animEffect>
@@ -12772,7 +12772,7 @@
                                           </p:stCondLst>
                                         </p:cTn>
                                         <p:tgtEl>
-                                          <p:spTgt spid="9"/>
+                                          <p:spTgt spid="10"/>
                                         </p:tgtEl>
                                         <p:attrNameLst>
                                           <p:attrName>style.visibility</p:attrName>
@@ -12786,7 +12786,7 @@
                                       <p:cBhvr>
                                         <p:cTn id="37" dur="500"/>
                                         <p:tgtEl>
-                                          <p:spTgt spid="9"/>
+                                          <p:spTgt spid="10"/>
                                         </p:tgtEl>
                                       </p:cBhvr>
                                     </p:animEffect>
@@ -12807,7 +12807,7 @@
                                           </p:stCondLst>
                                         </p:cTn>
                                         <p:tgtEl>
-                                          <p:spTgt spid="16"/>
+                                          <p:spTgt spid="7"/>
                                         </p:tgtEl>
                                         <p:attrNameLst>
                                           <p:attrName>style.visibility</p:attrName>
@@ -12821,7 +12821,7 @@
                                       <p:cBhvr>
                                         <p:cTn id="40" dur="500"/>
                                         <p:tgtEl>
-                                          <p:spTgt spid="16"/>
+                                          <p:spTgt spid="7"/>
                                         </p:tgtEl>
                                       </p:cBhvr>
                                     </p:animEffect>

--- a/2023-01-17 Dotnet Foundation Summit 2023/ABP Multi-Tenancy.pptx
+++ b/2023-01-17 Dotnet Foundation Summit 2023/ABP Multi-Tenancy.pptx
@@ -282,7 +282,7 @@
           <a:p>
             <a:fld id="{2A14C9FE-EBC3-45D3-899C-58AAF4F8AF71}" type="datetimeFigureOut">
               <a:rPr lang="en-US" smtClean="0"/>
-              <a:t>1/5/2023</a:t>
+              <a:t>1/8/2023</a:t>
             </a:fld>
             <a:endParaRPr lang="en-US"/>
           </a:p>
@@ -480,7 +480,7 @@
           <a:p>
             <a:fld id="{2A14C9FE-EBC3-45D3-899C-58AAF4F8AF71}" type="datetimeFigureOut">
               <a:rPr lang="en-US" smtClean="0"/>
-              <a:t>1/5/2023</a:t>
+              <a:t>1/8/2023</a:t>
             </a:fld>
             <a:endParaRPr lang="en-US"/>
           </a:p>
@@ -688,7 +688,7 @@
           <a:p>
             <a:fld id="{2A14C9FE-EBC3-45D3-899C-58AAF4F8AF71}" type="datetimeFigureOut">
               <a:rPr lang="en-US" smtClean="0"/>
-              <a:t>1/5/2023</a:t>
+              <a:t>1/8/2023</a:t>
             </a:fld>
             <a:endParaRPr lang="en-US"/>
           </a:p>
@@ -886,7 +886,7 @@
           <a:p>
             <a:fld id="{2A14C9FE-EBC3-45D3-899C-58AAF4F8AF71}" type="datetimeFigureOut">
               <a:rPr lang="en-US" smtClean="0"/>
-              <a:t>1/5/2023</a:t>
+              <a:t>1/8/2023</a:t>
             </a:fld>
             <a:endParaRPr lang="en-US"/>
           </a:p>
@@ -1161,7 +1161,7 @@
           <a:p>
             <a:fld id="{2A14C9FE-EBC3-45D3-899C-58AAF4F8AF71}" type="datetimeFigureOut">
               <a:rPr lang="en-US" smtClean="0"/>
-              <a:t>1/5/2023</a:t>
+              <a:t>1/8/2023</a:t>
             </a:fld>
             <a:endParaRPr lang="en-US"/>
           </a:p>
@@ -1426,7 +1426,7 @@
           <a:p>
             <a:fld id="{2A14C9FE-EBC3-45D3-899C-58AAF4F8AF71}" type="datetimeFigureOut">
               <a:rPr lang="en-US" smtClean="0"/>
-              <a:t>1/5/2023</a:t>
+              <a:t>1/8/2023</a:t>
             </a:fld>
             <a:endParaRPr lang="en-US"/>
           </a:p>
@@ -1838,7 +1838,7 @@
           <a:p>
             <a:fld id="{2A14C9FE-EBC3-45D3-899C-58AAF4F8AF71}" type="datetimeFigureOut">
               <a:rPr lang="en-US" smtClean="0"/>
-              <a:t>1/5/2023</a:t>
+              <a:t>1/8/2023</a:t>
             </a:fld>
             <a:endParaRPr lang="en-US"/>
           </a:p>
@@ -1979,7 +1979,7 @@
           <a:p>
             <a:fld id="{2A14C9FE-EBC3-45D3-899C-58AAF4F8AF71}" type="datetimeFigureOut">
               <a:rPr lang="en-US" smtClean="0"/>
-              <a:t>1/5/2023</a:t>
+              <a:t>1/8/2023</a:t>
             </a:fld>
             <a:endParaRPr lang="en-US"/>
           </a:p>
@@ -2092,7 +2092,7 @@
           <a:p>
             <a:fld id="{2A14C9FE-EBC3-45D3-899C-58AAF4F8AF71}" type="datetimeFigureOut">
               <a:rPr lang="en-US" smtClean="0"/>
-              <a:t>1/5/2023</a:t>
+              <a:t>1/8/2023</a:t>
             </a:fld>
             <a:endParaRPr lang="en-US"/>
           </a:p>
@@ -2403,7 +2403,7 @@
           <a:p>
             <a:fld id="{2A14C9FE-EBC3-45D3-899C-58AAF4F8AF71}" type="datetimeFigureOut">
               <a:rPr lang="en-US" smtClean="0"/>
-              <a:t>1/5/2023</a:t>
+              <a:t>1/8/2023</a:t>
             </a:fld>
             <a:endParaRPr lang="en-US"/>
           </a:p>
@@ -2691,7 +2691,7 @@
           <a:p>
             <a:fld id="{2A14C9FE-EBC3-45D3-899C-58AAF4F8AF71}" type="datetimeFigureOut">
               <a:rPr lang="en-US" smtClean="0"/>
-              <a:t>1/5/2023</a:t>
+              <a:t>1/8/2023</a:t>
             </a:fld>
             <a:endParaRPr lang="en-US"/>
           </a:p>
@@ -2932,7 +2932,7 @@
           <a:p>
             <a:fld id="{2A14C9FE-EBC3-45D3-899C-58AAF4F8AF71}" type="datetimeFigureOut">
               <a:rPr lang="en-US" smtClean="0"/>
-              <a:t>1/5/2023</a:t>
+              <a:t>1/8/2023</a:t>
             </a:fld>
             <a:endParaRPr lang="en-US"/>
           </a:p>
@@ -7504,7 +7504,7 @@
                 <a:latin typeface="Euclid Circular B" panose="020B0504000000000000" pitchFamily="34" charset="0"/>
                 <a:ea typeface="Euclid Circular B" panose="020B0504000000000000" pitchFamily="34" charset="0"/>
               </a:rPr>
-              <a:t>About the ABP Framework</a:t>
+              <a:t>Introducing the ABP Framework</a:t>
             </a:r>
           </a:p>
           <a:p>
@@ -11616,53 +11616,6 @@
           </a:p>
         </p:txBody>
       </p:sp>
-      <p:pic>
-        <p:nvPicPr>
-          <p:cNvPr id="4" name="Picture 6" descr="Related image">
-            <a:extLst>
-              <a:ext uri="{FF2B5EF4-FFF2-40B4-BE49-F238E27FC236}">
-                <a16:creationId xmlns:a16="http://schemas.microsoft.com/office/drawing/2014/main" id="{17F8BEBF-E146-C7B9-F577-F2ED7FA51BC5}"/>
-              </a:ext>
-            </a:extLst>
-          </p:cNvPr>
-          <p:cNvPicPr>
-            <a:picLocks noChangeAspect="1" noChangeArrowheads="1"/>
-          </p:cNvPicPr>
-          <p:nvPr/>
-        </p:nvPicPr>
-        <p:blipFill>
-          <a:blip r:embed="rId3">
-            <a:extLst>
-              <a:ext uri="{28A0092B-C50C-407E-A947-70E740481C1C}">
-                <a14:useLocalDpi xmlns:a14="http://schemas.microsoft.com/office/drawing/2010/main" val="0"/>
-              </a:ext>
-            </a:extLst>
-          </a:blip>
-          <a:srcRect/>
-          <a:stretch>
-            <a:fillRect/>
-          </a:stretch>
-        </p:blipFill>
-        <p:spPr bwMode="auto">
-          <a:xfrm>
-            <a:off x="1295400" y="1971870"/>
-            <a:ext cx="7741595" cy="3810000"/>
-          </a:xfrm>
-          <a:prstGeom prst="rect">
-            <a:avLst/>
-          </a:prstGeom>
-          <a:noFill/>
-          <a:extLst>
-            <a:ext uri="{909E8E84-426E-40DD-AFC4-6F175D3DCCD1}">
-              <a14:hiddenFill xmlns:a14="http://schemas.microsoft.com/office/drawing/2010/main">
-                <a:solidFill>
-                  <a:srgbClr val="FFFFFF"/>
-                </a:solidFill>
-              </a14:hiddenFill>
-            </a:ext>
-          </a:extLst>
-        </p:spPr>
-      </p:pic>
       <p:sp>
         <p:nvSpPr>
           <p:cNvPr id="5" name="TextBox 4">
@@ -11677,8 +11630,8 @@
         </p:nvSpPr>
         <p:spPr>
           <a:xfrm>
-            <a:off x="9303392" y="3317032"/>
-            <a:ext cx="2219916" cy="830997"/>
+            <a:off x="9010649" y="3180189"/>
+            <a:ext cx="2844745" cy="1015663"/>
           </a:xfrm>
           <a:prstGeom prst="rect">
             <a:avLst/>
@@ -11686,11 +11639,16 @@
           <a:noFill/>
           <a:ln>
             <a:solidFill>
-              <a:schemeClr val="bg1">
-                <a:lumMod val="50000"/>
-              </a:schemeClr>
+              <a:srgbClr val="FF0000"/>
             </a:solidFill>
           </a:ln>
+          <a:effectLst>
+            <a:outerShdw blurRad="50800" dist="38100" dir="2700000" algn="tl" rotWithShape="0">
+              <a:prstClr val="black">
+                <a:alpha val="40000"/>
+              </a:prstClr>
+            </a:outerShdw>
+          </a:effectLst>
         </p:spPr>
         <p:txBody>
           <a:bodyPr wrap="square" rtlCol="0">
@@ -11700,21 +11658,111 @@
           <a:p>
             <a:pPr algn="ctr"/>
             <a:r>
-              <a:rPr lang="en-US" sz="4800" dirty="0">
+              <a:rPr lang="en-US" sz="6000" dirty="0">
                 <a:solidFill>
-                  <a:schemeClr val="accent1"/>
+                  <a:srgbClr val="FF0000"/>
                 </a:solidFill>
               </a:rPr>
               <a:t>Hybrid!</a:t>
             </a:r>
-            <a:endParaRPr lang="tr-TR" sz="4800" dirty="0">
+            <a:endParaRPr lang="tr-TR" sz="6000" dirty="0">
               <a:solidFill>
-                <a:schemeClr val="accent1"/>
+                <a:srgbClr val="FF0000"/>
               </a:solidFill>
             </a:endParaRPr>
           </a:p>
         </p:txBody>
       </p:sp>
+      <p:pic>
+        <p:nvPicPr>
+          <p:cNvPr id="6" name="Picture 5">
+            <a:extLst>
+              <a:ext uri="{FF2B5EF4-FFF2-40B4-BE49-F238E27FC236}">
+                <a16:creationId xmlns:a16="http://schemas.microsoft.com/office/drawing/2014/main" id="{3091E869-6A2D-A174-6347-398DF75AA5E2}"/>
+              </a:ext>
+            </a:extLst>
+          </p:cNvPr>
+          <p:cNvPicPr>
+            <a:picLocks noChangeAspect="1"/>
+          </p:cNvPicPr>
+          <p:nvPr/>
+        </p:nvPicPr>
+        <p:blipFill>
+          <a:blip r:embed="rId3"/>
+          <a:stretch>
+            <a:fillRect/>
+          </a:stretch>
+        </p:blipFill>
+        <p:spPr>
+          <a:xfrm>
+            <a:off x="838200" y="1690688"/>
+            <a:ext cx="2371725" cy="3810000"/>
+          </a:xfrm>
+          <a:prstGeom prst="rect">
+            <a:avLst/>
+          </a:prstGeom>
+        </p:spPr>
+      </p:pic>
+      <p:pic>
+        <p:nvPicPr>
+          <p:cNvPr id="8" name="Picture 7">
+            <a:extLst>
+              <a:ext uri="{FF2B5EF4-FFF2-40B4-BE49-F238E27FC236}">
+                <a16:creationId xmlns:a16="http://schemas.microsoft.com/office/drawing/2014/main" id="{2F951AA6-437B-FF31-56D8-B7F105C1207F}"/>
+              </a:ext>
+            </a:extLst>
+          </p:cNvPr>
+          <p:cNvPicPr>
+            <a:picLocks noChangeAspect="1"/>
+          </p:cNvPicPr>
+          <p:nvPr/>
+        </p:nvPicPr>
+        <p:blipFill>
+          <a:blip r:embed="rId4"/>
+          <a:stretch>
+            <a:fillRect/>
+          </a:stretch>
+        </p:blipFill>
+        <p:spPr>
+          <a:xfrm>
+            <a:off x="3576294" y="1690688"/>
+            <a:ext cx="2362200" cy="3810000"/>
+          </a:xfrm>
+          <a:prstGeom prst="rect">
+            <a:avLst/>
+          </a:prstGeom>
+        </p:spPr>
+      </p:pic>
+      <p:pic>
+        <p:nvPicPr>
+          <p:cNvPr id="10" name="Picture 9">
+            <a:extLst>
+              <a:ext uri="{FF2B5EF4-FFF2-40B4-BE49-F238E27FC236}">
+                <a16:creationId xmlns:a16="http://schemas.microsoft.com/office/drawing/2014/main" id="{C77F166A-3AFE-9B46-8436-435670595A29}"/>
+              </a:ext>
+            </a:extLst>
+          </p:cNvPr>
+          <p:cNvPicPr>
+            <a:picLocks noChangeAspect="1"/>
+          </p:cNvPicPr>
+          <p:nvPr/>
+        </p:nvPicPr>
+        <p:blipFill>
+          <a:blip r:embed="rId5"/>
+          <a:stretch>
+            <a:fillRect/>
+          </a:stretch>
+        </p:blipFill>
+        <p:spPr>
+          <a:xfrm>
+            <a:off x="6302997" y="1690688"/>
+            <a:ext cx="2343150" cy="3810000"/>
+          </a:xfrm>
+          <a:prstGeom prst="rect">
+            <a:avLst/>
+          </a:prstGeom>
+        </p:spPr>
+      </p:pic>
     </p:spTree>
     <p:extLst>
       <p:ext uri="{BB962C8B-B14F-4D97-AF65-F5344CB8AC3E}">
@@ -11725,6 +11773,251 @@
   <p:clrMapOvr>
     <a:masterClrMapping/>
   </p:clrMapOvr>
+  <p:timing>
+    <p:tnLst>
+      <p:par>
+        <p:cTn id="1" dur="indefinite" restart="never" nodeType="tmRoot">
+          <p:childTnLst>
+            <p:seq concurrent="1" nextAc="seek">
+              <p:cTn id="2" dur="indefinite" nodeType="mainSeq">
+                <p:childTnLst>
+                  <p:par>
+                    <p:cTn id="3" fill="hold">
+                      <p:stCondLst>
+                        <p:cond delay="indefinite"/>
+                      </p:stCondLst>
+                      <p:childTnLst>
+                        <p:par>
+                          <p:cTn id="4" fill="hold">
+                            <p:stCondLst>
+                              <p:cond delay="0"/>
+                            </p:stCondLst>
+                            <p:childTnLst>
+                              <p:par>
+                                <p:cTn id="5" presetID="10" presetClass="entr" presetSubtype="0" fill="hold" nodeType="clickEffect">
+                                  <p:stCondLst>
+                                    <p:cond delay="0"/>
+                                  </p:stCondLst>
+                                  <p:childTnLst>
+                                    <p:set>
+                                      <p:cBhvr>
+                                        <p:cTn id="6" dur="1" fill="hold">
+                                          <p:stCondLst>
+                                            <p:cond delay="0"/>
+                                          </p:stCondLst>
+                                        </p:cTn>
+                                        <p:tgtEl>
+                                          <p:spTgt spid="6"/>
+                                        </p:tgtEl>
+                                        <p:attrNameLst>
+                                          <p:attrName>style.visibility</p:attrName>
+                                        </p:attrNameLst>
+                                      </p:cBhvr>
+                                      <p:to>
+                                        <p:strVal val="visible"/>
+                                      </p:to>
+                                    </p:set>
+                                    <p:animEffect transition="in" filter="fade">
+                                      <p:cBhvr>
+                                        <p:cTn id="7" dur="500"/>
+                                        <p:tgtEl>
+                                          <p:spTgt spid="6"/>
+                                        </p:tgtEl>
+                                      </p:cBhvr>
+                                    </p:animEffect>
+                                  </p:childTnLst>
+                                </p:cTn>
+                              </p:par>
+                            </p:childTnLst>
+                          </p:cTn>
+                        </p:par>
+                      </p:childTnLst>
+                    </p:cTn>
+                  </p:par>
+                  <p:par>
+                    <p:cTn id="8" fill="hold">
+                      <p:stCondLst>
+                        <p:cond delay="indefinite"/>
+                      </p:stCondLst>
+                      <p:childTnLst>
+                        <p:par>
+                          <p:cTn id="9" fill="hold">
+                            <p:stCondLst>
+                              <p:cond delay="0"/>
+                            </p:stCondLst>
+                            <p:childTnLst>
+                              <p:par>
+                                <p:cTn id="10" presetID="10" presetClass="entr" presetSubtype="0" fill="hold" nodeType="clickEffect">
+                                  <p:stCondLst>
+                                    <p:cond delay="0"/>
+                                  </p:stCondLst>
+                                  <p:childTnLst>
+                                    <p:set>
+                                      <p:cBhvr>
+                                        <p:cTn id="11" dur="1" fill="hold">
+                                          <p:stCondLst>
+                                            <p:cond delay="0"/>
+                                          </p:stCondLst>
+                                        </p:cTn>
+                                        <p:tgtEl>
+                                          <p:spTgt spid="8"/>
+                                        </p:tgtEl>
+                                        <p:attrNameLst>
+                                          <p:attrName>style.visibility</p:attrName>
+                                        </p:attrNameLst>
+                                      </p:cBhvr>
+                                      <p:to>
+                                        <p:strVal val="visible"/>
+                                      </p:to>
+                                    </p:set>
+                                    <p:animEffect transition="in" filter="fade">
+                                      <p:cBhvr>
+                                        <p:cTn id="12" dur="500"/>
+                                        <p:tgtEl>
+                                          <p:spTgt spid="8"/>
+                                        </p:tgtEl>
+                                      </p:cBhvr>
+                                    </p:animEffect>
+                                  </p:childTnLst>
+                                </p:cTn>
+                              </p:par>
+                            </p:childTnLst>
+                          </p:cTn>
+                        </p:par>
+                      </p:childTnLst>
+                    </p:cTn>
+                  </p:par>
+                  <p:par>
+                    <p:cTn id="13" fill="hold">
+                      <p:stCondLst>
+                        <p:cond delay="indefinite"/>
+                      </p:stCondLst>
+                      <p:childTnLst>
+                        <p:par>
+                          <p:cTn id="14" fill="hold">
+                            <p:stCondLst>
+                              <p:cond delay="0"/>
+                            </p:stCondLst>
+                            <p:childTnLst>
+                              <p:par>
+                                <p:cTn id="15" presetID="10" presetClass="entr" presetSubtype="0" fill="hold" nodeType="clickEffect">
+                                  <p:stCondLst>
+                                    <p:cond delay="0"/>
+                                  </p:stCondLst>
+                                  <p:childTnLst>
+                                    <p:set>
+                                      <p:cBhvr>
+                                        <p:cTn id="16" dur="1" fill="hold">
+                                          <p:stCondLst>
+                                            <p:cond delay="0"/>
+                                          </p:stCondLst>
+                                        </p:cTn>
+                                        <p:tgtEl>
+                                          <p:spTgt spid="10"/>
+                                        </p:tgtEl>
+                                        <p:attrNameLst>
+                                          <p:attrName>style.visibility</p:attrName>
+                                        </p:attrNameLst>
+                                      </p:cBhvr>
+                                      <p:to>
+                                        <p:strVal val="visible"/>
+                                      </p:to>
+                                    </p:set>
+                                    <p:animEffect transition="in" filter="fade">
+                                      <p:cBhvr>
+                                        <p:cTn id="17" dur="500"/>
+                                        <p:tgtEl>
+                                          <p:spTgt spid="10"/>
+                                        </p:tgtEl>
+                                      </p:cBhvr>
+                                    </p:animEffect>
+                                  </p:childTnLst>
+                                </p:cTn>
+                              </p:par>
+                            </p:childTnLst>
+                          </p:cTn>
+                        </p:par>
+                      </p:childTnLst>
+                    </p:cTn>
+                  </p:par>
+                  <p:par>
+                    <p:cTn id="18" fill="hold">
+                      <p:stCondLst>
+                        <p:cond delay="indefinite"/>
+                      </p:stCondLst>
+                      <p:childTnLst>
+                        <p:par>
+                          <p:cTn id="19" fill="hold">
+                            <p:stCondLst>
+                              <p:cond delay="0"/>
+                            </p:stCondLst>
+                            <p:childTnLst>
+                              <p:par>
+                                <p:cTn id="20" presetID="10" presetClass="entr" presetSubtype="0" fill="hold" grpId="0" nodeType="clickEffect">
+                                  <p:stCondLst>
+                                    <p:cond delay="0"/>
+                                  </p:stCondLst>
+                                  <p:childTnLst>
+                                    <p:set>
+                                      <p:cBhvr>
+                                        <p:cTn id="21" dur="1" fill="hold">
+                                          <p:stCondLst>
+                                            <p:cond delay="0"/>
+                                          </p:stCondLst>
+                                        </p:cTn>
+                                        <p:tgtEl>
+                                          <p:spTgt spid="5"/>
+                                        </p:tgtEl>
+                                        <p:attrNameLst>
+                                          <p:attrName>style.visibility</p:attrName>
+                                        </p:attrNameLst>
+                                      </p:cBhvr>
+                                      <p:to>
+                                        <p:strVal val="visible"/>
+                                      </p:to>
+                                    </p:set>
+                                    <p:animEffect transition="in" filter="fade">
+                                      <p:cBhvr>
+                                        <p:cTn id="22" dur="500"/>
+                                        <p:tgtEl>
+                                          <p:spTgt spid="5"/>
+                                        </p:tgtEl>
+                                      </p:cBhvr>
+                                    </p:animEffect>
+                                  </p:childTnLst>
+                                </p:cTn>
+                              </p:par>
+                            </p:childTnLst>
+                          </p:cTn>
+                        </p:par>
+                      </p:childTnLst>
+                    </p:cTn>
+                  </p:par>
+                </p:childTnLst>
+              </p:cTn>
+              <p:prevCondLst>
+                <p:cond evt="onPrev" delay="0">
+                  <p:tgtEl>
+                    <p:sldTgt/>
+                  </p:tgtEl>
+                </p:cond>
+              </p:prevCondLst>
+              <p:nextCondLst>
+                <p:cond evt="onNext" delay="0">
+                  <p:tgtEl>
+                    <p:sldTgt/>
+                  </p:tgtEl>
+                </p:cond>
+              </p:nextCondLst>
+            </p:seq>
+          </p:childTnLst>
+        </p:cTn>
+      </p:par>
+    </p:tnLst>
+    <p:bldLst>
+      <p:bldP spid="5" grpId="0" animBg="1"/>
+    </p:bldLst>
+  </p:timing>
 </p:sld>
 </file>
 

--- a/2023-01-17 Dotnet Foundation Summit 2023/ABP Multi-Tenancy.pptx
+++ b/2023-01-17 Dotnet Foundation Summit 2023/ABP Multi-Tenancy.pptx
@@ -28,7 +28,6 @@
     <p:sldId id="286" r:id="rId22"/>
     <p:sldId id="288" r:id="rId23"/>
     <p:sldId id="289" r:id="rId24"/>
-    <p:sldId id="287" r:id="rId25"/>
   </p:sldIdLst>
   <p:sldSz cx="12192000" cy="6858000"/>
   <p:notesSz cx="6858000" cy="9144000"/>
@@ -282,7 +281,7 @@
           <a:p>
             <a:fld id="{2A14C9FE-EBC3-45D3-899C-58AAF4F8AF71}" type="datetimeFigureOut">
               <a:rPr lang="en-US" smtClean="0"/>
-              <a:t>1/8/2023</a:t>
+              <a:t>1/15/2023</a:t>
             </a:fld>
             <a:endParaRPr lang="en-US"/>
           </a:p>
@@ -480,7 +479,7 @@
           <a:p>
             <a:fld id="{2A14C9FE-EBC3-45D3-899C-58AAF4F8AF71}" type="datetimeFigureOut">
               <a:rPr lang="en-US" smtClean="0"/>
-              <a:t>1/8/2023</a:t>
+              <a:t>1/15/2023</a:t>
             </a:fld>
             <a:endParaRPr lang="en-US"/>
           </a:p>
@@ -688,7 +687,7 @@
           <a:p>
             <a:fld id="{2A14C9FE-EBC3-45D3-899C-58AAF4F8AF71}" type="datetimeFigureOut">
               <a:rPr lang="en-US" smtClean="0"/>
-              <a:t>1/8/2023</a:t>
+              <a:t>1/15/2023</a:t>
             </a:fld>
             <a:endParaRPr lang="en-US"/>
           </a:p>
@@ -886,7 +885,7 @@
           <a:p>
             <a:fld id="{2A14C9FE-EBC3-45D3-899C-58AAF4F8AF71}" type="datetimeFigureOut">
               <a:rPr lang="en-US" smtClean="0"/>
-              <a:t>1/8/2023</a:t>
+              <a:t>1/15/2023</a:t>
             </a:fld>
             <a:endParaRPr lang="en-US"/>
           </a:p>
@@ -1161,7 +1160,7 @@
           <a:p>
             <a:fld id="{2A14C9FE-EBC3-45D3-899C-58AAF4F8AF71}" type="datetimeFigureOut">
               <a:rPr lang="en-US" smtClean="0"/>
-              <a:t>1/8/2023</a:t>
+              <a:t>1/15/2023</a:t>
             </a:fld>
             <a:endParaRPr lang="en-US"/>
           </a:p>
@@ -1426,7 +1425,7 @@
           <a:p>
             <a:fld id="{2A14C9FE-EBC3-45D3-899C-58AAF4F8AF71}" type="datetimeFigureOut">
               <a:rPr lang="en-US" smtClean="0"/>
-              <a:t>1/8/2023</a:t>
+              <a:t>1/15/2023</a:t>
             </a:fld>
             <a:endParaRPr lang="en-US"/>
           </a:p>
@@ -1838,7 +1837,7 @@
           <a:p>
             <a:fld id="{2A14C9FE-EBC3-45D3-899C-58AAF4F8AF71}" type="datetimeFigureOut">
               <a:rPr lang="en-US" smtClean="0"/>
-              <a:t>1/8/2023</a:t>
+              <a:t>1/15/2023</a:t>
             </a:fld>
             <a:endParaRPr lang="en-US"/>
           </a:p>
@@ -1979,7 +1978,7 @@
           <a:p>
             <a:fld id="{2A14C9FE-EBC3-45D3-899C-58AAF4F8AF71}" type="datetimeFigureOut">
               <a:rPr lang="en-US" smtClean="0"/>
-              <a:t>1/8/2023</a:t>
+              <a:t>1/15/2023</a:t>
             </a:fld>
             <a:endParaRPr lang="en-US"/>
           </a:p>
@@ -2092,7 +2091,7 @@
           <a:p>
             <a:fld id="{2A14C9FE-EBC3-45D3-899C-58AAF4F8AF71}" type="datetimeFigureOut">
               <a:rPr lang="en-US" smtClean="0"/>
-              <a:t>1/8/2023</a:t>
+              <a:t>1/15/2023</a:t>
             </a:fld>
             <a:endParaRPr lang="en-US"/>
           </a:p>
@@ -2403,7 +2402,7 @@
           <a:p>
             <a:fld id="{2A14C9FE-EBC3-45D3-899C-58AAF4F8AF71}" type="datetimeFigureOut">
               <a:rPr lang="en-US" smtClean="0"/>
-              <a:t>1/8/2023</a:t>
+              <a:t>1/15/2023</a:t>
             </a:fld>
             <a:endParaRPr lang="en-US"/>
           </a:p>
@@ -2691,7 +2690,7 @@
           <a:p>
             <a:fld id="{2A14C9FE-EBC3-45D3-899C-58AAF4F8AF71}" type="datetimeFigureOut">
               <a:rPr lang="en-US" smtClean="0"/>
-              <a:t>1/8/2023</a:t>
+              <a:t>1/15/2023</a:t>
             </a:fld>
             <a:endParaRPr lang="en-US"/>
           </a:p>
@@ -2932,7 +2931,7 @@
           <a:p>
             <a:fld id="{2A14C9FE-EBC3-45D3-899C-58AAF4F8AF71}" type="datetimeFigureOut">
               <a:rPr lang="en-US" smtClean="0"/>
-              <a:t>1/8/2023</a:t>
+              <a:t>1/15/2023</a:t>
             </a:fld>
             <a:endParaRPr lang="en-US"/>
           </a:p>
@@ -5857,6 +5856,13 @@
               <a:t>current module</a:t>
             </a:r>
             <a:r>
+              <a:rPr lang="tr-TR" b="1" dirty="0">
+                <a:latin typeface="Euclid Circular B" panose="020B0504000000000000" pitchFamily="34" charset="0"/>
+                <a:ea typeface="Euclid Circular B" panose="020B0504000000000000" pitchFamily="34" charset="0"/>
+              </a:rPr>
+              <a:t> / microservice</a:t>
+            </a:r>
+            <a:r>
               <a:rPr lang="en-US" dirty="0">
                 <a:latin typeface="Euclid Circular B" panose="020B0504000000000000" pitchFamily="34" charset="0"/>
                 <a:ea typeface="Euclid Circular B" panose="020B0504000000000000" pitchFamily="34" charset="0"/>
@@ -8844,115 +8850,6 @@
     <p:extLst>
       <p:ext uri="{BB962C8B-B14F-4D97-AF65-F5344CB8AC3E}">
         <p14:creationId xmlns:p14="http://schemas.microsoft.com/office/powerpoint/2010/main" val="1621610224"/>
-      </p:ext>
-    </p:extLst>
-  </p:cSld>
-  <p:clrMapOvr>
-    <a:masterClrMapping/>
-  </p:clrMapOvr>
-</p:sld>
-</file>
-
-<file path=ppt/slides/slide24.xml><?xml version="1.0" encoding="utf-8"?>
-<p:sld xmlns:a="http://schemas.openxmlformats.org/drawingml/2006/main" xmlns:r="http://schemas.openxmlformats.org/officeDocument/2006/relationships" xmlns:p="http://schemas.openxmlformats.org/presentationml/2006/main">
-  <p:cSld>
-    <p:bg>
-      <p:bgPr>
-        <a:blipFill dpi="0" rotWithShape="1">
-          <a:blip r:embed="rId2">
-            <a:lum/>
-          </a:blip>
-          <a:srcRect/>
-          <a:stretch>
-            <a:fillRect/>
-          </a:stretch>
-        </a:blipFill>
-        <a:effectLst/>
-      </p:bgPr>
-    </p:bg>
-    <p:spTree>
-      <p:nvGrpSpPr>
-        <p:cNvPr id="1" name=""/>
-        <p:cNvGrpSpPr/>
-        <p:nvPr/>
-      </p:nvGrpSpPr>
-      <p:grpSpPr>
-        <a:xfrm>
-          <a:off x="0" y="0"/>
-          <a:ext cx="0" cy="0"/>
-          <a:chOff x="0" y="0"/>
-          <a:chExt cx="0" cy="0"/>
-        </a:xfrm>
-      </p:grpSpPr>
-      <p:sp>
-        <p:nvSpPr>
-          <p:cNvPr id="2" name="Title 1">
-            <a:extLst>
-              <a:ext uri="{FF2B5EF4-FFF2-40B4-BE49-F238E27FC236}">
-                <a16:creationId xmlns:a16="http://schemas.microsoft.com/office/drawing/2014/main" id="{55E11F08-6CA0-48F1-AD67-97430DDA07F0}"/>
-              </a:ext>
-            </a:extLst>
-          </p:cNvPr>
-          <p:cNvSpPr>
-            <a:spLocks noGrp="1"/>
-          </p:cNvSpPr>
-          <p:nvPr>
-            <p:ph type="title"/>
-          </p:nvPr>
-        </p:nvSpPr>
-        <p:spPr/>
-        <p:txBody>
-          <a:bodyPr/>
-          <a:lstStyle/>
-          <a:p>
-            <a:r>
-              <a:rPr lang="en-US" b="1" dirty="0">
-                <a:solidFill>
-                  <a:srgbClr val="292D33"/>
-                </a:solidFill>
-                <a:latin typeface="Euclid Circular B" panose="020B0504000000000000" pitchFamily="34" charset="0"/>
-                <a:ea typeface="Euclid Circular B" panose="020B0504000000000000" pitchFamily="34" charset="0"/>
-              </a:rPr>
-              <a:t>Topic title</a:t>
-            </a:r>
-          </a:p>
-        </p:txBody>
-      </p:sp>
-      <p:sp>
-        <p:nvSpPr>
-          <p:cNvPr id="3" name="Content Placeholder 2">
-            <a:extLst>
-              <a:ext uri="{FF2B5EF4-FFF2-40B4-BE49-F238E27FC236}">
-                <a16:creationId xmlns:a16="http://schemas.microsoft.com/office/drawing/2014/main" id="{891C7693-D3DF-4635-96F4-97F3B4136FDF}"/>
-              </a:ext>
-            </a:extLst>
-          </p:cNvPr>
-          <p:cNvSpPr>
-            <a:spLocks noGrp="1"/>
-          </p:cNvSpPr>
-          <p:nvPr>
-            <p:ph idx="1"/>
-          </p:nvPr>
-        </p:nvSpPr>
-        <p:spPr/>
-        <p:txBody>
-          <a:bodyPr/>
-          <a:lstStyle/>
-          <a:p>
-            <a:r>
-              <a:rPr lang="en-US" dirty="0">
-                <a:latin typeface="Euclid Circular B" panose="020B0504000000000000" pitchFamily="34" charset="0"/>
-                <a:ea typeface="Euclid Circular B" panose="020B0504000000000000" pitchFamily="34" charset="0"/>
-              </a:rPr>
-              <a:t>Content</a:t>
-            </a:r>
-          </a:p>
-        </p:txBody>
-      </p:sp>
-    </p:spTree>
-    <p:extLst>
-      <p:ext uri="{BB962C8B-B14F-4D97-AF65-F5344CB8AC3E}">
-        <p14:creationId xmlns:p14="http://schemas.microsoft.com/office/powerpoint/2010/main" val="3026269350"/>
       </p:ext>
     </p:extLst>
   </p:cSld>

--- a/2023-01-17 Dotnet Foundation Summit 2023/ABP Multi-Tenancy.pptx
+++ b/2023-01-17 Dotnet Foundation Summit 2023/ABP Multi-Tenancy.pptx
@@ -27,7 +27,6 @@
     <p:sldId id="275" r:id="rId21"/>
     <p:sldId id="286" r:id="rId22"/>
     <p:sldId id="288" r:id="rId23"/>
-    <p:sldId id="289" r:id="rId24"/>
   </p:sldIdLst>
   <p:sldSz cx="12192000" cy="6858000"/>
   <p:notesSz cx="6858000" cy="9144000"/>
@@ -281,7 +280,7 @@
           <a:p>
             <a:fld id="{2A14C9FE-EBC3-45D3-899C-58AAF4F8AF71}" type="datetimeFigureOut">
               <a:rPr lang="en-US" smtClean="0"/>
-              <a:t>1/15/2023</a:t>
+              <a:t>1/17/2023</a:t>
             </a:fld>
             <a:endParaRPr lang="en-US"/>
           </a:p>
@@ -479,7 +478,7 @@
           <a:p>
             <a:fld id="{2A14C9FE-EBC3-45D3-899C-58AAF4F8AF71}" type="datetimeFigureOut">
               <a:rPr lang="en-US" smtClean="0"/>
-              <a:t>1/15/2023</a:t>
+              <a:t>1/17/2023</a:t>
             </a:fld>
             <a:endParaRPr lang="en-US"/>
           </a:p>
@@ -687,7 +686,7 @@
           <a:p>
             <a:fld id="{2A14C9FE-EBC3-45D3-899C-58AAF4F8AF71}" type="datetimeFigureOut">
               <a:rPr lang="en-US" smtClean="0"/>
-              <a:t>1/15/2023</a:t>
+              <a:t>1/17/2023</a:t>
             </a:fld>
             <a:endParaRPr lang="en-US"/>
           </a:p>
@@ -885,7 +884,7 @@
           <a:p>
             <a:fld id="{2A14C9FE-EBC3-45D3-899C-58AAF4F8AF71}" type="datetimeFigureOut">
               <a:rPr lang="en-US" smtClean="0"/>
-              <a:t>1/15/2023</a:t>
+              <a:t>1/17/2023</a:t>
             </a:fld>
             <a:endParaRPr lang="en-US"/>
           </a:p>
@@ -1160,7 +1159,7 @@
           <a:p>
             <a:fld id="{2A14C9FE-EBC3-45D3-899C-58AAF4F8AF71}" type="datetimeFigureOut">
               <a:rPr lang="en-US" smtClean="0"/>
-              <a:t>1/15/2023</a:t>
+              <a:t>1/17/2023</a:t>
             </a:fld>
             <a:endParaRPr lang="en-US"/>
           </a:p>
@@ -1425,7 +1424,7 @@
           <a:p>
             <a:fld id="{2A14C9FE-EBC3-45D3-899C-58AAF4F8AF71}" type="datetimeFigureOut">
               <a:rPr lang="en-US" smtClean="0"/>
-              <a:t>1/15/2023</a:t>
+              <a:t>1/17/2023</a:t>
             </a:fld>
             <a:endParaRPr lang="en-US"/>
           </a:p>
@@ -1837,7 +1836,7 @@
           <a:p>
             <a:fld id="{2A14C9FE-EBC3-45D3-899C-58AAF4F8AF71}" type="datetimeFigureOut">
               <a:rPr lang="en-US" smtClean="0"/>
-              <a:t>1/15/2023</a:t>
+              <a:t>1/17/2023</a:t>
             </a:fld>
             <a:endParaRPr lang="en-US"/>
           </a:p>
@@ -1978,7 +1977,7 @@
           <a:p>
             <a:fld id="{2A14C9FE-EBC3-45D3-899C-58AAF4F8AF71}" type="datetimeFigureOut">
               <a:rPr lang="en-US" smtClean="0"/>
-              <a:t>1/15/2023</a:t>
+              <a:t>1/17/2023</a:t>
             </a:fld>
             <a:endParaRPr lang="en-US"/>
           </a:p>
@@ -2091,7 +2090,7 @@
           <a:p>
             <a:fld id="{2A14C9FE-EBC3-45D3-899C-58AAF4F8AF71}" type="datetimeFigureOut">
               <a:rPr lang="en-US" smtClean="0"/>
-              <a:t>1/15/2023</a:t>
+              <a:t>1/17/2023</a:t>
             </a:fld>
             <a:endParaRPr lang="en-US"/>
           </a:p>
@@ -2402,7 +2401,7 @@
           <a:p>
             <a:fld id="{2A14C9FE-EBC3-45D3-899C-58AAF4F8AF71}" type="datetimeFigureOut">
               <a:rPr lang="en-US" smtClean="0"/>
-              <a:t>1/15/2023</a:t>
+              <a:t>1/17/2023</a:t>
             </a:fld>
             <a:endParaRPr lang="en-US"/>
           </a:p>
@@ -2690,7 +2689,7 @@
           <a:p>
             <a:fld id="{2A14C9FE-EBC3-45D3-899C-58AAF4F8AF71}" type="datetimeFigureOut">
               <a:rPr lang="en-US" smtClean="0"/>
-              <a:t>1/15/2023</a:t>
+              <a:t>1/17/2023</a:t>
             </a:fld>
             <a:endParaRPr lang="en-US"/>
           </a:p>
@@ -2931,7 +2930,7 @@
           <a:p>
             <a:fld id="{2A14C9FE-EBC3-45D3-899C-58AAF4F8AF71}" type="datetimeFigureOut">
               <a:rPr lang="en-US" smtClean="0"/>
-              <a:t>1/15/2023</a:t>
+              <a:t>1/17/2023</a:t>
             </a:fld>
             <a:endParaRPr lang="en-US"/>
           </a:p>
@@ -8750,115 +8749,6 @@
 </p:sld>
 </file>
 
-<file path=ppt/slides/slide23.xml><?xml version="1.0" encoding="utf-8"?>
-<p:sld xmlns:a="http://schemas.openxmlformats.org/drawingml/2006/main" xmlns:r="http://schemas.openxmlformats.org/officeDocument/2006/relationships" xmlns:p="http://schemas.openxmlformats.org/presentationml/2006/main">
-  <p:cSld>
-    <p:bg>
-      <p:bgPr>
-        <a:blipFill dpi="0" rotWithShape="1">
-          <a:blip r:embed="rId2">
-            <a:lum/>
-          </a:blip>
-          <a:srcRect/>
-          <a:stretch>
-            <a:fillRect/>
-          </a:stretch>
-        </a:blipFill>
-        <a:effectLst/>
-      </p:bgPr>
-    </p:bg>
-    <p:spTree>
-      <p:nvGrpSpPr>
-        <p:cNvPr id="1" name=""/>
-        <p:cNvGrpSpPr/>
-        <p:nvPr/>
-      </p:nvGrpSpPr>
-      <p:grpSpPr>
-        <a:xfrm>
-          <a:off x="0" y="0"/>
-          <a:ext cx="0" cy="0"/>
-          <a:chOff x="0" y="0"/>
-          <a:chExt cx="0" cy="0"/>
-        </a:xfrm>
-      </p:grpSpPr>
-      <p:sp>
-        <p:nvSpPr>
-          <p:cNvPr id="2" name="Title 1">
-            <a:extLst>
-              <a:ext uri="{FF2B5EF4-FFF2-40B4-BE49-F238E27FC236}">
-                <a16:creationId xmlns:a16="http://schemas.microsoft.com/office/drawing/2014/main" id="{55E11F08-6CA0-48F1-AD67-97430DDA07F0}"/>
-              </a:ext>
-            </a:extLst>
-          </p:cNvPr>
-          <p:cNvSpPr>
-            <a:spLocks noGrp="1"/>
-          </p:cNvSpPr>
-          <p:nvPr>
-            <p:ph type="title"/>
-          </p:nvPr>
-        </p:nvSpPr>
-        <p:spPr/>
-        <p:txBody>
-          <a:bodyPr/>
-          <a:lstStyle/>
-          <a:p>
-            <a:r>
-              <a:rPr lang="en-US" b="1" dirty="0">
-                <a:solidFill>
-                  <a:srgbClr val="292D33"/>
-                </a:solidFill>
-                <a:latin typeface="Euclid Circular B" panose="020B0504000000000000" pitchFamily="34" charset="0"/>
-                <a:ea typeface="Euclid Circular B" panose="020B0504000000000000" pitchFamily="34" charset="0"/>
-              </a:rPr>
-              <a:t>Topic title</a:t>
-            </a:r>
-          </a:p>
-        </p:txBody>
-      </p:sp>
-      <p:sp>
-        <p:nvSpPr>
-          <p:cNvPr id="3" name="Content Placeholder 2">
-            <a:extLst>
-              <a:ext uri="{FF2B5EF4-FFF2-40B4-BE49-F238E27FC236}">
-                <a16:creationId xmlns:a16="http://schemas.microsoft.com/office/drawing/2014/main" id="{891C7693-D3DF-4635-96F4-97F3B4136FDF}"/>
-              </a:ext>
-            </a:extLst>
-          </p:cNvPr>
-          <p:cNvSpPr>
-            <a:spLocks noGrp="1"/>
-          </p:cNvSpPr>
-          <p:nvPr>
-            <p:ph idx="1"/>
-          </p:nvPr>
-        </p:nvSpPr>
-        <p:spPr/>
-        <p:txBody>
-          <a:bodyPr/>
-          <a:lstStyle/>
-          <a:p>
-            <a:r>
-              <a:rPr lang="en-US" dirty="0">
-                <a:latin typeface="Euclid Circular B" panose="020B0504000000000000" pitchFamily="34" charset="0"/>
-                <a:ea typeface="Euclid Circular B" panose="020B0504000000000000" pitchFamily="34" charset="0"/>
-              </a:rPr>
-              <a:t>Content</a:t>
-            </a:r>
-          </a:p>
-        </p:txBody>
-      </p:sp>
-    </p:spTree>
-    <p:extLst>
-      <p:ext uri="{BB962C8B-B14F-4D97-AF65-F5344CB8AC3E}">
-        <p14:creationId xmlns:p14="http://schemas.microsoft.com/office/powerpoint/2010/main" val="1621610224"/>
-      </p:ext>
-    </p:extLst>
-  </p:cSld>
-  <p:clrMapOvr>
-    <a:masterClrMapping/>
-  </p:clrMapOvr>
-</p:sld>
-</file>
-
 <file path=ppt/slides/slide3.xml><?xml version="1.0" encoding="utf-8"?>
 <p:sld xmlns:a="http://schemas.openxmlformats.org/drawingml/2006/main" xmlns:r="http://schemas.openxmlformats.org/officeDocument/2006/relationships" xmlns:p="http://schemas.openxmlformats.org/presentationml/2006/main">
   <p:cSld>
